--- a/Report_docs/2022HT80170_ppt.pptx
+++ b/Report_docs/2022HT80170_ppt.pptx
@@ -2,11 +2,19 @@
 <file path=ppt/presentation.xml><?xml version="1.0" encoding="utf-8"?>
 <p:presentation xmlns:a="http://schemas.openxmlformats.org/drawingml/2006/main" xmlns:r="http://schemas.openxmlformats.org/officeDocument/2006/relationships" xmlns:p="http://schemas.openxmlformats.org/presentationml/2006/main" saveSubsetFonts="1">
   <p:sldMasterIdLst>
-    <p:sldMasterId id="2147483677" r:id="rId1"/>
+    <p:sldMasterId id="2147483696" r:id="rId1"/>
   </p:sldMasterIdLst>
   <p:sldIdLst>
     <p:sldId id="256" r:id="rId2"/>
     <p:sldId id="257" r:id="rId3"/>
+    <p:sldId id="258" r:id="rId4"/>
+    <p:sldId id="259" r:id="rId5"/>
+    <p:sldId id="260" r:id="rId6"/>
+    <p:sldId id="261" r:id="rId7"/>
+    <p:sldId id="262" r:id="rId8"/>
+    <p:sldId id="264" r:id="rId9"/>
+    <p:sldId id="263" r:id="rId10"/>
+    <p:sldId id="265" r:id="rId11"/>
   </p:sldIdLst>
   <p:sldSz cx="12192000" cy="6858000"/>
   <p:notesSz cx="6858000" cy="9144000"/>
@@ -284,7 +292,7 @@
           <a:p>
             <a:fld id="{D0A6EFE7-49CF-41CD-8532-F915F2717F0A}" type="datetimeFigureOut">
               <a:rPr lang="en-US" smtClean="0"/>
-              <a:t>4/18/2024</a:t>
+              <a:t>4/27/2024</a:t>
             </a:fld>
             <a:endParaRPr lang="en-US"/>
           </a:p>
@@ -335,7 +343,7 @@
     </p:spTree>
     <p:extLst>
       <p:ext uri="{BB962C8B-B14F-4D97-AF65-F5344CB8AC3E}">
-        <p14:creationId xmlns:p14="http://schemas.microsoft.com/office/powerpoint/2010/main" val="1513770898"/>
+        <p14:creationId xmlns:p14="http://schemas.microsoft.com/office/powerpoint/2010/main" val="1651736673"/>
       </p:ext>
     </p:extLst>
   </p:cSld>
@@ -447,7 +455,10 @@
           <a:noFill/>
           <a:ln w="82550" cap="sq">
             <a:solidFill>
-              <a:srgbClr val="EAEAEA"/>
+              <a:schemeClr val="bg2">
+                <a:lumMod val="60000"/>
+                <a:lumOff val="40000"/>
+              </a:schemeClr>
             </a:solidFill>
             <a:miter lim="800000"/>
           </a:ln>
@@ -596,7 +607,7 @@
           <a:p>
             <a:fld id="{D0A6EFE7-49CF-41CD-8532-F915F2717F0A}" type="datetimeFigureOut">
               <a:rPr lang="en-US" smtClean="0"/>
-              <a:t>4/18/2024</a:t>
+              <a:t>4/27/2024</a:t>
             </a:fld>
             <a:endParaRPr lang="en-US"/>
           </a:p>
@@ -647,7 +658,7 @@
     </p:spTree>
     <p:extLst>
       <p:ext uri="{BB962C8B-B14F-4D97-AF65-F5344CB8AC3E}">
-        <p14:creationId xmlns:p14="http://schemas.microsoft.com/office/powerpoint/2010/main" val="1942816141"/>
+        <p14:creationId xmlns:p14="http://schemas.microsoft.com/office/powerpoint/2010/main" val="671888929"/>
       </p:ext>
     </p:extLst>
   </p:cSld>
@@ -818,7 +829,7 @@
           <a:p>
             <a:fld id="{D0A6EFE7-49CF-41CD-8532-F915F2717F0A}" type="datetimeFigureOut">
               <a:rPr lang="en-US" smtClean="0"/>
-              <a:t>4/18/2024</a:t>
+              <a:t>4/27/2024</a:t>
             </a:fld>
             <a:endParaRPr lang="en-US"/>
           </a:p>
@@ -869,7 +880,7 @@
     </p:spTree>
     <p:extLst>
       <p:ext uri="{BB962C8B-B14F-4D97-AF65-F5344CB8AC3E}">
-        <p14:creationId xmlns:p14="http://schemas.microsoft.com/office/powerpoint/2010/main" val="4085492693"/>
+        <p14:creationId xmlns:p14="http://schemas.microsoft.com/office/powerpoint/2010/main" val="3474600612"/>
       </p:ext>
     </p:extLst>
   </p:cSld>
@@ -1109,7 +1120,7 @@
           <a:p>
             <a:fld id="{D0A6EFE7-49CF-41CD-8532-F915F2717F0A}" type="datetimeFigureOut">
               <a:rPr lang="en-US" smtClean="0"/>
-              <a:t>4/18/2024</a:t>
+              <a:t>4/27/2024</a:t>
             </a:fld>
             <a:endParaRPr lang="en-US"/>
           </a:p>
@@ -1392,7 +1403,7 @@
     </p:spTree>
     <p:extLst>
       <p:ext uri="{BB962C8B-B14F-4D97-AF65-F5344CB8AC3E}">
-        <p14:creationId xmlns:p14="http://schemas.microsoft.com/office/powerpoint/2010/main" val="4100199964"/>
+        <p14:creationId xmlns:p14="http://schemas.microsoft.com/office/powerpoint/2010/main" val="3875548078"/>
       </p:ext>
     </p:extLst>
   </p:cSld>
@@ -1563,7 +1574,7 @@
           <a:p>
             <a:fld id="{D0A6EFE7-49CF-41CD-8532-F915F2717F0A}" type="datetimeFigureOut">
               <a:rPr lang="en-US" smtClean="0"/>
-              <a:t>4/18/2024</a:t>
+              <a:t>4/27/2024</a:t>
             </a:fld>
             <a:endParaRPr lang="en-US"/>
           </a:p>
@@ -1614,7 +1625,7 @@
     </p:spTree>
     <p:extLst>
       <p:ext uri="{BB962C8B-B14F-4D97-AF65-F5344CB8AC3E}">
-        <p14:creationId xmlns:p14="http://schemas.microsoft.com/office/powerpoint/2010/main" val="2497251185"/>
+        <p14:creationId xmlns:p14="http://schemas.microsoft.com/office/powerpoint/2010/main" val="2075499481"/>
       </p:ext>
     </p:extLst>
   </p:cSld>
@@ -2139,7 +2150,7 @@
           <a:p>
             <a:fld id="{D0A6EFE7-49CF-41CD-8532-F915F2717F0A}" type="datetimeFigureOut">
               <a:rPr lang="en-US" smtClean="0"/>
-              <a:t>4/18/2024</a:t>
+              <a:t>4/27/2024</a:t>
             </a:fld>
             <a:endParaRPr lang="en-US"/>
           </a:p>
@@ -2190,7 +2201,7 @@
     </p:spTree>
     <p:extLst>
       <p:ext uri="{BB962C8B-B14F-4D97-AF65-F5344CB8AC3E}">
-        <p14:creationId xmlns:p14="http://schemas.microsoft.com/office/powerpoint/2010/main" val="3794955230"/>
+        <p14:creationId xmlns:p14="http://schemas.microsoft.com/office/powerpoint/2010/main" val="3830864626"/>
       </p:ext>
     </p:extLst>
   </p:cSld>
@@ -2372,7 +2383,10 @@
           <a:noFill/>
           <a:ln w="82550" cap="sq">
             <a:solidFill>
-              <a:srgbClr val="EAEAEA"/>
+              <a:schemeClr val="bg2">
+                <a:lumMod val="60000"/>
+                <a:lumOff val="40000"/>
+              </a:schemeClr>
             </a:solidFill>
             <a:miter lim="800000"/>
           </a:ln>
@@ -2605,7 +2619,10 @@
           <a:noFill/>
           <a:ln w="82550" cap="sq">
             <a:solidFill>
-              <a:srgbClr val="EAEAEA"/>
+              <a:schemeClr val="bg2">
+                <a:lumMod val="60000"/>
+                <a:lumOff val="40000"/>
+              </a:schemeClr>
             </a:solidFill>
             <a:miter lim="800000"/>
           </a:ln>
@@ -2838,7 +2855,10 @@
           <a:noFill/>
           <a:ln w="82550" cap="sq">
             <a:solidFill>
-              <a:srgbClr val="EAEAEA"/>
+              <a:schemeClr val="bg2">
+                <a:lumMod val="60000"/>
+                <a:lumOff val="40000"/>
+              </a:schemeClr>
             </a:solidFill>
             <a:miter lim="800000"/>
           </a:ln>
@@ -2991,7 +3011,7 @@
           <a:p>
             <a:fld id="{D0A6EFE7-49CF-41CD-8532-F915F2717F0A}" type="datetimeFigureOut">
               <a:rPr lang="en-US" smtClean="0"/>
-              <a:t>4/18/2024</a:t>
+              <a:t>4/27/2024</a:t>
             </a:fld>
             <a:endParaRPr lang="en-US"/>
           </a:p>
@@ -3042,7 +3062,7 @@
     </p:spTree>
     <p:extLst>
       <p:ext uri="{BB962C8B-B14F-4D97-AF65-F5344CB8AC3E}">
-        <p14:creationId xmlns:p14="http://schemas.microsoft.com/office/powerpoint/2010/main" val="365129813"/>
+        <p14:creationId xmlns:p14="http://schemas.microsoft.com/office/powerpoint/2010/main" val="2538367624"/>
       </p:ext>
     </p:extLst>
   </p:cSld>
@@ -3196,7 +3216,7 @@
           <a:p>
             <a:fld id="{D0A6EFE7-49CF-41CD-8532-F915F2717F0A}" type="datetimeFigureOut">
               <a:rPr lang="en-US" smtClean="0"/>
-              <a:t>4/18/2024</a:t>
+              <a:t>4/27/2024</a:t>
             </a:fld>
             <a:endParaRPr lang="en-US"/>
           </a:p>
@@ -3247,7 +3267,7 @@
     </p:spTree>
     <p:extLst>
       <p:ext uri="{BB962C8B-B14F-4D97-AF65-F5344CB8AC3E}">
-        <p14:creationId xmlns:p14="http://schemas.microsoft.com/office/powerpoint/2010/main" val="993781043"/>
+        <p14:creationId xmlns:p14="http://schemas.microsoft.com/office/powerpoint/2010/main" val="1490922274"/>
       </p:ext>
     </p:extLst>
   </p:cSld>
@@ -3410,7 +3430,7 @@
           <a:p>
             <a:fld id="{D0A6EFE7-49CF-41CD-8532-F915F2717F0A}" type="datetimeFigureOut">
               <a:rPr lang="en-US" smtClean="0"/>
-              <a:t>4/18/2024</a:t>
+              <a:t>4/27/2024</a:t>
             </a:fld>
             <a:endParaRPr lang="en-US"/>
           </a:p>
@@ -3461,7 +3481,7 @@
     </p:spTree>
     <p:extLst>
       <p:ext uri="{BB962C8B-B14F-4D97-AF65-F5344CB8AC3E}">
-        <p14:creationId xmlns:p14="http://schemas.microsoft.com/office/powerpoint/2010/main" val="2608011970"/>
+        <p14:creationId xmlns:p14="http://schemas.microsoft.com/office/powerpoint/2010/main" val="3253393726"/>
       </p:ext>
     </p:extLst>
   </p:cSld>
@@ -3586,7 +3606,7 @@
           <a:p>
             <a:fld id="{D0A6EFE7-49CF-41CD-8532-F915F2717F0A}" type="datetimeFigureOut">
               <a:rPr lang="en-US" smtClean="0"/>
-              <a:t>4/18/2024</a:t>
+              <a:t>4/27/2024</a:t>
             </a:fld>
             <a:endParaRPr lang="en-US"/>
           </a:p>
@@ -3637,7 +3657,7 @@
     </p:spTree>
     <p:extLst>
       <p:ext uri="{BB962C8B-B14F-4D97-AF65-F5344CB8AC3E}">
-        <p14:creationId xmlns:p14="http://schemas.microsoft.com/office/powerpoint/2010/main" val="3472457137"/>
+        <p14:creationId xmlns:p14="http://schemas.microsoft.com/office/powerpoint/2010/main" val="1124974978"/>
       </p:ext>
     </p:extLst>
   </p:cSld>
@@ -3791,7 +3811,7 @@
           <a:p>
             <a:fld id="{D0A6EFE7-49CF-41CD-8532-F915F2717F0A}" type="datetimeFigureOut">
               <a:rPr lang="en-US" smtClean="0"/>
-              <a:t>4/18/2024</a:t>
+              <a:t>4/27/2024</a:t>
             </a:fld>
             <a:endParaRPr lang="en-US"/>
           </a:p>
@@ -3842,7 +3862,7 @@
     </p:spTree>
     <p:extLst>
       <p:ext uri="{BB962C8B-B14F-4D97-AF65-F5344CB8AC3E}">
-        <p14:creationId xmlns:p14="http://schemas.microsoft.com/office/powerpoint/2010/main" val="131821641"/>
+        <p14:creationId xmlns:p14="http://schemas.microsoft.com/office/powerpoint/2010/main" val="1919232426"/>
       </p:ext>
     </p:extLst>
   </p:cSld>
@@ -4071,7 +4091,7 @@
           <a:p>
             <a:fld id="{D0A6EFE7-49CF-41CD-8532-F915F2717F0A}" type="datetimeFigureOut">
               <a:rPr lang="en-US" smtClean="0"/>
-              <a:t>4/18/2024</a:t>
+              <a:t>4/27/2024</a:t>
             </a:fld>
             <a:endParaRPr lang="en-US"/>
           </a:p>
@@ -4122,7 +4142,7 @@
     </p:spTree>
     <p:extLst>
       <p:ext uri="{BB962C8B-B14F-4D97-AF65-F5344CB8AC3E}">
-        <p14:creationId xmlns:p14="http://schemas.microsoft.com/office/powerpoint/2010/main" val="4010934864"/>
+        <p14:creationId xmlns:p14="http://schemas.microsoft.com/office/powerpoint/2010/main" val="671220157"/>
       </p:ext>
     </p:extLst>
   </p:cSld>
@@ -4338,7 +4358,7 @@
           <a:p>
             <a:fld id="{D0A6EFE7-49CF-41CD-8532-F915F2717F0A}" type="datetimeFigureOut">
               <a:rPr lang="en-US" smtClean="0"/>
-              <a:t>4/18/2024</a:t>
+              <a:t>4/27/2024</a:t>
             </a:fld>
             <a:endParaRPr lang="en-US"/>
           </a:p>
@@ -4389,7 +4409,7 @@
     </p:spTree>
     <p:extLst>
       <p:ext uri="{BB962C8B-B14F-4D97-AF65-F5344CB8AC3E}">
-        <p14:creationId xmlns:p14="http://schemas.microsoft.com/office/powerpoint/2010/main" val="439774171"/>
+        <p14:creationId xmlns:p14="http://schemas.microsoft.com/office/powerpoint/2010/main" val="2850547253"/>
       </p:ext>
     </p:extLst>
   </p:cSld>
@@ -4753,7 +4773,7 @@
           <a:p>
             <a:fld id="{D0A6EFE7-49CF-41CD-8532-F915F2717F0A}" type="datetimeFigureOut">
               <a:rPr lang="en-US" smtClean="0"/>
-              <a:t>4/18/2024</a:t>
+              <a:t>4/27/2024</a:t>
             </a:fld>
             <a:endParaRPr lang="en-US"/>
           </a:p>
@@ -4804,7 +4824,7 @@
     </p:spTree>
     <p:extLst>
       <p:ext uri="{BB962C8B-B14F-4D97-AF65-F5344CB8AC3E}">
-        <p14:creationId xmlns:p14="http://schemas.microsoft.com/office/powerpoint/2010/main" val="759109409"/>
+        <p14:creationId xmlns:p14="http://schemas.microsoft.com/office/powerpoint/2010/main" val="742136551"/>
       </p:ext>
     </p:extLst>
   </p:cSld>
@@ -4901,7 +4921,7 @@
           <a:p>
             <a:fld id="{D0A6EFE7-49CF-41CD-8532-F915F2717F0A}" type="datetimeFigureOut">
               <a:rPr lang="en-US" smtClean="0"/>
-              <a:t>4/18/2024</a:t>
+              <a:t>4/27/2024</a:t>
             </a:fld>
             <a:endParaRPr lang="en-US"/>
           </a:p>
@@ -4952,7 +4972,7 @@
     </p:spTree>
     <p:extLst>
       <p:ext uri="{BB962C8B-B14F-4D97-AF65-F5344CB8AC3E}">
-        <p14:creationId xmlns:p14="http://schemas.microsoft.com/office/powerpoint/2010/main" val="640128098"/>
+        <p14:creationId xmlns:p14="http://schemas.microsoft.com/office/powerpoint/2010/main" val="254931515"/>
       </p:ext>
     </p:extLst>
   </p:cSld>
@@ -5026,7 +5046,7 @@
           <a:p>
             <a:fld id="{D0A6EFE7-49CF-41CD-8532-F915F2717F0A}" type="datetimeFigureOut">
               <a:rPr lang="en-US" smtClean="0"/>
-              <a:t>4/18/2024</a:t>
+              <a:t>4/27/2024</a:t>
             </a:fld>
             <a:endParaRPr lang="en-US"/>
           </a:p>
@@ -5077,7 +5097,7 @@
     </p:spTree>
     <p:extLst>
       <p:ext uri="{BB962C8B-B14F-4D97-AF65-F5344CB8AC3E}">
-        <p14:creationId xmlns:p14="http://schemas.microsoft.com/office/powerpoint/2010/main" val="2606929698"/>
+        <p14:creationId xmlns:p14="http://schemas.microsoft.com/office/powerpoint/2010/main" val="436061316"/>
       </p:ext>
     </p:extLst>
   </p:cSld>
@@ -5305,7 +5325,7 @@
           <a:p>
             <a:fld id="{D0A6EFE7-49CF-41CD-8532-F915F2717F0A}" type="datetimeFigureOut">
               <a:rPr lang="en-US" smtClean="0"/>
-              <a:t>4/18/2024</a:t>
+              <a:t>4/27/2024</a:t>
             </a:fld>
             <a:endParaRPr lang="en-US"/>
           </a:p>
@@ -5356,7 +5376,7 @@
     </p:spTree>
     <p:extLst>
       <p:ext uri="{BB962C8B-B14F-4D97-AF65-F5344CB8AC3E}">
-        <p14:creationId xmlns:p14="http://schemas.microsoft.com/office/powerpoint/2010/main" val="3285270427"/>
+        <p14:creationId xmlns:p14="http://schemas.microsoft.com/office/powerpoint/2010/main" val="2773701918"/>
       </p:ext>
     </p:extLst>
   </p:cSld>
@@ -5468,7 +5488,10 @@
           <a:noFill/>
           <a:ln w="82550" cap="sq">
             <a:solidFill>
-              <a:srgbClr val="EAEAEA"/>
+              <a:schemeClr val="bg2">
+                <a:lumMod val="60000"/>
+                <a:lumOff val="40000"/>
+              </a:schemeClr>
             </a:solidFill>
             <a:miter lim="800000"/>
           </a:ln>
@@ -5617,7 +5640,7 @@
           <a:p>
             <a:fld id="{D0A6EFE7-49CF-41CD-8532-F915F2717F0A}" type="datetimeFigureOut">
               <a:rPr lang="en-US" smtClean="0"/>
-              <a:t>4/18/2024</a:t>
+              <a:t>4/27/2024</a:t>
             </a:fld>
             <a:endParaRPr lang="en-US"/>
           </a:p>
@@ -5668,7 +5691,7 @@
     </p:spTree>
     <p:extLst>
       <p:ext uri="{BB962C8B-B14F-4D97-AF65-F5344CB8AC3E}">
-        <p14:creationId xmlns:p14="http://schemas.microsoft.com/office/powerpoint/2010/main" val="3326276477"/>
+        <p14:creationId xmlns:p14="http://schemas.microsoft.com/office/powerpoint/2010/main" val="3649319651"/>
       </p:ext>
     </p:extLst>
   </p:cSld>
@@ -5682,8 +5705,8 @@
 <p:sldMaster xmlns:a="http://schemas.openxmlformats.org/drawingml/2006/main" xmlns:r="http://schemas.openxmlformats.org/officeDocument/2006/relationships" xmlns:p="http://schemas.openxmlformats.org/presentationml/2006/main">
   <p:cSld>
     <p:bg>
-      <p:bgRef idx="1002">
-        <a:schemeClr val="bg1"/>
+      <p:bgRef idx="1003">
+        <a:schemeClr val="bg2"/>
       </p:bgRef>
     </p:bg>
     <p:spTree>
@@ -5710,7 +5733,7 @@
         </p:nvPicPr>
         <p:blipFill>
           <a:blip r:embed="rId20">
-            <a:alphaModFix/>
+            <a:alphaModFix amt="70000"/>
             <a:extLst>
               <a:ext uri="{28A0092B-C50C-407E-A947-70E740481C1C}">
                 <a14:useLocalDpi xmlns:a14="http://schemas.microsoft.com/office/drawing/2010/main" val="0"/>
@@ -5724,7 +5747,7 @@
         </p:blipFill>
         <p:spPr bwMode="auto">
           <a:xfrm>
-            <a:off x="0" y="-1"/>
+            <a:off x="0" y="0"/>
             <a:ext cx="12192003" cy="6858001"/>
           </a:xfrm>
           <a:prstGeom prst="rect">
@@ -5870,7 +5893,7 @@
           <a:p>
             <a:fld id="{D0A6EFE7-49CF-41CD-8532-F915F2717F0A}" type="datetimeFigureOut">
               <a:rPr lang="en-US" smtClean="0"/>
-              <a:t>4/18/2024</a:t>
+              <a:t>4/27/2024</a:t>
             </a:fld>
             <a:endParaRPr lang="en-US"/>
           </a:p>
@@ -5953,30 +5976,30 @@
     </p:spTree>
     <p:extLst>
       <p:ext uri="{BB962C8B-B14F-4D97-AF65-F5344CB8AC3E}">
-        <p14:creationId xmlns:p14="http://schemas.microsoft.com/office/powerpoint/2010/main" val="2159307721"/>
+        <p14:creationId xmlns:p14="http://schemas.microsoft.com/office/powerpoint/2010/main" val="148063637"/>
       </p:ext>
     </p:extLst>
   </p:cSld>
   <p:clrMap bg1="lt1" tx1="dk1" bg2="lt2" tx2="dk2" accent1="accent1" accent2="accent2" accent3="accent3" accent4="accent4" accent5="accent5" accent6="accent6" hlink="hlink" folHlink="folHlink"/>
   <p:sldLayoutIdLst>
-    <p:sldLayoutId id="2147483678" r:id="rId1"/>
-    <p:sldLayoutId id="2147483679" r:id="rId2"/>
-    <p:sldLayoutId id="2147483680" r:id="rId3"/>
-    <p:sldLayoutId id="2147483681" r:id="rId4"/>
-    <p:sldLayoutId id="2147483682" r:id="rId5"/>
-    <p:sldLayoutId id="2147483683" r:id="rId6"/>
-    <p:sldLayoutId id="2147483684" r:id="rId7"/>
-    <p:sldLayoutId id="2147483685" r:id="rId8"/>
-    <p:sldLayoutId id="2147483686" r:id="rId9"/>
-    <p:sldLayoutId id="2147483687" r:id="rId10"/>
-    <p:sldLayoutId id="2147483688" r:id="rId11"/>
-    <p:sldLayoutId id="2147483689" r:id="rId12"/>
-    <p:sldLayoutId id="2147483690" r:id="rId13"/>
-    <p:sldLayoutId id="2147483691" r:id="rId14"/>
-    <p:sldLayoutId id="2147483692" r:id="rId15"/>
-    <p:sldLayoutId id="2147483693" r:id="rId16"/>
-    <p:sldLayoutId id="2147483694" r:id="rId17"/>
-    <p:sldLayoutId id="2147483695" r:id="rId18"/>
+    <p:sldLayoutId id="2147483697" r:id="rId1"/>
+    <p:sldLayoutId id="2147483698" r:id="rId2"/>
+    <p:sldLayoutId id="2147483699" r:id="rId3"/>
+    <p:sldLayoutId id="2147483700" r:id="rId4"/>
+    <p:sldLayoutId id="2147483701" r:id="rId5"/>
+    <p:sldLayoutId id="2147483702" r:id="rId6"/>
+    <p:sldLayoutId id="2147483703" r:id="rId7"/>
+    <p:sldLayoutId id="2147483704" r:id="rId8"/>
+    <p:sldLayoutId id="2147483705" r:id="rId9"/>
+    <p:sldLayoutId id="2147483706" r:id="rId10"/>
+    <p:sldLayoutId id="2147483707" r:id="rId11"/>
+    <p:sldLayoutId id="2147483708" r:id="rId12"/>
+    <p:sldLayoutId id="2147483709" r:id="rId13"/>
+    <p:sldLayoutId id="2147483710" r:id="rId14"/>
+    <p:sldLayoutId id="2147483711" r:id="rId15"/>
+    <p:sldLayoutId id="2147483712" r:id="rId16"/>
+    <p:sldLayoutId id="2147483713" r:id="rId17"/>
+    <p:sldLayoutId id="2147483714" r:id="rId18"/>
   </p:sldLayoutIdLst>
   <p:txStyles>
     <p:titleStyle>
@@ -6331,9 +6354,16 @@
             <p:ph type="ctrTitle"/>
           </p:nvPr>
         </p:nvSpPr>
-        <p:spPr/>
+        <p:spPr>
+          <a:xfrm>
+            <a:off x="1751012" y="1258822"/>
+            <a:ext cx="8689976" cy="1865376"/>
+          </a:xfrm>
+        </p:spPr>
         <p:txBody>
-          <a:bodyPr/>
+          <a:bodyPr>
+            <a:normAutofit/>
+          </a:bodyPr>
           <a:lstStyle/>
           <a:p>
             <a:pPr marR="293370">
@@ -6351,10 +6381,11 @@
               </a:buClr>
             </a:pPr>
             <a:r>
-              <a:rPr lang="en-US" sz="2200" dirty="0">
+              <a:rPr lang="en-US" sz="2800" dirty="0">
                 <a:solidFill>
-                  <a:schemeClr val="bg1">
-                    <a:lumMod val="50000"/>
+                  <a:schemeClr val="tx1">
+                    <a:lumMod val="95000"/>
+                    <a:lumOff val="5000"/>
                   </a:schemeClr>
                 </a:solidFill>
                 <a:latin typeface="+mn-lt"/>
@@ -6382,20 +6413,80 @@
             <p:ph type="subTitle" idx="1"/>
           </p:nvPr>
         </p:nvSpPr>
-        <p:spPr/>
+        <p:spPr>
+          <a:xfrm>
+            <a:off x="1751012" y="3557016"/>
+            <a:ext cx="8689976" cy="1865376"/>
+          </a:xfrm>
+        </p:spPr>
         <p:txBody>
-          <a:bodyPr/>
+          <a:bodyPr>
+            <a:normAutofit fontScale="70000" lnSpcReduction="20000"/>
+          </a:bodyPr>
           <a:lstStyle/>
           <a:p>
             <a:r>
-              <a:rPr lang="en-US" dirty="0"/>
-              <a:t>By Selva Kumar</a:t>
+              <a:rPr lang="en-US" dirty="0">
+                <a:solidFill>
+                  <a:schemeClr val="tx1">
+                    <a:lumMod val="95000"/>
+                    <a:lumOff val="5000"/>
+                  </a:schemeClr>
+                </a:solidFill>
+              </a:rPr>
+              <a:t>By Selva Kumar (2022HT80170)</a:t>
             </a:r>
           </a:p>
           <a:p>
             <a:r>
-              <a:rPr lang="en-US" dirty="0"/>
-              <a:t>On 30-12-2024</a:t>
+              <a:rPr lang="en-US" dirty="0">
+                <a:solidFill>
+                  <a:schemeClr val="tx1">
+                    <a:lumMod val="95000"/>
+                    <a:lumOff val="5000"/>
+                  </a:schemeClr>
+                </a:solidFill>
+              </a:rPr>
+              <a:t>Under the Guidance of </a:t>
+            </a:r>
+          </a:p>
+          <a:p>
+            <a:r>
+              <a:rPr lang="en-US" dirty="0">
+                <a:solidFill>
+                  <a:schemeClr val="tx1">
+                    <a:lumMod val="95000"/>
+                    <a:lumOff val="5000"/>
+                  </a:schemeClr>
+                </a:solidFill>
+              </a:rPr>
+              <a:t>SIVA Selvamani from Qualcomm Pvt. LTD</a:t>
+            </a:r>
+          </a:p>
+          <a:p>
+            <a:r>
+              <a:rPr lang="en-US" dirty="0">
+                <a:solidFill>
+                  <a:schemeClr val="tx1">
+                    <a:lumMod val="95000"/>
+                    <a:lumOff val="5000"/>
+                  </a:schemeClr>
+                </a:solidFill>
+              </a:rPr>
+              <a:t>&amp;</a:t>
+            </a:r>
+          </a:p>
+          <a:p>
+            <a:r>
+              <a:rPr lang="en-US" dirty="0">
+                <a:solidFill>
+                  <a:schemeClr val="tx1">
+                    <a:lumMod val="95000"/>
+                    <a:lumOff val="5000"/>
+                  </a:schemeClr>
+                </a:solidFill>
+              </a:rPr>
+              <a:t>Dr. PAWAN SHARMA from BITS PILANI </a:t>
             </a:r>
           </a:p>
         </p:txBody>
@@ -6404,6 +6495,160 @@
     <p:extLst>
       <p:ext uri="{BB962C8B-B14F-4D97-AF65-F5344CB8AC3E}">
         <p14:creationId xmlns:p14="http://schemas.microsoft.com/office/powerpoint/2010/main" val="3122866264"/>
+      </p:ext>
+    </p:extLst>
+  </p:cSld>
+  <p:clrMapOvr>
+    <a:masterClrMapping/>
+  </p:clrMapOvr>
+</p:sld>
+</file>
+
+<file path=ppt/slides/slide10.xml><?xml version="1.0" encoding="utf-8"?>
+<p:sld xmlns:a="http://schemas.openxmlformats.org/drawingml/2006/main" xmlns:r="http://schemas.openxmlformats.org/officeDocument/2006/relationships" xmlns:p="http://schemas.openxmlformats.org/presentationml/2006/main">
+  <p:cSld>
+    <p:spTree>
+      <p:nvGrpSpPr>
+        <p:cNvPr id="1" name=""/>
+        <p:cNvGrpSpPr/>
+        <p:nvPr/>
+      </p:nvGrpSpPr>
+      <p:grpSpPr>
+        <a:xfrm>
+          <a:off x="0" y="0"/>
+          <a:ext cx="0" cy="0"/>
+          <a:chOff x="0" y="0"/>
+          <a:chExt cx="0" cy="0"/>
+        </a:xfrm>
+      </p:grpSpPr>
+      <p:sp>
+        <p:nvSpPr>
+          <p:cNvPr id="2" name="Title 1">
+            <a:extLst>
+              <a:ext uri="{FF2B5EF4-FFF2-40B4-BE49-F238E27FC236}">
+                <a16:creationId xmlns:a16="http://schemas.microsoft.com/office/drawing/2014/main" id="{67086C1A-3D4E-9289-8977-1A9E6683CFF0}"/>
+              </a:ext>
+            </a:extLst>
+          </p:cNvPr>
+          <p:cNvSpPr>
+            <a:spLocks noGrp="1"/>
+          </p:cNvSpPr>
+          <p:nvPr>
+            <p:ph type="title"/>
+          </p:nvPr>
+        </p:nvSpPr>
+        <p:spPr>
+          <a:xfrm>
+            <a:off x="0" y="1"/>
+            <a:ext cx="10364451" cy="694944"/>
+          </a:xfrm>
+        </p:spPr>
+        <p:txBody>
+          <a:bodyPr/>
+          <a:lstStyle/>
+          <a:p>
+            <a:pPr algn="l"/>
+            <a:r>
+              <a:rPr lang="en-US" dirty="0"/>
+              <a:t>Conclusion:</a:t>
+            </a:r>
+          </a:p>
+        </p:txBody>
+      </p:sp>
+      <p:sp>
+        <p:nvSpPr>
+          <p:cNvPr id="3" name="Content Placeholder 2">
+            <a:extLst>
+              <a:ext uri="{FF2B5EF4-FFF2-40B4-BE49-F238E27FC236}">
+                <a16:creationId xmlns:a16="http://schemas.microsoft.com/office/drawing/2014/main" id="{35F0546F-B414-6804-AC82-E21737C3A3CF}"/>
+              </a:ext>
+            </a:extLst>
+          </p:cNvPr>
+          <p:cNvSpPr>
+            <a:spLocks noGrp="1"/>
+          </p:cNvSpPr>
+          <p:nvPr>
+            <p:ph idx="1"/>
+          </p:nvPr>
+        </p:nvSpPr>
+        <p:spPr>
+          <a:xfrm>
+            <a:off x="-2" y="840045"/>
+            <a:ext cx="12192001" cy="6017954"/>
+          </a:xfrm>
+        </p:spPr>
+        <p:txBody>
+          <a:bodyPr>
+            <a:normAutofit/>
+          </a:bodyPr>
+          <a:lstStyle/>
+          <a:p>
+            <a:pPr algn="just"/>
+            <a:r>
+              <a:rPr lang="en-US" sz="1800" kern="100" dirty="0">
+                <a:effectLst/>
+                <a:latin typeface="Calibri" panose="020F0502020204030204" pitchFamily="34" charset="0"/>
+                <a:ea typeface="Calibri" panose="020F0502020204030204" pitchFamily="34" charset="0"/>
+                <a:cs typeface="Times New Roman" panose="02020603050405020304" pitchFamily="18" charset="0"/>
+              </a:rPr>
+              <a:t>This project successfully implemented a SPI IP in FPGA platform and developed standalone non-OS C based testcase to test the interface with the SPI Flash. </a:t>
+            </a:r>
+          </a:p>
+          <a:p>
+            <a:pPr algn="just"/>
+            <a:r>
+              <a:rPr lang="en-US" sz="1800" kern="100" dirty="0">
+                <a:effectLst/>
+                <a:latin typeface="Calibri" panose="020F0502020204030204" pitchFamily="34" charset="0"/>
+                <a:ea typeface="Calibri" panose="020F0502020204030204" pitchFamily="34" charset="0"/>
+                <a:cs typeface="Times New Roman" panose="02020603050405020304" pitchFamily="18" charset="0"/>
+              </a:rPr>
+              <a:t>This Qualifies the IP is suitable for the targeted application of controlling an Industrial grade EtherCAT PHY chip via this SPI master IP. </a:t>
+            </a:r>
+          </a:p>
+          <a:p>
+            <a:pPr algn="just"/>
+            <a:r>
+              <a:rPr lang="en-US" sz="1800" kern="100" dirty="0">
+                <a:effectLst/>
+                <a:latin typeface="Calibri" panose="020F0502020204030204" pitchFamily="34" charset="0"/>
+                <a:ea typeface="Calibri" panose="020F0502020204030204" pitchFamily="34" charset="0"/>
+                <a:cs typeface="Times New Roman" panose="02020603050405020304" pitchFamily="18" charset="0"/>
+              </a:rPr>
+              <a:t>In Real time application this SPI master is going to control a High speed EtherCAT bus via SPI slave interface provided to it. </a:t>
+            </a:r>
+          </a:p>
+          <a:p>
+            <a:pPr algn="just"/>
+            <a:r>
+              <a:rPr lang="en-US" sz="1800" kern="100" dirty="0">
+                <a:effectLst/>
+                <a:latin typeface="Calibri" panose="020F0502020204030204" pitchFamily="34" charset="0"/>
+                <a:ea typeface="Calibri" panose="020F0502020204030204" pitchFamily="34" charset="0"/>
+                <a:cs typeface="Times New Roman" panose="02020603050405020304" pitchFamily="18" charset="0"/>
+              </a:rPr>
+              <a:t>As part of this project, we tested the code developed and presented the result in different sections. </a:t>
+            </a:r>
+          </a:p>
+          <a:p>
+            <a:pPr algn="just"/>
+            <a:r>
+              <a:rPr lang="en-US" sz="1800" kern="100" dirty="0">
+                <a:effectLst/>
+                <a:latin typeface="Calibri" panose="020F0502020204030204" pitchFamily="34" charset="0"/>
+                <a:ea typeface="Calibri" panose="020F0502020204030204" pitchFamily="34" charset="0"/>
+                <a:cs typeface="Times New Roman" panose="02020603050405020304" pitchFamily="18" charset="0"/>
+              </a:rPr>
+              <a:t>For demo and results presentation, a different development boards (based on XC7A100T) are used due to resource constraints. </a:t>
+            </a:r>
+            <a:endParaRPr lang="en-US" dirty="0"/>
+          </a:p>
+        </p:txBody>
+      </p:sp>
+    </p:spTree>
+    <p:extLst>
+      <p:ext uri="{BB962C8B-B14F-4D97-AF65-F5344CB8AC3E}">
+        <p14:creationId xmlns:p14="http://schemas.microsoft.com/office/powerpoint/2010/main" val="3359478522"/>
       </p:ext>
     </p:extLst>
   </p:cSld>
@@ -6451,9 +6696,10 @@
           <a:bodyPr/>
           <a:lstStyle/>
           <a:p>
+            <a:pPr algn="l"/>
             <a:r>
               <a:rPr lang="en-US" dirty="0"/>
-              <a:t>Assumption:</a:t>
+              <a:t>OUTLINE:</a:t>
             </a:r>
           </a:p>
         </p:txBody>
@@ -6474,10 +6720,95 @@
             <p:ph idx="1"/>
           </p:nvPr>
         </p:nvSpPr>
-        <p:spPr/>
+        <p:spPr>
+          <a:xfrm>
+            <a:off x="913773" y="1763589"/>
+            <a:ext cx="10364452" cy="4116003"/>
+          </a:xfrm>
+        </p:spPr>
         <p:txBody>
-          <a:bodyPr/>
+          <a:bodyPr>
+            <a:normAutofit/>
+          </a:bodyPr>
           <a:lstStyle/>
+          <a:p>
+            <a:r>
+              <a:rPr lang="en-US" dirty="0">
+                <a:solidFill>
+                  <a:srgbClr val="000000"/>
+                </a:solidFill>
+                <a:effectLst/>
+                <a:latin typeface="Calibri" panose="020F0502020204030204" pitchFamily="34" charset="0"/>
+                <a:ea typeface="Calibri" panose="020F0502020204030204" pitchFamily="34" charset="0"/>
+                <a:cs typeface="Calibri" panose="020F0502020204030204" pitchFamily="34" charset="0"/>
+              </a:rPr>
+              <a:t>OUTLINE of this dissertation is to design a simple SoC with a Custom IP (SPI) and required ecosystem to validate the IP and portrait the IP qualification KPIs. It also includes the C based testcases to measure the KPIs and test specifications and testcase development.</a:t>
+            </a:r>
+            <a:endParaRPr lang="en-US" dirty="0">
+              <a:effectLst/>
+              <a:latin typeface="Calibri" panose="020F0502020204030204" pitchFamily="34" charset="0"/>
+              <a:ea typeface="Calibri" panose="020F0502020204030204" pitchFamily="34" charset="0"/>
+              <a:cs typeface="Calibri" panose="020F0502020204030204" pitchFamily="34" charset="0"/>
+            </a:endParaRPr>
+          </a:p>
+          <a:p>
+            <a:r>
+              <a:rPr lang="en-US" dirty="0">
+                <a:solidFill>
+                  <a:srgbClr val="000000"/>
+                </a:solidFill>
+                <a:effectLst/>
+                <a:latin typeface="Calibri" panose="020F0502020204030204" pitchFamily="34" charset="0"/>
+                <a:ea typeface="Calibri" panose="020F0502020204030204" pitchFamily="34" charset="0"/>
+                <a:cs typeface="Calibri" panose="020F0502020204030204" pitchFamily="34" charset="0"/>
+              </a:rPr>
+              <a:t>In this scenario, to verify the Digital logic, it will be synthesized for FPGA platform where the gate logics are implemented as close as desired </a:t>
+            </a:r>
+            <a:r>
+              <a:rPr lang="en-US" dirty="0" err="1">
+                <a:solidFill>
+                  <a:srgbClr val="000000"/>
+                </a:solidFill>
+                <a:effectLst/>
+                <a:latin typeface="Calibri" panose="020F0502020204030204" pitchFamily="34" charset="0"/>
+                <a:ea typeface="Calibri" panose="020F0502020204030204" pitchFamily="34" charset="0"/>
+                <a:cs typeface="Calibri" panose="020F0502020204030204" pitchFamily="34" charset="0"/>
+              </a:rPr>
+              <a:t>SoC.</a:t>
+            </a:r>
+            <a:r>
+              <a:rPr lang="en-US" dirty="0">
+                <a:solidFill>
+                  <a:srgbClr val="000000"/>
+                </a:solidFill>
+                <a:effectLst/>
+                <a:latin typeface="Calibri" panose="020F0502020204030204" pitchFamily="34" charset="0"/>
+                <a:ea typeface="Calibri" panose="020F0502020204030204" pitchFamily="34" charset="0"/>
+                <a:cs typeface="Calibri" panose="020F0502020204030204" pitchFamily="34" charset="0"/>
+              </a:rPr>
+              <a:t> </a:t>
+            </a:r>
+          </a:p>
+          <a:p>
+            <a:r>
+              <a:rPr lang="en-US" dirty="0">
+                <a:solidFill>
+                  <a:srgbClr val="000000"/>
+                </a:solidFill>
+                <a:effectLst/>
+                <a:latin typeface="Calibri" panose="020F0502020204030204" pitchFamily="34" charset="0"/>
+                <a:ea typeface="Calibri" panose="020F0502020204030204" pitchFamily="34" charset="0"/>
+                <a:cs typeface="Calibri" panose="020F0502020204030204" pitchFamily="34" charset="0"/>
+              </a:rPr>
+              <a:t>The beauty of FPGA is that the execution of testcases will be faster as like silicon when compared to DV platform. The only constraint is it needs some modifications in RTL to meet the timings in the FPGA. But these modifications will not affect the functionality of the RTL in the Silicon. </a:t>
+            </a:r>
+            <a:endParaRPr lang="en-US" dirty="0">
+              <a:effectLst/>
+              <a:latin typeface="Calibri" panose="020F0502020204030204" pitchFamily="34" charset="0"/>
+              <a:ea typeface="Calibri" panose="020F0502020204030204" pitchFamily="34" charset="0"/>
+              <a:cs typeface="Calibri" panose="020F0502020204030204" pitchFamily="34" charset="0"/>
+            </a:endParaRPr>
+          </a:p>
           <a:p>
             <a:endParaRPr lang="en-US" dirty="0"/>
           </a:p>
@@ -6487,6 +6818,6951 @@
     <p:extLst>
       <p:ext uri="{BB962C8B-B14F-4D97-AF65-F5344CB8AC3E}">
         <p14:creationId xmlns:p14="http://schemas.microsoft.com/office/powerpoint/2010/main" val="499094017"/>
+      </p:ext>
+    </p:extLst>
+  </p:cSld>
+  <p:clrMapOvr>
+    <a:masterClrMapping/>
+  </p:clrMapOvr>
+</p:sld>
+</file>
+
+<file path=ppt/slides/slide3.xml><?xml version="1.0" encoding="utf-8"?>
+<p:sld xmlns:a="http://schemas.openxmlformats.org/drawingml/2006/main" xmlns:r="http://schemas.openxmlformats.org/officeDocument/2006/relationships" xmlns:p="http://schemas.openxmlformats.org/presentationml/2006/main">
+  <p:cSld>
+    <p:spTree>
+      <p:nvGrpSpPr>
+        <p:cNvPr id="1" name=""/>
+        <p:cNvGrpSpPr/>
+        <p:nvPr/>
+      </p:nvGrpSpPr>
+      <p:grpSpPr>
+        <a:xfrm>
+          <a:off x="0" y="0"/>
+          <a:ext cx="0" cy="0"/>
+          <a:chOff x="0" y="0"/>
+          <a:chExt cx="0" cy="0"/>
+        </a:xfrm>
+      </p:grpSpPr>
+      <p:sp>
+        <p:nvSpPr>
+          <p:cNvPr id="2" name="Title 1">
+            <a:extLst>
+              <a:ext uri="{FF2B5EF4-FFF2-40B4-BE49-F238E27FC236}">
+                <a16:creationId xmlns:a16="http://schemas.microsoft.com/office/drawing/2014/main" id="{0E4B8733-91CE-8634-7017-E7C6C3FF970B}"/>
+              </a:ext>
+            </a:extLst>
+          </p:cNvPr>
+          <p:cNvSpPr>
+            <a:spLocks noGrp="1"/>
+          </p:cNvSpPr>
+          <p:nvPr>
+            <p:ph type="title"/>
+          </p:nvPr>
+        </p:nvSpPr>
+        <p:spPr/>
+        <p:txBody>
+          <a:bodyPr/>
+          <a:lstStyle/>
+          <a:p>
+            <a:pPr algn="l"/>
+            <a:r>
+              <a:rPr lang="en-US" dirty="0"/>
+              <a:t>OBJECTIVE:</a:t>
+            </a:r>
+          </a:p>
+        </p:txBody>
+      </p:sp>
+      <p:sp>
+        <p:nvSpPr>
+          <p:cNvPr id="3" name="Content Placeholder 2">
+            <a:extLst>
+              <a:ext uri="{FF2B5EF4-FFF2-40B4-BE49-F238E27FC236}">
+                <a16:creationId xmlns:a16="http://schemas.microsoft.com/office/drawing/2014/main" id="{FD0189BD-2B66-3AE6-8A52-BFCE6858CB15}"/>
+              </a:ext>
+            </a:extLst>
+          </p:cNvPr>
+          <p:cNvSpPr>
+            <a:spLocks noGrp="1"/>
+          </p:cNvSpPr>
+          <p:nvPr>
+            <p:ph idx="1"/>
+          </p:nvPr>
+        </p:nvSpPr>
+        <p:spPr>
+          <a:xfrm>
+            <a:off x="913775" y="1737361"/>
+            <a:ext cx="10364452" cy="4053840"/>
+          </a:xfrm>
+        </p:spPr>
+        <p:txBody>
+          <a:bodyPr>
+            <a:normAutofit lnSpcReduction="10000"/>
+          </a:bodyPr>
+          <a:lstStyle/>
+          <a:p>
+            <a:pPr marL="368300" marR="0" indent="0" algn="just">
+              <a:spcBef>
+                <a:spcPts val="235"/>
+              </a:spcBef>
+              <a:spcAft>
+                <a:spcPts val="0"/>
+              </a:spcAft>
+              <a:buNone/>
+            </a:pPr>
+            <a:r>
+              <a:rPr lang="en-US" sz="2400" dirty="0">
+                <a:solidFill>
+                  <a:srgbClr val="000000"/>
+                </a:solidFill>
+                <a:effectLst/>
+                <a:latin typeface="Calibri" panose="020F0502020204030204" pitchFamily="34" charset="0"/>
+                <a:ea typeface="Calibri" panose="020F0502020204030204" pitchFamily="34" charset="0"/>
+                <a:cs typeface="Calibri" panose="020F0502020204030204" pitchFamily="34" charset="0"/>
+              </a:rPr>
+              <a:t>The objectives of my project are as follows:</a:t>
+            </a:r>
+            <a:endParaRPr lang="en-US" sz="2400" dirty="0">
+              <a:effectLst/>
+              <a:latin typeface="Calibri" panose="020F0502020204030204" pitchFamily="34" charset="0"/>
+              <a:ea typeface="Calibri" panose="020F0502020204030204" pitchFamily="34" charset="0"/>
+              <a:cs typeface="Calibri" panose="020F0502020204030204" pitchFamily="34" charset="0"/>
+            </a:endParaRPr>
+          </a:p>
+          <a:p>
+            <a:pPr marL="1143000" marR="202565" lvl="2" indent="-228600" algn="just">
+              <a:lnSpc>
+                <a:spcPct val="145000"/>
+              </a:lnSpc>
+              <a:spcBef>
+                <a:spcPts val="405"/>
+              </a:spcBef>
+              <a:spcAft>
+                <a:spcPts val="0"/>
+              </a:spcAft>
+              <a:buSzPts val="1200"/>
+              <a:buFont typeface="Arial" panose="020B0604020202020204" pitchFamily="34" charset="0"/>
+              <a:buChar char="●"/>
+              <a:tabLst>
+                <a:tab pos="1054735" algn="l"/>
+              </a:tabLst>
+            </a:pPr>
+            <a:r>
+              <a:rPr lang="en-US" sz="2600" dirty="0">
+                <a:solidFill>
+                  <a:srgbClr val="000000"/>
+                </a:solidFill>
+                <a:effectLst/>
+                <a:latin typeface="Calibri" panose="020F0502020204030204" pitchFamily="34" charset="0"/>
+                <a:ea typeface="Calibri" panose="020F0502020204030204" pitchFamily="34" charset="0"/>
+                <a:cs typeface="Calibri" panose="020F0502020204030204" pitchFamily="34" charset="0"/>
+              </a:rPr>
+              <a:t>Creating a custom SPI IP from Xilinx IP Integrator</a:t>
+            </a:r>
+            <a:endParaRPr lang="en-US" sz="2200" dirty="0">
+              <a:effectLst/>
+              <a:latin typeface="Calibri" panose="020F0502020204030204" pitchFamily="34" charset="0"/>
+              <a:ea typeface="Calibri" panose="020F0502020204030204" pitchFamily="34" charset="0"/>
+              <a:cs typeface="Calibri" panose="020F0502020204030204" pitchFamily="34" charset="0"/>
+            </a:endParaRPr>
+          </a:p>
+          <a:p>
+            <a:pPr marL="1143000" marR="202565" lvl="2" indent="-228600" algn="just">
+              <a:lnSpc>
+                <a:spcPct val="145000"/>
+              </a:lnSpc>
+              <a:spcBef>
+                <a:spcPts val="405"/>
+              </a:spcBef>
+              <a:spcAft>
+                <a:spcPts val="0"/>
+              </a:spcAft>
+              <a:buSzPts val="1200"/>
+              <a:buFont typeface="Arial" panose="020B0604020202020204" pitchFamily="34" charset="0"/>
+              <a:buChar char="●"/>
+              <a:tabLst>
+                <a:tab pos="1054735" algn="l"/>
+              </a:tabLst>
+            </a:pPr>
+            <a:r>
+              <a:rPr lang="en-US" sz="2600" dirty="0">
+                <a:solidFill>
+                  <a:srgbClr val="000000"/>
+                </a:solidFill>
+                <a:effectLst/>
+                <a:latin typeface="Calibri" panose="020F0502020204030204" pitchFamily="34" charset="0"/>
+                <a:ea typeface="Calibri" panose="020F0502020204030204" pitchFamily="34" charset="0"/>
+                <a:cs typeface="Calibri" panose="020F0502020204030204" pitchFamily="34" charset="0"/>
+              </a:rPr>
+              <a:t>Creating an ecosystem to validate this IP </a:t>
+            </a:r>
+            <a:endParaRPr lang="en-US" sz="2200" dirty="0">
+              <a:effectLst/>
+              <a:latin typeface="Calibri" panose="020F0502020204030204" pitchFamily="34" charset="0"/>
+              <a:ea typeface="Calibri" panose="020F0502020204030204" pitchFamily="34" charset="0"/>
+              <a:cs typeface="Calibri" panose="020F0502020204030204" pitchFamily="34" charset="0"/>
+            </a:endParaRPr>
+          </a:p>
+          <a:p>
+            <a:pPr marL="1143000" marR="202565" lvl="2" indent="-228600" algn="just">
+              <a:lnSpc>
+                <a:spcPct val="145000"/>
+              </a:lnSpc>
+              <a:spcBef>
+                <a:spcPts val="405"/>
+              </a:spcBef>
+              <a:spcAft>
+                <a:spcPts val="0"/>
+              </a:spcAft>
+              <a:buSzPts val="1200"/>
+              <a:buFont typeface="Arial" panose="020B0604020202020204" pitchFamily="34" charset="0"/>
+              <a:buChar char="●"/>
+              <a:tabLst>
+                <a:tab pos="1054735" algn="l"/>
+              </a:tabLst>
+            </a:pPr>
+            <a:r>
+              <a:rPr lang="en-US" sz="2600" dirty="0">
+                <a:solidFill>
+                  <a:srgbClr val="000000"/>
+                </a:solidFill>
+                <a:effectLst/>
+                <a:latin typeface="Calibri" panose="020F0502020204030204" pitchFamily="34" charset="0"/>
+                <a:ea typeface="Calibri" panose="020F0502020204030204" pitchFamily="34" charset="0"/>
+                <a:cs typeface="Calibri" panose="020F0502020204030204" pitchFamily="34" charset="0"/>
+              </a:rPr>
+              <a:t>Understanding the hardware specification of IP</a:t>
+            </a:r>
+            <a:endParaRPr lang="en-US" sz="2200" dirty="0">
+              <a:effectLst/>
+              <a:latin typeface="Calibri" panose="020F0502020204030204" pitchFamily="34" charset="0"/>
+              <a:ea typeface="Calibri" panose="020F0502020204030204" pitchFamily="34" charset="0"/>
+              <a:cs typeface="Calibri" panose="020F0502020204030204" pitchFamily="34" charset="0"/>
+            </a:endParaRPr>
+          </a:p>
+          <a:p>
+            <a:pPr marL="1143000" marR="202565" lvl="2" indent="-228600" algn="just">
+              <a:lnSpc>
+                <a:spcPct val="145000"/>
+              </a:lnSpc>
+              <a:spcBef>
+                <a:spcPts val="405"/>
+              </a:spcBef>
+              <a:spcAft>
+                <a:spcPts val="0"/>
+              </a:spcAft>
+              <a:buSzPts val="1200"/>
+              <a:buFont typeface="Arial" panose="020B0604020202020204" pitchFamily="34" charset="0"/>
+              <a:buChar char="●"/>
+              <a:tabLst>
+                <a:tab pos="1054735" algn="l"/>
+              </a:tabLst>
+            </a:pPr>
+            <a:r>
+              <a:rPr lang="en-US" sz="2600" dirty="0">
+                <a:solidFill>
+                  <a:srgbClr val="000000"/>
+                </a:solidFill>
+                <a:effectLst/>
+                <a:latin typeface="Calibri" panose="020F0502020204030204" pitchFamily="34" charset="0"/>
+                <a:ea typeface="Calibri" panose="020F0502020204030204" pitchFamily="34" charset="0"/>
+                <a:cs typeface="Calibri" panose="020F0502020204030204" pitchFamily="34" charset="0"/>
+              </a:rPr>
+              <a:t>Writing a test spec from the Hardware Specification</a:t>
+            </a:r>
+            <a:endParaRPr lang="en-US" sz="2200" dirty="0">
+              <a:effectLst/>
+              <a:latin typeface="Calibri" panose="020F0502020204030204" pitchFamily="34" charset="0"/>
+              <a:ea typeface="Calibri" panose="020F0502020204030204" pitchFamily="34" charset="0"/>
+              <a:cs typeface="Calibri" panose="020F0502020204030204" pitchFamily="34" charset="0"/>
+            </a:endParaRPr>
+          </a:p>
+          <a:p>
+            <a:pPr marL="1143000" marR="202565" lvl="2" indent="-228600" algn="just">
+              <a:lnSpc>
+                <a:spcPct val="145000"/>
+              </a:lnSpc>
+              <a:spcBef>
+                <a:spcPts val="405"/>
+              </a:spcBef>
+              <a:spcAft>
+                <a:spcPts val="0"/>
+              </a:spcAft>
+              <a:buSzPts val="1200"/>
+              <a:buFont typeface="Arial" panose="020B0604020202020204" pitchFamily="34" charset="0"/>
+              <a:buChar char="●"/>
+              <a:tabLst>
+                <a:tab pos="1054735" algn="l"/>
+              </a:tabLst>
+            </a:pPr>
+            <a:r>
+              <a:rPr lang="en-US" sz="2600" dirty="0">
+                <a:solidFill>
+                  <a:srgbClr val="000000"/>
+                </a:solidFill>
+                <a:effectLst/>
+                <a:latin typeface="Calibri" panose="020F0502020204030204" pitchFamily="34" charset="0"/>
+                <a:ea typeface="Calibri" panose="020F0502020204030204" pitchFamily="34" charset="0"/>
+                <a:cs typeface="Calibri" panose="020F0502020204030204" pitchFamily="34" charset="0"/>
+              </a:rPr>
+              <a:t>Creating the testcases to qualify the IP</a:t>
+            </a:r>
+            <a:endParaRPr lang="en-US" sz="2200" dirty="0">
+              <a:effectLst/>
+              <a:latin typeface="Calibri" panose="020F0502020204030204" pitchFamily="34" charset="0"/>
+              <a:ea typeface="Calibri" panose="020F0502020204030204" pitchFamily="34" charset="0"/>
+              <a:cs typeface="Calibri" panose="020F0502020204030204" pitchFamily="34" charset="0"/>
+            </a:endParaRPr>
+          </a:p>
+          <a:p>
+            <a:pPr marL="1143000" marR="202565" lvl="2" indent="-228600" algn="just">
+              <a:lnSpc>
+                <a:spcPct val="145000"/>
+              </a:lnSpc>
+              <a:spcBef>
+                <a:spcPts val="405"/>
+              </a:spcBef>
+              <a:spcAft>
+                <a:spcPts val="0"/>
+              </a:spcAft>
+              <a:buSzPts val="1200"/>
+              <a:buFont typeface="Arial" panose="020B0604020202020204" pitchFamily="34" charset="0"/>
+              <a:buChar char="●"/>
+              <a:tabLst>
+                <a:tab pos="1054735" algn="l"/>
+              </a:tabLst>
+            </a:pPr>
+            <a:r>
+              <a:rPr lang="en-US" sz="2600" dirty="0">
+                <a:solidFill>
+                  <a:srgbClr val="000000"/>
+                </a:solidFill>
+                <a:effectLst/>
+                <a:latin typeface="Calibri" panose="020F0502020204030204" pitchFamily="34" charset="0"/>
+                <a:ea typeface="Calibri" panose="020F0502020204030204" pitchFamily="34" charset="0"/>
+                <a:cs typeface="Calibri" panose="020F0502020204030204" pitchFamily="34" charset="0"/>
+              </a:rPr>
+              <a:t>Collecting the Output waveforms from the Xilinx ILA</a:t>
+            </a:r>
+            <a:endParaRPr lang="en-US" sz="2200" dirty="0">
+              <a:effectLst/>
+              <a:latin typeface="Calibri" panose="020F0502020204030204" pitchFamily="34" charset="0"/>
+              <a:ea typeface="Calibri" panose="020F0502020204030204" pitchFamily="34" charset="0"/>
+              <a:cs typeface="Calibri" panose="020F0502020204030204" pitchFamily="34" charset="0"/>
+            </a:endParaRPr>
+          </a:p>
+          <a:p>
+            <a:endParaRPr lang="en-US" dirty="0"/>
+          </a:p>
+        </p:txBody>
+      </p:sp>
+    </p:spTree>
+    <p:extLst>
+      <p:ext uri="{BB962C8B-B14F-4D97-AF65-F5344CB8AC3E}">
+        <p14:creationId xmlns:p14="http://schemas.microsoft.com/office/powerpoint/2010/main" val="2634217961"/>
+      </p:ext>
+    </p:extLst>
+  </p:cSld>
+  <p:clrMapOvr>
+    <a:masterClrMapping/>
+  </p:clrMapOvr>
+</p:sld>
+</file>
+
+<file path=ppt/slides/slide4.xml><?xml version="1.0" encoding="utf-8"?>
+<p:sld xmlns:a="http://schemas.openxmlformats.org/drawingml/2006/main" xmlns:r="http://schemas.openxmlformats.org/officeDocument/2006/relationships" xmlns:p="http://schemas.openxmlformats.org/presentationml/2006/main">
+  <p:cSld>
+    <p:spTree>
+      <p:nvGrpSpPr>
+        <p:cNvPr id="1" name=""/>
+        <p:cNvGrpSpPr/>
+        <p:nvPr/>
+      </p:nvGrpSpPr>
+      <p:grpSpPr>
+        <a:xfrm>
+          <a:off x="0" y="0"/>
+          <a:ext cx="0" cy="0"/>
+          <a:chOff x="0" y="0"/>
+          <a:chExt cx="0" cy="0"/>
+        </a:xfrm>
+      </p:grpSpPr>
+      <p:sp>
+        <p:nvSpPr>
+          <p:cNvPr id="2" name="Title 1">
+            <a:extLst>
+              <a:ext uri="{FF2B5EF4-FFF2-40B4-BE49-F238E27FC236}">
+                <a16:creationId xmlns:a16="http://schemas.microsoft.com/office/drawing/2014/main" id="{B7295A61-7259-906A-7AE5-571F228F81CD}"/>
+              </a:ext>
+            </a:extLst>
+          </p:cNvPr>
+          <p:cNvSpPr>
+            <a:spLocks noGrp="1"/>
+          </p:cNvSpPr>
+          <p:nvPr>
+            <p:ph type="title"/>
+          </p:nvPr>
+        </p:nvSpPr>
+        <p:spPr/>
+        <p:txBody>
+          <a:bodyPr/>
+          <a:lstStyle/>
+          <a:p>
+            <a:r>
+              <a:rPr lang="en-US" dirty="0"/>
+              <a:t>Block Diagram:</a:t>
+            </a:r>
+          </a:p>
+        </p:txBody>
+      </p:sp>
+      <p:pic>
+        <p:nvPicPr>
+          <p:cNvPr id="1027" name="Picture 3" descr="A diagram of a system&#10;&#10;Description automatically generated">
+            <a:extLst>
+              <a:ext uri="{FF2B5EF4-FFF2-40B4-BE49-F238E27FC236}">
+                <a16:creationId xmlns:a16="http://schemas.microsoft.com/office/drawing/2014/main" id="{2EB6CE9C-60AB-3060-41AD-DA9BC4095D81}"/>
+              </a:ext>
+            </a:extLst>
+          </p:cNvPr>
+          <p:cNvPicPr>
+            <a:picLocks noChangeAspect="1" noChangeArrowheads="1"/>
+          </p:cNvPicPr>
+          <p:nvPr/>
+        </p:nvPicPr>
+        <p:blipFill>
+          <a:blip r:embed="rId2">
+            <a:extLst>
+              <a:ext uri="{28A0092B-C50C-407E-A947-70E740481C1C}">
+                <a14:useLocalDpi xmlns:a14="http://schemas.microsoft.com/office/drawing/2010/main" val="0"/>
+              </a:ext>
+            </a:extLst>
+          </a:blip>
+          <a:srcRect/>
+          <a:stretch>
+            <a:fillRect/>
+          </a:stretch>
+        </p:blipFill>
+        <p:spPr bwMode="auto">
+          <a:xfrm>
+            <a:off x="234945" y="1699762"/>
+            <a:ext cx="7595118" cy="4716527"/>
+          </a:xfrm>
+          <a:prstGeom prst="rect">
+            <a:avLst/>
+          </a:prstGeom>
+          <a:noFill/>
+          <a:ln>
+            <a:noFill/>
+          </a:ln>
+          <a:extLst>
+            <a:ext uri="{909E8E84-426E-40DD-AFC4-6F175D3DCCD1}">
+              <a14:hiddenFill xmlns:a14="http://schemas.microsoft.com/office/drawing/2010/main">
+                <a:solidFill>
+                  <a:srgbClr val="FFFFFF"/>
+                </a:solidFill>
+              </a14:hiddenFill>
+            </a:ext>
+            <a:ext uri="{91240B29-F687-4F45-9708-019B960494DF}">
+              <a14:hiddenLine xmlns:a14="http://schemas.microsoft.com/office/drawing/2010/main" w="9525">
+                <a:solidFill>
+                  <a:srgbClr val="000000"/>
+                </a:solidFill>
+                <a:miter lim="800000"/>
+                <a:headEnd/>
+                <a:tailEnd/>
+              </a14:hiddenLine>
+            </a:ext>
+          </a:extLst>
+        </p:spPr>
+      </p:pic>
+      <p:graphicFrame>
+        <p:nvGraphicFramePr>
+          <p:cNvPr id="4" name="Table 3">
+            <a:extLst>
+              <a:ext uri="{FF2B5EF4-FFF2-40B4-BE49-F238E27FC236}">
+                <a16:creationId xmlns:a16="http://schemas.microsoft.com/office/drawing/2014/main" id="{F39666F0-ABE8-8682-9C47-43A3D463EB42}"/>
+              </a:ext>
+            </a:extLst>
+          </p:cNvPr>
+          <p:cNvGraphicFramePr>
+            <a:graphicFrameLocks noGrp="1"/>
+          </p:cNvGraphicFramePr>
+          <p:nvPr>
+            <p:extLst>
+              <p:ext uri="{D42A27DB-BD31-4B8C-83A1-F6EECF244321}">
+                <p14:modId xmlns:p14="http://schemas.microsoft.com/office/powerpoint/2010/main" val="695756637"/>
+              </p:ext>
+            </p:extLst>
+          </p:nvPr>
+        </p:nvGraphicFramePr>
+        <p:xfrm>
+          <a:off x="8089142" y="2080732"/>
+          <a:ext cx="3867913" cy="2696535"/>
+        </p:xfrm>
+        <a:graphic>
+          <a:graphicData uri="http://schemas.openxmlformats.org/drawingml/2006/table">
+            <a:tbl>
+              <a:tblPr firstRow="1" firstCol="1" bandRow="1">
+                <a:tableStyleId>{5C22544A-7EE6-4342-B048-85BDC9FD1C3A}</a:tableStyleId>
+              </a:tblPr>
+              <a:tblGrid>
+                <a:gridCol w="1698507">
+                  <a:extLst>
+                    <a:ext uri="{9D8B030D-6E8A-4147-A177-3AD203B41FA5}">
+                      <a16:colId xmlns:a16="http://schemas.microsoft.com/office/drawing/2014/main" val="2134872662"/>
+                    </a:ext>
+                  </a:extLst>
+                </a:gridCol>
+                <a:gridCol w="1317139">
+                  <a:extLst>
+                    <a:ext uri="{9D8B030D-6E8A-4147-A177-3AD203B41FA5}">
+                      <a16:colId xmlns:a16="http://schemas.microsoft.com/office/drawing/2014/main" val="2240553985"/>
+                    </a:ext>
+                  </a:extLst>
+                </a:gridCol>
+                <a:gridCol w="852267">
+                  <a:extLst>
+                    <a:ext uri="{9D8B030D-6E8A-4147-A177-3AD203B41FA5}">
+                      <a16:colId xmlns:a16="http://schemas.microsoft.com/office/drawing/2014/main" val="1915622399"/>
+                    </a:ext>
+                  </a:extLst>
+                </a:gridCol>
+              </a:tblGrid>
+              <a:tr h="0">
+                <a:tc>
+                  <a:txBody>
+                    <a:bodyPr/>
+                    <a:lstStyle/>
+                    <a:p>
+                      <a:pPr marL="0" marR="0">
+                        <a:lnSpc>
+                          <a:spcPct val="115000"/>
+                        </a:lnSpc>
+                        <a:spcBef>
+                          <a:spcPts val="0"/>
+                        </a:spcBef>
+                        <a:spcAft>
+                          <a:spcPts val="0"/>
+                        </a:spcAft>
+                      </a:pPr>
+                      <a:r>
+                        <a:rPr lang="en-US" sz="1100" kern="100">
+                          <a:effectLst/>
+                        </a:rPr>
+                        <a:t>Xilinx IP Used </a:t>
+                      </a:r>
+                      <a:endParaRPr lang="en-US" sz="1200">
+                        <a:effectLst/>
+                        <a:latin typeface="Times New Roman" panose="02020603050405020304" pitchFamily="18" charset="0"/>
+                        <a:ea typeface="Times New Roman" panose="02020603050405020304" pitchFamily="18" charset="0"/>
+                      </a:endParaRPr>
+                    </a:p>
+                  </a:txBody>
+                  <a:tcPr marL="68580" marR="68580" marT="0" marB="0"/>
+                </a:tc>
+                <a:tc>
+                  <a:txBody>
+                    <a:bodyPr/>
+                    <a:lstStyle/>
+                    <a:p>
+                      <a:pPr marL="0" marR="0">
+                        <a:lnSpc>
+                          <a:spcPct val="115000"/>
+                        </a:lnSpc>
+                        <a:spcBef>
+                          <a:spcPts val="0"/>
+                        </a:spcBef>
+                        <a:spcAft>
+                          <a:spcPts val="0"/>
+                        </a:spcAft>
+                      </a:pPr>
+                      <a:r>
+                        <a:rPr lang="en-US" sz="1100" kern="100">
+                          <a:effectLst/>
+                        </a:rPr>
+                        <a:t>Address map</a:t>
+                      </a:r>
+                      <a:endParaRPr lang="en-US" sz="1200">
+                        <a:effectLst/>
+                        <a:latin typeface="Times New Roman" panose="02020603050405020304" pitchFamily="18" charset="0"/>
+                        <a:ea typeface="Times New Roman" panose="02020603050405020304" pitchFamily="18" charset="0"/>
+                      </a:endParaRPr>
+                    </a:p>
+                  </a:txBody>
+                  <a:tcPr marL="68580" marR="68580" marT="0" marB="0"/>
+                </a:tc>
+                <a:tc>
+                  <a:txBody>
+                    <a:bodyPr/>
+                    <a:lstStyle/>
+                    <a:p>
+                      <a:pPr marL="0" marR="0">
+                        <a:lnSpc>
+                          <a:spcPct val="115000"/>
+                        </a:lnSpc>
+                        <a:spcBef>
+                          <a:spcPts val="0"/>
+                        </a:spcBef>
+                        <a:spcAft>
+                          <a:spcPts val="0"/>
+                        </a:spcAft>
+                      </a:pPr>
+                      <a:r>
+                        <a:rPr lang="en-US" sz="1100" kern="100">
+                          <a:effectLst/>
+                        </a:rPr>
+                        <a:t>Size</a:t>
+                      </a:r>
+                      <a:endParaRPr lang="en-US" sz="1200">
+                        <a:effectLst/>
+                        <a:latin typeface="Times New Roman" panose="02020603050405020304" pitchFamily="18" charset="0"/>
+                        <a:ea typeface="Times New Roman" panose="02020603050405020304" pitchFamily="18" charset="0"/>
+                      </a:endParaRPr>
+                    </a:p>
+                  </a:txBody>
+                  <a:tcPr marL="68580" marR="68580" marT="0" marB="0"/>
+                </a:tc>
+                <a:extLst>
+                  <a:ext uri="{0D108BD9-81ED-4DB2-BD59-A6C34878D82A}">
+                    <a16:rowId xmlns:a16="http://schemas.microsoft.com/office/drawing/2014/main" val="1453050066"/>
+                  </a:ext>
+                </a:extLst>
+              </a:tr>
+              <a:tr h="0">
+                <a:tc>
+                  <a:txBody>
+                    <a:bodyPr/>
+                    <a:lstStyle/>
+                    <a:p>
+                      <a:pPr marL="0" marR="0">
+                        <a:lnSpc>
+                          <a:spcPct val="115000"/>
+                        </a:lnSpc>
+                        <a:spcBef>
+                          <a:spcPts val="0"/>
+                        </a:spcBef>
+                        <a:spcAft>
+                          <a:spcPts val="0"/>
+                        </a:spcAft>
+                      </a:pPr>
+                      <a:r>
+                        <a:rPr lang="en-US" sz="1100" kern="100">
+                          <a:effectLst/>
+                        </a:rPr>
+                        <a:t>clk_wiz:6.0\</a:t>
+                      </a:r>
+                      <a:endParaRPr lang="en-US" sz="1200">
+                        <a:effectLst/>
+                        <a:latin typeface="Times New Roman" panose="02020603050405020304" pitchFamily="18" charset="0"/>
+                        <a:ea typeface="Times New Roman" panose="02020603050405020304" pitchFamily="18" charset="0"/>
+                      </a:endParaRPr>
+                    </a:p>
+                  </a:txBody>
+                  <a:tcPr marL="68580" marR="68580" marT="0" marB="0"/>
+                </a:tc>
+                <a:tc>
+                  <a:txBody>
+                    <a:bodyPr/>
+                    <a:lstStyle/>
+                    <a:p>
+                      <a:pPr marL="0" marR="0">
+                        <a:lnSpc>
+                          <a:spcPct val="115000"/>
+                        </a:lnSpc>
+                        <a:spcBef>
+                          <a:spcPts val="0"/>
+                        </a:spcBef>
+                        <a:spcAft>
+                          <a:spcPts val="0"/>
+                        </a:spcAft>
+                      </a:pPr>
+                      <a:r>
+                        <a:rPr lang="en-US" sz="1100" kern="100">
+                          <a:effectLst/>
+                        </a:rPr>
+                        <a:t>NA</a:t>
+                      </a:r>
+                      <a:endParaRPr lang="en-US" sz="1200">
+                        <a:effectLst/>
+                        <a:latin typeface="Times New Roman" panose="02020603050405020304" pitchFamily="18" charset="0"/>
+                        <a:ea typeface="Times New Roman" panose="02020603050405020304" pitchFamily="18" charset="0"/>
+                      </a:endParaRPr>
+                    </a:p>
+                  </a:txBody>
+                  <a:tcPr marL="68580" marR="68580" marT="0" marB="0"/>
+                </a:tc>
+                <a:tc>
+                  <a:txBody>
+                    <a:bodyPr/>
+                    <a:lstStyle/>
+                    <a:p>
+                      <a:pPr marL="0" marR="0">
+                        <a:lnSpc>
+                          <a:spcPct val="115000"/>
+                        </a:lnSpc>
+                        <a:spcBef>
+                          <a:spcPts val="0"/>
+                        </a:spcBef>
+                        <a:spcAft>
+                          <a:spcPts val="0"/>
+                        </a:spcAft>
+                      </a:pPr>
+                      <a:r>
+                        <a:rPr lang="en-US" sz="1100" kern="100">
+                          <a:effectLst/>
+                        </a:rPr>
+                        <a:t> </a:t>
+                      </a:r>
+                      <a:endParaRPr lang="en-US" sz="1200">
+                        <a:effectLst/>
+                        <a:latin typeface="Times New Roman" panose="02020603050405020304" pitchFamily="18" charset="0"/>
+                        <a:ea typeface="Times New Roman" panose="02020603050405020304" pitchFamily="18" charset="0"/>
+                      </a:endParaRPr>
+                    </a:p>
+                  </a:txBody>
+                  <a:tcPr marL="68580" marR="68580" marT="0" marB="0"/>
+                </a:tc>
+                <a:extLst>
+                  <a:ext uri="{0D108BD9-81ED-4DB2-BD59-A6C34878D82A}">
+                    <a16:rowId xmlns:a16="http://schemas.microsoft.com/office/drawing/2014/main" val="1397369531"/>
+                  </a:ext>
+                </a:extLst>
+              </a:tr>
+              <a:tr h="0">
+                <a:tc>
+                  <a:txBody>
+                    <a:bodyPr/>
+                    <a:lstStyle/>
+                    <a:p>
+                      <a:pPr marL="0" marR="0">
+                        <a:lnSpc>
+                          <a:spcPct val="115000"/>
+                        </a:lnSpc>
+                        <a:spcBef>
+                          <a:spcPts val="0"/>
+                        </a:spcBef>
+                        <a:spcAft>
+                          <a:spcPts val="0"/>
+                        </a:spcAft>
+                      </a:pPr>
+                      <a:r>
+                        <a:rPr lang="en-US" sz="1100" kern="100">
+                          <a:effectLst/>
+                        </a:rPr>
+                        <a:t>microblaze:11.0\</a:t>
+                      </a:r>
+                      <a:endParaRPr lang="en-US" sz="1200">
+                        <a:effectLst/>
+                        <a:latin typeface="Times New Roman" panose="02020603050405020304" pitchFamily="18" charset="0"/>
+                        <a:ea typeface="Times New Roman" panose="02020603050405020304" pitchFamily="18" charset="0"/>
+                      </a:endParaRPr>
+                    </a:p>
+                  </a:txBody>
+                  <a:tcPr marL="68580" marR="68580" marT="0" marB="0"/>
+                </a:tc>
+                <a:tc>
+                  <a:txBody>
+                    <a:bodyPr/>
+                    <a:lstStyle/>
+                    <a:p>
+                      <a:pPr marL="0" marR="0">
+                        <a:lnSpc>
+                          <a:spcPct val="115000"/>
+                        </a:lnSpc>
+                        <a:spcBef>
+                          <a:spcPts val="0"/>
+                        </a:spcBef>
+                        <a:spcAft>
+                          <a:spcPts val="0"/>
+                        </a:spcAft>
+                      </a:pPr>
+                      <a:r>
+                        <a:rPr lang="en-US" sz="1100" kern="100">
+                          <a:effectLst/>
+                        </a:rPr>
+                        <a:t>NA</a:t>
+                      </a:r>
+                      <a:endParaRPr lang="en-US" sz="1200">
+                        <a:effectLst/>
+                        <a:latin typeface="Times New Roman" panose="02020603050405020304" pitchFamily="18" charset="0"/>
+                        <a:ea typeface="Times New Roman" panose="02020603050405020304" pitchFamily="18" charset="0"/>
+                      </a:endParaRPr>
+                    </a:p>
+                  </a:txBody>
+                  <a:tcPr marL="68580" marR="68580" marT="0" marB="0"/>
+                </a:tc>
+                <a:tc>
+                  <a:txBody>
+                    <a:bodyPr/>
+                    <a:lstStyle/>
+                    <a:p>
+                      <a:pPr marL="0" marR="0">
+                        <a:lnSpc>
+                          <a:spcPct val="115000"/>
+                        </a:lnSpc>
+                        <a:spcBef>
+                          <a:spcPts val="0"/>
+                        </a:spcBef>
+                        <a:spcAft>
+                          <a:spcPts val="0"/>
+                        </a:spcAft>
+                      </a:pPr>
+                      <a:r>
+                        <a:rPr lang="en-US" sz="1100" kern="100">
+                          <a:effectLst/>
+                        </a:rPr>
+                        <a:t> </a:t>
+                      </a:r>
+                      <a:endParaRPr lang="en-US" sz="1200">
+                        <a:effectLst/>
+                        <a:latin typeface="Times New Roman" panose="02020603050405020304" pitchFamily="18" charset="0"/>
+                        <a:ea typeface="Times New Roman" panose="02020603050405020304" pitchFamily="18" charset="0"/>
+                      </a:endParaRPr>
+                    </a:p>
+                  </a:txBody>
+                  <a:tcPr marL="68580" marR="68580" marT="0" marB="0"/>
+                </a:tc>
+                <a:extLst>
+                  <a:ext uri="{0D108BD9-81ED-4DB2-BD59-A6C34878D82A}">
+                    <a16:rowId xmlns:a16="http://schemas.microsoft.com/office/drawing/2014/main" val="1893689087"/>
+                  </a:ext>
+                </a:extLst>
+              </a:tr>
+              <a:tr h="0">
+                <a:tc>
+                  <a:txBody>
+                    <a:bodyPr/>
+                    <a:lstStyle/>
+                    <a:p>
+                      <a:pPr marL="0" marR="0">
+                        <a:lnSpc>
+                          <a:spcPct val="115000"/>
+                        </a:lnSpc>
+                        <a:spcBef>
+                          <a:spcPts val="0"/>
+                        </a:spcBef>
+                        <a:spcAft>
+                          <a:spcPts val="0"/>
+                        </a:spcAft>
+                      </a:pPr>
+                      <a:r>
+                        <a:rPr lang="en-US" sz="1100" kern="100">
+                          <a:effectLst/>
+                        </a:rPr>
+                        <a:t>mdm:3.2\</a:t>
+                      </a:r>
+                      <a:endParaRPr lang="en-US" sz="1200">
+                        <a:effectLst/>
+                        <a:latin typeface="Times New Roman" panose="02020603050405020304" pitchFamily="18" charset="0"/>
+                        <a:ea typeface="Times New Roman" panose="02020603050405020304" pitchFamily="18" charset="0"/>
+                      </a:endParaRPr>
+                    </a:p>
+                  </a:txBody>
+                  <a:tcPr marL="68580" marR="68580" marT="0" marB="0"/>
+                </a:tc>
+                <a:tc>
+                  <a:txBody>
+                    <a:bodyPr/>
+                    <a:lstStyle/>
+                    <a:p>
+                      <a:pPr marL="0" marR="0">
+                        <a:lnSpc>
+                          <a:spcPct val="115000"/>
+                        </a:lnSpc>
+                        <a:spcBef>
+                          <a:spcPts val="0"/>
+                        </a:spcBef>
+                        <a:spcAft>
+                          <a:spcPts val="0"/>
+                        </a:spcAft>
+                      </a:pPr>
+                      <a:r>
+                        <a:rPr lang="en-US" sz="1100" kern="100">
+                          <a:effectLst/>
+                        </a:rPr>
+                        <a:t>NA</a:t>
+                      </a:r>
+                      <a:endParaRPr lang="en-US" sz="1200">
+                        <a:effectLst/>
+                        <a:latin typeface="Times New Roman" panose="02020603050405020304" pitchFamily="18" charset="0"/>
+                        <a:ea typeface="Times New Roman" panose="02020603050405020304" pitchFamily="18" charset="0"/>
+                      </a:endParaRPr>
+                    </a:p>
+                  </a:txBody>
+                  <a:tcPr marL="68580" marR="68580" marT="0" marB="0"/>
+                </a:tc>
+                <a:tc>
+                  <a:txBody>
+                    <a:bodyPr/>
+                    <a:lstStyle/>
+                    <a:p>
+                      <a:pPr marL="0" marR="0">
+                        <a:lnSpc>
+                          <a:spcPct val="115000"/>
+                        </a:lnSpc>
+                        <a:spcBef>
+                          <a:spcPts val="0"/>
+                        </a:spcBef>
+                        <a:spcAft>
+                          <a:spcPts val="0"/>
+                        </a:spcAft>
+                      </a:pPr>
+                      <a:r>
+                        <a:rPr lang="en-US" sz="1100" kern="100">
+                          <a:effectLst/>
+                        </a:rPr>
+                        <a:t> </a:t>
+                      </a:r>
+                      <a:endParaRPr lang="en-US" sz="1200">
+                        <a:effectLst/>
+                        <a:latin typeface="Times New Roman" panose="02020603050405020304" pitchFamily="18" charset="0"/>
+                        <a:ea typeface="Times New Roman" panose="02020603050405020304" pitchFamily="18" charset="0"/>
+                      </a:endParaRPr>
+                    </a:p>
+                  </a:txBody>
+                  <a:tcPr marL="68580" marR="68580" marT="0" marB="0"/>
+                </a:tc>
+                <a:extLst>
+                  <a:ext uri="{0D108BD9-81ED-4DB2-BD59-A6C34878D82A}">
+                    <a16:rowId xmlns:a16="http://schemas.microsoft.com/office/drawing/2014/main" val="1482321762"/>
+                  </a:ext>
+                </a:extLst>
+              </a:tr>
+              <a:tr h="0">
+                <a:tc>
+                  <a:txBody>
+                    <a:bodyPr/>
+                    <a:lstStyle/>
+                    <a:p>
+                      <a:pPr marL="0" marR="0">
+                        <a:lnSpc>
+                          <a:spcPct val="115000"/>
+                        </a:lnSpc>
+                        <a:spcBef>
+                          <a:spcPts val="0"/>
+                        </a:spcBef>
+                        <a:spcAft>
+                          <a:spcPts val="0"/>
+                        </a:spcAft>
+                      </a:pPr>
+                      <a:r>
+                        <a:rPr lang="en-US" sz="1100" kern="100">
+                          <a:effectLst/>
+                        </a:rPr>
+                        <a:t>proc_sys_reset:5.0\</a:t>
+                      </a:r>
+                      <a:endParaRPr lang="en-US" sz="1200">
+                        <a:effectLst/>
+                        <a:latin typeface="Times New Roman" panose="02020603050405020304" pitchFamily="18" charset="0"/>
+                        <a:ea typeface="Times New Roman" panose="02020603050405020304" pitchFamily="18" charset="0"/>
+                      </a:endParaRPr>
+                    </a:p>
+                  </a:txBody>
+                  <a:tcPr marL="68580" marR="68580" marT="0" marB="0"/>
+                </a:tc>
+                <a:tc>
+                  <a:txBody>
+                    <a:bodyPr/>
+                    <a:lstStyle/>
+                    <a:p>
+                      <a:pPr marL="0" marR="0">
+                        <a:lnSpc>
+                          <a:spcPct val="115000"/>
+                        </a:lnSpc>
+                        <a:spcBef>
+                          <a:spcPts val="0"/>
+                        </a:spcBef>
+                        <a:spcAft>
+                          <a:spcPts val="0"/>
+                        </a:spcAft>
+                      </a:pPr>
+                      <a:r>
+                        <a:rPr lang="en-US" sz="1100" kern="100">
+                          <a:effectLst/>
+                        </a:rPr>
+                        <a:t>NA</a:t>
+                      </a:r>
+                      <a:endParaRPr lang="en-US" sz="1200">
+                        <a:effectLst/>
+                        <a:latin typeface="Times New Roman" panose="02020603050405020304" pitchFamily="18" charset="0"/>
+                        <a:ea typeface="Times New Roman" panose="02020603050405020304" pitchFamily="18" charset="0"/>
+                      </a:endParaRPr>
+                    </a:p>
+                  </a:txBody>
+                  <a:tcPr marL="68580" marR="68580" marT="0" marB="0"/>
+                </a:tc>
+                <a:tc>
+                  <a:txBody>
+                    <a:bodyPr/>
+                    <a:lstStyle/>
+                    <a:p>
+                      <a:pPr marL="0" marR="0">
+                        <a:lnSpc>
+                          <a:spcPct val="115000"/>
+                        </a:lnSpc>
+                        <a:spcBef>
+                          <a:spcPts val="0"/>
+                        </a:spcBef>
+                        <a:spcAft>
+                          <a:spcPts val="0"/>
+                        </a:spcAft>
+                      </a:pPr>
+                      <a:r>
+                        <a:rPr lang="en-US" sz="1100" kern="100">
+                          <a:effectLst/>
+                        </a:rPr>
+                        <a:t> </a:t>
+                      </a:r>
+                      <a:endParaRPr lang="en-US" sz="1200">
+                        <a:effectLst/>
+                        <a:latin typeface="Times New Roman" panose="02020603050405020304" pitchFamily="18" charset="0"/>
+                        <a:ea typeface="Times New Roman" panose="02020603050405020304" pitchFamily="18" charset="0"/>
+                      </a:endParaRPr>
+                    </a:p>
+                  </a:txBody>
+                  <a:tcPr marL="68580" marR="68580" marT="0" marB="0"/>
+                </a:tc>
+                <a:extLst>
+                  <a:ext uri="{0D108BD9-81ED-4DB2-BD59-A6C34878D82A}">
+                    <a16:rowId xmlns:a16="http://schemas.microsoft.com/office/drawing/2014/main" val="24955380"/>
+                  </a:ext>
+                </a:extLst>
+              </a:tr>
+              <a:tr h="0">
+                <a:tc>
+                  <a:txBody>
+                    <a:bodyPr/>
+                    <a:lstStyle/>
+                    <a:p>
+                      <a:pPr marL="0" marR="0">
+                        <a:lnSpc>
+                          <a:spcPct val="115000"/>
+                        </a:lnSpc>
+                        <a:spcBef>
+                          <a:spcPts val="0"/>
+                        </a:spcBef>
+                        <a:spcAft>
+                          <a:spcPts val="0"/>
+                        </a:spcAft>
+                      </a:pPr>
+                      <a:r>
+                        <a:rPr lang="en-US" sz="1100" kern="100">
+                          <a:effectLst/>
+                        </a:rPr>
+                        <a:t>axi_gpio:2.0\</a:t>
+                      </a:r>
+                      <a:endParaRPr lang="en-US" sz="1200">
+                        <a:effectLst/>
+                        <a:latin typeface="Times New Roman" panose="02020603050405020304" pitchFamily="18" charset="0"/>
+                        <a:ea typeface="Times New Roman" panose="02020603050405020304" pitchFamily="18" charset="0"/>
+                      </a:endParaRPr>
+                    </a:p>
+                  </a:txBody>
+                  <a:tcPr marL="68580" marR="68580" marT="0" marB="0"/>
+                </a:tc>
+                <a:tc>
+                  <a:txBody>
+                    <a:bodyPr/>
+                    <a:lstStyle/>
+                    <a:p>
+                      <a:pPr marL="0" marR="0">
+                        <a:lnSpc>
+                          <a:spcPct val="115000"/>
+                        </a:lnSpc>
+                        <a:spcBef>
+                          <a:spcPts val="0"/>
+                        </a:spcBef>
+                        <a:spcAft>
+                          <a:spcPts val="0"/>
+                        </a:spcAft>
+                      </a:pPr>
+                      <a:r>
+                        <a:rPr lang="en-US" sz="1100" kern="100">
+                          <a:effectLst/>
+                        </a:rPr>
+                        <a:t>0x40000000</a:t>
+                      </a:r>
+                      <a:endParaRPr lang="en-US" sz="1200">
+                        <a:effectLst/>
+                        <a:latin typeface="Times New Roman" panose="02020603050405020304" pitchFamily="18" charset="0"/>
+                        <a:ea typeface="Times New Roman" panose="02020603050405020304" pitchFamily="18" charset="0"/>
+                      </a:endParaRPr>
+                    </a:p>
+                  </a:txBody>
+                  <a:tcPr marL="68580" marR="68580" marT="0" marB="0"/>
+                </a:tc>
+                <a:tc>
+                  <a:txBody>
+                    <a:bodyPr/>
+                    <a:lstStyle/>
+                    <a:p>
+                      <a:pPr marL="0" marR="0">
+                        <a:lnSpc>
+                          <a:spcPct val="115000"/>
+                        </a:lnSpc>
+                        <a:spcBef>
+                          <a:spcPts val="0"/>
+                        </a:spcBef>
+                        <a:spcAft>
+                          <a:spcPts val="0"/>
+                        </a:spcAft>
+                      </a:pPr>
+                      <a:r>
+                        <a:rPr lang="en-US" sz="1100" kern="100">
+                          <a:effectLst/>
+                        </a:rPr>
+                        <a:t>1kB</a:t>
+                      </a:r>
+                      <a:endParaRPr lang="en-US" sz="1200">
+                        <a:effectLst/>
+                        <a:latin typeface="Times New Roman" panose="02020603050405020304" pitchFamily="18" charset="0"/>
+                        <a:ea typeface="Times New Roman" panose="02020603050405020304" pitchFamily="18" charset="0"/>
+                      </a:endParaRPr>
+                    </a:p>
+                  </a:txBody>
+                  <a:tcPr marL="68580" marR="68580" marT="0" marB="0"/>
+                </a:tc>
+                <a:extLst>
+                  <a:ext uri="{0D108BD9-81ED-4DB2-BD59-A6C34878D82A}">
+                    <a16:rowId xmlns:a16="http://schemas.microsoft.com/office/drawing/2014/main" val="3046411962"/>
+                  </a:ext>
+                </a:extLst>
+              </a:tr>
+              <a:tr h="0">
+                <a:tc>
+                  <a:txBody>
+                    <a:bodyPr/>
+                    <a:lstStyle/>
+                    <a:p>
+                      <a:pPr marL="0" marR="0">
+                        <a:lnSpc>
+                          <a:spcPct val="115000"/>
+                        </a:lnSpc>
+                        <a:spcBef>
+                          <a:spcPts val="0"/>
+                        </a:spcBef>
+                        <a:spcAft>
+                          <a:spcPts val="0"/>
+                        </a:spcAft>
+                      </a:pPr>
+                      <a:r>
+                        <a:rPr lang="en-US" sz="1100" kern="100">
+                          <a:effectLst/>
+                        </a:rPr>
+                        <a:t>axi_bram_ctrl:4.1\</a:t>
+                      </a:r>
+                      <a:endParaRPr lang="en-US" sz="1200">
+                        <a:effectLst/>
+                        <a:latin typeface="Times New Roman" panose="02020603050405020304" pitchFamily="18" charset="0"/>
+                        <a:ea typeface="Times New Roman" panose="02020603050405020304" pitchFamily="18" charset="0"/>
+                      </a:endParaRPr>
+                    </a:p>
+                  </a:txBody>
+                  <a:tcPr marL="68580" marR="68580" marT="0" marB="0"/>
+                </a:tc>
+                <a:tc>
+                  <a:txBody>
+                    <a:bodyPr/>
+                    <a:lstStyle/>
+                    <a:p>
+                      <a:pPr marL="0" marR="0">
+                        <a:lnSpc>
+                          <a:spcPct val="115000"/>
+                        </a:lnSpc>
+                        <a:spcBef>
+                          <a:spcPts val="0"/>
+                        </a:spcBef>
+                        <a:spcAft>
+                          <a:spcPts val="0"/>
+                        </a:spcAft>
+                      </a:pPr>
+                      <a:r>
+                        <a:rPr lang="en-US" sz="1100" kern="100">
+                          <a:effectLst/>
+                        </a:rPr>
+                        <a:t>NA</a:t>
+                      </a:r>
+                      <a:endParaRPr lang="en-US" sz="1200">
+                        <a:effectLst/>
+                        <a:latin typeface="Times New Roman" panose="02020603050405020304" pitchFamily="18" charset="0"/>
+                        <a:ea typeface="Times New Roman" panose="02020603050405020304" pitchFamily="18" charset="0"/>
+                      </a:endParaRPr>
+                    </a:p>
+                  </a:txBody>
+                  <a:tcPr marL="68580" marR="68580" marT="0" marB="0"/>
+                </a:tc>
+                <a:tc>
+                  <a:txBody>
+                    <a:bodyPr/>
+                    <a:lstStyle/>
+                    <a:p>
+                      <a:pPr marL="0" marR="0">
+                        <a:lnSpc>
+                          <a:spcPct val="115000"/>
+                        </a:lnSpc>
+                        <a:spcBef>
+                          <a:spcPts val="0"/>
+                        </a:spcBef>
+                        <a:spcAft>
+                          <a:spcPts val="0"/>
+                        </a:spcAft>
+                      </a:pPr>
+                      <a:r>
+                        <a:rPr lang="en-US" sz="1100" kern="100">
+                          <a:effectLst/>
+                        </a:rPr>
+                        <a:t> </a:t>
+                      </a:r>
+                      <a:endParaRPr lang="en-US" sz="1200">
+                        <a:effectLst/>
+                        <a:latin typeface="Times New Roman" panose="02020603050405020304" pitchFamily="18" charset="0"/>
+                        <a:ea typeface="Times New Roman" panose="02020603050405020304" pitchFamily="18" charset="0"/>
+                      </a:endParaRPr>
+                    </a:p>
+                  </a:txBody>
+                  <a:tcPr marL="68580" marR="68580" marT="0" marB="0"/>
+                </a:tc>
+                <a:extLst>
+                  <a:ext uri="{0D108BD9-81ED-4DB2-BD59-A6C34878D82A}">
+                    <a16:rowId xmlns:a16="http://schemas.microsoft.com/office/drawing/2014/main" val="1576542054"/>
+                  </a:ext>
+                </a:extLst>
+              </a:tr>
+              <a:tr h="0">
+                <a:tc>
+                  <a:txBody>
+                    <a:bodyPr/>
+                    <a:lstStyle/>
+                    <a:p>
+                      <a:pPr marL="0" marR="0">
+                        <a:lnSpc>
+                          <a:spcPct val="115000"/>
+                        </a:lnSpc>
+                        <a:spcBef>
+                          <a:spcPts val="0"/>
+                        </a:spcBef>
+                        <a:spcAft>
+                          <a:spcPts val="0"/>
+                        </a:spcAft>
+                      </a:pPr>
+                      <a:r>
+                        <a:rPr lang="en-US" sz="1100" kern="100">
+                          <a:effectLst/>
+                        </a:rPr>
+                        <a:t>blk_mem_gen:8.4\</a:t>
+                      </a:r>
+                      <a:endParaRPr lang="en-US" sz="1200">
+                        <a:effectLst/>
+                        <a:latin typeface="Times New Roman" panose="02020603050405020304" pitchFamily="18" charset="0"/>
+                        <a:ea typeface="Times New Roman" panose="02020603050405020304" pitchFamily="18" charset="0"/>
+                      </a:endParaRPr>
+                    </a:p>
+                  </a:txBody>
+                  <a:tcPr marL="68580" marR="68580" marT="0" marB="0"/>
+                </a:tc>
+                <a:tc>
+                  <a:txBody>
+                    <a:bodyPr/>
+                    <a:lstStyle/>
+                    <a:p>
+                      <a:pPr marL="0" marR="0">
+                        <a:lnSpc>
+                          <a:spcPct val="115000"/>
+                        </a:lnSpc>
+                        <a:spcBef>
+                          <a:spcPts val="0"/>
+                        </a:spcBef>
+                        <a:spcAft>
+                          <a:spcPts val="0"/>
+                        </a:spcAft>
+                      </a:pPr>
+                      <a:r>
+                        <a:rPr lang="en-US" sz="1100" kern="100">
+                          <a:effectLst/>
+                        </a:rPr>
+                        <a:t>0xC0000000</a:t>
+                      </a:r>
+                      <a:endParaRPr lang="en-US" sz="1200">
+                        <a:effectLst/>
+                        <a:latin typeface="Times New Roman" panose="02020603050405020304" pitchFamily="18" charset="0"/>
+                        <a:ea typeface="Times New Roman" panose="02020603050405020304" pitchFamily="18" charset="0"/>
+                      </a:endParaRPr>
+                    </a:p>
+                  </a:txBody>
+                  <a:tcPr marL="68580" marR="68580" marT="0" marB="0"/>
+                </a:tc>
+                <a:tc>
+                  <a:txBody>
+                    <a:bodyPr/>
+                    <a:lstStyle/>
+                    <a:p>
+                      <a:pPr marL="0" marR="0">
+                        <a:lnSpc>
+                          <a:spcPct val="115000"/>
+                        </a:lnSpc>
+                        <a:spcBef>
+                          <a:spcPts val="0"/>
+                        </a:spcBef>
+                        <a:spcAft>
+                          <a:spcPts val="0"/>
+                        </a:spcAft>
+                      </a:pPr>
+                      <a:r>
+                        <a:rPr lang="en-US" sz="1100" kern="100">
+                          <a:effectLst/>
+                        </a:rPr>
+                        <a:t>512kB</a:t>
+                      </a:r>
+                      <a:endParaRPr lang="en-US" sz="1200">
+                        <a:effectLst/>
+                        <a:latin typeface="Times New Roman" panose="02020603050405020304" pitchFamily="18" charset="0"/>
+                        <a:ea typeface="Times New Roman" panose="02020603050405020304" pitchFamily="18" charset="0"/>
+                      </a:endParaRPr>
+                    </a:p>
+                  </a:txBody>
+                  <a:tcPr marL="68580" marR="68580" marT="0" marB="0"/>
+                </a:tc>
+                <a:extLst>
+                  <a:ext uri="{0D108BD9-81ED-4DB2-BD59-A6C34878D82A}">
+                    <a16:rowId xmlns:a16="http://schemas.microsoft.com/office/drawing/2014/main" val="3880842563"/>
+                  </a:ext>
+                </a:extLst>
+              </a:tr>
+              <a:tr h="0">
+                <a:tc>
+                  <a:txBody>
+                    <a:bodyPr/>
+                    <a:lstStyle/>
+                    <a:p>
+                      <a:pPr marL="0" marR="0">
+                        <a:lnSpc>
+                          <a:spcPct val="115000"/>
+                        </a:lnSpc>
+                        <a:spcBef>
+                          <a:spcPts val="0"/>
+                        </a:spcBef>
+                        <a:spcAft>
+                          <a:spcPts val="0"/>
+                        </a:spcAft>
+                      </a:pPr>
+                      <a:r>
+                        <a:rPr lang="en-US" sz="1100" kern="100">
+                          <a:effectLst/>
+                        </a:rPr>
+                        <a:t>xlconcat:2.1\</a:t>
+                      </a:r>
+                      <a:endParaRPr lang="en-US" sz="1200">
+                        <a:effectLst/>
+                        <a:latin typeface="Times New Roman" panose="02020603050405020304" pitchFamily="18" charset="0"/>
+                        <a:ea typeface="Times New Roman" panose="02020603050405020304" pitchFamily="18" charset="0"/>
+                      </a:endParaRPr>
+                    </a:p>
+                  </a:txBody>
+                  <a:tcPr marL="68580" marR="68580" marT="0" marB="0"/>
+                </a:tc>
+                <a:tc>
+                  <a:txBody>
+                    <a:bodyPr/>
+                    <a:lstStyle/>
+                    <a:p>
+                      <a:pPr marL="0" marR="0">
+                        <a:lnSpc>
+                          <a:spcPct val="115000"/>
+                        </a:lnSpc>
+                        <a:spcBef>
+                          <a:spcPts val="0"/>
+                        </a:spcBef>
+                        <a:spcAft>
+                          <a:spcPts val="0"/>
+                        </a:spcAft>
+                      </a:pPr>
+                      <a:r>
+                        <a:rPr lang="en-US" sz="1100" kern="100">
+                          <a:effectLst/>
+                        </a:rPr>
+                        <a:t>NA</a:t>
+                      </a:r>
+                      <a:endParaRPr lang="en-US" sz="1200">
+                        <a:effectLst/>
+                        <a:latin typeface="Times New Roman" panose="02020603050405020304" pitchFamily="18" charset="0"/>
+                        <a:ea typeface="Times New Roman" panose="02020603050405020304" pitchFamily="18" charset="0"/>
+                      </a:endParaRPr>
+                    </a:p>
+                  </a:txBody>
+                  <a:tcPr marL="68580" marR="68580" marT="0" marB="0"/>
+                </a:tc>
+                <a:tc>
+                  <a:txBody>
+                    <a:bodyPr/>
+                    <a:lstStyle/>
+                    <a:p>
+                      <a:pPr marL="0" marR="0">
+                        <a:lnSpc>
+                          <a:spcPct val="115000"/>
+                        </a:lnSpc>
+                        <a:spcBef>
+                          <a:spcPts val="0"/>
+                        </a:spcBef>
+                        <a:spcAft>
+                          <a:spcPts val="0"/>
+                        </a:spcAft>
+                      </a:pPr>
+                      <a:r>
+                        <a:rPr lang="en-US" sz="1100" kern="100">
+                          <a:effectLst/>
+                        </a:rPr>
+                        <a:t> </a:t>
+                      </a:r>
+                      <a:endParaRPr lang="en-US" sz="1200">
+                        <a:effectLst/>
+                        <a:latin typeface="Times New Roman" panose="02020603050405020304" pitchFamily="18" charset="0"/>
+                        <a:ea typeface="Times New Roman" panose="02020603050405020304" pitchFamily="18" charset="0"/>
+                      </a:endParaRPr>
+                    </a:p>
+                  </a:txBody>
+                  <a:tcPr marL="68580" marR="68580" marT="0" marB="0"/>
+                </a:tc>
+                <a:extLst>
+                  <a:ext uri="{0D108BD9-81ED-4DB2-BD59-A6C34878D82A}">
+                    <a16:rowId xmlns:a16="http://schemas.microsoft.com/office/drawing/2014/main" val="2223221798"/>
+                  </a:ext>
+                </a:extLst>
+              </a:tr>
+              <a:tr h="0">
+                <a:tc>
+                  <a:txBody>
+                    <a:bodyPr/>
+                    <a:lstStyle/>
+                    <a:p>
+                      <a:pPr marL="0" marR="0">
+                        <a:lnSpc>
+                          <a:spcPct val="115000"/>
+                        </a:lnSpc>
+                        <a:spcBef>
+                          <a:spcPts val="0"/>
+                        </a:spcBef>
+                        <a:spcAft>
+                          <a:spcPts val="0"/>
+                        </a:spcAft>
+                      </a:pPr>
+                      <a:r>
+                        <a:rPr lang="en-US" sz="1100" kern="100">
+                          <a:effectLst/>
+                        </a:rPr>
+                        <a:t>axi_intc:4.1\</a:t>
+                      </a:r>
+                      <a:endParaRPr lang="en-US" sz="1200">
+                        <a:effectLst/>
+                        <a:latin typeface="Times New Roman" panose="02020603050405020304" pitchFamily="18" charset="0"/>
+                        <a:ea typeface="Times New Roman" panose="02020603050405020304" pitchFamily="18" charset="0"/>
+                      </a:endParaRPr>
+                    </a:p>
+                  </a:txBody>
+                  <a:tcPr marL="68580" marR="68580" marT="0" marB="0"/>
+                </a:tc>
+                <a:tc>
+                  <a:txBody>
+                    <a:bodyPr/>
+                    <a:lstStyle/>
+                    <a:p>
+                      <a:pPr marL="0" marR="0">
+                        <a:lnSpc>
+                          <a:spcPct val="115000"/>
+                        </a:lnSpc>
+                        <a:spcBef>
+                          <a:spcPts val="0"/>
+                        </a:spcBef>
+                        <a:spcAft>
+                          <a:spcPts val="0"/>
+                        </a:spcAft>
+                      </a:pPr>
+                      <a:r>
+                        <a:rPr lang="en-US" sz="1100" kern="100">
+                          <a:effectLst/>
+                        </a:rPr>
+                        <a:t>0x41200000</a:t>
+                      </a:r>
+                      <a:endParaRPr lang="en-US" sz="1200">
+                        <a:effectLst/>
+                        <a:latin typeface="Times New Roman" panose="02020603050405020304" pitchFamily="18" charset="0"/>
+                        <a:ea typeface="Times New Roman" panose="02020603050405020304" pitchFamily="18" charset="0"/>
+                      </a:endParaRPr>
+                    </a:p>
+                  </a:txBody>
+                  <a:tcPr marL="68580" marR="68580" marT="0" marB="0"/>
+                </a:tc>
+                <a:tc>
+                  <a:txBody>
+                    <a:bodyPr/>
+                    <a:lstStyle/>
+                    <a:p>
+                      <a:pPr marL="0" marR="0">
+                        <a:lnSpc>
+                          <a:spcPct val="115000"/>
+                        </a:lnSpc>
+                        <a:spcBef>
+                          <a:spcPts val="0"/>
+                        </a:spcBef>
+                        <a:spcAft>
+                          <a:spcPts val="0"/>
+                        </a:spcAft>
+                      </a:pPr>
+                      <a:r>
+                        <a:rPr lang="en-US" sz="1100" kern="100">
+                          <a:effectLst/>
+                        </a:rPr>
+                        <a:t>1kB</a:t>
+                      </a:r>
+                      <a:endParaRPr lang="en-US" sz="1200">
+                        <a:effectLst/>
+                        <a:latin typeface="Times New Roman" panose="02020603050405020304" pitchFamily="18" charset="0"/>
+                        <a:ea typeface="Times New Roman" panose="02020603050405020304" pitchFamily="18" charset="0"/>
+                      </a:endParaRPr>
+                    </a:p>
+                  </a:txBody>
+                  <a:tcPr marL="68580" marR="68580" marT="0" marB="0"/>
+                </a:tc>
+                <a:extLst>
+                  <a:ext uri="{0D108BD9-81ED-4DB2-BD59-A6C34878D82A}">
+                    <a16:rowId xmlns:a16="http://schemas.microsoft.com/office/drawing/2014/main" val="342784221"/>
+                  </a:ext>
+                </a:extLst>
+              </a:tr>
+              <a:tr h="0">
+                <a:tc>
+                  <a:txBody>
+                    <a:bodyPr/>
+                    <a:lstStyle/>
+                    <a:p>
+                      <a:pPr marL="0" marR="0">
+                        <a:lnSpc>
+                          <a:spcPct val="115000"/>
+                        </a:lnSpc>
+                        <a:spcBef>
+                          <a:spcPts val="0"/>
+                        </a:spcBef>
+                        <a:spcAft>
+                          <a:spcPts val="0"/>
+                        </a:spcAft>
+                      </a:pPr>
+                      <a:r>
+                        <a:rPr lang="en-US" sz="1100" kern="100">
+                          <a:effectLst/>
+                        </a:rPr>
+                        <a:t>axi_uartlite:2.0\</a:t>
+                      </a:r>
+                      <a:endParaRPr lang="en-US" sz="1200">
+                        <a:effectLst/>
+                        <a:latin typeface="Times New Roman" panose="02020603050405020304" pitchFamily="18" charset="0"/>
+                        <a:ea typeface="Times New Roman" panose="02020603050405020304" pitchFamily="18" charset="0"/>
+                      </a:endParaRPr>
+                    </a:p>
+                  </a:txBody>
+                  <a:tcPr marL="68580" marR="68580" marT="0" marB="0"/>
+                </a:tc>
+                <a:tc>
+                  <a:txBody>
+                    <a:bodyPr/>
+                    <a:lstStyle/>
+                    <a:p>
+                      <a:pPr marL="0" marR="0">
+                        <a:lnSpc>
+                          <a:spcPct val="115000"/>
+                        </a:lnSpc>
+                        <a:spcBef>
+                          <a:spcPts val="0"/>
+                        </a:spcBef>
+                        <a:spcAft>
+                          <a:spcPts val="0"/>
+                        </a:spcAft>
+                      </a:pPr>
+                      <a:r>
+                        <a:rPr lang="en-US" sz="1100" kern="100">
+                          <a:effectLst/>
+                        </a:rPr>
+                        <a:t>0x40600000</a:t>
+                      </a:r>
+                      <a:endParaRPr lang="en-US" sz="1200">
+                        <a:effectLst/>
+                        <a:latin typeface="Times New Roman" panose="02020603050405020304" pitchFamily="18" charset="0"/>
+                        <a:ea typeface="Times New Roman" panose="02020603050405020304" pitchFamily="18" charset="0"/>
+                      </a:endParaRPr>
+                    </a:p>
+                  </a:txBody>
+                  <a:tcPr marL="68580" marR="68580" marT="0" marB="0"/>
+                </a:tc>
+                <a:tc>
+                  <a:txBody>
+                    <a:bodyPr/>
+                    <a:lstStyle/>
+                    <a:p>
+                      <a:pPr marL="0" marR="0">
+                        <a:lnSpc>
+                          <a:spcPct val="115000"/>
+                        </a:lnSpc>
+                        <a:spcBef>
+                          <a:spcPts val="0"/>
+                        </a:spcBef>
+                        <a:spcAft>
+                          <a:spcPts val="0"/>
+                        </a:spcAft>
+                      </a:pPr>
+                      <a:r>
+                        <a:rPr lang="en-US" sz="1100" kern="100">
+                          <a:effectLst/>
+                        </a:rPr>
+                        <a:t>1kB</a:t>
+                      </a:r>
+                      <a:endParaRPr lang="en-US" sz="1200">
+                        <a:effectLst/>
+                        <a:latin typeface="Times New Roman" panose="02020603050405020304" pitchFamily="18" charset="0"/>
+                        <a:ea typeface="Times New Roman" panose="02020603050405020304" pitchFamily="18" charset="0"/>
+                      </a:endParaRPr>
+                    </a:p>
+                  </a:txBody>
+                  <a:tcPr marL="68580" marR="68580" marT="0" marB="0"/>
+                </a:tc>
+                <a:extLst>
+                  <a:ext uri="{0D108BD9-81ED-4DB2-BD59-A6C34878D82A}">
+                    <a16:rowId xmlns:a16="http://schemas.microsoft.com/office/drawing/2014/main" val="1144197932"/>
+                  </a:ext>
+                </a:extLst>
+              </a:tr>
+              <a:tr h="0">
+                <a:tc>
+                  <a:txBody>
+                    <a:bodyPr/>
+                    <a:lstStyle/>
+                    <a:p>
+                      <a:pPr marL="0" marR="0">
+                        <a:lnSpc>
+                          <a:spcPct val="115000"/>
+                        </a:lnSpc>
+                        <a:spcBef>
+                          <a:spcPts val="0"/>
+                        </a:spcBef>
+                        <a:spcAft>
+                          <a:spcPts val="0"/>
+                        </a:spcAft>
+                      </a:pPr>
+                      <a:r>
+                        <a:rPr lang="en-US" sz="1100" kern="100">
+                          <a:effectLst/>
+                        </a:rPr>
+                        <a:t>system_ila:1.1\</a:t>
+                      </a:r>
+                      <a:endParaRPr lang="en-US" sz="1200">
+                        <a:effectLst/>
+                        <a:latin typeface="Times New Roman" panose="02020603050405020304" pitchFamily="18" charset="0"/>
+                        <a:ea typeface="Times New Roman" panose="02020603050405020304" pitchFamily="18" charset="0"/>
+                      </a:endParaRPr>
+                    </a:p>
+                  </a:txBody>
+                  <a:tcPr marL="68580" marR="68580" marT="0" marB="0"/>
+                </a:tc>
+                <a:tc>
+                  <a:txBody>
+                    <a:bodyPr/>
+                    <a:lstStyle/>
+                    <a:p>
+                      <a:pPr marL="0" marR="0">
+                        <a:lnSpc>
+                          <a:spcPct val="115000"/>
+                        </a:lnSpc>
+                        <a:spcBef>
+                          <a:spcPts val="0"/>
+                        </a:spcBef>
+                        <a:spcAft>
+                          <a:spcPts val="0"/>
+                        </a:spcAft>
+                      </a:pPr>
+                      <a:r>
+                        <a:rPr lang="en-US" sz="1100" kern="100">
+                          <a:effectLst/>
+                        </a:rPr>
+                        <a:t> NA</a:t>
+                      </a:r>
+                      <a:endParaRPr lang="en-US" sz="1200">
+                        <a:effectLst/>
+                        <a:latin typeface="Times New Roman" panose="02020603050405020304" pitchFamily="18" charset="0"/>
+                        <a:ea typeface="Times New Roman" panose="02020603050405020304" pitchFamily="18" charset="0"/>
+                      </a:endParaRPr>
+                    </a:p>
+                  </a:txBody>
+                  <a:tcPr marL="68580" marR="68580" marT="0" marB="0"/>
+                </a:tc>
+                <a:tc>
+                  <a:txBody>
+                    <a:bodyPr/>
+                    <a:lstStyle/>
+                    <a:p>
+                      <a:pPr marL="0" marR="0">
+                        <a:lnSpc>
+                          <a:spcPct val="115000"/>
+                        </a:lnSpc>
+                        <a:spcBef>
+                          <a:spcPts val="0"/>
+                        </a:spcBef>
+                        <a:spcAft>
+                          <a:spcPts val="0"/>
+                        </a:spcAft>
+                      </a:pPr>
+                      <a:r>
+                        <a:rPr lang="en-US" sz="1100" kern="100">
+                          <a:effectLst/>
+                        </a:rPr>
+                        <a:t> </a:t>
+                      </a:r>
+                      <a:endParaRPr lang="en-US" sz="1200">
+                        <a:effectLst/>
+                        <a:latin typeface="Times New Roman" panose="02020603050405020304" pitchFamily="18" charset="0"/>
+                        <a:ea typeface="Times New Roman" panose="02020603050405020304" pitchFamily="18" charset="0"/>
+                      </a:endParaRPr>
+                    </a:p>
+                  </a:txBody>
+                  <a:tcPr marL="68580" marR="68580" marT="0" marB="0"/>
+                </a:tc>
+                <a:extLst>
+                  <a:ext uri="{0D108BD9-81ED-4DB2-BD59-A6C34878D82A}">
+                    <a16:rowId xmlns:a16="http://schemas.microsoft.com/office/drawing/2014/main" val="6573992"/>
+                  </a:ext>
+                </a:extLst>
+              </a:tr>
+              <a:tr h="0">
+                <a:tc>
+                  <a:txBody>
+                    <a:bodyPr/>
+                    <a:lstStyle/>
+                    <a:p>
+                      <a:pPr marL="0" marR="0">
+                        <a:lnSpc>
+                          <a:spcPct val="115000"/>
+                        </a:lnSpc>
+                        <a:spcBef>
+                          <a:spcPts val="0"/>
+                        </a:spcBef>
+                        <a:spcAft>
+                          <a:spcPts val="0"/>
+                        </a:spcAft>
+                      </a:pPr>
+                      <a:r>
+                        <a:rPr lang="en-US" sz="1100" kern="100">
+                          <a:effectLst/>
+                        </a:rPr>
+                        <a:t>axi_timer:2.0\</a:t>
+                      </a:r>
+                      <a:endParaRPr lang="en-US" sz="1200">
+                        <a:effectLst/>
+                        <a:latin typeface="Times New Roman" panose="02020603050405020304" pitchFamily="18" charset="0"/>
+                        <a:ea typeface="Times New Roman" panose="02020603050405020304" pitchFamily="18" charset="0"/>
+                      </a:endParaRPr>
+                    </a:p>
+                  </a:txBody>
+                  <a:tcPr marL="68580" marR="68580" marT="0" marB="0"/>
+                </a:tc>
+                <a:tc>
+                  <a:txBody>
+                    <a:bodyPr/>
+                    <a:lstStyle/>
+                    <a:p>
+                      <a:pPr marL="0" marR="0">
+                        <a:lnSpc>
+                          <a:spcPct val="115000"/>
+                        </a:lnSpc>
+                        <a:spcBef>
+                          <a:spcPts val="0"/>
+                        </a:spcBef>
+                        <a:spcAft>
+                          <a:spcPts val="0"/>
+                        </a:spcAft>
+                      </a:pPr>
+                      <a:r>
+                        <a:rPr lang="en-US" sz="1100" kern="100">
+                          <a:effectLst/>
+                        </a:rPr>
+                        <a:t>0x41C00000</a:t>
+                      </a:r>
+                      <a:endParaRPr lang="en-US" sz="1200">
+                        <a:effectLst/>
+                        <a:latin typeface="Times New Roman" panose="02020603050405020304" pitchFamily="18" charset="0"/>
+                        <a:ea typeface="Times New Roman" panose="02020603050405020304" pitchFamily="18" charset="0"/>
+                      </a:endParaRPr>
+                    </a:p>
+                  </a:txBody>
+                  <a:tcPr marL="68580" marR="68580" marT="0" marB="0"/>
+                </a:tc>
+                <a:tc>
+                  <a:txBody>
+                    <a:bodyPr/>
+                    <a:lstStyle/>
+                    <a:p>
+                      <a:pPr marL="0" marR="0">
+                        <a:lnSpc>
+                          <a:spcPct val="115000"/>
+                        </a:lnSpc>
+                        <a:spcBef>
+                          <a:spcPts val="0"/>
+                        </a:spcBef>
+                        <a:spcAft>
+                          <a:spcPts val="0"/>
+                        </a:spcAft>
+                      </a:pPr>
+                      <a:r>
+                        <a:rPr lang="en-US" sz="1100" kern="100">
+                          <a:effectLst/>
+                        </a:rPr>
+                        <a:t>1kB</a:t>
+                      </a:r>
+                      <a:endParaRPr lang="en-US" sz="1200">
+                        <a:effectLst/>
+                        <a:latin typeface="Times New Roman" panose="02020603050405020304" pitchFamily="18" charset="0"/>
+                        <a:ea typeface="Times New Roman" panose="02020603050405020304" pitchFamily="18" charset="0"/>
+                      </a:endParaRPr>
+                    </a:p>
+                  </a:txBody>
+                  <a:tcPr marL="68580" marR="68580" marT="0" marB="0"/>
+                </a:tc>
+                <a:extLst>
+                  <a:ext uri="{0D108BD9-81ED-4DB2-BD59-A6C34878D82A}">
+                    <a16:rowId xmlns:a16="http://schemas.microsoft.com/office/drawing/2014/main" val="2703481700"/>
+                  </a:ext>
+                </a:extLst>
+              </a:tr>
+              <a:tr h="0">
+                <a:tc>
+                  <a:txBody>
+                    <a:bodyPr/>
+                    <a:lstStyle/>
+                    <a:p>
+                      <a:pPr marL="0" marR="0">
+                        <a:lnSpc>
+                          <a:spcPct val="115000"/>
+                        </a:lnSpc>
+                        <a:spcBef>
+                          <a:spcPts val="0"/>
+                        </a:spcBef>
+                        <a:spcAft>
+                          <a:spcPts val="0"/>
+                        </a:spcAft>
+                      </a:pPr>
+                      <a:r>
+                        <a:rPr lang="en-US" sz="1100" kern="100">
+                          <a:effectLst/>
+                        </a:rPr>
+                        <a:t>lmb_v10:3.0\</a:t>
+                      </a:r>
+                      <a:endParaRPr lang="en-US" sz="1200">
+                        <a:effectLst/>
+                        <a:latin typeface="Times New Roman" panose="02020603050405020304" pitchFamily="18" charset="0"/>
+                        <a:ea typeface="Times New Roman" panose="02020603050405020304" pitchFamily="18" charset="0"/>
+                      </a:endParaRPr>
+                    </a:p>
+                  </a:txBody>
+                  <a:tcPr marL="68580" marR="68580" marT="0" marB="0"/>
+                </a:tc>
+                <a:tc>
+                  <a:txBody>
+                    <a:bodyPr/>
+                    <a:lstStyle/>
+                    <a:p>
+                      <a:pPr marL="0" marR="0">
+                        <a:lnSpc>
+                          <a:spcPct val="115000"/>
+                        </a:lnSpc>
+                        <a:spcBef>
+                          <a:spcPts val="0"/>
+                        </a:spcBef>
+                        <a:spcAft>
+                          <a:spcPts val="0"/>
+                        </a:spcAft>
+                      </a:pPr>
+                      <a:r>
+                        <a:rPr lang="en-US" sz="1100" kern="100">
+                          <a:effectLst/>
+                        </a:rPr>
+                        <a:t>0x00000000</a:t>
+                      </a:r>
+                      <a:endParaRPr lang="en-US" sz="1200">
+                        <a:effectLst/>
+                        <a:latin typeface="Times New Roman" panose="02020603050405020304" pitchFamily="18" charset="0"/>
+                        <a:ea typeface="Times New Roman" panose="02020603050405020304" pitchFamily="18" charset="0"/>
+                      </a:endParaRPr>
+                    </a:p>
+                  </a:txBody>
+                  <a:tcPr marL="68580" marR="68580" marT="0" marB="0"/>
+                </a:tc>
+                <a:tc>
+                  <a:txBody>
+                    <a:bodyPr/>
+                    <a:lstStyle/>
+                    <a:p>
+                      <a:pPr marL="0" marR="0">
+                        <a:lnSpc>
+                          <a:spcPct val="115000"/>
+                        </a:lnSpc>
+                        <a:spcBef>
+                          <a:spcPts val="0"/>
+                        </a:spcBef>
+                        <a:spcAft>
+                          <a:spcPts val="0"/>
+                        </a:spcAft>
+                      </a:pPr>
+                      <a:r>
+                        <a:rPr lang="en-US" sz="1100" kern="100">
+                          <a:effectLst/>
+                        </a:rPr>
+                        <a:t>16kB</a:t>
+                      </a:r>
+                      <a:endParaRPr lang="en-US" sz="1200">
+                        <a:effectLst/>
+                        <a:latin typeface="Times New Roman" panose="02020603050405020304" pitchFamily="18" charset="0"/>
+                        <a:ea typeface="Times New Roman" panose="02020603050405020304" pitchFamily="18" charset="0"/>
+                      </a:endParaRPr>
+                    </a:p>
+                  </a:txBody>
+                  <a:tcPr marL="68580" marR="68580" marT="0" marB="0"/>
+                </a:tc>
+                <a:extLst>
+                  <a:ext uri="{0D108BD9-81ED-4DB2-BD59-A6C34878D82A}">
+                    <a16:rowId xmlns:a16="http://schemas.microsoft.com/office/drawing/2014/main" val="2565623275"/>
+                  </a:ext>
+                </a:extLst>
+              </a:tr>
+              <a:tr h="0">
+                <a:tc>
+                  <a:txBody>
+                    <a:bodyPr/>
+                    <a:lstStyle/>
+                    <a:p>
+                      <a:pPr marL="0" marR="0">
+                        <a:lnSpc>
+                          <a:spcPct val="115000"/>
+                        </a:lnSpc>
+                        <a:spcBef>
+                          <a:spcPts val="0"/>
+                        </a:spcBef>
+                        <a:spcAft>
+                          <a:spcPts val="0"/>
+                        </a:spcAft>
+                      </a:pPr>
+                      <a:r>
+                        <a:rPr lang="en-US" sz="1100" kern="100">
+                          <a:effectLst/>
+                        </a:rPr>
+                        <a:t>axi_quad_spi:3.2\</a:t>
+                      </a:r>
+                      <a:endParaRPr lang="en-US" sz="1200">
+                        <a:effectLst/>
+                        <a:latin typeface="Times New Roman" panose="02020603050405020304" pitchFamily="18" charset="0"/>
+                        <a:ea typeface="Times New Roman" panose="02020603050405020304" pitchFamily="18" charset="0"/>
+                      </a:endParaRPr>
+                    </a:p>
+                  </a:txBody>
+                  <a:tcPr marL="68580" marR="68580" marT="0" marB="0"/>
+                </a:tc>
+                <a:tc>
+                  <a:txBody>
+                    <a:bodyPr/>
+                    <a:lstStyle/>
+                    <a:p>
+                      <a:pPr marL="0" marR="0">
+                        <a:lnSpc>
+                          <a:spcPct val="115000"/>
+                        </a:lnSpc>
+                        <a:spcBef>
+                          <a:spcPts val="0"/>
+                        </a:spcBef>
+                        <a:spcAft>
+                          <a:spcPts val="0"/>
+                        </a:spcAft>
+                      </a:pPr>
+                      <a:r>
+                        <a:rPr lang="en-US" sz="1100" kern="100" dirty="0">
+                          <a:effectLst/>
+                        </a:rPr>
+                        <a:t>0x44A00000</a:t>
+                      </a:r>
+                      <a:endParaRPr lang="en-US" sz="1200" dirty="0">
+                        <a:effectLst/>
+                        <a:latin typeface="Times New Roman" panose="02020603050405020304" pitchFamily="18" charset="0"/>
+                        <a:ea typeface="Times New Roman" panose="02020603050405020304" pitchFamily="18" charset="0"/>
+                      </a:endParaRPr>
+                    </a:p>
+                  </a:txBody>
+                  <a:tcPr marL="68580" marR="68580" marT="0" marB="0"/>
+                </a:tc>
+                <a:tc>
+                  <a:txBody>
+                    <a:bodyPr/>
+                    <a:lstStyle/>
+                    <a:p>
+                      <a:pPr marL="0" marR="0">
+                        <a:lnSpc>
+                          <a:spcPct val="115000"/>
+                        </a:lnSpc>
+                        <a:spcBef>
+                          <a:spcPts val="0"/>
+                        </a:spcBef>
+                        <a:spcAft>
+                          <a:spcPts val="0"/>
+                        </a:spcAft>
+                      </a:pPr>
+                      <a:r>
+                        <a:rPr lang="en-US" sz="1100" kern="100" dirty="0">
+                          <a:effectLst/>
+                        </a:rPr>
+                        <a:t>4kB</a:t>
+                      </a:r>
+                      <a:endParaRPr lang="en-US" sz="1200" dirty="0">
+                        <a:effectLst/>
+                        <a:latin typeface="Times New Roman" panose="02020603050405020304" pitchFamily="18" charset="0"/>
+                        <a:ea typeface="Times New Roman" panose="02020603050405020304" pitchFamily="18" charset="0"/>
+                      </a:endParaRPr>
+                    </a:p>
+                  </a:txBody>
+                  <a:tcPr marL="68580" marR="68580" marT="0" marB="0"/>
+                </a:tc>
+                <a:extLst>
+                  <a:ext uri="{0D108BD9-81ED-4DB2-BD59-A6C34878D82A}">
+                    <a16:rowId xmlns:a16="http://schemas.microsoft.com/office/drawing/2014/main" val="1433990733"/>
+                  </a:ext>
+                </a:extLst>
+              </a:tr>
+            </a:tbl>
+          </a:graphicData>
+        </a:graphic>
+      </p:graphicFrame>
+    </p:spTree>
+    <p:extLst>
+      <p:ext uri="{BB962C8B-B14F-4D97-AF65-F5344CB8AC3E}">
+        <p14:creationId xmlns:p14="http://schemas.microsoft.com/office/powerpoint/2010/main" val="2078592957"/>
+      </p:ext>
+    </p:extLst>
+  </p:cSld>
+  <p:clrMapOvr>
+    <a:masterClrMapping/>
+  </p:clrMapOvr>
+</p:sld>
+</file>
+
+<file path=ppt/slides/slide5.xml><?xml version="1.0" encoding="utf-8"?>
+<p:sld xmlns:a="http://schemas.openxmlformats.org/drawingml/2006/main" xmlns:r="http://schemas.openxmlformats.org/officeDocument/2006/relationships" xmlns:p="http://schemas.openxmlformats.org/presentationml/2006/main">
+  <p:cSld>
+    <p:spTree>
+      <p:nvGrpSpPr>
+        <p:cNvPr id="1" name=""/>
+        <p:cNvGrpSpPr/>
+        <p:nvPr/>
+      </p:nvGrpSpPr>
+      <p:grpSpPr>
+        <a:xfrm>
+          <a:off x="0" y="0"/>
+          <a:ext cx="0" cy="0"/>
+          <a:chOff x="0" y="0"/>
+          <a:chExt cx="0" cy="0"/>
+        </a:xfrm>
+      </p:grpSpPr>
+      <p:sp>
+        <p:nvSpPr>
+          <p:cNvPr id="2" name="Title 1">
+            <a:extLst>
+              <a:ext uri="{FF2B5EF4-FFF2-40B4-BE49-F238E27FC236}">
+                <a16:creationId xmlns:a16="http://schemas.microsoft.com/office/drawing/2014/main" id="{4FF703D7-D0AD-8E09-0FF1-07BB0CCF1C32}"/>
+              </a:ext>
+            </a:extLst>
+          </p:cNvPr>
+          <p:cNvSpPr>
+            <a:spLocks noGrp="1"/>
+          </p:cNvSpPr>
+          <p:nvPr>
+            <p:ph type="title"/>
+          </p:nvPr>
+        </p:nvSpPr>
+        <p:spPr>
+          <a:xfrm>
+            <a:off x="0" y="0"/>
+            <a:ext cx="10364451" cy="1596177"/>
+          </a:xfrm>
+        </p:spPr>
+        <p:txBody>
+          <a:bodyPr/>
+          <a:lstStyle/>
+          <a:p>
+            <a:r>
+              <a:rPr lang="en-US" dirty="0"/>
+              <a:t>Block Design Implemented in VIVADO</a:t>
+            </a:r>
+          </a:p>
+        </p:txBody>
+      </p:sp>
+      <p:pic>
+        <p:nvPicPr>
+          <p:cNvPr id="5" name="Picture 4">
+            <a:extLst>
+              <a:ext uri="{FF2B5EF4-FFF2-40B4-BE49-F238E27FC236}">
+                <a16:creationId xmlns:a16="http://schemas.microsoft.com/office/drawing/2014/main" id="{49AAB955-A398-46C6-CBA9-4E2E6B5DCD43}"/>
+              </a:ext>
+            </a:extLst>
+          </p:cNvPr>
+          <p:cNvPicPr>
+            <a:picLocks noChangeAspect="1"/>
+          </p:cNvPicPr>
+          <p:nvPr/>
+        </p:nvPicPr>
+        <p:blipFill>
+          <a:blip r:embed="rId2"/>
+          <a:stretch>
+            <a:fillRect/>
+          </a:stretch>
+        </p:blipFill>
+        <p:spPr>
+          <a:xfrm>
+            <a:off x="3051109" y="1369265"/>
+            <a:ext cx="8984193" cy="5488735"/>
+          </a:xfrm>
+          <a:prstGeom prst="rect">
+            <a:avLst/>
+          </a:prstGeom>
+        </p:spPr>
+      </p:pic>
+    </p:spTree>
+    <p:extLst>
+      <p:ext uri="{BB962C8B-B14F-4D97-AF65-F5344CB8AC3E}">
+        <p14:creationId xmlns:p14="http://schemas.microsoft.com/office/powerpoint/2010/main" val="1843946910"/>
+      </p:ext>
+    </p:extLst>
+  </p:cSld>
+  <p:clrMapOvr>
+    <a:masterClrMapping/>
+  </p:clrMapOvr>
+</p:sld>
+</file>
+
+<file path=ppt/slides/slide6.xml><?xml version="1.0" encoding="utf-8"?>
+<p:sld xmlns:a="http://schemas.openxmlformats.org/drawingml/2006/main" xmlns:r="http://schemas.openxmlformats.org/officeDocument/2006/relationships" xmlns:p="http://schemas.openxmlformats.org/presentationml/2006/main">
+  <p:cSld>
+    <p:spTree>
+      <p:nvGrpSpPr>
+        <p:cNvPr id="1" name=""/>
+        <p:cNvGrpSpPr/>
+        <p:nvPr/>
+      </p:nvGrpSpPr>
+      <p:grpSpPr>
+        <a:xfrm>
+          <a:off x="0" y="0"/>
+          <a:ext cx="0" cy="0"/>
+          <a:chOff x="0" y="0"/>
+          <a:chExt cx="0" cy="0"/>
+        </a:xfrm>
+      </p:grpSpPr>
+      <p:sp>
+        <p:nvSpPr>
+          <p:cNvPr id="2" name="Title 1">
+            <a:extLst>
+              <a:ext uri="{FF2B5EF4-FFF2-40B4-BE49-F238E27FC236}">
+                <a16:creationId xmlns:a16="http://schemas.microsoft.com/office/drawing/2014/main" id="{18C44061-D6EC-39DF-3161-9D99885B2B34}"/>
+              </a:ext>
+            </a:extLst>
+          </p:cNvPr>
+          <p:cNvSpPr>
+            <a:spLocks noGrp="1"/>
+          </p:cNvSpPr>
+          <p:nvPr>
+            <p:ph type="title"/>
+          </p:nvPr>
+        </p:nvSpPr>
+        <p:spPr>
+          <a:xfrm>
+            <a:off x="-2" y="6476"/>
+            <a:ext cx="10364451" cy="572366"/>
+          </a:xfrm>
+        </p:spPr>
+        <p:txBody>
+          <a:bodyPr>
+            <a:normAutofit fontScale="90000"/>
+          </a:bodyPr>
+          <a:lstStyle/>
+          <a:p>
+            <a:pPr algn="l"/>
+            <a:r>
+              <a:rPr lang="en-US" dirty="0"/>
+              <a:t>Utilization REPORT</a:t>
+            </a:r>
+          </a:p>
+        </p:txBody>
+      </p:sp>
+      <p:sp>
+        <p:nvSpPr>
+          <p:cNvPr id="4" name="Title 1">
+            <a:extLst>
+              <a:ext uri="{FF2B5EF4-FFF2-40B4-BE49-F238E27FC236}">
+                <a16:creationId xmlns:a16="http://schemas.microsoft.com/office/drawing/2014/main" id="{7AE5BB27-0907-4E5A-41DF-E7EC2E1432A0}"/>
+              </a:ext>
+            </a:extLst>
+          </p:cNvPr>
+          <p:cNvSpPr txBox="1">
+            <a:spLocks/>
+          </p:cNvSpPr>
+          <p:nvPr/>
+        </p:nvSpPr>
+        <p:spPr>
+          <a:xfrm>
+            <a:off x="8237582" y="1498758"/>
+            <a:ext cx="3514344" cy="1596177"/>
+          </a:xfrm>
+          <a:prstGeom prst="rect">
+            <a:avLst/>
+          </a:prstGeom>
+        </p:spPr>
+        <p:txBody>
+          <a:bodyPr vert="horz" lIns="91440" tIns="45720" rIns="91440" bIns="45720" rtlCol="0" anchor="ctr">
+            <a:normAutofit/>
+          </a:bodyPr>
+          <a:lstStyle>
+            <a:lvl1pPr algn="ctr" defTabSz="914400" rtl="0" eaLnBrk="1" latinLnBrk="0" hangingPunct="1">
+              <a:lnSpc>
+                <a:spcPct val="90000"/>
+              </a:lnSpc>
+              <a:spcBef>
+                <a:spcPct val="0"/>
+              </a:spcBef>
+              <a:buNone/>
+              <a:defRPr sz="3600" kern="1200" cap="all" baseline="0">
+                <a:solidFill>
+                  <a:schemeClr val="tx1"/>
+                </a:solidFill>
+                <a:effectLst/>
+                <a:latin typeface="+mj-lt"/>
+                <a:ea typeface="+mj-ea"/>
+                <a:cs typeface="+mj-cs"/>
+              </a:defRPr>
+            </a:lvl1pPr>
+          </a:lstStyle>
+          <a:p>
+            <a:pPr algn="l"/>
+            <a:r>
+              <a:rPr lang="en-US" sz="2400" dirty="0"/>
+              <a:t>Qualcomm Live board</a:t>
+            </a:r>
+            <a:endParaRPr lang="en-US" dirty="0"/>
+          </a:p>
+        </p:txBody>
+      </p:sp>
+      <p:sp>
+        <p:nvSpPr>
+          <p:cNvPr id="5" name="Title 1">
+            <a:extLst>
+              <a:ext uri="{FF2B5EF4-FFF2-40B4-BE49-F238E27FC236}">
+                <a16:creationId xmlns:a16="http://schemas.microsoft.com/office/drawing/2014/main" id="{C7F5A1B7-3B46-5A3B-5699-858B407CDBE9}"/>
+              </a:ext>
+            </a:extLst>
+          </p:cNvPr>
+          <p:cNvSpPr txBox="1">
+            <a:spLocks/>
+          </p:cNvSpPr>
+          <p:nvPr/>
+        </p:nvSpPr>
+        <p:spPr>
+          <a:xfrm>
+            <a:off x="2462785" y="4266502"/>
+            <a:ext cx="3514344" cy="1596177"/>
+          </a:xfrm>
+          <a:prstGeom prst="rect">
+            <a:avLst/>
+          </a:prstGeom>
+        </p:spPr>
+        <p:txBody>
+          <a:bodyPr vert="horz" lIns="91440" tIns="45720" rIns="91440" bIns="45720" rtlCol="0" anchor="ctr">
+            <a:normAutofit/>
+          </a:bodyPr>
+          <a:lstStyle>
+            <a:lvl1pPr algn="ctr" defTabSz="914400" rtl="0" eaLnBrk="1" latinLnBrk="0" hangingPunct="1">
+              <a:lnSpc>
+                <a:spcPct val="90000"/>
+              </a:lnSpc>
+              <a:spcBef>
+                <a:spcPct val="0"/>
+              </a:spcBef>
+              <a:buNone/>
+              <a:defRPr sz="3600" kern="1200" cap="all" baseline="0">
+                <a:solidFill>
+                  <a:schemeClr val="tx1"/>
+                </a:solidFill>
+                <a:effectLst/>
+                <a:latin typeface="+mj-lt"/>
+                <a:ea typeface="+mj-ea"/>
+                <a:cs typeface="+mj-cs"/>
+              </a:defRPr>
+            </a:lvl1pPr>
+          </a:lstStyle>
+          <a:p>
+            <a:pPr algn="l"/>
+            <a:r>
+              <a:rPr lang="en-US" sz="2400" dirty="0"/>
+              <a:t>Demo board</a:t>
+            </a:r>
+            <a:endParaRPr lang="en-US" dirty="0"/>
+          </a:p>
+        </p:txBody>
+      </p:sp>
+      <p:pic>
+        <p:nvPicPr>
+          <p:cNvPr id="4098" name="Picture 2">
+            <a:extLst>
+              <a:ext uri="{FF2B5EF4-FFF2-40B4-BE49-F238E27FC236}">
+                <a16:creationId xmlns:a16="http://schemas.microsoft.com/office/drawing/2014/main" id="{50F7D701-0972-8B01-64C4-AFF137FAC82D}"/>
+              </a:ext>
+            </a:extLst>
+          </p:cNvPr>
+          <p:cNvPicPr>
+            <a:picLocks noChangeAspect="1" noChangeArrowheads="1"/>
+          </p:cNvPicPr>
+          <p:nvPr/>
+        </p:nvPicPr>
+        <p:blipFill>
+          <a:blip r:embed="rId2">
+            <a:extLst>
+              <a:ext uri="{28A0092B-C50C-407E-A947-70E740481C1C}">
+                <a14:useLocalDpi xmlns:a14="http://schemas.microsoft.com/office/drawing/2010/main" val="0"/>
+              </a:ext>
+            </a:extLst>
+          </a:blip>
+          <a:srcRect/>
+          <a:stretch>
+            <a:fillRect/>
+          </a:stretch>
+        </p:blipFill>
+        <p:spPr bwMode="auto">
+          <a:xfrm>
+            <a:off x="5182225" y="3370576"/>
+            <a:ext cx="7009775" cy="3487424"/>
+          </a:xfrm>
+          <a:prstGeom prst="rect">
+            <a:avLst/>
+          </a:prstGeom>
+          <a:noFill/>
+          <a:ln>
+            <a:noFill/>
+          </a:ln>
+          <a:extLst>
+            <a:ext uri="{909E8E84-426E-40DD-AFC4-6F175D3DCCD1}">
+              <a14:hiddenFill xmlns:a14="http://schemas.microsoft.com/office/drawing/2010/main">
+                <a:solidFill>
+                  <a:srgbClr val="FFFFFF"/>
+                </a:solidFill>
+              </a14:hiddenFill>
+            </a:ext>
+            <a:ext uri="{91240B29-F687-4F45-9708-019B960494DF}">
+              <a14:hiddenLine xmlns:a14="http://schemas.microsoft.com/office/drawing/2010/main" w="9525">
+                <a:solidFill>
+                  <a:srgbClr val="000000"/>
+                </a:solidFill>
+                <a:miter lim="800000"/>
+                <a:headEnd/>
+                <a:tailEnd/>
+              </a14:hiddenLine>
+            </a:ext>
+          </a:extLst>
+        </p:spPr>
+      </p:pic>
+      <p:pic>
+        <p:nvPicPr>
+          <p:cNvPr id="4099" name="Picture 3">
+            <a:extLst>
+              <a:ext uri="{FF2B5EF4-FFF2-40B4-BE49-F238E27FC236}">
+                <a16:creationId xmlns:a16="http://schemas.microsoft.com/office/drawing/2014/main" id="{B72947B2-B985-EB04-02AF-3D878A94660E}"/>
+              </a:ext>
+            </a:extLst>
+          </p:cNvPr>
+          <p:cNvPicPr>
+            <a:picLocks noChangeAspect="1" noChangeArrowheads="1"/>
+          </p:cNvPicPr>
+          <p:nvPr/>
+        </p:nvPicPr>
+        <p:blipFill rotWithShape="1">
+          <a:blip r:embed="rId3">
+            <a:extLst>
+              <a:ext uri="{28A0092B-C50C-407E-A947-70E740481C1C}">
+                <a14:useLocalDpi xmlns:a14="http://schemas.microsoft.com/office/drawing/2010/main" val="0"/>
+              </a:ext>
+            </a:extLst>
+          </a:blip>
+          <a:srcRect t="6516"/>
+          <a:stretch/>
+        </p:blipFill>
+        <p:spPr bwMode="auto">
+          <a:xfrm>
+            <a:off x="-2" y="678729"/>
+            <a:ext cx="7145520" cy="2691847"/>
+          </a:xfrm>
+          <a:prstGeom prst="rect">
+            <a:avLst/>
+          </a:prstGeom>
+          <a:noFill/>
+          <a:ln>
+            <a:noFill/>
+          </a:ln>
+          <a:extLst>
+            <a:ext uri="{909E8E84-426E-40DD-AFC4-6F175D3DCCD1}">
+              <a14:hiddenFill xmlns:a14="http://schemas.microsoft.com/office/drawing/2010/main">
+                <a:solidFill>
+                  <a:srgbClr val="FFFFFF"/>
+                </a:solidFill>
+              </a14:hiddenFill>
+            </a:ext>
+            <a:ext uri="{91240B29-F687-4F45-9708-019B960494DF}">
+              <a14:hiddenLine xmlns:a14="http://schemas.microsoft.com/office/drawing/2010/main" w="9525">
+                <a:solidFill>
+                  <a:srgbClr val="000000"/>
+                </a:solidFill>
+                <a:miter lim="800000"/>
+                <a:headEnd/>
+                <a:tailEnd/>
+              </a14:hiddenLine>
+            </a:ext>
+          </a:extLst>
+        </p:spPr>
+      </p:pic>
+    </p:spTree>
+    <p:extLst>
+      <p:ext uri="{BB962C8B-B14F-4D97-AF65-F5344CB8AC3E}">
+        <p14:creationId xmlns:p14="http://schemas.microsoft.com/office/powerpoint/2010/main" val="1320271881"/>
+      </p:ext>
+    </p:extLst>
+  </p:cSld>
+  <p:clrMapOvr>
+    <a:masterClrMapping/>
+  </p:clrMapOvr>
+</p:sld>
+</file>
+
+<file path=ppt/slides/slide7.xml><?xml version="1.0" encoding="utf-8"?>
+<p:sld xmlns:a="http://schemas.openxmlformats.org/drawingml/2006/main" xmlns:r="http://schemas.openxmlformats.org/officeDocument/2006/relationships" xmlns:p="http://schemas.openxmlformats.org/presentationml/2006/main">
+  <p:cSld>
+    <p:spTree>
+      <p:nvGrpSpPr>
+        <p:cNvPr id="1" name=""/>
+        <p:cNvGrpSpPr/>
+        <p:nvPr/>
+      </p:nvGrpSpPr>
+      <p:grpSpPr>
+        <a:xfrm>
+          <a:off x="0" y="0"/>
+          <a:ext cx="0" cy="0"/>
+          <a:chOff x="0" y="0"/>
+          <a:chExt cx="0" cy="0"/>
+        </a:xfrm>
+      </p:grpSpPr>
+      <p:sp>
+        <p:nvSpPr>
+          <p:cNvPr id="2" name="Title 1">
+            <a:extLst>
+              <a:ext uri="{FF2B5EF4-FFF2-40B4-BE49-F238E27FC236}">
+                <a16:creationId xmlns:a16="http://schemas.microsoft.com/office/drawing/2014/main" id="{93AE3B26-5C0A-121E-2AC9-78726E4AC7F5}"/>
+              </a:ext>
+            </a:extLst>
+          </p:cNvPr>
+          <p:cNvSpPr>
+            <a:spLocks noGrp="1"/>
+          </p:cNvSpPr>
+          <p:nvPr>
+            <p:ph type="title"/>
+          </p:nvPr>
+        </p:nvSpPr>
+        <p:spPr>
+          <a:xfrm>
+            <a:off x="0" y="0"/>
+            <a:ext cx="10364451" cy="1596177"/>
+          </a:xfrm>
+        </p:spPr>
+        <p:txBody>
+          <a:bodyPr/>
+          <a:lstStyle/>
+          <a:p>
+            <a:pPr algn="l"/>
+            <a:r>
+              <a:rPr lang="en-US" dirty="0"/>
+              <a:t>HARDWARE Setups:</a:t>
+            </a:r>
+          </a:p>
+        </p:txBody>
+      </p:sp>
+      <p:pic>
+        <p:nvPicPr>
+          <p:cNvPr id="3074" name="Picture 2" descr="A circuit board with wires and a fan&#10;&#10;Description automatically generated">
+            <a:extLst>
+              <a:ext uri="{FF2B5EF4-FFF2-40B4-BE49-F238E27FC236}">
+                <a16:creationId xmlns:a16="http://schemas.microsoft.com/office/drawing/2014/main" id="{64DBF615-E513-10F3-02B5-F604395CE704}"/>
+              </a:ext>
+            </a:extLst>
+          </p:cNvPr>
+          <p:cNvPicPr>
+            <a:picLocks noChangeAspect="1" noChangeArrowheads="1"/>
+          </p:cNvPicPr>
+          <p:nvPr/>
+        </p:nvPicPr>
+        <p:blipFill>
+          <a:blip r:embed="rId2">
+            <a:extLst>
+              <a:ext uri="{28A0092B-C50C-407E-A947-70E740481C1C}">
+                <a14:useLocalDpi xmlns:a14="http://schemas.microsoft.com/office/drawing/2010/main" val="0"/>
+              </a:ext>
+            </a:extLst>
+          </a:blip>
+          <a:srcRect/>
+          <a:stretch>
+            <a:fillRect/>
+          </a:stretch>
+        </p:blipFill>
+        <p:spPr bwMode="auto">
+          <a:xfrm>
+            <a:off x="0" y="2505366"/>
+            <a:ext cx="5978784" cy="4352633"/>
+          </a:xfrm>
+          <a:prstGeom prst="rect">
+            <a:avLst/>
+          </a:prstGeom>
+          <a:noFill/>
+          <a:ln>
+            <a:noFill/>
+          </a:ln>
+          <a:extLst>
+            <a:ext uri="{909E8E84-426E-40DD-AFC4-6F175D3DCCD1}">
+              <a14:hiddenFill xmlns:a14="http://schemas.microsoft.com/office/drawing/2010/main">
+                <a:solidFill>
+                  <a:srgbClr val="FFFFFF"/>
+                </a:solidFill>
+              </a14:hiddenFill>
+            </a:ext>
+            <a:ext uri="{91240B29-F687-4F45-9708-019B960494DF}">
+              <a14:hiddenLine xmlns:a14="http://schemas.microsoft.com/office/drawing/2010/main" w="9525">
+                <a:solidFill>
+                  <a:srgbClr val="000000"/>
+                </a:solidFill>
+                <a:miter lim="800000"/>
+                <a:headEnd/>
+                <a:tailEnd/>
+              </a14:hiddenLine>
+            </a:ext>
+          </a:extLst>
+        </p:spPr>
+      </p:pic>
+      <p:pic>
+        <p:nvPicPr>
+          <p:cNvPr id="3075" name="Picture 3" descr="A circuit board with wires and a box&#10;&#10;Description automatically generated">
+            <a:extLst>
+              <a:ext uri="{FF2B5EF4-FFF2-40B4-BE49-F238E27FC236}">
+                <a16:creationId xmlns:a16="http://schemas.microsoft.com/office/drawing/2014/main" id="{3CCED034-0DCA-FB28-AD57-9CE6E39320AD}"/>
+              </a:ext>
+            </a:extLst>
+          </p:cNvPr>
+          <p:cNvPicPr>
+            <a:picLocks noChangeAspect="1" noChangeArrowheads="1"/>
+          </p:cNvPicPr>
+          <p:nvPr/>
+        </p:nvPicPr>
+        <p:blipFill>
+          <a:blip r:embed="rId3">
+            <a:extLst>
+              <a:ext uri="{28A0092B-C50C-407E-A947-70E740481C1C}">
+                <a14:useLocalDpi xmlns:a14="http://schemas.microsoft.com/office/drawing/2010/main" val="0"/>
+              </a:ext>
+            </a:extLst>
+          </a:blip>
+          <a:srcRect l="21211" t="7875" r="9546" b="13380"/>
+          <a:stretch>
+            <a:fillRect/>
+          </a:stretch>
+        </p:blipFill>
+        <p:spPr bwMode="auto">
+          <a:xfrm>
+            <a:off x="5978784" y="2503210"/>
+            <a:ext cx="6213216" cy="4357089"/>
+          </a:xfrm>
+          <a:prstGeom prst="rect">
+            <a:avLst/>
+          </a:prstGeom>
+          <a:noFill/>
+          <a:ln>
+            <a:noFill/>
+          </a:ln>
+          <a:extLst>
+            <a:ext uri="{909E8E84-426E-40DD-AFC4-6F175D3DCCD1}">
+              <a14:hiddenFill xmlns:a14="http://schemas.microsoft.com/office/drawing/2010/main">
+                <a:solidFill>
+                  <a:srgbClr val="FFFFFF"/>
+                </a:solidFill>
+              </a14:hiddenFill>
+            </a:ext>
+            <a:ext uri="{91240B29-F687-4F45-9708-019B960494DF}">
+              <a14:hiddenLine xmlns:a14="http://schemas.microsoft.com/office/drawing/2010/main" w="9525">
+                <a:solidFill>
+                  <a:srgbClr val="000000"/>
+                </a:solidFill>
+                <a:miter lim="800000"/>
+                <a:headEnd/>
+                <a:tailEnd/>
+              </a14:hiddenLine>
+            </a:ext>
+          </a:extLst>
+        </p:spPr>
+      </p:pic>
+      <p:sp>
+        <p:nvSpPr>
+          <p:cNvPr id="4" name="Title 1">
+            <a:extLst>
+              <a:ext uri="{FF2B5EF4-FFF2-40B4-BE49-F238E27FC236}">
+                <a16:creationId xmlns:a16="http://schemas.microsoft.com/office/drawing/2014/main" id="{49965955-9AC8-13A4-E0B7-A7FA682E3098}"/>
+              </a:ext>
+            </a:extLst>
+          </p:cNvPr>
+          <p:cNvSpPr txBox="1">
+            <a:spLocks/>
+          </p:cNvSpPr>
+          <p:nvPr/>
+        </p:nvSpPr>
+        <p:spPr>
+          <a:xfrm>
+            <a:off x="554737" y="1593129"/>
+            <a:ext cx="3514344" cy="1596177"/>
+          </a:xfrm>
+          <a:prstGeom prst="rect">
+            <a:avLst/>
+          </a:prstGeom>
+        </p:spPr>
+        <p:txBody>
+          <a:bodyPr vert="horz" lIns="91440" tIns="45720" rIns="91440" bIns="45720" rtlCol="0" anchor="ctr">
+            <a:normAutofit/>
+          </a:bodyPr>
+          <a:lstStyle>
+            <a:lvl1pPr algn="ctr" defTabSz="914400" rtl="0" eaLnBrk="1" latinLnBrk="0" hangingPunct="1">
+              <a:lnSpc>
+                <a:spcPct val="90000"/>
+              </a:lnSpc>
+              <a:spcBef>
+                <a:spcPct val="0"/>
+              </a:spcBef>
+              <a:buNone/>
+              <a:defRPr sz="3600" kern="1200" cap="all" baseline="0">
+                <a:solidFill>
+                  <a:schemeClr val="tx1"/>
+                </a:solidFill>
+                <a:effectLst/>
+                <a:latin typeface="+mj-lt"/>
+                <a:ea typeface="+mj-ea"/>
+                <a:cs typeface="+mj-cs"/>
+              </a:defRPr>
+            </a:lvl1pPr>
+          </a:lstStyle>
+          <a:p>
+            <a:pPr algn="l"/>
+            <a:r>
+              <a:rPr lang="en-US" sz="2400" dirty="0"/>
+              <a:t>Qualcomm Live board</a:t>
+            </a:r>
+            <a:endParaRPr lang="en-US" dirty="0"/>
+          </a:p>
+        </p:txBody>
+      </p:sp>
+      <p:sp>
+        <p:nvSpPr>
+          <p:cNvPr id="5" name="Title 1">
+            <a:extLst>
+              <a:ext uri="{FF2B5EF4-FFF2-40B4-BE49-F238E27FC236}">
+                <a16:creationId xmlns:a16="http://schemas.microsoft.com/office/drawing/2014/main" id="{768D9167-94B0-72D2-0B4E-2D71D6BEB421}"/>
+              </a:ext>
+            </a:extLst>
+          </p:cNvPr>
+          <p:cNvSpPr txBox="1">
+            <a:spLocks/>
+          </p:cNvSpPr>
+          <p:nvPr/>
+        </p:nvSpPr>
+        <p:spPr>
+          <a:xfrm>
+            <a:off x="7491985" y="1543681"/>
+            <a:ext cx="3514344" cy="1596177"/>
+          </a:xfrm>
+          <a:prstGeom prst="rect">
+            <a:avLst/>
+          </a:prstGeom>
+        </p:spPr>
+        <p:txBody>
+          <a:bodyPr vert="horz" lIns="91440" tIns="45720" rIns="91440" bIns="45720" rtlCol="0" anchor="ctr">
+            <a:normAutofit/>
+          </a:bodyPr>
+          <a:lstStyle>
+            <a:lvl1pPr algn="ctr" defTabSz="914400" rtl="0" eaLnBrk="1" latinLnBrk="0" hangingPunct="1">
+              <a:lnSpc>
+                <a:spcPct val="90000"/>
+              </a:lnSpc>
+              <a:spcBef>
+                <a:spcPct val="0"/>
+              </a:spcBef>
+              <a:buNone/>
+              <a:defRPr sz="3600" kern="1200" cap="all" baseline="0">
+                <a:solidFill>
+                  <a:schemeClr val="tx1"/>
+                </a:solidFill>
+                <a:effectLst/>
+                <a:latin typeface="+mj-lt"/>
+                <a:ea typeface="+mj-ea"/>
+                <a:cs typeface="+mj-cs"/>
+              </a:defRPr>
+            </a:lvl1pPr>
+          </a:lstStyle>
+          <a:p>
+            <a:pPr algn="l"/>
+            <a:r>
+              <a:rPr lang="en-US" sz="2400" dirty="0"/>
+              <a:t>Demo board</a:t>
+            </a:r>
+            <a:endParaRPr lang="en-US" dirty="0"/>
+          </a:p>
+        </p:txBody>
+      </p:sp>
+    </p:spTree>
+    <p:extLst>
+      <p:ext uri="{BB962C8B-B14F-4D97-AF65-F5344CB8AC3E}">
+        <p14:creationId xmlns:p14="http://schemas.microsoft.com/office/powerpoint/2010/main" val="3890808902"/>
+      </p:ext>
+    </p:extLst>
+  </p:cSld>
+  <p:clrMapOvr>
+    <a:masterClrMapping/>
+  </p:clrMapOvr>
+</p:sld>
+</file>
+
+<file path=ppt/slides/slide8.xml><?xml version="1.0" encoding="utf-8"?>
+<p:sld xmlns:a="http://schemas.openxmlformats.org/drawingml/2006/main" xmlns:r="http://schemas.openxmlformats.org/officeDocument/2006/relationships" xmlns:p="http://schemas.openxmlformats.org/presentationml/2006/main">
+  <p:cSld>
+    <p:spTree>
+      <p:nvGrpSpPr>
+        <p:cNvPr id="1" name=""/>
+        <p:cNvGrpSpPr/>
+        <p:nvPr/>
+      </p:nvGrpSpPr>
+      <p:grpSpPr>
+        <a:xfrm>
+          <a:off x="0" y="0"/>
+          <a:ext cx="0" cy="0"/>
+          <a:chOff x="0" y="0"/>
+          <a:chExt cx="0" cy="0"/>
+        </a:xfrm>
+      </p:grpSpPr>
+      <p:pic>
+        <p:nvPicPr>
+          <p:cNvPr id="7" name="Picture 6" descr="A diagram of a program code&#10;&#10;Description automatically generated">
+            <a:extLst>
+              <a:ext uri="{FF2B5EF4-FFF2-40B4-BE49-F238E27FC236}">
+                <a16:creationId xmlns:a16="http://schemas.microsoft.com/office/drawing/2014/main" id="{06AD8EE0-1443-BADA-9BC3-2A6297381861}"/>
+              </a:ext>
+            </a:extLst>
+          </p:cNvPr>
+          <p:cNvPicPr>
+            <a:picLocks noChangeAspect="1"/>
+          </p:cNvPicPr>
+          <p:nvPr/>
+        </p:nvPicPr>
+        <p:blipFill>
+          <a:blip r:embed="rId2">
+            <a:extLst>
+              <a:ext uri="{28A0092B-C50C-407E-A947-70E740481C1C}">
+                <a14:useLocalDpi xmlns:a14="http://schemas.microsoft.com/office/drawing/2010/main" val="0"/>
+              </a:ext>
+            </a:extLst>
+          </a:blip>
+          <a:stretch>
+            <a:fillRect/>
+          </a:stretch>
+        </p:blipFill>
+        <p:spPr>
+          <a:xfrm>
+            <a:off x="1271587" y="85725"/>
+            <a:ext cx="9648825" cy="6686550"/>
+          </a:xfrm>
+          <a:prstGeom prst="rect">
+            <a:avLst/>
+          </a:prstGeom>
+        </p:spPr>
+      </p:pic>
+    </p:spTree>
+    <p:extLst>
+      <p:ext uri="{BB962C8B-B14F-4D97-AF65-F5344CB8AC3E}">
+        <p14:creationId xmlns:p14="http://schemas.microsoft.com/office/powerpoint/2010/main" val="3420382223"/>
+      </p:ext>
+    </p:extLst>
+  </p:cSld>
+  <p:clrMapOvr>
+    <a:masterClrMapping/>
+  </p:clrMapOvr>
+</p:sld>
+</file>
+
+<file path=ppt/slides/slide9.xml><?xml version="1.0" encoding="utf-8"?>
+<p:sld xmlns:a="http://schemas.openxmlformats.org/drawingml/2006/main" xmlns:r="http://schemas.openxmlformats.org/officeDocument/2006/relationships" xmlns:p="http://schemas.openxmlformats.org/presentationml/2006/main">
+  <p:cSld>
+    <p:spTree>
+      <p:nvGrpSpPr>
+        <p:cNvPr id="1" name=""/>
+        <p:cNvGrpSpPr/>
+        <p:nvPr/>
+      </p:nvGrpSpPr>
+      <p:grpSpPr>
+        <a:xfrm>
+          <a:off x="0" y="0"/>
+          <a:ext cx="0" cy="0"/>
+          <a:chOff x="0" y="0"/>
+          <a:chExt cx="0" cy="0"/>
+        </a:xfrm>
+      </p:grpSpPr>
+      <p:pic>
+        <p:nvPicPr>
+          <p:cNvPr id="5122" name="Picture 2" descr="A black and blue line&#10;&#10;Description automatically generated with medium confidence">
+            <a:extLst>
+              <a:ext uri="{FF2B5EF4-FFF2-40B4-BE49-F238E27FC236}">
+                <a16:creationId xmlns:a16="http://schemas.microsoft.com/office/drawing/2014/main" id="{90933DE3-3226-BD92-4524-7167743C2438}"/>
+              </a:ext>
+            </a:extLst>
+          </p:cNvPr>
+          <p:cNvPicPr>
+            <a:picLocks noChangeAspect="1" noChangeArrowheads="1"/>
+          </p:cNvPicPr>
+          <p:nvPr/>
+        </p:nvPicPr>
+        <p:blipFill>
+          <a:blip r:embed="rId2">
+            <a:extLst>
+              <a:ext uri="{28A0092B-C50C-407E-A947-70E740481C1C}">
+                <a14:useLocalDpi xmlns:a14="http://schemas.microsoft.com/office/drawing/2010/main" val="0"/>
+              </a:ext>
+            </a:extLst>
+          </a:blip>
+          <a:srcRect/>
+          <a:stretch>
+            <a:fillRect/>
+          </a:stretch>
+        </p:blipFill>
+        <p:spPr bwMode="auto">
+          <a:xfrm>
+            <a:off x="0" y="928307"/>
+            <a:ext cx="5943600" cy="1200150"/>
+          </a:xfrm>
+          <a:prstGeom prst="rect">
+            <a:avLst/>
+          </a:prstGeom>
+          <a:noFill/>
+          <a:ln>
+            <a:noFill/>
+          </a:ln>
+          <a:extLst>
+            <a:ext uri="{909E8E84-426E-40DD-AFC4-6F175D3DCCD1}">
+              <a14:hiddenFill xmlns:a14="http://schemas.microsoft.com/office/drawing/2010/main">
+                <a:solidFill>
+                  <a:srgbClr val="FFFFFF"/>
+                </a:solidFill>
+              </a14:hiddenFill>
+            </a:ext>
+            <a:ext uri="{91240B29-F687-4F45-9708-019B960494DF}">
+              <a14:hiddenLine xmlns:a14="http://schemas.microsoft.com/office/drawing/2010/main" w="9525">
+                <a:solidFill>
+                  <a:srgbClr val="000000"/>
+                </a:solidFill>
+                <a:miter lim="800000"/>
+                <a:headEnd/>
+                <a:tailEnd/>
+              </a14:hiddenLine>
+            </a:ext>
+          </a:extLst>
+        </p:spPr>
+      </p:pic>
+      <p:pic>
+        <p:nvPicPr>
+          <p:cNvPr id="5123" name="Picture 3" descr="A green and black background&#10;&#10;Description automatically generated">
+            <a:extLst>
+              <a:ext uri="{FF2B5EF4-FFF2-40B4-BE49-F238E27FC236}">
+                <a16:creationId xmlns:a16="http://schemas.microsoft.com/office/drawing/2014/main" id="{5F6C40C2-5E53-F5B5-8726-4CDEFA6EED3E}"/>
+              </a:ext>
+            </a:extLst>
+          </p:cNvPr>
+          <p:cNvPicPr>
+            <a:picLocks noChangeAspect="1" noChangeArrowheads="1"/>
+          </p:cNvPicPr>
+          <p:nvPr/>
+        </p:nvPicPr>
+        <p:blipFill>
+          <a:blip r:embed="rId3">
+            <a:extLst>
+              <a:ext uri="{28A0092B-C50C-407E-A947-70E740481C1C}">
+                <a14:useLocalDpi xmlns:a14="http://schemas.microsoft.com/office/drawing/2010/main" val="0"/>
+              </a:ext>
+            </a:extLst>
+          </a:blip>
+          <a:srcRect/>
+          <a:stretch>
+            <a:fillRect/>
+          </a:stretch>
+        </p:blipFill>
+        <p:spPr bwMode="auto">
+          <a:xfrm>
+            <a:off x="-4568" y="4763"/>
+            <a:ext cx="5943600" cy="971550"/>
+          </a:xfrm>
+          <a:prstGeom prst="rect">
+            <a:avLst/>
+          </a:prstGeom>
+          <a:noFill/>
+          <a:ln>
+            <a:noFill/>
+          </a:ln>
+          <a:extLst>
+            <a:ext uri="{909E8E84-426E-40DD-AFC4-6F175D3DCCD1}">
+              <a14:hiddenFill xmlns:a14="http://schemas.microsoft.com/office/drawing/2010/main">
+                <a:solidFill>
+                  <a:srgbClr val="FFFFFF"/>
+                </a:solidFill>
+              </a14:hiddenFill>
+            </a:ext>
+            <a:ext uri="{91240B29-F687-4F45-9708-019B960494DF}">
+              <a14:hiddenLine xmlns:a14="http://schemas.microsoft.com/office/drawing/2010/main" w="9525">
+                <a:solidFill>
+                  <a:srgbClr val="000000"/>
+                </a:solidFill>
+                <a:miter lim="800000"/>
+                <a:headEnd/>
+                <a:tailEnd/>
+              </a14:hiddenLine>
+            </a:ext>
+          </a:extLst>
+        </p:spPr>
+      </p:pic>
+      <p:pic>
+        <p:nvPicPr>
+          <p:cNvPr id="5124" name="Picture 4" descr="A screenshot of a computer&#10;&#10;Description automatically generated">
+            <a:extLst>
+              <a:ext uri="{FF2B5EF4-FFF2-40B4-BE49-F238E27FC236}">
+                <a16:creationId xmlns:a16="http://schemas.microsoft.com/office/drawing/2014/main" id="{388A6945-ADAD-4C0E-3BFC-F3157FEEF46E}"/>
+              </a:ext>
+            </a:extLst>
+          </p:cNvPr>
+          <p:cNvPicPr>
+            <a:picLocks noChangeAspect="1" noChangeArrowheads="1"/>
+          </p:cNvPicPr>
+          <p:nvPr/>
+        </p:nvPicPr>
+        <p:blipFill>
+          <a:blip r:embed="rId4">
+            <a:extLst>
+              <a:ext uri="{28A0092B-C50C-407E-A947-70E740481C1C}">
+                <a14:useLocalDpi xmlns:a14="http://schemas.microsoft.com/office/drawing/2010/main" val="0"/>
+              </a:ext>
+            </a:extLst>
+          </a:blip>
+          <a:srcRect t="4135" b="9340"/>
+          <a:stretch>
+            <a:fillRect/>
+          </a:stretch>
+        </p:blipFill>
+        <p:spPr bwMode="auto">
+          <a:xfrm>
+            <a:off x="6248400" y="-5143"/>
+            <a:ext cx="5943600" cy="1866900"/>
+          </a:xfrm>
+          <a:prstGeom prst="rect">
+            <a:avLst/>
+          </a:prstGeom>
+          <a:noFill/>
+          <a:ln>
+            <a:noFill/>
+          </a:ln>
+          <a:extLst>
+            <a:ext uri="{909E8E84-426E-40DD-AFC4-6F175D3DCCD1}">
+              <a14:hiddenFill xmlns:a14="http://schemas.microsoft.com/office/drawing/2010/main">
+                <a:solidFill>
+                  <a:srgbClr val="FFFFFF"/>
+                </a:solidFill>
+              </a14:hiddenFill>
+            </a:ext>
+            <a:ext uri="{91240B29-F687-4F45-9708-019B960494DF}">
+              <a14:hiddenLine xmlns:a14="http://schemas.microsoft.com/office/drawing/2010/main" w="9525">
+                <a:solidFill>
+                  <a:srgbClr val="000000"/>
+                </a:solidFill>
+                <a:miter lim="800000"/>
+                <a:headEnd/>
+                <a:tailEnd/>
+              </a14:hiddenLine>
+            </a:ext>
+          </a:extLst>
+        </p:spPr>
+      </p:pic>
+      <p:pic>
+        <p:nvPicPr>
+          <p:cNvPr id="5125" name="Picture 5" descr="A screenshot of a computer&#10;&#10;Description automatically generated">
+            <a:extLst>
+              <a:ext uri="{FF2B5EF4-FFF2-40B4-BE49-F238E27FC236}">
+                <a16:creationId xmlns:a16="http://schemas.microsoft.com/office/drawing/2014/main" id="{C5B291EA-E679-62A5-E403-8865E387B0D0}"/>
+              </a:ext>
+            </a:extLst>
+          </p:cNvPr>
+          <p:cNvPicPr>
+            <a:picLocks noChangeAspect="1" noChangeArrowheads="1"/>
+          </p:cNvPicPr>
+          <p:nvPr/>
+        </p:nvPicPr>
+        <p:blipFill>
+          <a:blip r:embed="rId5">
+            <a:extLst>
+              <a:ext uri="{28A0092B-C50C-407E-A947-70E740481C1C}">
+                <a14:useLocalDpi xmlns:a14="http://schemas.microsoft.com/office/drawing/2010/main" val="0"/>
+              </a:ext>
+            </a:extLst>
+          </a:blip>
+          <a:srcRect t="3685"/>
+          <a:stretch>
+            <a:fillRect/>
+          </a:stretch>
+        </p:blipFill>
+        <p:spPr bwMode="auto">
+          <a:xfrm>
+            <a:off x="-4568" y="2589342"/>
+            <a:ext cx="5943600" cy="1343025"/>
+          </a:xfrm>
+          <a:prstGeom prst="rect">
+            <a:avLst/>
+          </a:prstGeom>
+          <a:noFill/>
+          <a:ln>
+            <a:noFill/>
+          </a:ln>
+          <a:extLst>
+            <a:ext uri="{909E8E84-426E-40DD-AFC4-6F175D3DCCD1}">
+              <a14:hiddenFill xmlns:a14="http://schemas.microsoft.com/office/drawing/2010/main">
+                <a:solidFill>
+                  <a:srgbClr val="FFFFFF"/>
+                </a:solidFill>
+              </a14:hiddenFill>
+            </a:ext>
+            <a:ext uri="{91240B29-F687-4F45-9708-019B960494DF}">
+              <a14:hiddenLine xmlns:a14="http://schemas.microsoft.com/office/drawing/2010/main" w="9525">
+                <a:solidFill>
+                  <a:srgbClr val="000000"/>
+                </a:solidFill>
+                <a:miter lim="800000"/>
+                <a:headEnd/>
+                <a:tailEnd/>
+              </a14:hiddenLine>
+            </a:ext>
+          </a:extLst>
+        </p:spPr>
+      </p:pic>
+      <p:pic>
+        <p:nvPicPr>
+          <p:cNvPr id="5126" name="Picture 6" descr="A screenshot of a computer&#10;&#10;Description automatically generated">
+            <a:extLst>
+              <a:ext uri="{FF2B5EF4-FFF2-40B4-BE49-F238E27FC236}">
+                <a16:creationId xmlns:a16="http://schemas.microsoft.com/office/drawing/2014/main" id="{C98EC26A-CD2D-CB40-7671-5F2BD1349743}"/>
+              </a:ext>
+            </a:extLst>
+          </p:cNvPr>
+          <p:cNvPicPr>
+            <a:picLocks noChangeAspect="1" noChangeArrowheads="1"/>
+          </p:cNvPicPr>
+          <p:nvPr/>
+        </p:nvPicPr>
+        <p:blipFill>
+          <a:blip r:embed="rId6">
+            <a:extLst>
+              <a:ext uri="{28A0092B-C50C-407E-A947-70E740481C1C}">
+                <a14:useLocalDpi xmlns:a14="http://schemas.microsoft.com/office/drawing/2010/main" val="0"/>
+              </a:ext>
+            </a:extLst>
+          </a:blip>
+          <a:srcRect/>
+          <a:stretch>
+            <a:fillRect/>
+          </a:stretch>
+        </p:blipFill>
+        <p:spPr bwMode="auto">
+          <a:xfrm>
+            <a:off x="6248400" y="2930364"/>
+            <a:ext cx="5943600" cy="1485900"/>
+          </a:xfrm>
+          <a:prstGeom prst="rect">
+            <a:avLst/>
+          </a:prstGeom>
+          <a:noFill/>
+          <a:ln>
+            <a:noFill/>
+          </a:ln>
+          <a:extLst>
+            <a:ext uri="{909E8E84-426E-40DD-AFC4-6F175D3DCCD1}">
+              <a14:hiddenFill xmlns:a14="http://schemas.microsoft.com/office/drawing/2010/main">
+                <a:solidFill>
+                  <a:srgbClr val="FFFFFF"/>
+                </a:solidFill>
+              </a14:hiddenFill>
+            </a:ext>
+            <a:ext uri="{91240B29-F687-4F45-9708-019B960494DF}">
+              <a14:hiddenLine xmlns:a14="http://schemas.microsoft.com/office/drawing/2010/main" w="9525">
+                <a:solidFill>
+                  <a:srgbClr val="000000"/>
+                </a:solidFill>
+                <a:miter lim="800000"/>
+                <a:headEnd/>
+                <a:tailEnd/>
+              </a14:hiddenLine>
+            </a:ext>
+          </a:extLst>
+        </p:spPr>
+      </p:pic>
+      <p:pic>
+        <p:nvPicPr>
+          <p:cNvPr id="5127" name="Picture 7" descr="A green and white lines on a black background&#10;&#10;Description automatically generated">
+            <a:extLst>
+              <a:ext uri="{FF2B5EF4-FFF2-40B4-BE49-F238E27FC236}">
+                <a16:creationId xmlns:a16="http://schemas.microsoft.com/office/drawing/2014/main" id="{A896BA38-716C-3CBA-DA3E-5D28AE9C0AAB}"/>
+              </a:ext>
+            </a:extLst>
+          </p:cNvPr>
+          <p:cNvPicPr>
+            <a:picLocks noChangeAspect="1" noChangeArrowheads="1"/>
+          </p:cNvPicPr>
+          <p:nvPr/>
+        </p:nvPicPr>
+        <p:blipFill>
+          <a:blip r:embed="rId7">
+            <a:extLst>
+              <a:ext uri="{28A0092B-C50C-407E-A947-70E740481C1C}">
+                <a14:useLocalDpi xmlns:a14="http://schemas.microsoft.com/office/drawing/2010/main" val="0"/>
+              </a:ext>
+            </a:extLst>
+          </a:blip>
+          <a:srcRect/>
+          <a:stretch>
+            <a:fillRect/>
+          </a:stretch>
+        </p:blipFill>
+        <p:spPr bwMode="auto">
+          <a:xfrm>
+            <a:off x="6248400" y="2114389"/>
+            <a:ext cx="5943794" cy="828675"/>
+          </a:xfrm>
+          <a:prstGeom prst="rect">
+            <a:avLst/>
+          </a:prstGeom>
+          <a:noFill/>
+          <a:ln>
+            <a:noFill/>
+          </a:ln>
+          <a:extLst>
+            <a:ext uri="{909E8E84-426E-40DD-AFC4-6F175D3DCCD1}">
+              <a14:hiddenFill xmlns:a14="http://schemas.microsoft.com/office/drawing/2010/main">
+                <a:solidFill>
+                  <a:srgbClr val="FFFFFF"/>
+                </a:solidFill>
+              </a14:hiddenFill>
+            </a:ext>
+            <a:ext uri="{91240B29-F687-4F45-9708-019B960494DF}">
+              <a14:hiddenLine xmlns:a14="http://schemas.microsoft.com/office/drawing/2010/main" w="9525">
+                <a:solidFill>
+                  <a:srgbClr val="000000"/>
+                </a:solidFill>
+                <a:miter lim="800000"/>
+                <a:headEnd/>
+                <a:tailEnd/>
+              </a14:hiddenLine>
+            </a:ext>
+          </a:extLst>
+        </p:spPr>
+      </p:pic>
+      <p:pic>
+        <p:nvPicPr>
+          <p:cNvPr id="5128" name="Picture 8">
+            <a:extLst>
+              <a:ext uri="{FF2B5EF4-FFF2-40B4-BE49-F238E27FC236}">
+                <a16:creationId xmlns:a16="http://schemas.microsoft.com/office/drawing/2014/main" id="{1DC0DC1D-C911-97B9-4E86-F9B6FD1E31C9}"/>
+              </a:ext>
+            </a:extLst>
+          </p:cNvPr>
+          <p:cNvPicPr>
+            <a:picLocks noChangeAspect="1" noChangeArrowheads="1"/>
+          </p:cNvPicPr>
+          <p:nvPr/>
+        </p:nvPicPr>
+        <p:blipFill>
+          <a:blip r:embed="rId8">
+            <a:extLst>
+              <a:ext uri="{28A0092B-C50C-407E-A947-70E740481C1C}">
+                <a14:useLocalDpi xmlns:a14="http://schemas.microsoft.com/office/drawing/2010/main" val="0"/>
+              </a:ext>
+            </a:extLst>
+          </a:blip>
+          <a:srcRect/>
+          <a:stretch>
+            <a:fillRect/>
+          </a:stretch>
+        </p:blipFill>
+        <p:spPr bwMode="auto">
+          <a:xfrm>
+            <a:off x="0" y="4591447"/>
+            <a:ext cx="5943600" cy="647700"/>
+          </a:xfrm>
+          <a:prstGeom prst="rect">
+            <a:avLst/>
+          </a:prstGeom>
+          <a:noFill/>
+          <a:ln>
+            <a:noFill/>
+          </a:ln>
+          <a:extLst>
+            <a:ext uri="{909E8E84-426E-40DD-AFC4-6F175D3DCCD1}">
+              <a14:hiddenFill xmlns:a14="http://schemas.microsoft.com/office/drawing/2010/main">
+                <a:solidFill>
+                  <a:srgbClr val="FFFFFF"/>
+                </a:solidFill>
+              </a14:hiddenFill>
+            </a:ext>
+            <a:ext uri="{91240B29-F687-4F45-9708-019B960494DF}">
+              <a14:hiddenLine xmlns:a14="http://schemas.microsoft.com/office/drawing/2010/main" w="9525">
+                <a:solidFill>
+                  <a:srgbClr val="000000"/>
+                </a:solidFill>
+                <a:miter lim="800000"/>
+                <a:headEnd/>
+                <a:tailEnd/>
+              </a14:hiddenLine>
+            </a:ext>
+          </a:extLst>
+        </p:spPr>
+      </p:pic>
+      <p:pic>
+        <p:nvPicPr>
+          <p:cNvPr id="5129" name="Picture 9" descr="A screenshot of a computer&#10;&#10;Description automatically generated">
+            <a:extLst>
+              <a:ext uri="{FF2B5EF4-FFF2-40B4-BE49-F238E27FC236}">
+                <a16:creationId xmlns:a16="http://schemas.microsoft.com/office/drawing/2014/main" id="{10324CCB-01F6-7A4D-0F98-CA62B864C2A4}"/>
+              </a:ext>
+            </a:extLst>
+          </p:cNvPr>
+          <p:cNvPicPr>
+            <a:picLocks noChangeAspect="1" noChangeArrowheads="1"/>
+          </p:cNvPicPr>
+          <p:nvPr/>
+        </p:nvPicPr>
+        <p:blipFill>
+          <a:blip r:embed="rId9">
+            <a:extLst>
+              <a:ext uri="{28A0092B-C50C-407E-A947-70E740481C1C}">
+                <a14:useLocalDpi xmlns:a14="http://schemas.microsoft.com/office/drawing/2010/main" val="0"/>
+              </a:ext>
+            </a:extLst>
+          </a:blip>
+          <a:srcRect/>
+          <a:stretch>
+            <a:fillRect/>
+          </a:stretch>
+        </p:blipFill>
+        <p:spPr bwMode="auto">
+          <a:xfrm>
+            <a:off x="-4568" y="5238158"/>
+            <a:ext cx="5934075" cy="1609725"/>
+          </a:xfrm>
+          <a:prstGeom prst="rect">
+            <a:avLst/>
+          </a:prstGeom>
+          <a:noFill/>
+          <a:ln>
+            <a:noFill/>
+          </a:ln>
+          <a:extLst>
+            <a:ext uri="{909E8E84-426E-40DD-AFC4-6F175D3DCCD1}">
+              <a14:hiddenFill xmlns:a14="http://schemas.microsoft.com/office/drawing/2010/main">
+                <a:solidFill>
+                  <a:srgbClr val="FFFFFF"/>
+                </a:solidFill>
+              </a14:hiddenFill>
+            </a:ext>
+            <a:ext uri="{91240B29-F687-4F45-9708-019B960494DF}">
+              <a14:hiddenLine xmlns:a14="http://schemas.microsoft.com/office/drawing/2010/main" w="9525">
+                <a:solidFill>
+                  <a:srgbClr val="000000"/>
+                </a:solidFill>
+                <a:miter lim="800000"/>
+                <a:headEnd/>
+                <a:tailEnd/>
+              </a14:hiddenLine>
+            </a:ext>
+          </a:extLst>
+        </p:spPr>
+      </p:pic>
+      <p:graphicFrame>
+        <p:nvGraphicFramePr>
+          <p:cNvPr id="6" name="Table 5">
+            <a:extLst>
+              <a:ext uri="{FF2B5EF4-FFF2-40B4-BE49-F238E27FC236}">
+                <a16:creationId xmlns:a16="http://schemas.microsoft.com/office/drawing/2014/main" id="{886E92D1-7D30-0C97-0372-275A078D5F03}"/>
+              </a:ext>
+            </a:extLst>
+          </p:cNvPr>
+          <p:cNvGraphicFramePr>
+            <a:graphicFrameLocks noGrp="1"/>
+          </p:cNvGraphicFramePr>
+          <p:nvPr>
+            <p:extLst>
+              <p:ext uri="{D42A27DB-BD31-4B8C-83A1-F6EECF244321}">
+                <p14:modId xmlns:p14="http://schemas.microsoft.com/office/powerpoint/2010/main" val="1843410163"/>
+              </p:ext>
+            </p:extLst>
+          </p:nvPr>
+        </p:nvGraphicFramePr>
+        <p:xfrm>
+          <a:off x="6248400" y="4533875"/>
+          <a:ext cx="2527300" cy="2238400"/>
+        </p:xfrm>
+        <a:graphic>
+          <a:graphicData uri="http://schemas.openxmlformats.org/drawingml/2006/table">
+            <a:tbl>
+              <a:tblPr firstRow="1" firstCol="1" bandRow="1">
+                <a:tableStyleId>{5C22544A-7EE6-4342-B048-85BDC9FD1C3A}</a:tableStyleId>
+              </a:tblPr>
+              <a:tblGrid>
+                <a:gridCol w="591389">
+                  <a:extLst>
+                    <a:ext uri="{9D8B030D-6E8A-4147-A177-3AD203B41FA5}">
+                      <a16:colId xmlns:a16="http://schemas.microsoft.com/office/drawing/2014/main" val="3587111459"/>
+                    </a:ext>
+                  </a:extLst>
+                </a:gridCol>
+                <a:gridCol w="545896">
+                  <a:extLst>
+                    <a:ext uri="{9D8B030D-6E8A-4147-A177-3AD203B41FA5}">
+                      <a16:colId xmlns:a16="http://schemas.microsoft.com/office/drawing/2014/main" val="922671535"/>
+                    </a:ext>
+                  </a:extLst>
+                </a:gridCol>
+                <a:gridCol w="1390015">
+                  <a:extLst>
+                    <a:ext uri="{9D8B030D-6E8A-4147-A177-3AD203B41FA5}">
+                      <a16:colId xmlns:a16="http://schemas.microsoft.com/office/drawing/2014/main" val="3581383680"/>
+                    </a:ext>
+                  </a:extLst>
+                </a:gridCol>
+              </a:tblGrid>
+              <a:tr h="123850">
+                <a:tc>
+                  <a:txBody>
+                    <a:bodyPr/>
+                    <a:lstStyle/>
+                    <a:p>
+                      <a:pPr marL="0" marR="0">
+                        <a:spcBef>
+                          <a:spcPts val="0"/>
+                        </a:spcBef>
+                        <a:spcAft>
+                          <a:spcPts val="0"/>
+                        </a:spcAft>
+                      </a:pPr>
+                      <a:r>
+                        <a:rPr lang="en-US" sz="700">
+                          <a:effectLst/>
+                        </a:rPr>
+                        <a:t>Time [s]</a:t>
+                      </a:r>
+                      <a:endParaRPr lang="en-US" sz="800">
+                        <a:effectLst/>
+                        <a:latin typeface="Times New Roman" panose="02020603050405020304" pitchFamily="18" charset="0"/>
+                        <a:ea typeface="Times New Roman" panose="02020603050405020304" pitchFamily="18" charset="0"/>
+                      </a:endParaRPr>
+                    </a:p>
+                  </a:txBody>
+                  <a:tcPr marL="43467" marR="43467" marT="0" marB="0" anchor="b"/>
+                </a:tc>
+                <a:tc>
+                  <a:txBody>
+                    <a:bodyPr/>
+                    <a:lstStyle/>
+                    <a:p>
+                      <a:pPr marL="0" marR="0" algn="ctr">
+                        <a:spcBef>
+                          <a:spcPts val="0"/>
+                        </a:spcBef>
+                        <a:spcAft>
+                          <a:spcPts val="0"/>
+                        </a:spcAft>
+                      </a:pPr>
+                      <a:r>
+                        <a:rPr lang="en-US" sz="700">
+                          <a:effectLst/>
+                        </a:rPr>
+                        <a:t>Protocol</a:t>
+                      </a:r>
+                      <a:endParaRPr lang="en-US" sz="800">
+                        <a:effectLst/>
+                        <a:latin typeface="Times New Roman" panose="02020603050405020304" pitchFamily="18" charset="0"/>
+                        <a:ea typeface="Times New Roman" panose="02020603050405020304" pitchFamily="18" charset="0"/>
+                      </a:endParaRPr>
+                    </a:p>
+                  </a:txBody>
+                  <a:tcPr marL="43467" marR="43467" marT="0" marB="0" anchor="b"/>
+                </a:tc>
+                <a:tc>
+                  <a:txBody>
+                    <a:bodyPr/>
+                    <a:lstStyle/>
+                    <a:p>
+                      <a:pPr marL="0" marR="0">
+                        <a:spcBef>
+                          <a:spcPts val="0"/>
+                        </a:spcBef>
+                        <a:spcAft>
+                          <a:spcPts val="0"/>
+                        </a:spcAft>
+                      </a:pPr>
+                      <a:r>
+                        <a:rPr lang="en-US" sz="700">
+                          <a:effectLst/>
+                        </a:rPr>
+                        <a:t> Decoded Protocol Result</a:t>
+                      </a:r>
+                      <a:endParaRPr lang="en-US" sz="800">
+                        <a:effectLst/>
+                        <a:latin typeface="Times New Roman" panose="02020603050405020304" pitchFamily="18" charset="0"/>
+                        <a:ea typeface="Times New Roman" panose="02020603050405020304" pitchFamily="18" charset="0"/>
+                      </a:endParaRPr>
+                    </a:p>
+                  </a:txBody>
+                  <a:tcPr marL="43467" marR="43467" marT="0" marB="0" anchor="b"/>
+                </a:tc>
+                <a:extLst>
+                  <a:ext uri="{0D108BD9-81ED-4DB2-BD59-A6C34878D82A}">
+                    <a16:rowId xmlns:a16="http://schemas.microsoft.com/office/drawing/2014/main" val="3975885780"/>
+                  </a:ext>
+                </a:extLst>
+              </a:tr>
+              <a:tr h="111773">
+                <a:tc>
+                  <a:txBody>
+                    <a:bodyPr/>
+                    <a:lstStyle/>
+                    <a:p>
+                      <a:pPr marL="0" marR="0" algn="r">
+                        <a:spcBef>
+                          <a:spcPts val="0"/>
+                        </a:spcBef>
+                        <a:spcAft>
+                          <a:spcPts val="0"/>
+                        </a:spcAft>
+                      </a:pPr>
+                      <a:r>
+                        <a:rPr lang="en-US" sz="700">
+                          <a:effectLst/>
+                        </a:rPr>
+                        <a:t>6E-08</a:t>
+                      </a:r>
+                      <a:endParaRPr lang="en-US" sz="800">
+                        <a:effectLst/>
+                        <a:latin typeface="Times New Roman" panose="02020603050405020304" pitchFamily="18" charset="0"/>
+                        <a:ea typeface="Times New Roman" panose="02020603050405020304" pitchFamily="18" charset="0"/>
+                      </a:endParaRPr>
+                    </a:p>
+                  </a:txBody>
+                  <a:tcPr marL="43467" marR="43467" marT="0" marB="0" anchor="b"/>
+                </a:tc>
+                <a:tc>
+                  <a:txBody>
+                    <a:bodyPr/>
+                    <a:lstStyle/>
+                    <a:p>
+                      <a:pPr marL="0" marR="0" algn="ctr">
+                        <a:spcBef>
+                          <a:spcPts val="0"/>
+                        </a:spcBef>
+                        <a:spcAft>
+                          <a:spcPts val="0"/>
+                        </a:spcAft>
+                      </a:pPr>
+                      <a:r>
+                        <a:rPr lang="en-US" sz="700">
+                          <a:effectLst/>
+                        </a:rPr>
+                        <a:t>SPI</a:t>
+                      </a:r>
+                      <a:endParaRPr lang="en-US" sz="800">
+                        <a:effectLst/>
+                        <a:latin typeface="Times New Roman" panose="02020603050405020304" pitchFamily="18" charset="0"/>
+                        <a:ea typeface="Times New Roman" panose="02020603050405020304" pitchFamily="18" charset="0"/>
+                      </a:endParaRPr>
+                    </a:p>
+                  </a:txBody>
+                  <a:tcPr marL="43467" marR="43467" marT="0" marB="0" anchor="b"/>
+                </a:tc>
+                <a:tc>
+                  <a:txBody>
+                    <a:bodyPr/>
+                    <a:lstStyle/>
+                    <a:p>
+                      <a:pPr marL="0" marR="0">
+                        <a:spcBef>
+                          <a:spcPts val="0"/>
+                        </a:spcBef>
+                        <a:spcAft>
+                          <a:spcPts val="0"/>
+                        </a:spcAft>
+                      </a:pPr>
+                      <a:r>
+                        <a:rPr lang="en-US" sz="700">
+                          <a:effectLst/>
+                        </a:rPr>
+                        <a:t>MOSI 0x06; MISO 0x00</a:t>
+                      </a:r>
+                      <a:endParaRPr lang="en-US" sz="800">
+                        <a:effectLst/>
+                        <a:latin typeface="Times New Roman" panose="02020603050405020304" pitchFamily="18" charset="0"/>
+                        <a:ea typeface="Times New Roman" panose="02020603050405020304" pitchFamily="18" charset="0"/>
+                      </a:endParaRPr>
+                    </a:p>
+                  </a:txBody>
+                  <a:tcPr marL="43467" marR="43467" marT="0" marB="0" anchor="b"/>
+                </a:tc>
+                <a:extLst>
+                  <a:ext uri="{0D108BD9-81ED-4DB2-BD59-A6C34878D82A}">
+                    <a16:rowId xmlns:a16="http://schemas.microsoft.com/office/drawing/2014/main" val="2335797707"/>
+                  </a:ext>
+                </a:extLst>
+              </a:tr>
+              <a:tr h="111773">
+                <a:tc>
+                  <a:txBody>
+                    <a:bodyPr/>
+                    <a:lstStyle/>
+                    <a:p>
+                      <a:pPr marL="0" marR="0" algn="r">
+                        <a:spcBef>
+                          <a:spcPts val="0"/>
+                        </a:spcBef>
+                        <a:spcAft>
+                          <a:spcPts val="0"/>
+                        </a:spcAft>
+                      </a:pPr>
+                      <a:r>
+                        <a:rPr lang="en-US" sz="700">
+                          <a:effectLst/>
+                        </a:rPr>
+                        <a:t>2.49E-05</a:t>
+                      </a:r>
+                      <a:endParaRPr lang="en-US" sz="800">
+                        <a:effectLst/>
+                        <a:latin typeface="Times New Roman" panose="02020603050405020304" pitchFamily="18" charset="0"/>
+                        <a:ea typeface="Times New Roman" panose="02020603050405020304" pitchFamily="18" charset="0"/>
+                      </a:endParaRPr>
+                    </a:p>
+                  </a:txBody>
+                  <a:tcPr marL="43467" marR="43467" marT="0" marB="0" anchor="b"/>
+                </a:tc>
+                <a:tc>
+                  <a:txBody>
+                    <a:bodyPr/>
+                    <a:lstStyle/>
+                    <a:p>
+                      <a:pPr marL="0" marR="0" algn="ctr">
+                        <a:spcBef>
+                          <a:spcPts val="0"/>
+                        </a:spcBef>
+                        <a:spcAft>
+                          <a:spcPts val="0"/>
+                        </a:spcAft>
+                      </a:pPr>
+                      <a:r>
+                        <a:rPr lang="en-US" sz="700">
+                          <a:effectLst/>
+                        </a:rPr>
+                        <a:t>SPI</a:t>
+                      </a:r>
+                      <a:endParaRPr lang="en-US" sz="800">
+                        <a:effectLst/>
+                        <a:latin typeface="Times New Roman" panose="02020603050405020304" pitchFamily="18" charset="0"/>
+                        <a:ea typeface="Times New Roman" panose="02020603050405020304" pitchFamily="18" charset="0"/>
+                      </a:endParaRPr>
+                    </a:p>
+                  </a:txBody>
+                  <a:tcPr marL="43467" marR="43467" marT="0" marB="0" anchor="b"/>
+                </a:tc>
+                <a:tc>
+                  <a:txBody>
+                    <a:bodyPr/>
+                    <a:lstStyle/>
+                    <a:p>
+                      <a:pPr marL="0" marR="0">
+                        <a:spcBef>
+                          <a:spcPts val="0"/>
+                        </a:spcBef>
+                        <a:spcAft>
+                          <a:spcPts val="0"/>
+                        </a:spcAft>
+                      </a:pPr>
+                      <a:r>
+                        <a:rPr lang="en-US" sz="700">
+                          <a:effectLst/>
+                        </a:rPr>
+                        <a:t>MOSI 0xD8; MISO: 0x00</a:t>
+                      </a:r>
+                      <a:endParaRPr lang="en-US" sz="800">
+                        <a:effectLst/>
+                        <a:latin typeface="Times New Roman" panose="02020603050405020304" pitchFamily="18" charset="0"/>
+                        <a:ea typeface="Times New Roman" panose="02020603050405020304" pitchFamily="18" charset="0"/>
+                      </a:endParaRPr>
+                    </a:p>
+                  </a:txBody>
+                  <a:tcPr marL="43467" marR="43467" marT="0" marB="0" anchor="b"/>
+                </a:tc>
+                <a:extLst>
+                  <a:ext uri="{0D108BD9-81ED-4DB2-BD59-A6C34878D82A}">
+                    <a16:rowId xmlns:a16="http://schemas.microsoft.com/office/drawing/2014/main" val="706836712"/>
+                  </a:ext>
+                </a:extLst>
+              </a:tr>
+              <a:tr h="111773">
+                <a:tc>
+                  <a:txBody>
+                    <a:bodyPr/>
+                    <a:lstStyle/>
+                    <a:p>
+                      <a:pPr marL="0" marR="0" algn="r">
+                        <a:spcBef>
+                          <a:spcPts val="0"/>
+                        </a:spcBef>
+                        <a:spcAft>
+                          <a:spcPts val="0"/>
+                        </a:spcAft>
+                      </a:pPr>
+                      <a:r>
+                        <a:rPr lang="en-US" sz="700">
+                          <a:effectLst/>
+                        </a:rPr>
+                        <a:t>2.57E-05</a:t>
+                      </a:r>
+                      <a:endParaRPr lang="en-US" sz="800">
+                        <a:effectLst/>
+                        <a:latin typeface="Times New Roman" panose="02020603050405020304" pitchFamily="18" charset="0"/>
+                        <a:ea typeface="Times New Roman" panose="02020603050405020304" pitchFamily="18" charset="0"/>
+                      </a:endParaRPr>
+                    </a:p>
+                  </a:txBody>
+                  <a:tcPr marL="43467" marR="43467" marT="0" marB="0" anchor="b"/>
+                </a:tc>
+                <a:tc>
+                  <a:txBody>
+                    <a:bodyPr/>
+                    <a:lstStyle/>
+                    <a:p>
+                      <a:pPr marL="0" marR="0" algn="ctr">
+                        <a:spcBef>
+                          <a:spcPts val="0"/>
+                        </a:spcBef>
+                        <a:spcAft>
+                          <a:spcPts val="0"/>
+                        </a:spcAft>
+                      </a:pPr>
+                      <a:r>
+                        <a:rPr lang="en-US" sz="700">
+                          <a:effectLst/>
+                        </a:rPr>
+                        <a:t>SPI</a:t>
+                      </a:r>
+                      <a:endParaRPr lang="en-US" sz="800">
+                        <a:effectLst/>
+                        <a:latin typeface="Times New Roman" panose="02020603050405020304" pitchFamily="18" charset="0"/>
+                        <a:ea typeface="Times New Roman" panose="02020603050405020304" pitchFamily="18" charset="0"/>
+                      </a:endParaRPr>
+                    </a:p>
+                  </a:txBody>
+                  <a:tcPr marL="43467" marR="43467" marT="0" marB="0" anchor="b"/>
+                </a:tc>
+                <a:tc>
+                  <a:txBody>
+                    <a:bodyPr/>
+                    <a:lstStyle/>
+                    <a:p>
+                      <a:pPr marL="0" marR="0">
+                        <a:spcBef>
+                          <a:spcPts val="0"/>
+                        </a:spcBef>
+                        <a:spcAft>
+                          <a:spcPts val="0"/>
+                        </a:spcAft>
+                      </a:pPr>
+                      <a:r>
+                        <a:rPr lang="en-US" sz="700">
+                          <a:effectLst/>
+                        </a:rPr>
+                        <a:t>MOSI: 0x00; MISO: 0x00</a:t>
+                      </a:r>
+                      <a:endParaRPr lang="en-US" sz="800">
+                        <a:effectLst/>
+                        <a:latin typeface="Times New Roman" panose="02020603050405020304" pitchFamily="18" charset="0"/>
+                        <a:ea typeface="Times New Roman" panose="02020603050405020304" pitchFamily="18" charset="0"/>
+                      </a:endParaRPr>
+                    </a:p>
+                  </a:txBody>
+                  <a:tcPr marL="43467" marR="43467" marT="0" marB="0" anchor="b"/>
+                </a:tc>
+                <a:extLst>
+                  <a:ext uri="{0D108BD9-81ED-4DB2-BD59-A6C34878D82A}">
+                    <a16:rowId xmlns:a16="http://schemas.microsoft.com/office/drawing/2014/main" val="1015570398"/>
+                  </a:ext>
+                </a:extLst>
+              </a:tr>
+              <a:tr h="111773">
+                <a:tc>
+                  <a:txBody>
+                    <a:bodyPr/>
+                    <a:lstStyle/>
+                    <a:p>
+                      <a:pPr marL="0" marR="0" algn="r">
+                        <a:spcBef>
+                          <a:spcPts val="0"/>
+                        </a:spcBef>
+                        <a:spcAft>
+                          <a:spcPts val="0"/>
+                        </a:spcAft>
+                      </a:pPr>
+                      <a:r>
+                        <a:rPr lang="en-US" sz="700">
+                          <a:effectLst/>
+                        </a:rPr>
+                        <a:t>2.65E-05</a:t>
+                      </a:r>
+                      <a:endParaRPr lang="en-US" sz="800">
+                        <a:effectLst/>
+                        <a:latin typeface="Times New Roman" panose="02020603050405020304" pitchFamily="18" charset="0"/>
+                        <a:ea typeface="Times New Roman" panose="02020603050405020304" pitchFamily="18" charset="0"/>
+                      </a:endParaRPr>
+                    </a:p>
+                  </a:txBody>
+                  <a:tcPr marL="43467" marR="43467" marT="0" marB="0" anchor="b"/>
+                </a:tc>
+                <a:tc>
+                  <a:txBody>
+                    <a:bodyPr/>
+                    <a:lstStyle/>
+                    <a:p>
+                      <a:pPr marL="0" marR="0" algn="ctr">
+                        <a:spcBef>
+                          <a:spcPts val="0"/>
+                        </a:spcBef>
+                        <a:spcAft>
+                          <a:spcPts val="0"/>
+                        </a:spcAft>
+                      </a:pPr>
+                      <a:r>
+                        <a:rPr lang="en-US" sz="700">
+                          <a:effectLst/>
+                        </a:rPr>
+                        <a:t>SPI</a:t>
+                      </a:r>
+                      <a:endParaRPr lang="en-US" sz="800">
+                        <a:effectLst/>
+                        <a:latin typeface="Times New Roman" panose="02020603050405020304" pitchFamily="18" charset="0"/>
+                        <a:ea typeface="Times New Roman" panose="02020603050405020304" pitchFamily="18" charset="0"/>
+                      </a:endParaRPr>
+                    </a:p>
+                  </a:txBody>
+                  <a:tcPr marL="43467" marR="43467" marT="0" marB="0" anchor="b"/>
+                </a:tc>
+                <a:tc>
+                  <a:txBody>
+                    <a:bodyPr/>
+                    <a:lstStyle/>
+                    <a:p>
+                      <a:pPr marL="0" marR="0">
+                        <a:spcBef>
+                          <a:spcPts val="0"/>
+                        </a:spcBef>
+                        <a:spcAft>
+                          <a:spcPts val="0"/>
+                        </a:spcAft>
+                      </a:pPr>
+                      <a:r>
+                        <a:rPr lang="en-US" sz="700">
+                          <a:effectLst/>
+                        </a:rPr>
+                        <a:t>MOSI: 0x00; MISO: 0x00</a:t>
+                      </a:r>
+                      <a:endParaRPr lang="en-US" sz="800">
+                        <a:effectLst/>
+                        <a:latin typeface="Times New Roman" panose="02020603050405020304" pitchFamily="18" charset="0"/>
+                        <a:ea typeface="Times New Roman" panose="02020603050405020304" pitchFamily="18" charset="0"/>
+                      </a:endParaRPr>
+                    </a:p>
+                  </a:txBody>
+                  <a:tcPr marL="43467" marR="43467" marT="0" marB="0" anchor="b"/>
+                </a:tc>
+                <a:extLst>
+                  <a:ext uri="{0D108BD9-81ED-4DB2-BD59-A6C34878D82A}">
+                    <a16:rowId xmlns:a16="http://schemas.microsoft.com/office/drawing/2014/main" val="4004804795"/>
+                  </a:ext>
+                </a:extLst>
+              </a:tr>
+              <a:tr h="111773">
+                <a:tc>
+                  <a:txBody>
+                    <a:bodyPr/>
+                    <a:lstStyle/>
+                    <a:p>
+                      <a:pPr marL="0" marR="0" algn="r">
+                        <a:spcBef>
+                          <a:spcPts val="0"/>
+                        </a:spcBef>
+                        <a:spcAft>
+                          <a:spcPts val="0"/>
+                        </a:spcAft>
+                      </a:pPr>
+                      <a:r>
+                        <a:rPr lang="en-US" sz="700">
+                          <a:effectLst/>
+                        </a:rPr>
+                        <a:t>2.73E-05</a:t>
+                      </a:r>
+                      <a:endParaRPr lang="en-US" sz="800">
+                        <a:effectLst/>
+                        <a:latin typeface="Times New Roman" panose="02020603050405020304" pitchFamily="18" charset="0"/>
+                        <a:ea typeface="Times New Roman" panose="02020603050405020304" pitchFamily="18" charset="0"/>
+                      </a:endParaRPr>
+                    </a:p>
+                  </a:txBody>
+                  <a:tcPr marL="43467" marR="43467" marT="0" marB="0" anchor="b"/>
+                </a:tc>
+                <a:tc>
+                  <a:txBody>
+                    <a:bodyPr/>
+                    <a:lstStyle/>
+                    <a:p>
+                      <a:pPr marL="0" marR="0" algn="ctr">
+                        <a:spcBef>
+                          <a:spcPts val="0"/>
+                        </a:spcBef>
+                        <a:spcAft>
+                          <a:spcPts val="0"/>
+                        </a:spcAft>
+                      </a:pPr>
+                      <a:r>
+                        <a:rPr lang="en-US" sz="700">
+                          <a:effectLst/>
+                        </a:rPr>
+                        <a:t>SPI</a:t>
+                      </a:r>
+                      <a:endParaRPr lang="en-US" sz="800">
+                        <a:effectLst/>
+                        <a:latin typeface="Times New Roman" panose="02020603050405020304" pitchFamily="18" charset="0"/>
+                        <a:ea typeface="Times New Roman" panose="02020603050405020304" pitchFamily="18" charset="0"/>
+                      </a:endParaRPr>
+                    </a:p>
+                  </a:txBody>
+                  <a:tcPr marL="43467" marR="43467" marT="0" marB="0" anchor="b"/>
+                </a:tc>
+                <a:tc>
+                  <a:txBody>
+                    <a:bodyPr/>
+                    <a:lstStyle/>
+                    <a:p>
+                      <a:pPr marL="0" marR="0">
+                        <a:spcBef>
+                          <a:spcPts val="0"/>
+                        </a:spcBef>
+                        <a:spcAft>
+                          <a:spcPts val="0"/>
+                        </a:spcAft>
+                      </a:pPr>
+                      <a:r>
+                        <a:rPr lang="en-US" sz="700">
+                          <a:effectLst/>
+                        </a:rPr>
+                        <a:t>MOSI: 0x00; MISO: 0x00</a:t>
+                      </a:r>
+                      <a:endParaRPr lang="en-US" sz="800">
+                        <a:effectLst/>
+                        <a:latin typeface="Times New Roman" panose="02020603050405020304" pitchFamily="18" charset="0"/>
+                        <a:ea typeface="Times New Roman" panose="02020603050405020304" pitchFamily="18" charset="0"/>
+                      </a:endParaRPr>
+                    </a:p>
+                  </a:txBody>
+                  <a:tcPr marL="43467" marR="43467" marT="0" marB="0" anchor="b"/>
+                </a:tc>
+                <a:extLst>
+                  <a:ext uri="{0D108BD9-81ED-4DB2-BD59-A6C34878D82A}">
+                    <a16:rowId xmlns:a16="http://schemas.microsoft.com/office/drawing/2014/main" val="3566360237"/>
+                  </a:ext>
+                </a:extLst>
+              </a:tr>
+              <a:tr h="111773">
+                <a:tc>
+                  <a:txBody>
+                    <a:bodyPr/>
+                    <a:lstStyle/>
+                    <a:p>
+                      <a:pPr marL="0" marR="0" algn="r">
+                        <a:spcBef>
+                          <a:spcPts val="0"/>
+                        </a:spcBef>
+                        <a:spcAft>
+                          <a:spcPts val="0"/>
+                        </a:spcAft>
+                      </a:pPr>
+                      <a:r>
+                        <a:rPr lang="en-US" sz="700">
+                          <a:effectLst/>
+                        </a:rPr>
+                        <a:t>5.31E-05</a:t>
+                      </a:r>
+                      <a:endParaRPr lang="en-US" sz="800">
+                        <a:effectLst/>
+                        <a:latin typeface="Times New Roman" panose="02020603050405020304" pitchFamily="18" charset="0"/>
+                        <a:ea typeface="Times New Roman" panose="02020603050405020304" pitchFamily="18" charset="0"/>
+                      </a:endParaRPr>
+                    </a:p>
+                  </a:txBody>
+                  <a:tcPr marL="43467" marR="43467" marT="0" marB="0" anchor="b"/>
+                </a:tc>
+                <a:tc>
+                  <a:txBody>
+                    <a:bodyPr/>
+                    <a:lstStyle/>
+                    <a:p>
+                      <a:pPr marL="0" marR="0" algn="ctr">
+                        <a:spcBef>
+                          <a:spcPts val="0"/>
+                        </a:spcBef>
+                        <a:spcAft>
+                          <a:spcPts val="0"/>
+                        </a:spcAft>
+                      </a:pPr>
+                      <a:r>
+                        <a:rPr lang="en-US" sz="700">
+                          <a:effectLst/>
+                        </a:rPr>
+                        <a:t>SPI</a:t>
+                      </a:r>
+                      <a:endParaRPr lang="en-US" sz="800">
+                        <a:effectLst/>
+                        <a:latin typeface="Times New Roman" panose="02020603050405020304" pitchFamily="18" charset="0"/>
+                        <a:ea typeface="Times New Roman" panose="02020603050405020304" pitchFamily="18" charset="0"/>
+                      </a:endParaRPr>
+                    </a:p>
+                  </a:txBody>
+                  <a:tcPr marL="43467" marR="43467" marT="0" marB="0" anchor="b"/>
+                </a:tc>
+                <a:tc>
+                  <a:txBody>
+                    <a:bodyPr/>
+                    <a:lstStyle/>
+                    <a:p>
+                      <a:pPr marL="0" marR="0">
+                        <a:spcBef>
+                          <a:spcPts val="0"/>
+                        </a:spcBef>
+                        <a:spcAft>
+                          <a:spcPts val="0"/>
+                        </a:spcAft>
+                      </a:pPr>
+                      <a:r>
+                        <a:rPr lang="en-US" sz="700">
+                          <a:effectLst/>
+                        </a:rPr>
+                        <a:t>MOSI: 0x05; MISO: 0x00</a:t>
+                      </a:r>
+                      <a:endParaRPr lang="en-US" sz="800">
+                        <a:effectLst/>
+                        <a:latin typeface="Times New Roman" panose="02020603050405020304" pitchFamily="18" charset="0"/>
+                        <a:ea typeface="Times New Roman" panose="02020603050405020304" pitchFamily="18" charset="0"/>
+                      </a:endParaRPr>
+                    </a:p>
+                  </a:txBody>
+                  <a:tcPr marL="43467" marR="43467" marT="0" marB="0" anchor="b"/>
+                </a:tc>
+                <a:extLst>
+                  <a:ext uri="{0D108BD9-81ED-4DB2-BD59-A6C34878D82A}">
+                    <a16:rowId xmlns:a16="http://schemas.microsoft.com/office/drawing/2014/main" val="3268625275"/>
+                  </a:ext>
+                </a:extLst>
+              </a:tr>
+              <a:tr h="111773">
+                <a:tc>
+                  <a:txBody>
+                    <a:bodyPr/>
+                    <a:lstStyle/>
+                    <a:p>
+                      <a:pPr marL="0" marR="0" algn="r">
+                        <a:spcBef>
+                          <a:spcPts val="0"/>
+                        </a:spcBef>
+                        <a:spcAft>
+                          <a:spcPts val="0"/>
+                        </a:spcAft>
+                      </a:pPr>
+                      <a:r>
+                        <a:rPr lang="en-US" sz="700">
+                          <a:effectLst/>
+                        </a:rPr>
+                        <a:t>5.39E-05</a:t>
+                      </a:r>
+                      <a:endParaRPr lang="en-US" sz="800">
+                        <a:effectLst/>
+                        <a:latin typeface="Times New Roman" panose="02020603050405020304" pitchFamily="18" charset="0"/>
+                        <a:ea typeface="Times New Roman" panose="02020603050405020304" pitchFamily="18" charset="0"/>
+                      </a:endParaRPr>
+                    </a:p>
+                  </a:txBody>
+                  <a:tcPr marL="43467" marR="43467" marT="0" marB="0" anchor="b"/>
+                </a:tc>
+                <a:tc>
+                  <a:txBody>
+                    <a:bodyPr/>
+                    <a:lstStyle/>
+                    <a:p>
+                      <a:pPr marL="0" marR="0" algn="ctr">
+                        <a:spcBef>
+                          <a:spcPts val="0"/>
+                        </a:spcBef>
+                        <a:spcAft>
+                          <a:spcPts val="0"/>
+                        </a:spcAft>
+                      </a:pPr>
+                      <a:r>
+                        <a:rPr lang="en-US" sz="700">
+                          <a:effectLst/>
+                        </a:rPr>
+                        <a:t>SPI</a:t>
+                      </a:r>
+                      <a:endParaRPr lang="en-US" sz="800">
+                        <a:effectLst/>
+                        <a:latin typeface="Times New Roman" panose="02020603050405020304" pitchFamily="18" charset="0"/>
+                        <a:ea typeface="Times New Roman" panose="02020603050405020304" pitchFamily="18" charset="0"/>
+                      </a:endParaRPr>
+                    </a:p>
+                  </a:txBody>
+                  <a:tcPr marL="43467" marR="43467" marT="0" marB="0" anchor="b"/>
+                </a:tc>
+                <a:tc>
+                  <a:txBody>
+                    <a:bodyPr/>
+                    <a:lstStyle/>
+                    <a:p>
+                      <a:pPr marL="0" marR="0">
+                        <a:spcBef>
+                          <a:spcPts val="0"/>
+                        </a:spcBef>
+                        <a:spcAft>
+                          <a:spcPts val="0"/>
+                        </a:spcAft>
+                      </a:pPr>
+                      <a:r>
+                        <a:rPr lang="en-US" sz="700">
+                          <a:effectLst/>
+                        </a:rPr>
+                        <a:t>MOSI: 0x00; MISO: 0x03</a:t>
+                      </a:r>
+                      <a:endParaRPr lang="en-US" sz="800">
+                        <a:effectLst/>
+                        <a:latin typeface="Times New Roman" panose="02020603050405020304" pitchFamily="18" charset="0"/>
+                        <a:ea typeface="Times New Roman" panose="02020603050405020304" pitchFamily="18" charset="0"/>
+                      </a:endParaRPr>
+                    </a:p>
+                  </a:txBody>
+                  <a:tcPr marL="43467" marR="43467" marT="0" marB="0" anchor="b"/>
+                </a:tc>
+                <a:extLst>
+                  <a:ext uri="{0D108BD9-81ED-4DB2-BD59-A6C34878D82A}">
+                    <a16:rowId xmlns:a16="http://schemas.microsoft.com/office/drawing/2014/main" val="3013602419"/>
+                  </a:ext>
+                </a:extLst>
+              </a:tr>
+              <a:tr h="109205">
+                <a:tc>
+                  <a:txBody>
+                    <a:bodyPr/>
+                    <a:lstStyle/>
+                    <a:p>
+                      <a:pPr marL="0" marR="0" algn="r">
+                        <a:spcBef>
+                          <a:spcPts val="0"/>
+                        </a:spcBef>
+                        <a:spcAft>
+                          <a:spcPts val="0"/>
+                        </a:spcAft>
+                      </a:pPr>
+                      <a:r>
+                        <a:rPr lang="en-US" sz="700" dirty="0">
+                          <a:effectLst/>
+                        </a:rPr>
+                        <a:t>0.240207</a:t>
+                      </a:r>
+                      <a:endParaRPr lang="en-US" sz="800" dirty="0">
+                        <a:effectLst/>
+                        <a:latin typeface="Times New Roman" panose="02020603050405020304" pitchFamily="18" charset="0"/>
+                        <a:ea typeface="Times New Roman" panose="02020603050405020304" pitchFamily="18" charset="0"/>
+                      </a:endParaRPr>
+                    </a:p>
+                  </a:txBody>
+                  <a:tcPr marL="43467" marR="43467" marT="0" marB="0" anchor="b"/>
+                </a:tc>
+                <a:tc>
+                  <a:txBody>
+                    <a:bodyPr/>
+                    <a:lstStyle/>
+                    <a:p>
+                      <a:pPr marL="0" marR="0" algn="ctr">
+                        <a:spcBef>
+                          <a:spcPts val="0"/>
+                        </a:spcBef>
+                        <a:spcAft>
+                          <a:spcPts val="0"/>
+                        </a:spcAft>
+                      </a:pPr>
+                      <a:r>
+                        <a:rPr lang="en-US" sz="700" dirty="0">
+                          <a:effectLst/>
+                        </a:rPr>
+                        <a:t>SPI</a:t>
+                      </a:r>
+                      <a:endParaRPr lang="en-US" sz="800" dirty="0">
+                        <a:effectLst/>
+                        <a:latin typeface="Times New Roman" panose="02020603050405020304" pitchFamily="18" charset="0"/>
+                        <a:ea typeface="Times New Roman" panose="02020603050405020304" pitchFamily="18" charset="0"/>
+                      </a:endParaRPr>
+                    </a:p>
+                  </a:txBody>
+                  <a:tcPr marL="43467" marR="43467" marT="0" marB="0" anchor="b"/>
+                </a:tc>
+                <a:tc>
+                  <a:txBody>
+                    <a:bodyPr/>
+                    <a:lstStyle/>
+                    <a:p>
+                      <a:pPr marL="0" marR="0">
+                        <a:spcBef>
+                          <a:spcPts val="0"/>
+                        </a:spcBef>
+                        <a:spcAft>
+                          <a:spcPts val="0"/>
+                        </a:spcAft>
+                      </a:pPr>
+                      <a:r>
+                        <a:rPr lang="en-US" sz="700" dirty="0">
+                          <a:effectLst/>
+                        </a:rPr>
+                        <a:t>MOSI: 0x05; MISO: 0x00</a:t>
+                      </a:r>
+                      <a:endParaRPr lang="en-US" sz="800" dirty="0">
+                        <a:effectLst/>
+                        <a:latin typeface="Times New Roman" panose="02020603050405020304" pitchFamily="18" charset="0"/>
+                        <a:ea typeface="Times New Roman" panose="02020603050405020304" pitchFamily="18" charset="0"/>
+                      </a:endParaRPr>
+                    </a:p>
+                  </a:txBody>
+                  <a:tcPr marL="43467" marR="43467" marT="0" marB="0" anchor="b"/>
+                </a:tc>
+                <a:extLst>
+                  <a:ext uri="{0D108BD9-81ED-4DB2-BD59-A6C34878D82A}">
+                    <a16:rowId xmlns:a16="http://schemas.microsoft.com/office/drawing/2014/main" val="372108032"/>
+                  </a:ext>
+                </a:extLst>
+              </a:tr>
+              <a:tr h="109205">
+                <a:tc>
+                  <a:txBody>
+                    <a:bodyPr/>
+                    <a:lstStyle/>
+                    <a:p>
+                      <a:pPr marL="0" marR="0" algn="r">
+                        <a:spcBef>
+                          <a:spcPts val="0"/>
+                        </a:spcBef>
+                        <a:spcAft>
+                          <a:spcPts val="0"/>
+                        </a:spcAft>
+                      </a:pPr>
+                      <a:r>
+                        <a:rPr lang="en-US" sz="700">
+                          <a:effectLst/>
+                        </a:rPr>
+                        <a:t>0.240207</a:t>
+                      </a:r>
+                      <a:endParaRPr lang="en-US" sz="800">
+                        <a:effectLst/>
+                        <a:latin typeface="Times New Roman" panose="02020603050405020304" pitchFamily="18" charset="0"/>
+                        <a:ea typeface="Times New Roman" panose="02020603050405020304" pitchFamily="18" charset="0"/>
+                      </a:endParaRPr>
+                    </a:p>
+                  </a:txBody>
+                  <a:tcPr marL="43467" marR="43467" marT="0" marB="0" anchor="b"/>
+                </a:tc>
+                <a:tc>
+                  <a:txBody>
+                    <a:bodyPr/>
+                    <a:lstStyle/>
+                    <a:p>
+                      <a:pPr marL="0" marR="0" algn="ctr">
+                        <a:spcBef>
+                          <a:spcPts val="0"/>
+                        </a:spcBef>
+                        <a:spcAft>
+                          <a:spcPts val="0"/>
+                        </a:spcAft>
+                      </a:pPr>
+                      <a:r>
+                        <a:rPr lang="en-US" sz="700">
+                          <a:effectLst/>
+                        </a:rPr>
+                        <a:t>SPI</a:t>
+                      </a:r>
+                      <a:endParaRPr lang="en-US" sz="800">
+                        <a:effectLst/>
+                        <a:latin typeface="Times New Roman" panose="02020603050405020304" pitchFamily="18" charset="0"/>
+                        <a:ea typeface="Times New Roman" panose="02020603050405020304" pitchFamily="18" charset="0"/>
+                      </a:endParaRPr>
+                    </a:p>
+                  </a:txBody>
+                  <a:tcPr marL="43467" marR="43467" marT="0" marB="0" anchor="b"/>
+                </a:tc>
+                <a:tc>
+                  <a:txBody>
+                    <a:bodyPr/>
+                    <a:lstStyle/>
+                    <a:p>
+                      <a:pPr marL="0" marR="0">
+                        <a:spcBef>
+                          <a:spcPts val="0"/>
+                        </a:spcBef>
+                        <a:spcAft>
+                          <a:spcPts val="0"/>
+                        </a:spcAft>
+                      </a:pPr>
+                      <a:r>
+                        <a:rPr lang="en-US" sz="700">
+                          <a:effectLst/>
+                        </a:rPr>
+                        <a:t>MOSI: 0x00; MISO: 0x00</a:t>
+                      </a:r>
+                      <a:endParaRPr lang="en-US" sz="800">
+                        <a:effectLst/>
+                        <a:latin typeface="Times New Roman" panose="02020603050405020304" pitchFamily="18" charset="0"/>
+                        <a:ea typeface="Times New Roman" panose="02020603050405020304" pitchFamily="18" charset="0"/>
+                      </a:endParaRPr>
+                    </a:p>
+                  </a:txBody>
+                  <a:tcPr marL="43467" marR="43467" marT="0" marB="0" anchor="b"/>
+                </a:tc>
+                <a:extLst>
+                  <a:ext uri="{0D108BD9-81ED-4DB2-BD59-A6C34878D82A}">
+                    <a16:rowId xmlns:a16="http://schemas.microsoft.com/office/drawing/2014/main" val="3853988062"/>
+                  </a:ext>
+                </a:extLst>
+              </a:tr>
+              <a:tr h="116753">
+                <a:tc>
+                  <a:txBody>
+                    <a:bodyPr/>
+                    <a:lstStyle/>
+                    <a:p>
+                      <a:pPr marL="0" marR="0" algn="r">
+                        <a:spcBef>
+                          <a:spcPts val="0"/>
+                        </a:spcBef>
+                        <a:spcAft>
+                          <a:spcPts val="0"/>
+                        </a:spcAft>
+                      </a:pPr>
+                      <a:r>
+                        <a:rPr lang="en-US" sz="700">
+                          <a:effectLst/>
+                        </a:rPr>
+                        <a:t>0.240222</a:t>
+                      </a:r>
+                      <a:endParaRPr lang="en-US" sz="800">
+                        <a:effectLst/>
+                        <a:latin typeface="Times New Roman" panose="02020603050405020304" pitchFamily="18" charset="0"/>
+                        <a:ea typeface="Times New Roman" panose="02020603050405020304" pitchFamily="18" charset="0"/>
+                      </a:endParaRPr>
+                    </a:p>
+                  </a:txBody>
+                  <a:tcPr marL="43467" marR="43467" marT="0" marB="0" anchor="b"/>
+                </a:tc>
+                <a:tc>
+                  <a:txBody>
+                    <a:bodyPr/>
+                    <a:lstStyle/>
+                    <a:p>
+                      <a:pPr marL="0" marR="0" algn="ctr">
+                        <a:spcBef>
+                          <a:spcPts val="0"/>
+                        </a:spcBef>
+                        <a:spcAft>
+                          <a:spcPts val="0"/>
+                        </a:spcAft>
+                      </a:pPr>
+                      <a:r>
+                        <a:rPr lang="en-US" sz="700">
+                          <a:effectLst/>
+                        </a:rPr>
+                        <a:t>SPI</a:t>
+                      </a:r>
+                      <a:endParaRPr lang="en-US" sz="800">
+                        <a:effectLst/>
+                        <a:latin typeface="Times New Roman" panose="02020603050405020304" pitchFamily="18" charset="0"/>
+                        <a:ea typeface="Times New Roman" panose="02020603050405020304" pitchFamily="18" charset="0"/>
+                      </a:endParaRPr>
+                    </a:p>
+                  </a:txBody>
+                  <a:tcPr marL="43467" marR="43467" marT="0" marB="0" anchor="b"/>
+                </a:tc>
+                <a:tc>
+                  <a:txBody>
+                    <a:bodyPr/>
+                    <a:lstStyle/>
+                    <a:p>
+                      <a:pPr marL="0" marR="0">
+                        <a:spcBef>
+                          <a:spcPts val="0"/>
+                        </a:spcBef>
+                        <a:spcAft>
+                          <a:spcPts val="0"/>
+                        </a:spcAft>
+                      </a:pPr>
+                      <a:r>
+                        <a:rPr lang="en-US" sz="700">
+                          <a:effectLst/>
+                        </a:rPr>
+                        <a:t>MOSI: 0x06; MISO: 0x00</a:t>
+                      </a:r>
+                      <a:endParaRPr lang="en-US" sz="800">
+                        <a:effectLst/>
+                        <a:latin typeface="Times New Roman" panose="02020603050405020304" pitchFamily="18" charset="0"/>
+                        <a:ea typeface="Times New Roman" panose="02020603050405020304" pitchFamily="18" charset="0"/>
+                      </a:endParaRPr>
+                    </a:p>
+                  </a:txBody>
+                  <a:tcPr marL="43467" marR="43467" marT="0" marB="0" anchor="b"/>
+                </a:tc>
+                <a:extLst>
+                  <a:ext uri="{0D108BD9-81ED-4DB2-BD59-A6C34878D82A}">
+                    <a16:rowId xmlns:a16="http://schemas.microsoft.com/office/drawing/2014/main" val="1442663026"/>
+                  </a:ext>
+                </a:extLst>
+              </a:tr>
+              <a:tr h="109205">
+                <a:tc>
+                  <a:txBody>
+                    <a:bodyPr/>
+                    <a:lstStyle/>
+                    <a:p>
+                      <a:pPr marL="0" marR="0" algn="r">
+                        <a:spcBef>
+                          <a:spcPts val="0"/>
+                        </a:spcBef>
+                        <a:spcAft>
+                          <a:spcPts val="0"/>
+                        </a:spcAft>
+                      </a:pPr>
+                      <a:r>
+                        <a:rPr lang="en-US" sz="700">
+                          <a:effectLst/>
+                        </a:rPr>
+                        <a:t>0.240535</a:t>
+                      </a:r>
+                      <a:endParaRPr lang="en-US" sz="800">
+                        <a:effectLst/>
+                        <a:latin typeface="Times New Roman" panose="02020603050405020304" pitchFamily="18" charset="0"/>
+                        <a:ea typeface="Times New Roman" panose="02020603050405020304" pitchFamily="18" charset="0"/>
+                      </a:endParaRPr>
+                    </a:p>
+                  </a:txBody>
+                  <a:tcPr marL="43467" marR="43467" marT="0" marB="0" anchor="b"/>
+                </a:tc>
+                <a:tc>
+                  <a:txBody>
+                    <a:bodyPr/>
+                    <a:lstStyle/>
+                    <a:p>
+                      <a:pPr marL="0" marR="0" algn="ctr">
+                        <a:spcBef>
+                          <a:spcPts val="0"/>
+                        </a:spcBef>
+                        <a:spcAft>
+                          <a:spcPts val="0"/>
+                        </a:spcAft>
+                      </a:pPr>
+                      <a:r>
+                        <a:rPr lang="en-US" sz="700">
+                          <a:effectLst/>
+                        </a:rPr>
+                        <a:t>SPI</a:t>
+                      </a:r>
+                      <a:endParaRPr lang="en-US" sz="800">
+                        <a:effectLst/>
+                        <a:latin typeface="Times New Roman" panose="02020603050405020304" pitchFamily="18" charset="0"/>
+                        <a:ea typeface="Times New Roman" panose="02020603050405020304" pitchFamily="18" charset="0"/>
+                      </a:endParaRPr>
+                    </a:p>
+                  </a:txBody>
+                  <a:tcPr marL="43467" marR="43467" marT="0" marB="0" anchor="b"/>
+                </a:tc>
+                <a:tc>
+                  <a:txBody>
+                    <a:bodyPr/>
+                    <a:lstStyle/>
+                    <a:p>
+                      <a:pPr marL="0" marR="0">
+                        <a:spcBef>
+                          <a:spcPts val="0"/>
+                        </a:spcBef>
+                        <a:spcAft>
+                          <a:spcPts val="0"/>
+                        </a:spcAft>
+                      </a:pPr>
+                      <a:r>
+                        <a:rPr lang="en-US" sz="700">
+                          <a:effectLst/>
+                        </a:rPr>
+                        <a:t>MOSI: 0x02; MISO: 0x00</a:t>
+                      </a:r>
+                      <a:endParaRPr lang="en-US" sz="800">
+                        <a:effectLst/>
+                        <a:latin typeface="Times New Roman" panose="02020603050405020304" pitchFamily="18" charset="0"/>
+                        <a:ea typeface="Times New Roman" panose="02020603050405020304" pitchFamily="18" charset="0"/>
+                      </a:endParaRPr>
+                    </a:p>
+                  </a:txBody>
+                  <a:tcPr marL="43467" marR="43467" marT="0" marB="0" anchor="b"/>
+                </a:tc>
+                <a:extLst>
+                  <a:ext uri="{0D108BD9-81ED-4DB2-BD59-A6C34878D82A}">
+                    <a16:rowId xmlns:a16="http://schemas.microsoft.com/office/drawing/2014/main" val="483333388"/>
+                  </a:ext>
+                </a:extLst>
+              </a:tr>
+              <a:tr h="109205">
+                <a:tc>
+                  <a:txBody>
+                    <a:bodyPr/>
+                    <a:lstStyle/>
+                    <a:p>
+                      <a:pPr marL="0" marR="0" algn="r">
+                        <a:spcBef>
+                          <a:spcPts val="0"/>
+                        </a:spcBef>
+                        <a:spcAft>
+                          <a:spcPts val="0"/>
+                        </a:spcAft>
+                      </a:pPr>
+                      <a:r>
+                        <a:rPr lang="en-US" sz="700">
+                          <a:effectLst/>
+                        </a:rPr>
+                        <a:t>0.240536</a:t>
+                      </a:r>
+                      <a:endParaRPr lang="en-US" sz="800">
+                        <a:effectLst/>
+                        <a:latin typeface="Times New Roman" panose="02020603050405020304" pitchFamily="18" charset="0"/>
+                        <a:ea typeface="Times New Roman" panose="02020603050405020304" pitchFamily="18" charset="0"/>
+                      </a:endParaRPr>
+                    </a:p>
+                  </a:txBody>
+                  <a:tcPr marL="43467" marR="43467" marT="0" marB="0" anchor="b"/>
+                </a:tc>
+                <a:tc>
+                  <a:txBody>
+                    <a:bodyPr/>
+                    <a:lstStyle/>
+                    <a:p>
+                      <a:pPr marL="0" marR="0" algn="ctr">
+                        <a:spcBef>
+                          <a:spcPts val="0"/>
+                        </a:spcBef>
+                        <a:spcAft>
+                          <a:spcPts val="0"/>
+                        </a:spcAft>
+                      </a:pPr>
+                      <a:r>
+                        <a:rPr lang="en-US" sz="700">
+                          <a:effectLst/>
+                        </a:rPr>
+                        <a:t>SPI</a:t>
+                      </a:r>
+                      <a:endParaRPr lang="en-US" sz="800">
+                        <a:effectLst/>
+                        <a:latin typeface="Times New Roman" panose="02020603050405020304" pitchFamily="18" charset="0"/>
+                        <a:ea typeface="Times New Roman" panose="02020603050405020304" pitchFamily="18" charset="0"/>
+                      </a:endParaRPr>
+                    </a:p>
+                  </a:txBody>
+                  <a:tcPr marL="43467" marR="43467" marT="0" marB="0" anchor="b"/>
+                </a:tc>
+                <a:tc>
+                  <a:txBody>
+                    <a:bodyPr/>
+                    <a:lstStyle/>
+                    <a:p>
+                      <a:pPr marL="0" marR="0">
+                        <a:spcBef>
+                          <a:spcPts val="0"/>
+                        </a:spcBef>
+                        <a:spcAft>
+                          <a:spcPts val="0"/>
+                        </a:spcAft>
+                      </a:pPr>
+                      <a:r>
+                        <a:rPr lang="en-US" sz="700">
+                          <a:effectLst/>
+                        </a:rPr>
+                        <a:t>MOSI: 0x00; MISO: 0x00</a:t>
+                      </a:r>
+                      <a:endParaRPr lang="en-US" sz="800">
+                        <a:effectLst/>
+                        <a:latin typeface="Times New Roman" panose="02020603050405020304" pitchFamily="18" charset="0"/>
+                        <a:ea typeface="Times New Roman" panose="02020603050405020304" pitchFamily="18" charset="0"/>
+                      </a:endParaRPr>
+                    </a:p>
+                  </a:txBody>
+                  <a:tcPr marL="43467" marR="43467" marT="0" marB="0" anchor="b"/>
+                </a:tc>
+                <a:extLst>
+                  <a:ext uri="{0D108BD9-81ED-4DB2-BD59-A6C34878D82A}">
+                    <a16:rowId xmlns:a16="http://schemas.microsoft.com/office/drawing/2014/main" val="201679559"/>
+                  </a:ext>
+                </a:extLst>
+              </a:tr>
+              <a:tr h="118842">
+                <a:tc>
+                  <a:txBody>
+                    <a:bodyPr/>
+                    <a:lstStyle/>
+                    <a:p>
+                      <a:pPr marL="0" marR="0" algn="r">
+                        <a:spcBef>
+                          <a:spcPts val="0"/>
+                        </a:spcBef>
+                        <a:spcAft>
+                          <a:spcPts val="0"/>
+                        </a:spcAft>
+                      </a:pPr>
+                      <a:r>
+                        <a:rPr lang="en-US" sz="700">
+                          <a:effectLst/>
+                        </a:rPr>
+                        <a:t>0.240537</a:t>
+                      </a:r>
+                      <a:endParaRPr lang="en-US" sz="800">
+                        <a:effectLst/>
+                        <a:latin typeface="Times New Roman" panose="02020603050405020304" pitchFamily="18" charset="0"/>
+                        <a:ea typeface="Times New Roman" panose="02020603050405020304" pitchFamily="18" charset="0"/>
+                      </a:endParaRPr>
+                    </a:p>
+                  </a:txBody>
+                  <a:tcPr marL="43467" marR="43467" marT="0" marB="0" anchor="b"/>
+                </a:tc>
+                <a:tc>
+                  <a:txBody>
+                    <a:bodyPr/>
+                    <a:lstStyle/>
+                    <a:p>
+                      <a:pPr marL="0" marR="0" algn="ctr">
+                        <a:spcBef>
+                          <a:spcPts val="0"/>
+                        </a:spcBef>
+                        <a:spcAft>
+                          <a:spcPts val="0"/>
+                        </a:spcAft>
+                      </a:pPr>
+                      <a:r>
+                        <a:rPr lang="en-US" sz="700">
+                          <a:effectLst/>
+                        </a:rPr>
+                        <a:t>SPI</a:t>
+                      </a:r>
+                      <a:endParaRPr lang="en-US" sz="800">
+                        <a:effectLst/>
+                        <a:latin typeface="Times New Roman" panose="02020603050405020304" pitchFamily="18" charset="0"/>
+                        <a:ea typeface="Times New Roman" panose="02020603050405020304" pitchFamily="18" charset="0"/>
+                      </a:endParaRPr>
+                    </a:p>
+                  </a:txBody>
+                  <a:tcPr marL="43467" marR="43467" marT="0" marB="0" anchor="b"/>
+                </a:tc>
+                <a:tc>
+                  <a:txBody>
+                    <a:bodyPr/>
+                    <a:lstStyle/>
+                    <a:p>
+                      <a:pPr marL="0" marR="0">
+                        <a:spcBef>
+                          <a:spcPts val="0"/>
+                        </a:spcBef>
+                        <a:spcAft>
+                          <a:spcPts val="0"/>
+                        </a:spcAft>
+                      </a:pPr>
+                      <a:r>
+                        <a:rPr lang="en-US" sz="700">
+                          <a:effectLst/>
+                        </a:rPr>
+                        <a:t>MOSI: 0x00; MISO: 0x00</a:t>
+                      </a:r>
+                      <a:endParaRPr lang="en-US" sz="800">
+                        <a:effectLst/>
+                        <a:latin typeface="Times New Roman" panose="02020603050405020304" pitchFamily="18" charset="0"/>
+                        <a:ea typeface="Times New Roman" panose="02020603050405020304" pitchFamily="18" charset="0"/>
+                      </a:endParaRPr>
+                    </a:p>
+                  </a:txBody>
+                  <a:tcPr marL="43467" marR="43467" marT="0" marB="0" anchor="b"/>
+                </a:tc>
+                <a:extLst>
+                  <a:ext uri="{0D108BD9-81ED-4DB2-BD59-A6C34878D82A}">
+                    <a16:rowId xmlns:a16="http://schemas.microsoft.com/office/drawing/2014/main" val="3637011201"/>
+                  </a:ext>
+                </a:extLst>
+              </a:tr>
+              <a:tr h="109205">
+                <a:tc>
+                  <a:txBody>
+                    <a:bodyPr/>
+                    <a:lstStyle/>
+                    <a:p>
+                      <a:pPr marL="0" marR="0" algn="r">
+                        <a:spcBef>
+                          <a:spcPts val="0"/>
+                        </a:spcBef>
+                        <a:spcAft>
+                          <a:spcPts val="0"/>
+                        </a:spcAft>
+                      </a:pPr>
+                      <a:r>
+                        <a:rPr lang="en-US" sz="700">
+                          <a:effectLst/>
+                        </a:rPr>
+                        <a:t>0.240538</a:t>
+                      </a:r>
+                      <a:endParaRPr lang="en-US" sz="800">
+                        <a:effectLst/>
+                        <a:latin typeface="Times New Roman" panose="02020603050405020304" pitchFamily="18" charset="0"/>
+                        <a:ea typeface="Times New Roman" panose="02020603050405020304" pitchFamily="18" charset="0"/>
+                      </a:endParaRPr>
+                    </a:p>
+                  </a:txBody>
+                  <a:tcPr marL="43467" marR="43467" marT="0" marB="0" anchor="b"/>
+                </a:tc>
+                <a:tc>
+                  <a:txBody>
+                    <a:bodyPr/>
+                    <a:lstStyle/>
+                    <a:p>
+                      <a:pPr marL="0" marR="0" algn="ctr">
+                        <a:spcBef>
+                          <a:spcPts val="0"/>
+                        </a:spcBef>
+                        <a:spcAft>
+                          <a:spcPts val="0"/>
+                        </a:spcAft>
+                      </a:pPr>
+                      <a:r>
+                        <a:rPr lang="en-US" sz="700">
+                          <a:effectLst/>
+                        </a:rPr>
+                        <a:t>SPI</a:t>
+                      </a:r>
+                      <a:endParaRPr lang="en-US" sz="800">
+                        <a:effectLst/>
+                        <a:latin typeface="Times New Roman" panose="02020603050405020304" pitchFamily="18" charset="0"/>
+                        <a:ea typeface="Times New Roman" panose="02020603050405020304" pitchFamily="18" charset="0"/>
+                      </a:endParaRPr>
+                    </a:p>
+                  </a:txBody>
+                  <a:tcPr marL="43467" marR="43467" marT="0" marB="0" anchor="b"/>
+                </a:tc>
+                <a:tc>
+                  <a:txBody>
+                    <a:bodyPr/>
+                    <a:lstStyle/>
+                    <a:p>
+                      <a:pPr marL="0" marR="0">
+                        <a:spcBef>
+                          <a:spcPts val="0"/>
+                        </a:spcBef>
+                        <a:spcAft>
+                          <a:spcPts val="0"/>
+                        </a:spcAft>
+                      </a:pPr>
+                      <a:r>
+                        <a:rPr lang="en-US" sz="700">
+                          <a:effectLst/>
+                        </a:rPr>
+                        <a:t>MOSI: 0x00; MISO: 0x00</a:t>
+                      </a:r>
+                      <a:endParaRPr lang="en-US" sz="800">
+                        <a:effectLst/>
+                        <a:latin typeface="Times New Roman" panose="02020603050405020304" pitchFamily="18" charset="0"/>
+                        <a:ea typeface="Times New Roman" panose="02020603050405020304" pitchFamily="18" charset="0"/>
+                      </a:endParaRPr>
+                    </a:p>
+                  </a:txBody>
+                  <a:tcPr marL="43467" marR="43467" marT="0" marB="0" anchor="b"/>
+                </a:tc>
+                <a:extLst>
+                  <a:ext uri="{0D108BD9-81ED-4DB2-BD59-A6C34878D82A}">
+                    <a16:rowId xmlns:a16="http://schemas.microsoft.com/office/drawing/2014/main" val="2849441190"/>
+                  </a:ext>
+                </a:extLst>
+              </a:tr>
+              <a:tr h="111296">
+                <a:tc>
+                  <a:txBody>
+                    <a:bodyPr/>
+                    <a:lstStyle/>
+                    <a:p>
+                      <a:pPr marL="0" marR="0" algn="r">
+                        <a:spcBef>
+                          <a:spcPts val="0"/>
+                        </a:spcBef>
+                        <a:spcAft>
+                          <a:spcPts val="0"/>
+                        </a:spcAft>
+                      </a:pPr>
+                      <a:r>
+                        <a:rPr lang="en-US" sz="700">
+                          <a:effectLst/>
+                        </a:rPr>
+                        <a:t>0.240539</a:t>
+                      </a:r>
+                      <a:endParaRPr lang="en-US" sz="800">
+                        <a:effectLst/>
+                        <a:latin typeface="Times New Roman" panose="02020603050405020304" pitchFamily="18" charset="0"/>
+                        <a:ea typeface="Times New Roman" panose="02020603050405020304" pitchFamily="18" charset="0"/>
+                      </a:endParaRPr>
+                    </a:p>
+                  </a:txBody>
+                  <a:tcPr marL="43467" marR="43467" marT="0" marB="0" anchor="b"/>
+                </a:tc>
+                <a:tc>
+                  <a:txBody>
+                    <a:bodyPr/>
+                    <a:lstStyle/>
+                    <a:p>
+                      <a:pPr marL="0" marR="0" algn="ctr">
+                        <a:spcBef>
+                          <a:spcPts val="0"/>
+                        </a:spcBef>
+                        <a:spcAft>
+                          <a:spcPts val="0"/>
+                        </a:spcAft>
+                      </a:pPr>
+                      <a:r>
+                        <a:rPr lang="en-US" sz="700">
+                          <a:effectLst/>
+                        </a:rPr>
+                        <a:t>SPI</a:t>
+                      </a:r>
+                      <a:endParaRPr lang="en-US" sz="800">
+                        <a:effectLst/>
+                        <a:latin typeface="Times New Roman" panose="02020603050405020304" pitchFamily="18" charset="0"/>
+                        <a:ea typeface="Times New Roman" panose="02020603050405020304" pitchFamily="18" charset="0"/>
+                      </a:endParaRPr>
+                    </a:p>
+                  </a:txBody>
+                  <a:tcPr marL="43467" marR="43467" marT="0" marB="0" anchor="b"/>
+                </a:tc>
+                <a:tc>
+                  <a:txBody>
+                    <a:bodyPr/>
+                    <a:lstStyle/>
+                    <a:p>
+                      <a:pPr marL="0" marR="0">
+                        <a:spcBef>
+                          <a:spcPts val="0"/>
+                        </a:spcBef>
+                        <a:spcAft>
+                          <a:spcPts val="0"/>
+                        </a:spcAft>
+                      </a:pPr>
+                      <a:r>
+                        <a:rPr lang="en-US" sz="700">
+                          <a:effectLst/>
+                        </a:rPr>
+                        <a:t>MOSI: 0x20; MISO: 0x00</a:t>
+                      </a:r>
+                      <a:endParaRPr lang="en-US" sz="800">
+                        <a:effectLst/>
+                        <a:latin typeface="Times New Roman" panose="02020603050405020304" pitchFamily="18" charset="0"/>
+                        <a:ea typeface="Times New Roman" panose="02020603050405020304" pitchFamily="18" charset="0"/>
+                      </a:endParaRPr>
+                    </a:p>
+                  </a:txBody>
+                  <a:tcPr marL="43467" marR="43467" marT="0" marB="0" anchor="b"/>
+                </a:tc>
+                <a:extLst>
+                  <a:ext uri="{0D108BD9-81ED-4DB2-BD59-A6C34878D82A}">
+                    <a16:rowId xmlns:a16="http://schemas.microsoft.com/office/drawing/2014/main" val="3750974652"/>
+                  </a:ext>
+                </a:extLst>
+              </a:tr>
+              <a:tr h="109205">
+                <a:tc>
+                  <a:txBody>
+                    <a:bodyPr/>
+                    <a:lstStyle/>
+                    <a:p>
+                      <a:pPr marL="0" marR="0" algn="r">
+                        <a:spcBef>
+                          <a:spcPts val="0"/>
+                        </a:spcBef>
+                        <a:spcAft>
+                          <a:spcPts val="0"/>
+                        </a:spcAft>
+                      </a:pPr>
+                      <a:r>
+                        <a:rPr lang="en-US" sz="700">
+                          <a:effectLst/>
+                        </a:rPr>
+                        <a:t>0.240539</a:t>
+                      </a:r>
+                      <a:endParaRPr lang="en-US" sz="800">
+                        <a:effectLst/>
+                        <a:latin typeface="Times New Roman" panose="02020603050405020304" pitchFamily="18" charset="0"/>
+                        <a:ea typeface="Times New Roman" panose="02020603050405020304" pitchFamily="18" charset="0"/>
+                      </a:endParaRPr>
+                    </a:p>
+                  </a:txBody>
+                  <a:tcPr marL="43467" marR="43467" marT="0" marB="0" anchor="b"/>
+                </a:tc>
+                <a:tc>
+                  <a:txBody>
+                    <a:bodyPr/>
+                    <a:lstStyle/>
+                    <a:p>
+                      <a:pPr marL="0" marR="0" algn="ctr">
+                        <a:spcBef>
+                          <a:spcPts val="0"/>
+                        </a:spcBef>
+                        <a:spcAft>
+                          <a:spcPts val="0"/>
+                        </a:spcAft>
+                      </a:pPr>
+                      <a:r>
+                        <a:rPr lang="en-US" sz="700">
+                          <a:effectLst/>
+                        </a:rPr>
+                        <a:t>SPI</a:t>
+                      </a:r>
+                      <a:endParaRPr lang="en-US" sz="800">
+                        <a:effectLst/>
+                        <a:latin typeface="Times New Roman" panose="02020603050405020304" pitchFamily="18" charset="0"/>
+                        <a:ea typeface="Times New Roman" panose="02020603050405020304" pitchFamily="18" charset="0"/>
+                      </a:endParaRPr>
+                    </a:p>
+                  </a:txBody>
+                  <a:tcPr marL="43467" marR="43467" marT="0" marB="0" anchor="b"/>
+                </a:tc>
+                <a:tc>
+                  <a:txBody>
+                    <a:bodyPr/>
+                    <a:lstStyle/>
+                    <a:p>
+                      <a:pPr marL="0" marR="0">
+                        <a:spcBef>
+                          <a:spcPts val="0"/>
+                        </a:spcBef>
+                        <a:spcAft>
+                          <a:spcPts val="0"/>
+                        </a:spcAft>
+                      </a:pPr>
+                      <a:r>
+                        <a:rPr lang="en-US" sz="700">
+                          <a:effectLst/>
+                        </a:rPr>
+                        <a:t>MOSI: 0x21; MISO: 0x00</a:t>
+                      </a:r>
+                      <a:endParaRPr lang="en-US" sz="800">
+                        <a:effectLst/>
+                        <a:latin typeface="Times New Roman" panose="02020603050405020304" pitchFamily="18" charset="0"/>
+                        <a:ea typeface="Times New Roman" panose="02020603050405020304" pitchFamily="18" charset="0"/>
+                      </a:endParaRPr>
+                    </a:p>
+                  </a:txBody>
+                  <a:tcPr marL="43467" marR="43467" marT="0" marB="0" anchor="b"/>
+                </a:tc>
+                <a:extLst>
+                  <a:ext uri="{0D108BD9-81ED-4DB2-BD59-A6C34878D82A}">
+                    <a16:rowId xmlns:a16="http://schemas.microsoft.com/office/drawing/2014/main" val="1835492267"/>
+                  </a:ext>
+                </a:extLst>
+              </a:tr>
+              <a:tr h="111773">
+                <a:tc>
+                  <a:txBody>
+                    <a:bodyPr/>
+                    <a:lstStyle/>
+                    <a:p>
+                      <a:pPr marL="0" marR="0" algn="r">
+                        <a:spcBef>
+                          <a:spcPts val="0"/>
+                        </a:spcBef>
+                        <a:spcAft>
+                          <a:spcPts val="0"/>
+                        </a:spcAft>
+                      </a:pPr>
+                      <a:r>
+                        <a:rPr lang="en-US" sz="700">
+                          <a:effectLst/>
+                        </a:rPr>
+                        <a:t>0.24054</a:t>
+                      </a:r>
+                      <a:endParaRPr lang="en-US" sz="800">
+                        <a:effectLst/>
+                        <a:latin typeface="Times New Roman" panose="02020603050405020304" pitchFamily="18" charset="0"/>
+                        <a:ea typeface="Times New Roman" panose="02020603050405020304" pitchFamily="18" charset="0"/>
+                      </a:endParaRPr>
+                    </a:p>
+                  </a:txBody>
+                  <a:tcPr marL="43467" marR="43467" marT="0" marB="0" anchor="b"/>
+                </a:tc>
+                <a:tc>
+                  <a:txBody>
+                    <a:bodyPr/>
+                    <a:lstStyle/>
+                    <a:p>
+                      <a:pPr marL="0" marR="0" algn="ctr">
+                        <a:spcBef>
+                          <a:spcPts val="0"/>
+                        </a:spcBef>
+                        <a:spcAft>
+                          <a:spcPts val="0"/>
+                        </a:spcAft>
+                      </a:pPr>
+                      <a:r>
+                        <a:rPr lang="en-US" sz="700">
+                          <a:effectLst/>
+                        </a:rPr>
+                        <a:t>SPI</a:t>
+                      </a:r>
+                      <a:endParaRPr lang="en-US" sz="800">
+                        <a:effectLst/>
+                        <a:latin typeface="Times New Roman" panose="02020603050405020304" pitchFamily="18" charset="0"/>
+                        <a:ea typeface="Times New Roman" panose="02020603050405020304" pitchFamily="18" charset="0"/>
+                      </a:endParaRPr>
+                    </a:p>
+                  </a:txBody>
+                  <a:tcPr marL="43467" marR="43467" marT="0" marB="0" anchor="b"/>
+                </a:tc>
+                <a:tc>
+                  <a:txBody>
+                    <a:bodyPr/>
+                    <a:lstStyle/>
+                    <a:p>
+                      <a:pPr marL="0" marR="0">
+                        <a:spcBef>
+                          <a:spcPts val="0"/>
+                        </a:spcBef>
+                        <a:spcAft>
+                          <a:spcPts val="0"/>
+                        </a:spcAft>
+                      </a:pPr>
+                      <a:r>
+                        <a:rPr lang="en-US" sz="700">
+                          <a:effectLst/>
+                        </a:rPr>
+                        <a:t>MOSI: 0x22; MISO: 0x00</a:t>
+                      </a:r>
+                      <a:endParaRPr lang="en-US" sz="800">
+                        <a:effectLst/>
+                        <a:latin typeface="Times New Roman" panose="02020603050405020304" pitchFamily="18" charset="0"/>
+                        <a:ea typeface="Times New Roman" panose="02020603050405020304" pitchFamily="18" charset="0"/>
+                      </a:endParaRPr>
+                    </a:p>
+                  </a:txBody>
+                  <a:tcPr marL="43467" marR="43467" marT="0" marB="0" anchor="b"/>
+                </a:tc>
+                <a:extLst>
+                  <a:ext uri="{0D108BD9-81ED-4DB2-BD59-A6C34878D82A}">
+                    <a16:rowId xmlns:a16="http://schemas.microsoft.com/office/drawing/2014/main" val="185441826"/>
+                  </a:ext>
+                </a:extLst>
+              </a:tr>
+              <a:tr h="109205">
+                <a:tc>
+                  <a:txBody>
+                    <a:bodyPr/>
+                    <a:lstStyle/>
+                    <a:p>
+                      <a:pPr marL="0" marR="0" algn="r">
+                        <a:spcBef>
+                          <a:spcPts val="0"/>
+                        </a:spcBef>
+                        <a:spcAft>
+                          <a:spcPts val="0"/>
+                        </a:spcAft>
+                      </a:pPr>
+                      <a:r>
+                        <a:rPr lang="en-US" sz="700">
+                          <a:effectLst/>
+                        </a:rPr>
+                        <a:t>0.240541</a:t>
+                      </a:r>
+                      <a:endParaRPr lang="en-US" sz="800">
+                        <a:effectLst/>
+                        <a:latin typeface="Times New Roman" panose="02020603050405020304" pitchFamily="18" charset="0"/>
+                        <a:ea typeface="Times New Roman" panose="02020603050405020304" pitchFamily="18" charset="0"/>
+                      </a:endParaRPr>
+                    </a:p>
+                  </a:txBody>
+                  <a:tcPr marL="43467" marR="43467" marT="0" marB="0" anchor="b"/>
+                </a:tc>
+                <a:tc>
+                  <a:txBody>
+                    <a:bodyPr/>
+                    <a:lstStyle/>
+                    <a:p>
+                      <a:pPr marL="0" marR="0" algn="ctr">
+                        <a:spcBef>
+                          <a:spcPts val="0"/>
+                        </a:spcBef>
+                        <a:spcAft>
+                          <a:spcPts val="0"/>
+                        </a:spcAft>
+                      </a:pPr>
+                      <a:r>
+                        <a:rPr lang="en-US" sz="700">
+                          <a:effectLst/>
+                        </a:rPr>
+                        <a:t>SPI</a:t>
+                      </a:r>
+                      <a:endParaRPr lang="en-US" sz="800">
+                        <a:effectLst/>
+                        <a:latin typeface="Times New Roman" panose="02020603050405020304" pitchFamily="18" charset="0"/>
+                        <a:ea typeface="Times New Roman" panose="02020603050405020304" pitchFamily="18" charset="0"/>
+                      </a:endParaRPr>
+                    </a:p>
+                  </a:txBody>
+                  <a:tcPr marL="43467" marR="43467" marT="0" marB="0" anchor="b"/>
+                </a:tc>
+                <a:tc>
+                  <a:txBody>
+                    <a:bodyPr/>
+                    <a:lstStyle/>
+                    <a:p>
+                      <a:pPr marL="0" marR="0">
+                        <a:spcBef>
+                          <a:spcPts val="0"/>
+                        </a:spcBef>
+                        <a:spcAft>
+                          <a:spcPts val="0"/>
+                        </a:spcAft>
+                      </a:pPr>
+                      <a:r>
+                        <a:rPr lang="en-US" sz="700">
+                          <a:effectLst/>
+                        </a:rPr>
+                        <a:t>MOSI: 0x23; MISO: 0x00</a:t>
+                      </a:r>
+                      <a:endParaRPr lang="en-US" sz="800">
+                        <a:effectLst/>
+                        <a:latin typeface="Times New Roman" panose="02020603050405020304" pitchFamily="18" charset="0"/>
+                        <a:ea typeface="Times New Roman" panose="02020603050405020304" pitchFamily="18" charset="0"/>
+                      </a:endParaRPr>
+                    </a:p>
+                  </a:txBody>
+                  <a:tcPr marL="43467" marR="43467" marT="0" marB="0" anchor="b"/>
+                </a:tc>
+                <a:extLst>
+                  <a:ext uri="{0D108BD9-81ED-4DB2-BD59-A6C34878D82A}">
+                    <a16:rowId xmlns:a16="http://schemas.microsoft.com/office/drawing/2014/main" val="3637560847"/>
+                  </a:ext>
+                </a:extLst>
+              </a:tr>
+              <a:tr h="109040">
+                <a:tc>
+                  <a:txBody>
+                    <a:bodyPr/>
+                    <a:lstStyle/>
+                    <a:p>
+                      <a:pPr marL="0" marR="0" algn="r">
+                        <a:spcBef>
+                          <a:spcPts val="0"/>
+                        </a:spcBef>
+                        <a:spcAft>
+                          <a:spcPts val="0"/>
+                        </a:spcAft>
+                      </a:pPr>
+                      <a:r>
+                        <a:rPr lang="en-US" sz="700">
+                          <a:effectLst/>
+                        </a:rPr>
+                        <a:t>0.240542</a:t>
+                      </a:r>
+                      <a:endParaRPr lang="en-US" sz="800">
+                        <a:effectLst/>
+                        <a:latin typeface="Times New Roman" panose="02020603050405020304" pitchFamily="18" charset="0"/>
+                        <a:ea typeface="Times New Roman" panose="02020603050405020304" pitchFamily="18" charset="0"/>
+                      </a:endParaRPr>
+                    </a:p>
+                  </a:txBody>
+                  <a:tcPr marL="43467" marR="43467" marT="0" marB="0" anchor="b"/>
+                </a:tc>
+                <a:tc>
+                  <a:txBody>
+                    <a:bodyPr/>
+                    <a:lstStyle/>
+                    <a:p>
+                      <a:pPr marL="0" marR="0" algn="ctr">
+                        <a:spcBef>
+                          <a:spcPts val="0"/>
+                        </a:spcBef>
+                        <a:spcAft>
+                          <a:spcPts val="0"/>
+                        </a:spcAft>
+                      </a:pPr>
+                      <a:r>
+                        <a:rPr lang="en-US" sz="700">
+                          <a:effectLst/>
+                        </a:rPr>
+                        <a:t>SPI</a:t>
+                      </a:r>
+                      <a:endParaRPr lang="en-US" sz="800">
+                        <a:effectLst/>
+                        <a:latin typeface="Times New Roman" panose="02020603050405020304" pitchFamily="18" charset="0"/>
+                        <a:ea typeface="Times New Roman" panose="02020603050405020304" pitchFamily="18" charset="0"/>
+                      </a:endParaRPr>
+                    </a:p>
+                  </a:txBody>
+                  <a:tcPr marL="43467" marR="43467" marT="0" marB="0" anchor="b"/>
+                </a:tc>
+                <a:tc>
+                  <a:txBody>
+                    <a:bodyPr/>
+                    <a:lstStyle/>
+                    <a:p>
+                      <a:pPr marL="0" marR="0">
+                        <a:spcBef>
+                          <a:spcPts val="0"/>
+                        </a:spcBef>
+                        <a:spcAft>
+                          <a:spcPts val="0"/>
+                        </a:spcAft>
+                      </a:pPr>
+                      <a:r>
+                        <a:rPr lang="en-US" sz="700" dirty="0">
+                          <a:effectLst/>
+                        </a:rPr>
+                        <a:t>MOSI: 0x24; MISO: 0x00</a:t>
+                      </a:r>
+                      <a:endParaRPr lang="en-US" sz="800" dirty="0">
+                        <a:effectLst/>
+                        <a:latin typeface="Times New Roman" panose="02020603050405020304" pitchFamily="18" charset="0"/>
+                        <a:ea typeface="Times New Roman" panose="02020603050405020304" pitchFamily="18" charset="0"/>
+                      </a:endParaRPr>
+                    </a:p>
+                  </a:txBody>
+                  <a:tcPr marL="43467" marR="43467" marT="0" marB="0" anchor="b"/>
+                </a:tc>
+                <a:extLst>
+                  <a:ext uri="{0D108BD9-81ED-4DB2-BD59-A6C34878D82A}">
+                    <a16:rowId xmlns:a16="http://schemas.microsoft.com/office/drawing/2014/main" val="1262676638"/>
+                  </a:ext>
+                </a:extLst>
+              </a:tr>
+            </a:tbl>
+          </a:graphicData>
+        </a:graphic>
+      </p:graphicFrame>
+      <p:graphicFrame>
+        <p:nvGraphicFramePr>
+          <p:cNvPr id="7" name="Table 6">
+            <a:extLst>
+              <a:ext uri="{FF2B5EF4-FFF2-40B4-BE49-F238E27FC236}">
+                <a16:creationId xmlns:a16="http://schemas.microsoft.com/office/drawing/2014/main" id="{126D6FBD-A7BB-DFDE-D90F-5130B0F72D85}"/>
+              </a:ext>
+            </a:extLst>
+          </p:cNvPr>
+          <p:cNvGraphicFramePr>
+            <a:graphicFrameLocks noGrp="1"/>
+          </p:cNvGraphicFramePr>
+          <p:nvPr>
+            <p:extLst>
+              <p:ext uri="{D42A27DB-BD31-4B8C-83A1-F6EECF244321}">
+                <p14:modId xmlns:p14="http://schemas.microsoft.com/office/powerpoint/2010/main" val="3122514090"/>
+              </p:ext>
+            </p:extLst>
+          </p:nvPr>
+        </p:nvGraphicFramePr>
+        <p:xfrm>
+          <a:off x="9220200" y="4533875"/>
+          <a:ext cx="2043157" cy="2192040"/>
+        </p:xfrm>
+        <a:graphic>
+          <a:graphicData uri="http://schemas.openxmlformats.org/drawingml/2006/table">
+            <a:tbl>
+              <a:tblPr firstRow="1" firstCol="1" bandRow="1">
+                <a:tableStyleId>{5C22544A-7EE6-4342-B048-85BDC9FD1C3A}</a:tableStyleId>
+              </a:tblPr>
+              <a:tblGrid>
+                <a:gridCol w="478099">
+                  <a:extLst>
+                    <a:ext uri="{9D8B030D-6E8A-4147-A177-3AD203B41FA5}">
+                      <a16:colId xmlns:a16="http://schemas.microsoft.com/office/drawing/2014/main" val="3073410768"/>
+                    </a:ext>
+                  </a:extLst>
+                </a:gridCol>
+                <a:gridCol w="441322">
+                  <a:extLst>
+                    <a:ext uri="{9D8B030D-6E8A-4147-A177-3AD203B41FA5}">
+                      <a16:colId xmlns:a16="http://schemas.microsoft.com/office/drawing/2014/main" val="1863134568"/>
+                    </a:ext>
+                  </a:extLst>
+                </a:gridCol>
+                <a:gridCol w="1123736">
+                  <a:extLst>
+                    <a:ext uri="{9D8B030D-6E8A-4147-A177-3AD203B41FA5}">
+                      <a16:colId xmlns:a16="http://schemas.microsoft.com/office/drawing/2014/main" val="1348798562"/>
+                    </a:ext>
+                  </a:extLst>
+                </a:gridCol>
+              </a:tblGrid>
+              <a:tr h="116700">
+                <a:tc>
+                  <a:txBody>
+                    <a:bodyPr/>
+                    <a:lstStyle/>
+                    <a:p>
+                      <a:pPr marL="0" marR="0" algn="r">
+                        <a:spcBef>
+                          <a:spcPts val="0"/>
+                        </a:spcBef>
+                        <a:spcAft>
+                          <a:spcPts val="0"/>
+                        </a:spcAft>
+                      </a:pPr>
+                      <a:r>
+                        <a:rPr lang="en-US" sz="600">
+                          <a:effectLst/>
+                        </a:rPr>
+                        <a:t>0.240543</a:t>
+                      </a:r>
+                      <a:endParaRPr lang="en-US" sz="700">
+                        <a:effectLst/>
+                        <a:latin typeface="Times New Roman" panose="02020603050405020304" pitchFamily="18" charset="0"/>
+                        <a:ea typeface="Times New Roman" panose="02020603050405020304" pitchFamily="18" charset="0"/>
+                      </a:endParaRPr>
+                    </a:p>
+                  </a:txBody>
+                  <a:tcPr marL="37721" marR="37721" marT="0" marB="0" anchor="b"/>
+                </a:tc>
+                <a:tc>
+                  <a:txBody>
+                    <a:bodyPr/>
+                    <a:lstStyle/>
+                    <a:p>
+                      <a:pPr marL="0" marR="0" algn="ctr">
+                        <a:spcBef>
+                          <a:spcPts val="0"/>
+                        </a:spcBef>
+                        <a:spcAft>
+                          <a:spcPts val="0"/>
+                        </a:spcAft>
+                      </a:pPr>
+                      <a:r>
+                        <a:rPr lang="en-US" sz="600">
+                          <a:effectLst/>
+                        </a:rPr>
+                        <a:t>SPI</a:t>
+                      </a:r>
+                      <a:endParaRPr lang="en-US" sz="700">
+                        <a:effectLst/>
+                        <a:latin typeface="Times New Roman" panose="02020603050405020304" pitchFamily="18" charset="0"/>
+                        <a:ea typeface="Times New Roman" panose="02020603050405020304" pitchFamily="18" charset="0"/>
+                      </a:endParaRPr>
+                    </a:p>
+                  </a:txBody>
+                  <a:tcPr marL="37721" marR="37721" marT="0" marB="0" anchor="b"/>
+                </a:tc>
+                <a:tc>
+                  <a:txBody>
+                    <a:bodyPr/>
+                    <a:lstStyle/>
+                    <a:p>
+                      <a:pPr marL="0" marR="0">
+                        <a:spcBef>
+                          <a:spcPts val="0"/>
+                        </a:spcBef>
+                        <a:spcAft>
+                          <a:spcPts val="0"/>
+                        </a:spcAft>
+                      </a:pPr>
+                      <a:r>
+                        <a:rPr lang="en-US" sz="600">
+                          <a:effectLst/>
+                        </a:rPr>
+                        <a:t>MOSI: 0x25; MISO: 0x00</a:t>
+                      </a:r>
+                      <a:endParaRPr lang="en-US" sz="700">
+                        <a:effectLst/>
+                        <a:latin typeface="Times New Roman" panose="02020603050405020304" pitchFamily="18" charset="0"/>
+                        <a:ea typeface="Times New Roman" panose="02020603050405020304" pitchFamily="18" charset="0"/>
+                      </a:endParaRPr>
+                    </a:p>
+                  </a:txBody>
+                  <a:tcPr marL="37721" marR="37721" marT="0" marB="0" anchor="b"/>
+                </a:tc>
+                <a:extLst>
+                  <a:ext uri="{0D108BD9-81ED-4DB2-BD59-A6C34878D82A}">
+                    <a16:rowId xmlns:a16="http://schemas.microsoft.com/office/drawing/2014/main" val="1675601512"/>
+                  </a:ext>
+                </a:extLst>
+              </a:tr>
+              <a:tr h="116700">
+                <a:tc>
+                  <a:txBody>
+                    <a:bodyPr/>
+                    <a:lstStyle/>
+                    <a:p>
+                      <a:pPr marL="0" marR="0" algn="r">
+                        <a:spcBef>
+                          <a:spcPts val="0"/>
+                        </a:spcBef>
+                        <a:spcAft>
+                          <a:spcPts val="0"/>
+                        </a:spcAft>
+                      </a:pPr>
+                      <a:r>
+                        <a:rPr lang="en-US" sz="600">
+                          <a:effectLst/>
+                        </a:rPr>
+                        <a:t>0.240543</a:t>
+                      </a:r>
+                      <a:endParaRPr lang="en-US" sz="700">
+                        <a:effectLst/>
+                        <a:latin typeface="Times New Roman" panose="02020603050405020304" pitchFamily="18" charset="0"/>
+                        <a:ea typeface="Times New Roman" panose="02020603050405020304" pitchFamily="18" charset="0"/>
+                      </a:endParaRPr>
+                    </a:p>
+                  </a:txBody>
+                  <a:tcPr marL="37721" marR="37721" marT="0" marB="0" anchor="b"/>
+                </a:tc>
+                <a:tc>
+                  <a:txBody>
+                    <a:bodyPr/>
+                    <a:lstStyle/>
+                    <a:p>
+                      <a:pPr marL="0" marR="0" algn="ctr">
+                        <a:spcBef>
+                          <a:spcPts val="0"/>
+                        </a:spcBef>
+                        <a:spcAft>
+                          <a:spcPts val="0"/>
+                        </a:spcAft>
+                      </a:pPr>
+                      <a:r>
+                        <a:rPr lang="en-US" sz="600">
+                          <a:effectLst/>
+                        </a:rPr>
+                        <a:t>SPI</a:t>
+                      </a:r>
+                      <a:endParaRPr lang="en-US" sz="700">
+                        <a:effectLst/>
+                        <a:latin typeface="Times New Roman" panose="02020603050405020304" pitchFamily="18" charset="0"/>
+                        <a:ea typeface="Times New Roman" panose="02020603050405020304" pitchFamily="18" charset="0"/>
+                      </a:endParaRPr>
+                    </a:p>
+                  </a:txBody>
+                  <a:tcPr marL="37721" marR="37721" marT="0" marB="0" anchor="b"/>
+                </a:tc>
+                <a:tc>
+                  <a:txBody>
+                    <a:bodyPr/>
+                    <a:lstStyle/>
+                    <a:p>
+                      <a:pPr marL="0" marR="0">
+                        <a:spcBef>
+                          <a:spcPts val="0"/>
+                        </a:spcBef>
+                        <a:spcAft>
+                          <a:spcPts val="0"/>
+                        </a:spcAft>
+                      </a:pPr>
+                      <a:r>
+                        <a:rPr lang="en-US" sz="600">
+                          <a:effectLst/>
+                        </a:rPr>
+                        <a:t>MOSI: 0x26; MISO: 0x00</a:t>
+                      </a:r>
+                      <a:endParaRPr lang="en-US" sz="700">
+                        <a:effectLst/>
+                        <a:latin typeface="Times New Roman" panose="02020603050405020304" pitchFamily="18" charset="0"/>
+                        <a:ea typeface="Times New Roman" panose="02020603050405020304" pitchFamily="18" charset="0"/>
+                      </a:endParaRPr>
+                    </a:p>
+                  </a:txBody>
+                  <a:tcPr marL="37721" marR="37721" marT="0" marB="0" anchor="b"/>
+                </a:tc>
+                <a:extLst>
+                  <a:ext uri="{0D108BD9-81ED-4DB2-BD59-A6C34878D82A}">
+                    <a16:rowId xmlns:a16="http://schemas.microsoft.com/office/drawing/2014/main" val="635286007"/>
+                  </a:ext>
+                </a:extLst>
+              </a:tr>
+              <a:tr h="116700">
+                <a:tc>
+                  <a:txBody>
+                    <a:bodyPr/>
+                    <a:lstStyle/>
+                    <a:p>
+                      <a:pPr marL="0" marR="0" algn="r">
+                        <a:spcBef>
+                          <a:spcPts val="0"/>
+                        </a:spcBef>
+                        <a:spcAft>
+                          <a:spcPts val="0"/>
+                        </a:spcAft>
+                      </a:pPr>
+                      <a:r>
+                        <a:rPr lang="en-US" sz="600">
+                          <a:effectLst/>
+                        </a:rPr>
+                        <a:t>0.240544</a:t>
+                      </a:r>
+                      <a:endParaRPr lang="en-US" sz="700">
+                        <a:effectLst/>
+                        <a:latin typeface="Times New Roman" panose="02020603050405020304" pitchFamily="18" charset="0"/>
+                        <a:ea typeface="Times New Roman" panose="02020603050405020304" pitchFamily="18" charset="0"/>
+                      </a:endParaRPr>
+                    </a:p>
+                  </a:txBody>
+                  <a:tcPr marL="37721" marR="37721" marT="0" marB="0" anchor="b"/>
+                </a:tc>
+                <a:tc>
+                  <a:txBody>
+                    <a:bodyPr/>
+                    <a:lstStyle/>
+                    <a:p>
+                      <a:pPr marL="0" marR="0" algn="ctr">
+                        <a:spcBef>
+                          <a:spcPts val="0"/>
+                        </a:spcBef>
+                        <a:spcAft>
+                          <a:spcPts val="0"/>
+                        </a:spcAft>
+                      </a:pPr>
+                      <a:r>
+                        <a:rPr lang="en-US" sz="600">
+                          <a:effectLst/>
+                        </a:rPr>
+                        <a:t>SPI</a:t>
+                      </a:r>
+                      <a:endParaRPr lang="en-US" sz="700">
+                        <a:effectLst/>
+                        <a:latin typeface="Times New Roman" panose="02020603050405020304" pitchFamily="18" charset="0"/>
+                        <a:ea typeface="Times New Roman" panose="02020603050405020304" pitchFamily="18" charset="0"/>
+                      </a:endParaRPr>
+                    </a:p>
+                  </a:txBody>
+                  <a:tcPr marL="37721" marR="37721" marT="0" marB="0" anchor="b"/>
+                </a:tc>
+                <a:tc>
+                  <a:txBody>
+                    <a:bodyPr/>
+                    <a:lstStyle/>
+                    <a:p>
+                      <a:pPr marL="0" marR="0">
+                        <a:spcBef>
+                          <a:spcPts val="0"/>
+                        </a:spcBef>
+                        <a:spcAft>
+                          <a:spcPts val="0"/>
+                        </a:spcAft>
+                      </a:pPr>
+                      <a:r>
+                        <a:rPr lang="en-US" sz="600">
+                          <a:effectLst/>
+                        </a:rPr>
+                        <a:t>MOSI: 0x27; MISO: 0x00</a:t>
+                      </a:r>
+                      <a:endParaRPr lang="en-US" sz="700">
+                        <a:effectLst/>
+                        <a:latin typeface="Times New Roman" panose="02020603050405020304" pitchFamily="18" charset="0"/>
+                        <a:ea typeface="Times New Roman" panose="02020603050405020304" pitchFamily="18" charset="0"/>
+                      </a:endParaRPr>
+                    </a:p>
+                  </a:txBody>
+                  <a:tcPr marL="37721" marR="37721" marT="0" marB="0" anchor="b"/>
+                </a:tc>
+                <a:extLst>
+                  <a:ext uri="{0D108BD9-81ED-4DB2-BD59-A6C34878D82A}">
+                    <a16:rowId xmlns:a16="http://schemas.microsoft.com/office/drawing/2014/main" val="1722689820"/>
+                  </a:ext>
+                </a:extLst>
+              </a:tr>
+              <a:tr h="116700">
+                <a:tc>
+                  <a:txBody>
+                    <a:bodyPr/>
+                    <a:lstStyle/>
+                    <a:p>
+                      <a:pPr marL="0" marR="0" algn="r">
+                        <a:spcBef>
+                          <a:spcPts val="0"/>
+                        </a:spcBef>
+                        <a:spcAft>
+                          <a:spcPts val="0"/>
+                        </a:spcAft>
+                      </a:pPr>
+                      <a:r>
+                        <a:rPr lang="en-US" sz="600">
+                          <a:effectLst/>
+                        </a:rPr>
+                        <a:t>0.240545</a:t>
+                      </a:r>
+                      <a:endParaRPr lang="en-US" sz="700">
+                        <a:effectLst/>
+                        <a:latin typeface="Times New Roman" panose="02020603050405020304" pitchFamily="18" charset="0"/>
+                        <a:ea typeface="Times New Roman" panose="02020603050405020304" pitchFamily="18" charset="0"/>
+                      </a:endParaRPr>
+                    </a:p>
+                  </a:txBody>
+                  <a:tcPr marL="37721" marR="37721" marT="0" marB="0" anchor="b"/>
+                </a:tc>
+                <a:tc>
+                  <a:txBody>
+                    <a:bodyPr/>
+                    <a:lstStyle/>
+                    <a:p>
+                      <a:pPr marL="0" marR="0" algn="ctr">
+                        <a:spcBef>
+                          <a:spcPts val="0"/>
+                        </a:spcBef>
+                        <a:spcAft>
+                          <a:spcPts val="0"/>
+                        </a:spcAft>
+                      </a:pPr>
+                      <a:r>
+                        <a:rPr lang="en-US" sz="600">
+                          <a:effectLst/>
+                        </a:rPr>
+                        <a:t>SPI</a:t>
+                      </a:r>
+                      <a:endParaRPr lang="en-US" sz="700">
+                        <a:effectLst/>
+                        <a:latin typeface="Times New Roman" panose="02020603050405020304" pitchFamily="18" charset="0"/>
+                        <a:ea typeface="Times New Roman" panose="02020603050405020304" pitchFamily="18" charset="0"/>
+                      </a:endParaRPr>
+                    </a:p>
+                  </a:txBody>
+                  <a:tcPr marL="37721" marR="37721" marT="0" marB="0" anchor="b"/>
+                </a:tc>
+                <a:tc>
+                  <a:txBody>
+                    <a:bodyPr/>
+                    <a:lstStyle/>
+                    <a:p>
+                      <a:pPr marL="0" marR="0">
+                        <a:spcBef>
+                          <a:spcPts val="0"/>
+                        </a:spcBef>
+                        <a:spcAft>
+                          <a:spcPts val="0"/>
+                        </a:spcAft>
+                      </a:pPr>
+                      <a:r>
+                        <a:rPr lang="en-US" sz="600">
+                          <a:effectLst/>
+                        </a:rPr>
+                        <a:t>MOSI: 0x28; MISO: 0x00</a:t>
+                      </a:r>
+                      <a:endParaRPr lang="en-US" sz="700">
+                        <a:effectLst/>
+                        <a:latin typeface="Times New Roman" panose="02020603050405020304" pitchFamily="18" charset="0"/>
+                        <a:ea typeface="Times New Roman" panose="02020603050405020304" pitchFamily="18" charset="0"/>
+                      </a:endParaRPr>
+                    </a:p>
+                  </a:txBody>
+                  <a:tcPr marL="37721" marR="37721" marT="0" marB="0" anchor="b"/>
+                </a:tc>
+                <a:extLst>
+                  <a:ext uri="{0D108BD9-81ED-4DB2-BD59-A6C34878D82A}">
+                    <a16:rowId xmlns:a16="http://schemas.microsoft.com/office/drawing/2014/main" val="233515433"/>
+                  </a:ext>
+                </a:extLst>
+              </a:tr>
+              <a:tr h="116700">
+                <a:tc>
+                  <a:txBody>
+                    <a:bodyPr/>
+                    <a:lstStyle/>
+                    <a:p>
+                      <a:pPr marL="0" marR="0" algn="r">
+                        <a:spcBef>
+                          <a:spcPts val="0"/>
+                        </a:spcBef>
+                        <a:spcAft>
+                          <a:spcPts val="0"/>
+                        </a:spcAft>
+                      </a:pPr>
+                      <a:r>
+                        <a:rPr lang="en-US" sz="600">
+                          <a:effectLst/>
+                        </a:rPr>
+                        <a:t>0.240546</a:t>
+                      </a:r>
+                      <a:endParaRPr lang="en-US" sz="700">
+                        <a:effectLst/>
+                        <a:latin typeface="Times New Roman" panose="02020603050405020304" pitchFamily="18" charset="0"/>
+                        <a:ea typeface="Times New Roman" panose="02020603050405020304" pitchFamily="18" charset="0"/>
+                      </a:endParaRPr>
+                    </a:p>
+                  </a:txBody>
+                  <a:tcPr marL="37721" marR="37721" marT="0" marB="0" anchor="b"/>
+                </a:tc>
+                <a:tc>
+                  <a:txBody>
+                    <a:bodyPr/>
+                    <a:lstStyle/>
+                    <a:p>
+                      <a:pPr marL="0" marR="0" algn="ctr">
+                        <a:spcBef>
+                          <a:spcPts val="0"/>
+                        </a:spcBef>
+                        <a:spcAft>
+                          <a:spcPts val="0"/>
+                        </a:spcAft>
+                      </a:pPr>
+                      <a:r>
+                        <a:rPr lang="en-US" sz="600">
+                          <a:effectLst/>
+                        </a:rPr>
+                        <a:t>SPI</a:t>
+                      </a:r>
+                      <a:endParaRPr lang="en-US" sz="700">
+                        <a:effectLst/>
+                        <a:latin typeface="Times New Roman" panose="02020603050405020304" pitchFamily="18" charset="0"/>
+                        <a:ea typeface="Times New Roman" panose="02020603050405020304" pitchFamily="18" charset="0"/>
+                      </a:endParaRPr>
+                    </a:p>
+                  </a:txBody>
+                  <a:tcPr marL="37721" marR="37721" marT="0" marB="0" anchor="b"/>
+                </a:tc>
+                <a:tc>
+                  <a:txBody>
+                    <a:bodyPr/>
+                    <a:lstStyle/>
+                    <a:p>
+                      <a:pPr marL="0" marR="0">
+                        <a:spcBef>
+                          <a:spcPts val="0"/>
+                        </a:spcBef>
+                        <a:spcAft>
+                          <a:spcPts val="0"/>
+                        </a:spcAft>
+                      </a:pPr>
+                      <a:r>
+                        <a:rPr lang="en-US" sz="600">
+                          <a:effectLst/>
+                        </a:rPr>
+                        <a:t>MOSI: 0x29; MISO: 0x00</a:t>
+                      </a:r>
+                      <a:endParaRPr lang="en-US" sz="700">
+                        <a:effectLst/>
+                        <a:latin typeface="Times New Roman" panose="02020603050405020304" pitchFamily="18" charset="0"/>
+                        <a:ea typeface="Times New Roman" panose="02020603050405020304" pitchFamily="18" charset="0"/>
+                      </a:endParaRPr>
+                    </a:p>
+                  </a:txBody>
+                  <a:tcPr marL="37721" marR="37721" marT="0" marB="0" anchor="b"/>
+                </a:tc>
+                <a:extLst>
+                  <a:ext uri="{0D108BD9-81ED-4DB2-BD59-A6C34878D82A}">
+                    <a16:rowId xmlns:a16="http://schemas.microsoft.com/office/drawing/2014/main" val="3600573690"/>
+                  </a:ext>
+                </a:extLst>
+              </a:tr>
+              <a:tr h="116700">
+                <a:tc>
+                  <a:txBody>
+                    <a:bodyPr/>
+                    <a:lstStyle/>
+                    <a:p>
+                      <a:pPr marL="0" marR="0" algn="r">
+                        <a:spcBef>
+                          <a:spcPts val="0"/>
+                        </a:spcBef>
+                        <a:spcAft>
+                          <a:spcPts val="0"/>
+                        </a:spcAft>
+                      </a:pPr>
+                      <a:r>
+                        <a:rPr lang="en-US" sz="600">
+                          <a:effectLst/>
+                        </a:rPr>
+                        <a:t>0.240598</a:t>
+                      </a:r>
+                      <a:endParaRPr lang="en-US" sz="700">
+                        <a:effectLst/>
+                        <a:latin typeface="Times New Roman" panose="02020603050405020304" pitchFamily="18" charset="0"/>
+                        <a:ea typeface="Times New Roman" panose="02020603050405020304" pitchFamily="18" charset="0"/>
+                      </a:endParaRPr>
+                    </a:p>
+                  </a:txBody>
+                  <a:tcPr marL="37721" marR="37721" marT="0" marB="0" anchor="b"/>
+                </a:tc>
+                <a:tc>
+                  <a:txBody>
+                    <a:bodyPr/>
+                    <a:lstStyle/>
+                    <a:p>
+                      <a:pPr marL="0" marR="0" algn="ctr">
+                        <a:spcBef>
+                          <a:spcPts val="0"/>
+                        </a:spcBef>
+                        <a:spcAft>
+                          <a:spcPts val="0"/>
+                        </a:spcAft>
+                      </a:pPr>
+                      <a:r>
+                        <a:rPr lang="en-US" sz="600">
+                          <a:effectLst/>
+                        </a:rPr>
+                        <a:t>SPI</a:t>
+                      </a:r>
+                      <a:endParaRPr lang="en-US" sz="700">
+                        <a:effectLst/>
+                        <a:latin typeface="Times New Roman" panose="02020603050405020304" pitchFamily="18" charset="0"/>
+                        <a:ea typeface="Times New Roman" panose="02020603050405020304" pitchFamily="18" charset="0"/>
+                      </a:endParaRPr>
+                    </a:p>
+                  </a:txBody>
+                  <a:tcPr marL="37721" marR="37721" marT="0" marB="0" anchor="b"/>
+                </a:tc>
+                <a:tc>
+                  <a:txBody>
+                    <a:bodyPr/>
+                    <a:lstStyle/>
+                    <a:p>
+                      <a:pPr marL="0" marR="0">
+                        <a:spcBef>
+                          <a:spcPts val="0"/>
+                        </a:spcBef>
+                        <a:spcAft>
+                          <a:spcPts val="0"/>
+                        </a:spcAft>
+                      </a:pPr>
+                      <a:r>
+                        <a:rPr lang="en-US" sz="600">
+                          <a:effectLst/>
+                        </a:rPr>
+                        <a:t>MOSI: 0x03; MISO: 0x00</a:t>
+                      </a:r>
+                      <a:endParaRPr lang="en-US" sz="700">
+                        <a:effectLst/>
+                        <a:latin typeface="Times New Roman" panose="02020603050405020304" pitchFamily="18" charset="0"/>
+                        <a:ea typeface="Times New Roman" panose="02020603050405020304" pitchFamily="18" charset="0"/>
+                      </a:endParaRPr>
+                    </a:p>
+                  </a:txBody>
+                  <a:tcPr marL="37721" marR="37721" marT="0" marB="0" anchor="b"/>
+                </a:tc>
+                <a:extLst>
+                  <a:ext uri="{0D108BD9-81ED-4DB2-BD59-A6C34878D82A}">
+                    <a16:rowId xmlns:a16="http://schemas.microsoft.com/office/drawing/2014/main" val="641219470"/>
+                  </a:ext>
+                </a:extLst>
+              </a:tr>
+              <a:tr h="116700">
+                <a:tc>
+                  <a:txBody>
+                    <a:bodyPr/>
+                    <a:lstStyle/>
+                    <a:p>
+                      <a:pPr marL="0" marR="0" algn="r">
+                        <a:spcBef>
+                          <a:spcPts val="0"/>
+                        </a:spcBef>
+                        <a:spcAft>
+                          <a:spcPts val="0"/>
+                        </a:spcAft>
+                      </a:pPr>
+                      <a:r>
+                        <a:rPr lang="en-US" sz="600">
+                          <a:effectLst/>
+                        </a:rPr>
+                        <a:t>0.240599</a:t>
+                      </a:r>
+                      <a:endParaRPr lang="en-US" sz="700">
+                        <a:effectLst/>
+                        <a:latin typeface="Times New Roman" panose="02020603050405020304" pitchFamily="18" charset="0"/>
+                        <a:ea typeface="Times New Roman" panose="02020603050405020304" pitchFamily="18" charset="0"/>
+                      </a:endParaRPr>
+                    </a:p>
+                  </a:txBody>
+                  <a:tcPr marL="37721" marR="37721" marT="0" marB="0" anchor="b"/>
+                </a:tc>
+                <a:tc>
+                  <a:txBody>
+                    <a:bodyPr/>
+                    <a:lstStyle/>
+                    <a:p>
+                      <a:pPr marL="0" marR="0" algn="ctr">
+                        <a:spcBef>
+                          <a:spcPts val="0"/>
+                        </a:spcBef>
+                        <a:spcAft>
+                          <a:spcPts val="0"/>
+                        </a:spcAft>
+                      </a:pPr>
+                      <a:r>
+                        <a:rPr lang="en-US" sz="600">
+                          <a:effectLst/>
+                        </a:rPr>
+                        <a:t>SPI</a:t>
+                      </a:r>
+                      <a:endParaRPr lang="en-US" sz="700">
+                        <a:effectLst/>
+                        <a:latin typeface="Times New Roman" panose="02020603050405020304" pitchFamily="18" charset="0"/>
+                        <a:ea typeface="Times New Roman" panose="02020603050405020304" pitchFamily="18" charset="0"/>
+                      </a:endParaRPr>
+                    </a:p>
+                  </a:txBody>
+                  <a:tcPr marL="37721" marR="37721" marT="0" marB="0" anchor="b"/>
+                </a:tc>
+                <a:tc>
+                  <a:txBody>
+                    <a:bodyPr/>
+                    <a:lstStyle/>
+                    <a:p>
+                      <a:pPr marL="0" marR="0">
+                        <a:spcBef>
+                          <a:spcPts val="0"/>
+                        </a:spcBef>
+                        <a:spcAft>
+                          <a:spcPts val="0"/>
+                        </a:spcAft>
+                      </a:pPr>
+                      <a:r>
+                        <a:rPr lang="en-US" sz="600">
+                          <a:effectLst/>
+                        </a:rPr>
+                        <a:t>MOSI: 0x00; MISO: 0x00</a:t>
+                      </a:r>
+                      <a:endParaRPr lang="en-US" sz="700">
+                        <a:effectLst/>
+                        <a:latin typeface="Times New Roman" panose="02020603050405020304" pitchFamily="18" charset="0"/>
+                        <a:ea typeface="Times New Roman" panose="02020603050405020304" pitchFamily="18" charset="0"/>
+                      </a:endParaRPr>
+                    </a:p>
+                  </a:txBody>
+                  <a:tcPr marL="37721" marR="37721" marT="0" marB="0" anchor="b"/>
+                </a:tc>
+                <a:extLst>
+                  <a:ext uri="{0D108BD9-81ED-4DB2-BD59-A6C34878D82A}">
+                    <a16:rowId xmlns:a16="http://schemas.microsoft.com/office/drawing/2014/main" val="1988190823"/>
+                  </a:ext>
+                </a:extLst>
+              </a:tr>
+              <a:tr h="116700">
+                <a:tc>
+                  <a:txBody>
+                    <a:bodyPr/>
+                    <a:lstStyle/>
+                    <a:p>
+                      <a:pPr marL="0" marR="0" algn="r">
+                        <a:spcBef>
+                          <a:spcPts val="0"/>
+                        </a:spcBef>
+                        <a:spcAft>
+                          <a:spcPts val="0"/>
+                        </a:spcAft>
+                      </a:pPr>
+                      <a:r>
+                        <a:rPr lang="en-US" sz="600">
+                          <a:effectLst/>
+                        </a:rPr>
+                        <a:t>0.240599</a:t>
+                      </a:r>
+                      <a:endParaRPr lang="en-US" sz="700">
+                        <a:effectLst/>
+                        <a:latin typeface="Times New Roman" panose="02020603050405020304" pitchFamily="18" charset="0"/>
+                        <a:ea typeface="Times New Roman" panose="02020603050405020304" pitchFamily="18" charset="0"/>
+                      </a:endParaRPr>
+                    </a:p>
+                  </a:txBody>
+                  <a:tcPr marL="37721" marR="37721" marT="0" marB="0" anchor="b"/>
+                </a:tc>
+                <a:tc>
+                  <a:txBody>
+                    <a:bodyPr/>
+                    <a:lstStyle/>
+                    <a:p>
+                      <a:pPr marL="0" marR="0" algn="ctr">
+                        <a:spcBef>
+                          <a:spcPts val="0"/>
+                        </a:spcBef>
+                        <a:spcAft>
+                          <a:spcPts val="0"/>
+                        </a:spcAft>
+                      </a:pPr>
+                      <a:r>
+                        <a:rPr lang="en-US" sz="600">
+                          <a:effectLst/>
+                        </a:rPr>
+                        <a:t>SPI</a:t>
+                      </a:r>
+                      <a:endParaRPr lang="en-US" sz="700">
+                        <a:effectLst/>
+                        <a:latin typeface="Times New Roman" panose="02020603050405020304" pitchFamily="18" charset="0"/>
+                        <a:ea typeface="Times New Roman" panose="02020603050405020304" pitchFamily="18" charset="0"/>
+                      </a:endParaRPr>
+                    </a:p>
+                  </a:txBody>
+                  <a:tcPr marL="37721" marR="37721" marT="0" marB="0" anchor="b"/>
+                </a:tc>
+                <a:tc>
+                  <a:txBody>
+                    <a:bodyPr/>
+                    <a:lstStyle/>
+                    <a:p>
+                      <a:pPr marL="0" marR="0">
+                        <a:spcBef>
+                          <a:spcPts val="0"/>
+                        </a:spcBef>
+                        <a:spcAft>
+                          <a:spcPts val="0"/>
+                        </a:spcAft>
+                      </a:pPr>
+                      <a:r>
+                        <a:rPr lang="en-US" sz="600">
+                          <a:effectLst/>
+                        </a:rPr>
+                        <a:t>MOSI: 0x00; MISO: 0x00</a:t>
+                      </a:r>
+                      <a:endParaRPr lang="en-US" sz="700">
+                        <a:effectLst/>
+                        <a:latin typeface="Times New Roman" panose="02020603050405020304" pitchFamily="18" charset="0"/>
+                        <a:ea typeface="Times New Roman" panose="02020603050405020304" pitchFamily="18" charset="0"/>
+                      </a:endParaRPr>
+                    </a:p>
+                  </a:txBody>
+                  <a:tcPr marL="37721" marR="37721" marT="0" marB="0" anchor="b"/>
+                </a:tc>
+                <a:extLst>
+                  <a:ext uri="{0D108BD9-81ED-4DB2-BD59-A6C34878D82A}">
+                    <a16:rowId xmlns:a16="http://schemas.microsoft.com/office/drawing/2014/main" val="17297603"/>
+                  </a:ext>
+                </a:extLst>
+              </a:tr>
+              <a:tr h="66307">
+                <a:tc>
+                  <a:txBody>
+                    <a:bodyPr/>
+                    <a:lstStyle/>
+                    <a:p>
+                      <a:pPr marL="0" marR="0" algn="r">
+                        <a:spcBef>
+                          <a:spcPts val="0"/>
+                        </a:spcBef>
+                        <a:spcAft>
+                          <a:spcPts val="0"/>
+                        </a:spcAft>
+                      </a:pPr>
+                      <a:r>
+                        <a:rPr lang="en-US" sz="600">
+                          <a:effectLst/>
+                        </a:rPr>
+                        <a:t>0.2406</a:t>
+                      </a:r>
+                      <a:endParaRPr lang="en-US" sz="700">
+                        <a:effectLst/>
+                        <a:latin typeface="Times New Roman" panose="02020603050405020304" pitchFamily="18" charset="0"/>
+                        <a:ea typeface="Times New Roman" panose="02020603050405020304" pitchFamily="18" charset="0"/>
+                      </a:endParaRPr>
+                    </a:p>
+                  </a:txBody>
+                  <a:tcPr marL="37721" marR="37721" marT="0" marB="0" anchor="b"/>
+                </a:tc>
+                <a:tc>
+                  <a:txBody>
+                    <a:bodyPr/>
+                    <a:lstStyle/>
+                    <a:p>
+                      <a:pPr marL="0" marR="0" algn="ctr">
+                        <a:spcBef>
+                          <a:spcPts val="0"/>
+                        </a:spcBef>
+                        <a:spcAft>
+                          <a:spcPts val="0"/>
+                        </a:spcAft>
+                      </a:pPr>
+                      <a:r>
+                        <a:rPr lang="en-US" sz="600">
+                          <a:effectLst/>
+                        </a:rPr>
+                        <a:t>SPI</a:t>
+                      </a:r>
+                      <a:endParaRPr lang="en-US" sz="700">
+                        <a:effectLst/>
+                        <a:latin typeface="Times New Roman" panose="02020603050405020304" pitchFamily="18" charset="0"/>
+                        <a:ea typeface="Times New Roman" panose="02020603050405020304" pitchFamily="18" charset="0"/>
+                      </a:endParaRPr>
+                    </a:p>
+                  </a:txBody>
+                  <a:tcPr marL="37721" marR="37721" marT="0" marB="0" anchor="b"/>
+                </a:tc>
+                <a:tc>
+                  <a:txBody>
+                    <a:bodyPr/>
+                    <a:lstStyle/>
+                    <a:p>
+                      <a:pPr marL="0" marR="0">
+                        <a:spcBef>
+                          <a:spcPts val="0"/>
+                        </a:spcBef>
+                        <a:spcAft>
+                          <a:spcPts val="0"/>
+                        </a:spcAft>
+                      </a:pPr>
+                      <a:r>
+                        <a:rPr lang="en-US" sz="600">
+                          <a:effectLst/>
+                        </a:rPr>
+                        <a:t>MOSI: 0x00; MISO: 0x00</a:t>
+                      </a:r>
+                      <a:endParaRPr lang="en-US" sz="700">
+                        <a:effectLst/>
+                        <a:latin typeface="Times New Roman" panose="02020603050405020304" pitchFamily="18" charset="0"/>
+                        <a:ea typeface="Times New Roman" panose="02020603050405020304" pitchFamily="18" charset="0"/>
+                      </a:endParaRPr>
+                    </a:p>
+                  </a:txBody>
+                  <a:tcPr marL="37721" marR="37721" marT="0" marB="0" anchor="b"/>
+                </a:tc>
+                <a:extLst>
+                  <a:ext uri="{0D108BD9-81ED-4DB2-BD59-A6C34878D82A}">
+                    <a16:rowId xmlns:a16="http://schemas.microsoft.com/office/drawing/2014/main" val="125698882"/>
+                  </a:ext>
+                </a:extLst>
+              </a:tr>
+              <a:tr h="116700">
+                <a:tc>
+                  <a:txBody>
+                    <a:bodyPr/>
+                    <a:lstStyle/>
+                    <a:p>
+                      <a:pPr marL="0" marR="0" algn="r">
+                        <a:spcBef>
+                          <a:spcPts val="0"/>
+                        </a:spcBef>
+                        <a:spcAft>
+                          <a:spcPts val="0"/>
+                        </a:spcAft>
+                      </a:pPr>
+                      <a:r>
+                        <a:rPr lang="en-US" sz="600">
+                          <a:effectLst/>
+                        </a:rPr>
+                        <a:t>0.240601</a:t>
+                      </a:r>
+                      <a:endParaRPr lang="en-US" sz="700">
+                        <a:effectLst/>
+                        <a:latin typeface="Times New Roman" panose="02020603050405020304" pitchFamily="18" charset="0"/>
+                        <a:ea typeface="Times New Roman" panose="02020603050405020304" pitchFamily="18" charset="0"/>
+                      </a:endParaRPr>
+                    </a:p>
+                  </a:txBody>
+                  <a:tcPr marL="37721" marR="37721" marT="0" marB="0" anchor="b"/>
+                </a:tc>
+                <a:tc>
+                  <a:txBody>
+                    <a:bodyPr/>
+                    <a:lstStyle/>
+                    <a:p>
+                      <a:pPr marL="0" marR="0" algn="ctr">
+                        <a:spcBef>
+                          <a:spcPts val="0"/>
+                        </a:spcBef>
+                        <a:spcAft>
+                          <a:spcPts val="0"/>
+                        </a:spcAft>
+                      </a:pPr>
+                      <a:r>
+                        <a:rPr lang="en-US" sz="600">
+                          <a:effectLst/>
+                        </a:rPr>
+                        <a:t>SPI</a:t>
+                      </a:r>
+                      <a:endParaRPr lang="en-US" sz="700">
+                        <a:effectLst/>
+                        <a:latin typeface="Times New Roman" panose="02020603050405020304" pitchFamily="18" charset="0"/>
+                        <a:ea typeface="Times New Roman" panose="02020603050405020304" pitchFamily="18" charset="0"/>
+                      </a:endParaRPr>
+                    </a:p>
+                  </a:txBody>
+                  <a:tcPr marL="37721" marR="37721" marT="0" marB="0" anchor="b"/>
+                </a:tc>
+                <a:tc>
+                  <a:txBody>
+                    <a:bodyPr/>
+                    <a:lstStyle/>
+                    <a:p>
+                      <a:pPr marL="0" marR="0">
+                        <a:spcBef>
+                          <a:spcPts val="0"/>
+                        </a:spcBef>
+                        <a:spcAft>
+                          <a:spcPts val="0"/>
+                        </a:spcAft>
+                      </a:pPr>
+                      <a:r>
+                        <a:rPr lang="en-US" sz="600">
+                          <a:effectLst/>
+                        </a:rPr>
+                        <a:t>MOSI: 0x00; MISO: 0x20</a:t>
+                      </a:r>
+                      <a:endParaRPr lang="en-US" sz="700">
+                        <a:effectLst/>
+                        <a:latin typeface="Times New Roman" panose="02020603050405020304" pitchFamily="18" charset="0"/>
+                        <a:ea typeface="Times New Roman" panose="02020603050405020304" pitchFamily="18" charset="0"/>
+                      </a:endParaRPr>
+                    </a:p>
+                  </a:txBody>
+                  <a:tcPr marL="37721" marR="37721" marT="0" marB="0" anchor="b"/>
+                </a:tc>
+                <a:extLst>
+                  <a:ext uri="{0D108BD9-81ED-4DB2-BD59-A6C34878D82A}">
+                    <a16:rowId xmlns:a16="http://schemas.microsoft.com/office/drawing/2014/main" val="755725211"/>
+                  </a:ext>
+                </a:extLst>
+              </a:tr>
+              <a:tr h="116700">
+                <a:tc>
+                  <a:txBody>
+                    <a:bodyPr/>
+                    <a:lstStyle/>
+                    <a:p>
+                      <a:pPr marL="0" marR="0" algn="r">
+                        <a:spcBef>
+                          <a:spcPts val="0"/>
+                        </a:spcBef>
+                        <a:spcAft>
+                          <a:spcPts val="0"/>
+                        </a:spcAft>
+                      </a:pPr>
+                      <a:r>
+                        <a:rPr lang="en-US" sz="600">
+                          <a:effectLst/>
+                        </a:rPr>
+                        <a:t>0.240602</a:t>
+                      </a:r>
+                      <a:endParaRPr lang="en-US" sz="700">
+                        <a:effectLst/>
+                        <a:latin typeface="Times New Roman" panose="02020603050405020304" pitchFamily="18" charset="0"/>
+                        <a:ea typeface="Times New Roman" panose="02020603050405020304" pitchFamily="18" charset="0"/>
+                      </a:endParaRPr>
+                    </a:p>
+                  </a:txBody>
+                  <a:tcPr marL="37721" marR="37721" marT="0" marB="0" anchor="b"/>
+                </a:tc>
+                <a:tc>
+                  <a:txBody>
+                    <a:bodyPr/>
+                    <a:lstStyle/>
+                    <a:p>
+                      <a:pPr marL="0" marR="0" algn="ctr">
+                        <a:spcBef>
+                          <a:spcPts val="0"/>
+                        </a:spcBef>
+                        <a:spcAft>
+                          <a:spcPts val="0"/>
+                        </a:spcAft>
+                      </a:pPr>
+                      <a:r>
+                        <a:rPr lang="en-US" sz="600">
+                          <a:effectLst/>
+                        </a:rPr>
+                        <a:t>SPI</a:t>
+                      </a:r>
+                      <a:endParaRPr lang="en-US" sz="700">
+                        <a:effectLst/>
+                        <a:latin typeface="Times New Roman" panose="02020603050405020304" pitchFamily="18" charset="0"/>
+                        <a:ea typeface="Times New Roman" panose="02020603050405020304" pitchFamily="18" charset="0"/>
+                      </a:endParaRPr>
+                    </a:p>
+                  </a:txBody>
+                  <a:tcPr marL="37721" marR="37721" marT="0" marB="0" anchor="b"/>
+                </a:tc>
+                <a:tc>
+                  <a:txBody>
+                    <a:bodyPr/>
+                    <a:lstStyle/>
+                    <a:p>
+                      <a:pPr marL="0" marR="0">
+                        <a:spcBef>
+                          <a:spcPts val="0"/>
+                        </a:spcBef>
+                        <a:spcAft>
+                          <a:spcPts val="0"/>
+                        </a:spcAft>
+                      </a:pPr>
+                      <a:r>
+                        <a:rPr lang="en-US" sz="600">
+                          <a:effectLst/>
+                        </a:rPr>
+                        <a:t>MOSI: 0x00; MISO: 0x21</a:t>
+                      </a:r>
+                      <a:endParaRPr lang="en-US" sz="700">
+                        <a:effectLst/>
+                        <a:latin typeface="Times New Roman" panose="02020603050405020304" pitchFamily="18" charset="0"/>
+                        <a:ea typeface="Times New Roman" panose="02020603050405020304" pitchFamily="18" charset="0"/>
+                      </a:endParaRPr>
+                    </a:p>
+                  </a:txBody>
+                  <a:tcPr marL="37721" marR="37721" marT="0" marB="0" anchor="b"/>
+                </a:tc>
+                <a:extLst>
+                  <a:ext uri="{0D108BD9-81ED-4DB2-BD59-A6C34878D82A}">
+                    <a16:rowId xmlns:a16="http://schemas.microsoft.com/office/drawing/2014/main" val="2447660771"/>
+                  </a:ext>
+                </a:extLst>
+              </a:tr>
+              <a:tr h="116700">
+                <a:tc>
+                  <a:txBody>
+                    <a:bodyPr/>
+                    <a:lstStyle/>
+                    <a:p>
+                      <a:pPr marL="0" marR="0" algn="r">
+                        <a:spcBef>
+                          <a:spcPts val="0"/>
+                        </a:spcBef>
+                        <a:spcAft>
+                          <a:spcPts val="0"/>
+                        </a:spcAft>
+                      </a:pPr>
+                      <a:r>
+                        <a:rPr lang="en-US" sz="600">
+                          <a:effectLst/>
+                        </a:rPr>
+                        <a:t>0.240603</a:t>
+                      </a:r>
+                      <a:endParaRPr lang="en-US" sz="700">
+                        <a:effectLst/>
+                        <a:latin typeface="Times New Roman" panose="02020603050405020304" pitchFamily="18" charset="0"/>
+                        <a:ea typeface="Times New Roman" panose="02020603050405020304" pitchFamily="18" charset="0"/>
+                      </a:endParaRPr>
+                    </a:p>
+                  </a:txBody>
+                  <a:tcPr marL="37721" marR="37721" marT="0" marB="0" anchor="b"/>
+                </a:tc>
+                <a:tc>
+                  <a:txBody>
+                    <a:bodyPr/>
+                    <a:lstStyle/>
+                    <a:p>
+                      <a:pPr marL="0" marR="0" algn="ctr">
+                        <a:spcBef>
+                          <a:spcPts val="0"/>
+                        </a:spcBef>
+                        <a:spcAft>
+                          <a:spcPts val="0"/>
+                        </a:spcAft>
+                      </a:pPr>
+                      <a:r>
+                        <a:rPr lang="en-US" sz="600">
+                          <a:effectLst/>
+                        </a:rPr>
+                        <a:t>SPI</a:t>
+                      </a:r>
+                      <a:endParaRPr lang="en-US" sz="700">
+                        <a:effectLst/>
+                        <a:latin typeface="Times New Roman" panose="02020603050405020304" pitchFamily="18" charset="0"/>
+                        <a:ea typeface="Times New Roman" panose="02020603050405020304" pitchFamily="18" charset="0"/>
+                      </a:endParaRPr>
+                    </a:p>
+                  </a:txBody>
+                  <a:tcPr marL="37721" marR="37721" marT="0" marB="0" anchor="b"/>
+                </a:tc>
+                <a:tc>
+                  <a:txBody>
+                    <a:bodyPr/>
+                    <a:lstStyle/>
+                    <a:p>
+                      <a:pPr marL="0" marR="0">
+                        <a:spcBef>
+                          <a:spcPts val="0"/>
+                        </a:spcBef>
+                        <a:spcAft>
+                          <a:spcPts val="0"/>
+                        </a:spcAft>
+                      </a:pPr>
+                      <a:r>
+                        <a:rPr lang="en-US" sz="600">
+                          <a:effectLst/>
+                        </a:rPr>
+                        <a:t>MOSI: 0x00; MISO: 0x22</a:t>
+                      </a:r>
+                      <a:endParaRPr lang="en-US" sz="700">
+                        <a:effectLst/>
+                        <a:latin typeface="Times New Roman" panose="02020603050405020304" pitchFamily="18" charset="0"/>
+                        <a:ea typeface="Times New Roman" panose="02020603050405020304" pitchFamily="18" charset="0"/>
+                      </a:endParaRPr>
+                    </a:p>
+                  </a:txBody>
+                  <a:tcPr marL="37721" marR="37721" marT="0" marB="0" anchor="b"/>
+                </a:tc>
+                <a:extLst>
+                  <a:ext uri="{0D108BD9-81ED-4DB2-BD59-A6C34878D82A}">
+                    <a16:rowId xmlns:a16="http://schemas.microsoft.com/office/drawing/2014/main" val="400630560"/>
+                  </a:ext>
+                </a:extLst>
+              </a:tr>
+              <a:tr h="116700">
+                <a:tc>
+                  <a:txBody>
+                    <a:bodyPr/>
+                    <a:lstStyle/>
+                    <a:p>
+                      <a:pPr marL="0" marR="0" algn="r">
+                        <a:spcBef>
+                          <a:spcPts val="0"/>
+                        </a:spcBef>
+                        <a:spcAft>
+                          <a:spcPts val="0"/>
+                        </a:spcAft>
+                      </a:pPr>
+                      <a:r>
+                        <a:rPr lang="en-US" sz="600">
+                          <a:effectLst/>
+                        </a:rPr>
+                        <a:t>0.240603</a:t>
+                      </a:r>
+                      <a:endParaRPr lang="en-US" sz="700">
+                        <a:effectLst/>
+                        <a:latin typeface="Times New Roman" panose="02020603050405020304" pitchFamily="18" charset="0"/>
+                        <a:ea typeface="Times New Roman" panose="02020603050405020304" pitchFamily="18" charset="0"/>
+                      </a:endParaRPr>
+                    </a:p>
+                  </a:txBody>
+                  <a:tcPr marL="37721" marR="37721" marT="0" marB="0" anchor="b"/>
+                </a:tc>
+                <a:tc>
+                  <a:txBody>
+                    <a:bodyPr/>
+                    <a:lstStyle/>
+                    <a:p>
+                      <a:pPr marL="0" marR="0" algn="ctr">
+                        <a:spcBef>
+                          <a:spcPts val="0"/>
+                        </a:spcBef>
+                        <a:spcAft>
+                          <a:spcPts val="0"/>
+                        </a:spcAft>
+                      </a:pPr>
+                      <a:r>
+                        <a:rPr lang="en-US" sz="600">
+                          <a:effectLst/>
+                        </a:rPr>
+                        <a:t>SPI</a:t>
+                      </a:r>
+                      <a:endParaRPr lang="en-US" sz="700">
+                        <a:effectLst/>
+                        <a:latin typeface="Times New Roman" panose="02020603050405020304" pitchFamily="18" charset="0"/>
+                        <a:ea typeface="Times New Roman" panose="02020603050405020304" pitchFamily="18" charset="0"/>
+                      </a:endParaRPr>
+                    </a:p>
+                  </a:txBody>
+                  <a:tcPr marL="37721" marR="37721" marT="0" marB="0" anchor="b"/>
+                </a:tc>
+                <a:tc>
+                  <a:txBody>
+                    <a:bodyPr/>
+                    <a:lstStyle/>
+                    <a:p>
+                      <a:pPr marL="0" marR="0">
+                        <a:spcBef>
+                          <a:spcPts val="0"/>
+                        </a:spcBef>
+                        <a:spcAft>
+                          <a:spcPts val="0"/>
+                        </a:spcAft>
+                      </a:pPr>
+                      <a:r>
+                        <a:rPr lang="en-US" sz="600">
+                          <a:effectLst/>
+                        </a:rPr>
+                        <a:t>MOSI: 0x00; MISO: 0x23</a:t>
+                      </a:r>
+                      <a:endParaRPr lang="en-US" sz="700">
+                        <a:effectLst/>
+                        <a:latin typeface="Times New Roman" panose="02020603050405020304" pitchFamily="18" charset="0"/>
+                        <a:ea typeface="Times New Roman" panose="02020603050405020304" pitchFamily="18" charset="0"/>
+                      </a:endParaRPr>
+                    </a:p>
+                  </a:txBody>
+                  <a:tcPr marL="37721" marR="37721" marT="0" marB="0" anchor="b"/>
+                </a:tc>
+                <a:extLst>
+                  <a:ext uri="{0D108BD9-81ED-4DB2-BD59-A6C34878D82A}">
+                    <a16:rowId xmlns:a16="http://schemas.microsoft.com/office/drawing/2014/main" val="3416066199"/>
+                  </a:ext>
+                </a:extLst>
+              </a:tr>
+              <a:tr h="116700">
+                <a:tc>
+                  <a:txBody>
+                    <a:bodyPr/>
+                    <a:lstStyle/>
+                    <a:p>
+                      <a:pPr marL="0" marR="0" algn="r">
+                        <a:spcBef>
+                          <a:spcPts val="0"/>
+                        </a:spcBef>
+                        <a:spcAft>
+                          <a:spcPts val="0"/>
+                        </a:spcAft>
+                      </a:pPr>
+                      <a:r>
+                        <a:rPr lang="en-US" sz="600">
+                          <a:effectLst/>
+                        </a:rPr>
+                        <a:t>0.240604</a:t>
+                      </a:r>
+                      <a:endParaRPr lang="en-US" sz="700">
+                        <a:effectLst/>
+                        <a:latin typeface="Times New Roman" panose="02020603050405020304" pitchFamily="18" charset="0"/>
+                        <a:ea typeface="Times New Roman" panose="02020603050405020304" pitchFamily="18" charset="0"/>
+                      </a:endParaRPr>
+                    </a:p>
+                  </a:txBody>
+                  <a:tcPr marL="37721" marR="37721" marT="0" marB="0" anchor="b"/>
+                </a:tc>
+                <a:tc>
+                  <a:txBody>
+                    <a:bodyPr/>
+                    <a:lstStyle/>
+                    <a:p>
+                      <a:pPr marL="0" marR="0" algn="ctr">
+                        <a:spcBef>
+                          <a:spcPts val="0"/>
+                        </a:spcBef>
+                        <a:spcAft>
+                          <a:spcPts val="0"/>
+                        </a:spcAft>
+                      </a:pPr>
+                      <a:r>
+                        <a:rPr lang="en-US" sz="600">
+                          <a:effectLst/>
+                        </a:rPr>
+                        <a:t>SPI</a:t>
+                      </a:r>
+                      <a:endParaRPr lang="en-US" sz="700">
+                        <a:effectLst/>
+                        <a:latin typeface="Times New Roman" panose="02020603050405020304" pitchFamily="18" charset="0"/>
+                        <a:ea typeface="Times New Roman" panose="02020603050405020304" pitchFamily="18" charset="0"/>
+                      </a:endParaRPr>
+                    </a:p>
+                  </a:txBody>
+                  <a:tcPr marL="37721" marR="37721" marT="0" marB="0" anchor="b"/>
+                </a:tc>
+                <a:tc>
+                  <a:txBody>
+                    <a:bodyPr/>
+                    <a:lstStyle/>
+                    <a:p>
+                      <a:pPr marL="0" marR="0">
+                        <a:spcBef>
+                          <a:spcPts val="0"/>
+                        </a:spcBef>
+                        <a:spcAft>
+                          <a:spcPts val="0"/>
+                        </a:spcAft>
+                      </a:pPr>
+                      <a:r>
+                        <a:rPr lang="en-US" sz="600">
+                          <a:effectLst/>
+                        </a:rPr>
+                        <a:t>MOSI: 0x00; MISO: 0x24</a:t>
+                      </a:r>
+                      <a:endParaRPr lang="en-US" sz="700">
+                        <a:effectLst/>
+                        <a:latin typeface="Times New Roman" panose="02020603050405020304" pitchFamily="18" charset="0"/>
+                        <a:ea typeface="Times New Roman" panose="02020603050405020304" pitchFamily="18" charset="0"/>
+                      </a:endParaRPr>
+                    </a:p>
+                  </a:txBody>
+                  <a:tcPr marL="37721" marR="37721" marT="0" marB="0" anchor="b"/>
+                </a:tc>
+                <a:extLst>
+                  <a:ext uri="{0D108BD9-81ED-4DB2-BD59-A6C34878D82A}">
+                    <a16:rowId xmlns:a16="http://schemas.microsoft.com/office/drawing/2014/main" val="3439932912"/>
+                  </a:ext>
+                </a:extLst>
+              </a:tr>
+              <a:tr h="116700">
+                <a:tc>
+                  <a:txBody>
+                    <a:bodyPr/>
+                    <a:lstStyle/>
+                    <a:p>
+                      <a:pPr marL="0" marR="0" algn="r">
+                        <a:spcBef>
+                          <a:spcPts val="0"/>
+                        </a:spcBef>
+                        <a:spcAft>
+                          <a:spcPts val="0"/>
+                        </a:spcAft>
+                      </a:pPr>
+                      <a:r>
+                        <a:rPr lang="en-US" sz="600">
+                          <a:effectLst/>
+                        </a:rPr>
+                        <a:t>0.240605</a:t>
+                      </a:r>
+                      <a:endParaRPr lang="en-US" sz="700">
+                        <a:effectLst/>
+                        <a:latin typeface="Times New Roman" panose="02020603050405020304" pitchFamily="18" charset="0"/>
+                        <a:ea typeface="Times New Roman" panose="02020603050405020304" pitchFamily="18" charset="0"/>
+                      </a:endParaRPr>
+                    </a:p>
+                  </a:txBody>
+                  <a:tcPr marL="37721" marR="37721" marT="0" marB="0" anchor="b"/>
+                </a:tc>
+                <a:tc>
+                  <a:txBody>
+                    <a:bodyPr/>
+                    <a:lstStyle/>
+                    <a:p>
+                      <a:pPr marL="0" marR="0" algn="ctr">
+                        <a:spcBef>
+                          <a:spcPts val="0"/>
+                        </a:spcBef>
+                        <a:spcAft>
+                          <a:spcPts val="0"/>
+                        </a:spcAft>
+                      </a:pPr>
+                      <a:r>
+                        <a:rPr lang="en-US" sz="600">
+                          <a:effectLst/>
+                        </a:rPr>
+                        <a:t>SPI</a:t>
+                      </a:r>
+                      <a:endParaRPr lang="en-US" sz="700">
+                        <a:effectLst/>
+                        <a:latin typeface="Times New Roman" panose="02020603050405020304" pitchFamily="18" charset="0"/>
+                        <a:ea typeface="Times New Roman" panose="02020603050405020304" pitchFamily="18" charset="0"/>
+                      </a:endParaRPr>
+                    </a:p>
+                  </a:txBody>
+                  <a:tcPr marL="37721" marR="37721" marT="0" marB="0" anchor="b"/>
+                </a:tc>
+                <a:tc>
+                  <a:txBody>
+                    <a:bodyPr/>
+                    <a:lstStyle/>
+                    <a:p>
+                      <a:pPr marL="0" marR="0">
+                        <a:spcBef>
+                          <a:spcPts val="0"/>
+                        </a:spcBef>
+                        <a:spcAft>
+                          <a:spcPts val="0"/>
+                        </a:spcAft>
+                      </a:pPr>
+                      <a:r>
+                        <a:rPr lang="en-US" sz="600">
+                          <a:effectLst/>
+                        </a:rPr>
+                        <a:t>MOSI: 0x00; MISO: 0x25</a:t>
+                      </a:r>
+                      <a:endParaRPr lang="en-US" sz="700">
+                        <a:effectLst/>
+                        <a:latin typeface="Times New Roman" panose="02020603050405020304" pitchFamily="18" charset="0"/>
+                        <a:ea typeface="Times New Roman" panose="02020603050405020304" pitchFamily="18" charset="0"/>
+                      </a:endParaRPr>
+                    </a:p>
+                  </a:txBody>
+                  <a:tcPr marL="37721" marR="37721" marT="0" marB="0" anchor="b"/>
+                </a:tc>
+                <a:extLst>
+                  <a:ext uri="{0D108BD9-81ED-4DB2-BD59-A6C34878D82A}">
+                    <a16:rowId xmlns:a16="http://schemas.microsoft.com/office/drawing/2014/main" val="61301595"/>
+                  </a:ext>
+                </a:extLst>
+              </a:tr>
+              <a:tr h="116700">
+                <a:tc>
+                  <a:txBody>
+                    <a:bodyPr/>
+                    <a:lstStyle/>
+                    <a:p>
+                      <a:pPr marL="0" marR="0" algn="r">
+                        <a:spcBef>
+                          <a:spcPts val="0"/>
+                        </a:spcBef>
+                        <a:spcAft>
+                          <a:spcPts val="0"/>
+                        </a:spcAft>
+                      </a:pPr>
+                      <a:r>
+                        <a:rPr lang="en-US" sz="600">
+                          <a:effectLst/>
+                        </a:rPr>
+                        <a:t>0.240606</a:t>
+                      </a:r>
+                      <a:endParaRPr lang="en-US" sz="700">
+                        <a:effectLst/>
+                        <a:latin typeface="Times New Roman" panose="02020603050405020304" pitchFamily="18" charset="0"/>
+                        <a:ea typeface="Times New Roman" panose="02020603050405020304" pitchFamily="18" charset="0"/>
+                      </a:endParaRPr>
+                    </a:p>
+                  </a:txBody>
+                  <a:tcPr marL="37721" marR="37721" marT="0" marB="0" anchor="b"/>
+                </a:tc>
+                <a:tc>
+                  <a:txBody>
+                    <a:bodyPr/>
+                    <a:lstStyle/>
+                    <a:p>
+                      <a:pPr marL="0" marR="0" algn="ctr">
+                        <a:spcBef>
+                          <a:spcPts val="0"/>
+                        </a:spcBef>
+                        <a:spcAft>
+                          <a:spcPts val="0"/>
+                        </a:spcAft>
+                      </a:pPr>
+                      <a:r>
+                        <a:rPr lang="en-US" sz="600">
+                          <a:effectLst/>
+                        </a:rPr>
+                        <a:t>SPI</a:t>
+                      </a:r>
+                      <a:endParaRPr lang="en-US" sz="700">
+                        <a:effectLst/>
+                        <a:latin typeface="Times New Roman" panose="02020603050405020304" pitchFamily="18" charset="0"/>
+                        <a:ea typeface="Times New Roman" panose="02020603050405020304" pitchFamily="18" charset="0"/>
+                      </a:endParaRPr>
+                    </a:p>
+                  </a:txBody>
+                  <a:tcPr marL="37721" marR="37721" marT="0" marB="0" anchor="b"/>
+                </a:tc>
+                <a:tc>
+                  <a:txBody>
+                    <a:bodyPr/>
+                    <a:lstStyle/>
+                    <a:p>
+                      <a:pPr marL="0" marR="0">
+                        <a:spcBef>
+                          <a:spcPts val="0"/>
+                        </a:spcBef>
+                        <a:spcAft>
+                          <a:spcPts val="0"/>
+                        </a:spcAft>
+                      </a:pPr>
+                      <a:r>
+                        <a:rPr lang="en-US" sz="600">
+                          <a:effectLst/>
+                        </a:rPr>
+                        <a:t>MOSI: 0x00; MISO: 0x26</a:t>
+                      </a:r>
+                      <a:endParaRPr lang="en-US" sz="700">
+                        <a:effectLst/>
+                        <a:latin typeface="Times New Roman" panose="02020603050405020304" pitchFamily="18" charset="0"/>
+                        <a:ea typeface="Times New Roman" panose="02020603050405020304" pitchFamily="18" charset="0"/>
+                      </a:endParaRPr>
+                    </a:p>
+                  </a:txBody>
+                  <a:tcPr marL="37721" marR="37721" marT="0" marB="0" anchor="b"/>
+                </a:tc>
+                <a:extLst>
+                  <a:ext uri="{0D108BD9-81ED-4DB2-BD59-A6C34878D82A}">
+                    <a16:rowId xmlns:a16="http://schemas.microsoft.com/office/drawing/2014/main" val="2680804133"/>
+                  </a:ext>
+                </a:extLst>
+              </a:tr>
+              <a:tr h="116700">
+                <a:tc>
+                  <a:txBody>
+                    <a:bodyPr/>
+                    <a:lstStyle/>
+                    <a:p>
+                      <a:pPr marL="0" marR="0" algn="r">
+                        <a:spcBef>
+                          <a:spcPts val="0"/>
+                        </a:spcBef>
+                        <a:spcAft>
+                          <a:spcPts val="0"/>
+                        </a:spcAft>
+                      </a:pPr>
+                      <a:r>
+                        <a:rPr lang="en-US" sz="600">
+                          <a:effectLst/>
+                        </a:rPr>
+                        <a:t>0.240607</a:t>
+                      </a:r>
+                      <a:endParaRPr lang="en-US" sz="700">
+                        <a:effectLst/>
+                        <a:latin typeface="Times New Roman" panose="02020603050405020304" pitchFamily="18" charset="0"/>
+                        <a:ea typeface="Times New Roman" panose="02020603050405020304" pitchFamily="18" charset="0"/>
+                      </a:endParaRPr>
+                    </a:p>
+                  </a:txBody>
+                  <a:tcPr marL="37721" marR="37721" marT="0" marB="0" anchor="b"/>
+                </a:tc>
+                <a:tc>
+                  <a:txBody>
+                    <a:bodyPr/>
+                    <a:lstStyle/>
+                    <a:p>
+                      <a:pPr marL="0" marR="0" algn="ctr">
+                        <a:spcBef>
+                          <a:spcPts val="0"/>
+                        </a:spcBef>
+                        <a:spcAft>
+                          <a:spcPts val="0"/>
+                        </a:spcAft>
+                      </a:pPr>
+                      <a:r>
+                        <a:rPr lang="en-US" sz="600">
+                          <a:effectLst/>
+                        </a:rPr>
+                        <a:t>SPI</a:t>
+                      </a:r>
+                      <a:endParaRPr lang="en-US" sz="700">
+                        <a:effectLst/>
+                        <a:latin typeface="Times New Roman" panose="02020603050405020304" pitchFamily="18" charset="0"/>
+                        <a:ea typeface="Times New Roman" panose="02020603050405020304" pitchFamily="18" charset="0"/>
+                      </a:endParaRPr>
+                    </a:p>
+                  </a:txBody>
+                  <a:tcPr marL="37721" marR="37721" marT="0" marB="0" anchor="b"/>
+                </a:tc>
+                <a:tc>
+                  <a:txBody>
+                    <a:bodyPr/>
+                    <a:lstStyle/>
+                    <a:p>
+                      <a:pPr marL="0" marR="0">
+                        <a:spcBef>
+                          <a:spcPts val="0"/>
+                        </a:spcBef>
+                        <a:spcAft>
+                          <a:spcPts val="0"/>
+                        </a:spcAft>
+                      </a:pPr>
+                      <a:r>
+                        <a:rPr lang="en-US" sz="600">
+                          <a:effectLst/>
+                        </a:rPr>
+                        <a:t>MOSI: 0x00; MISO: 0x27</a:t>
+                      </a:r>
+                      <a:endParaRPr lang="en-US" sz="700">
+                        <a:effectLst/>
+                        <a:latin typeface="Times New Roman" panose="02020603050405020304" pitchFamily="18" charset="0"/>
+                        <a:ea typeface="Times New Roman" panose="02020603050405020304" pitchFamily="18" charset="0"/>
+                      </a:endParaRPr>
+                    </a:p>
+                  </a:txBody>
+                  <a:tcPr marL="37721" marR="37721" marT="0" marB="0" anchor="b"/>
+                </a:tc>
+                <a:extLst>
+                  <a:ext uri="{0D108BD9-81ED-4DB2-BD59-A6C34878D82A}">
+                    <a16:rowId xmlns:a16="http://schemas.microsoft.com/office/drawing/2014/main" val="770806109"/>
+                  </a:ext>
+                </a:extLst>
+              </a:tr>
+              <a:tr h="116700">
+                <a:tc>
+                  <a:txBody>
+                    <a:bodyPr/>
+                    <a:lstStyle/>
+                    <a:p>
+                      <a:pPr marL="0" marR="0" algn="r">
+                        <a:spcBef>
+                          <a:spcPts val="0"/>
+                        </a:spcBef>
+                        <a:spcAft>
+                          <a:spcPts val="0"/>
+                        </a:spcAft>
+                      </a:pPr>
+                      <a:r>
+                        <a:rPr lang="en-US" sz="600">
+                          <a:effectLst/>
+                        </a:rPr>
+                        <a:t>0.240607</a:t>
+                      </a:r>
+                      <a:endParaRPr lang="en-US" sz="700">
+                        <a:effectLst/>
+                        <a:latin typeface="Times New Roman" panose="02020603050405020304" pitchFamily="18" charset="0"/>
+                        <a:ea typeface="Times New Roman" panose="02020603050405020304" pitchFamily="18" charset="0"/>
+                      </a:endParaRPr>
+                    </a:p>
+                  </a:txBody>
+                  <a:tcPr marL="37721" marR="37721" marT="0" marB="0" anchor="b"/>
+                </a:tc>
+                <a:tc>
+                  <a:txBody>
+                    <a:bodyPr/>
+                    <a:lstStyle/>
+                    <a:p>
+                      <a:pPr marL="0" marR="0" algn="ctr">
+                        <a:spcBef>
+                          <a:spcPts val="0"/>
+                        </a:spcBef>
+                        <a:spcAft>
+                          <a:spcPts val="0"/>
+                        </a:spcAft>
+                      </a:pPr>
+                      <a:r>
+                        <a:rPr lang="en-US" sz="600">
+                          <a:effectLst/>
+                        </a:rPr>
+                        <a:t>SPI</a:t>
+                      </a:r>
+                      <a:endParaRPr lang="en-US" sz="700">
+                        <a:effectLst/>
+                        <a:latin typeface="Times New Roman" panose="02020603050405020304" pitchFamily="18" charset="0"/>
+                        <a:ea typeface="Times New Roman" panose="02020603050405020304" pitchFamily="18" charset="0"/>
+                      </a:endParaRPr>
+                    </a:p>
+                  </a:txBody>
+                  <a:tcPr marL="37721" marR="37721" marT="0" marB="0" anchor="b"/>
+                </a:tc>
+                <a:tc>
+                  <a:txBody>
+                    <a:bodyPr/>
+                    <a:lstStyle/>
+                    <a:p>
+                      <a:pPr marL="0" marR="0">
+                        <a:spcBef>
+                          <a:spcPts val="0"/>
+                        </a:spcBef>
+                        <a:spcAft>
+                          <a:spcPts val="0"/>
+                        </a:spcAft>
+                      </a:pPr>
+                      <a:r>
+                        <a:rPr lang="en-US" sz="600">
+                          <a:effectLst/>
+                        </a:rPr>
+                        <a:t>MOSI: 0x00; MISO: 0x28</a:t>
+                      </a:r>
+                      <a:endParaRPr lang="en-US" sz="700">
+                        <a:effectLst/>
+                        <a:latin typeface="Times New Roman" panose="02020603050405020304" pitchFamily="18" charset="0"/>
+                        <a:ea typeface="Times New Roman" panose="02020603050405020304" pitchFamily="18" charset="0"/>
+                      </a:endParaRPr>
+                    </a:p>
+                  </a:txBody>
+                  <a:tcPr marL="37721" marR="37721" marT="0" marB="0" anchor="b"/>
+                </a:tc>
+                <a:extLst>
+                  <a:ext uri="{0D108BD9-81ED-4DB2-BD59-A6C34878D82A}">
+                    <a16:rowId xmlns:a16="http://schemas.microsoft.com/office/drawing/2014/main" val="535605582"/>
+                  </a:ext>
+                </a:extLst>
+              </a:tr>
+              <a:tr h="116700">
+                <a:tc>
+                  <a:txBody>
+                    <a:bodyPr/>
+                    <a:lstStyle/>
+                    <a:p>
+                      <a:pPr marL="0" marR="0" algn="r">
+                        <a:spcBef>
+                          <a:spcPts val="0"/>
+                        </a:spcBef>
+                        <a:spcAft>
+                          <a:spcPts val="0"/>
+                        </a:spcAft>
+                      </a:pPr>
+                      <a:r>
+                        <a:rPr lang="en-US" sz="600">
+                          <a:effectLst/>
+                        </a:rPr>
+                        <a:t>0.240608</a:t>
+                      </a:r>
+                      <a:endParaRPr lang="en-US" sz="700">
+                        <a:effectLst/>
+                        <a:latin typeface="Times New Roman" panose="02020603050405020304" pitchFamily="18" charset="0"/>
+                        <a:ea typeface="Times New Roman" panose="02020603050405020304" pitchFamily="18" charset="0"/>
+                      </a:endParaRPr>
+                    </a:p>
+                  </a:txBody>
+                  <a:tcPr marL="37721" marR="37721" marT="0" marB="0" anchor="b"/>
+                </a:tc>
+                <a:tc>
+                  <a:txBody>
+                    <a:bodyPr/>
+                    <a:lstStyle/>
+                    <a:p>
+                      <a:pPr marL="0" marR="0" algn="ctr">
+                        <a:spcBef>
+                          <a:spcPts val="0"/>
+                        </a:spcBef>
+                        <a:spcAft>
+                          <a:spcPts val="0"/>
+                        </a:spcAft>
+                      </a:pPr>
+                      <a:r>
+                        <a:rPr lang="en-US" sz="600">
+                          <a:effectLst/>
+                        </a:rPr>
+                        <a:t>SPI</a:t>
+                      </a:r>
+                      <a:endParaRPr lang="en-US" sz="700">
+                        <a:effectLst/>
+                        <a:latin typeface="Times New Roman" panose="02020603050405020304" pitchFamily="18" charset="0"/>
+                        <a:ea typeface="Times New Roman" panose="02020603050405020304" pitchFamily="18" charset="0"/>
+                      </a:endParaRPr>
+                    </a:p>
+                  </a:txBody>
+                  <a:tcPr marL="37721" marR="37721" marT="0" marB="0" anchor="b"/>
+                </a:tc>
+                <a:tc>
+                  <a:txBody>
+                    <a:bodyPr/>
+                    <a:lstStyle/>
+                    <a:p>
+                      <a:pPr marL="0" marR="0">
+                        <a:spcBef>
+                          <a:spcPts val="0"/>
+                        </a:spcBef>
+                        <a:spcAft>
+                          <a:spcPts val="0"/>
+                        </a:spcAft>
+                      </a:pPr>
+                      <a:r>
+                        <a:rPr lang="en-US" sz="600" dirty="0">
+                          <a:effectLst/>
+                        </a:rPr>
+                        <a:t>MOSI: 0x00; MISO: 0x29</a:t>
+                      </a:r>
+                      <a:endParaRPr lang="en-US" sz="700" dirty="0">
+                        <a:effectLst/>
+                        <a:latin typeface="Times New Roman" panose="02020603050405020304" pitchFamily="18" charset="0"/>
+                        <a:ea typeface="Times New Roman" panose="02020603050405020304" pitchFamily="18" charset="0"/>
+                      </a:endParaRPr>
+                    </a:p>
+                  </a:txBody>
+                  <a:tcPr marL="37721" marR="37721" marT="0" marB="0" anchor="b"/>
+                </a:tc>
+                <a:extLst>
+                  <a:ext uri="{0D108BD9-81ED-4DB2-BD59-A6C34878D82A}">
+                    <a16:rowId xmlns:a16="http://schemas.microsoft.com/office/drawing/2014/main" val="258516066"/>
+                  </a:ext>
+                </a:extLst>
+              </a:tr>
+            </a:tbl>
+          </a:graphicData>
+        </a:graphic>
+      </p:graphicFrame>
+    </p:spTree>
+    <p:extLst>
+      <p:ext uri="{BB962C8B-B14F-4D97-AF65-F5344CB8AC3E}">
+        <p14:creationId xmlns:p14="http://schemas.microsoft.com/office/powerpoint/2010/main" val="225267724"/>
       </p:ext>
     </p:extLst>
   </p:cSld>
@@ -6507,34 +13783,34 @@
         <a:sysClr val="window" lastClr="FFFFFF"/>
       </a:lt1>
       <a:dk2>
-        <a:srgbClr val="355071"/>
+        <a:srgbClr val="1C647B"/>
       </a:dk2>
       <a:lt2>
-        <a:srgbClr val="AABED7"/>
+        <a:srgbClr val="98B7D3"/>
       </a:lt2>
       <a:accent1>
-        <a:srgbClr val="2FA3EE"/>
+        <a:srgbClr val="274FA4"/>
       </a:accent1>
       <a:accent2>
-        <a:srgbClr val="4BCAAD"/>
+        <a:srgbClr val="48A8D0"/>
       </a:accent2>
       <a:accent3>
-        <a:srgbClr val="86C157"/>
+        <a:srgbClr val="53B18F"/>
       </a:accent3>
       <a:accent4>
-        <a:srgbClr val="D99C3F"/>
+        <a:srgbClr val="D78D38"/>
       </a:accent4>
       <a:accent5>
-        <a:srgbClr val="CE6633"/>
+        <a:srgbClr val="BA3F51"/>
       </a:accent5>
       <a:accent6>
-        <a:srgbClr val="A35DD1"/>
+        <a:srgbClr val="AE52D9"/>
       </a:accent6>
       <a:hlink>
-        <a:srgbClr val="56BCFE"/>
+        <a:srgbClr val="2AA2DA"/>
       </a:hlink>
       <a:folHlink>
-        <a:srgbClr val="97C5E3"/>
+        <a:srgbClr val="76A3B8"/>
       </a:folHlink>
     </a:clrScheme>
     <a:fontScheme name="Droplet">
@@ -6732,16 +14008,16 @@
               <a:schemeClr val="phClr">
                 <a:tint val="84000"/>
                 <a:shade val="100000"/>
-                <a:hueMod val="130000"/>
-                <a:satMod val="150000"/>
-                <a:lumMod val="112000"/>
+                <a:hueMod val="92000"/>
+                <a:satMod val="180000"/>
+                <a:lumMod val="114000"/>
               </a:schemeClr>
             </a:gs>
             <a:gs pos="100000">
               <a:schemeClr val="phClr">
                 <a:shade val="92000"/>
-                <a:satMod val="140000"/>
-                <a:lumMod val="110000"/>
+                <a:satMod val="170000"/>
+                <a:lumMod val="96000"/>
               </a:schemeClr>
             </a:gs>
           </a:gsLst>
@@ -6754,7 +14030,7 @@
   <a:extraClrSchemeLst/>
   <a:extLst>
     <a:ext uri="{05A4C25C-085E-4340-85A3-A5531E510DB2}">
-      <thm15:themeFamily xmlns:thm15="http://schemas.microsoft.com/office/thememl/2012/main" name="Droplet" id="{8984A317-299A-4E50-B45D-BFC9EDE2337A}" vid="{A633B6A3-9E7F-4C10-9C98-2517A3134361}"/>
+      <thm15:themeFamily xmlns:thm15="http://schemas.microsoft.com/office/thememl/2012/main" name="Droplet" id="{8984A317-299A-4E50-B45D-BFC9EDE2337A}" vid="{DEB094D4-7FD8-4F86-93D5-B0F1341EF586}"/>
     </a:ext>
   </a:extLst>
 </a:theme>

--- a/Report_docs/2022HT80170_ppt.pptx
+++ b/Report_docs/2022HT80170_ppt.pptx
@@ -292,7 +292,7 @@
           <a:p>
             <a:fld id="{D0A6EFE7-49CF-41CD-8532-F915F2717F0A}" type="datetimeFigureOut">
               <a:rPr lang="en-US" smtClean="0"/>
-              <a:t>4/27/2024</a:t>
+              <a:t>4/28/2024</a:t>
             </a:fld>
             <a:endParaRPr lang="en-US"/>
           </a:p>
@@ -607,7 +607,7 @@
           <a:p>
             <a:fld id="{D0A6EFE7-49CF-41CD-8532-F915F2717F0A}" type="datetimeFigureOut">
               <a:rPr lang="en-US" smtClean="0"/>
-              <a:t>4/27/2024</a:t>
+              <a:t>4/28/2024</a:t>
             </a:fld>
             <a:endParaRPr lang="en-US"/>
           </a:p>
@@ -829,7 +829,7 @@
           <a:p>
             <a:fld id="{D0A6EFE7-49CF-41CD-8532-F915F2717F0A}" type="datetimeFigureOut">
               <a:rPr lang="en-US" smtClean="0"/>
-              <a:t>4/27/2024</a:t>
+              <a:t>4/28/2024</a:t>
             </a:fld>
             <a:endParaRPr lang="en-US"/>
           </a:p>
@@ -1120,7 +1120,7 @@
           <a:p>
             <a:fld id="{D0A6EFE7-49CF-41CD-8532-F915F2717F0A}" type="datetimeFigureOut">
               <a:rPr lang="en-US" smtClean="0"/>
-              <a:t>4/27/2024</a:t>
+              <a:t>4/28/2024</a:t>
             </a:fld>
             <a:endParaRPr lang="en-US"/>
           </a:p>
@@ -1574,7 +1574,7 @@
           <a:p>
             <a:fld id="{D0A6EFE7-49CF-41CD-8532-F915F2717F0A}" type="datetimeFigureOut">
               <a:rPr lang="en-US" smtClean="0"/>
-              <a:t>4/27/2024</a:t>
+              <a:t>4/28/2024</a:t>
             </a:fld>
             <a:endParaRPr lang="en-US"/>
           </a:p>
@@ -2150,7 +2150,7 @@
           <a:p>
             <a:fld id="{D0A6EFE7-49CF-41CD-8532-F915F2717F0A}" type="datetimeFigureOut">
               <a:rPr lang="en-US" smtClean="0"/>
-              <a:t>4/27/2024</a:t>
+              <a:t>4/28/2024</a:t>
             </a:fld>
             <a:endParaRPr lang="en-US"/>
           </a:p>
@@ -3011,7 +3011,7 @@
           <a:p>
             <a:fld id="{D0A6EFE7-49CF-41CD-8532-F915F2717F0A}" type="datetimeFigureOut">
               <a:rPr lang="en-US" smtClean="0"/>
-              <a:t>4/27/2024</a:t>
+              <a:t>4/28/2024</a:t>
             </a:fld>
             <a:endParaRPr lang="en-US"/>
           </a:p>
@@ -3216,7 +3216,7 @@
           <a:p>
             <a:fld id="{D0A6EFE7-49CF-41CD-8532-F915F2717F0A}" type="datetimeFigureOut">
               <a:rPr lang="en-US" smtClean="0"/>
-              <a:t>4/27/2024</a:t>
+              <a:t>4/28/2024</a:t>
             </a:fld>
             <a:endParaRPr lang="en-US"/>
           </a:p>
@@ -3430,7 +3430,7 @@
           <a:p>
             <a:fld id="{D0A6EFE7-49CF-41CD-8532-F915F2717F0A}" type="datetimeFigureOut">
               <a:rPr lang="en-US" smtClean="0"/>
-              <a:t>4/27/2024</a:t>
+              <a:t>4/28/2024</a:t>
             </a:fld>
             <a:endParaRPr lang="en-US"/>
           </a:p>
@@ -3606,7 +3606,7 @@
           <a:p>
             <a:fld id="{D0A6EFE7-49CF-41CD-8532-F915F2717F0A}" type="datetimeFigureOut">
               <a:rPr lang="en-US" smtClean="0"/>
-              <a:t>4/27/2024</a:t>
+              <a:t>4/28/2024</a:t>
             </a:fld>
             <a:endParaRPr lang="en-US"/>
           </a:p>
@@ -3811,7 +3811,7 @@
           <a:p>
             <a:fld id="{D0A6EFE7-49CF-41CD-8532-F915F2717F0A}" type="datetimeFigureOut">
               <a:rPr lang="en-US" smtClean="0"/>
-              <a:t>4/27/2024</a:t>
+              <a:t>4/28/2024</a:t>
             </a:fld>
             <a:endParaRPr lang="en-US"/>
           </a:p>
@@ -4091,7 +4091,7 @@
           <a:p>
             <a:fld id="{D0A6EFE7-49CF-41CD-8532-F915F2717F0A}" type="datetimeFigureOut">
               <a:rPr lang="en-US" smtClean="0"/>
-              <a:t>4/27/2024</a:t>
+              <a:t>4/28/2024</a:t>
             </a:fld>
             <a:endParaRPr lang="en-US"/>
           </a:p>
@@ -4358,7 +4358,7 @@
           <a:p>
             <a:fld id="{D0A6EFE7-49CF-41CD-8532-F915F2717F0A}" type="datetimeFigureOut">
               <a:rPr lang="en-US" smtClean="0"/>
-              <a:t>4/27/2024</a:t>
+              <a:t>4/28/2024</a:t>
             </a:fld>
             <a:endParaRPr lang="en-US"/>
           </a:p>
@@ -4773,7 +4773,7 @@
           <a:p>
             <a:fld id="{D0A6EFE7-49CF-41CD-8532-F915F2717F0A}" type="datetimeFigureOut">
               <a:rPr lang="en-US" smtClean="0"/>
-              <a:t>4/27/2024</a:t>
+              <a:t>4/28/2024</a:t>
             </a:fld>
             <a:endParaRPr lang="en-US"/>
           </a:p>
@@ -4921,7 +4921,7 @@
           <a:p>
             <a:fld id="{D0A6EFE7-49CF-41CD-8532-F915F2717F0A}" type="datetimeFigureOut">
               <a:rPr lang="en-US" smtClean="0"/>
-              <a:t>4/27/2024</a:t>
+              <a:t>4/28/2024</a:t>
             </a:fld>
             <a:endParaRPr lang="en-US"/>
           </a:p>
@@ -5046,7 +5046,7 @@
           <a:p>
             <a:fld id="{D0A6EFE7-49CF-41CD-8532-F915F2717F0A}" type="datetimeFigureOut">
               <a:rPr lang="en-US" smtClean="0"/>
-              <a:t>4/27/2024</a:t>
+              <a:t>4/28/2024</a:t>
             </a:fld>
             <a:endParaRPr lang="en-US"/>
           </a:p>
@@ -5325,7 +5325,7 @@
           <a:p>
             <a:fld id="{D0A6EFE7-49CF-41CD-8532-F915F2717F0A}" type="datetimeFigureOut">
               <a:rPr lang="en-US" smtClean="0"/>
-              <a:t>4/27/2024</a:t>
+              <a:t>4/28/2024</a:t>
             </a:fld>
             <a:endParaRPr lang="en-US"/>
           </a:p>
@@ -5640,7 +5640,7 @@
           <a:p>
             <a:fld id="{D0A6EFE7-49CF-41CD-8532-F915F2717F0A}" type="datetimeFigureOut">
               <a:rPr lang="en-US" smtClean="0"/>
-              <a:t>4/27/2024</a:t>
+              <a:t>4/28/2024</a:t>
             </a:fld>
             <a:endParaRPr lang="en-US"/>
           </a:p>
@@ -5893,7 +5893,7 @@
           <a:p>
             <a:fld id="{D0A6EFE7-49CF-41CD-8532-F915F2717F0A}" type="datetimeFigureOut">
               <a:rPr lang="en-US" smtClean="0"/>
-              <a:t>4/27/2024</a:t>
+              <a:t>4/28/2024</a:t>
             </a:fld>
             <a:endParaRPr lang="en-US"/>
           </a:p>
@@ -6627,7 +6627,7 @@
                 <a:ea typeface="Calibri" panose="020F0502020204030204" pitchFamily="34" charset="0"/>
                 <a:cs typeface="Times New Roman" panose="02020603050405020304" pitchFamily="18" charset="0"/>
               </a:rPr>
-              <a:t>As part of this project, we tested the code developed and presented the result in different sections. </a:t>
+              <a:t>As part of this project, tested the code developed and presented the result in different sections. </a:t>
             </a:r>
           </a:p>
           <a:p>
@@ -6732,6 +6732,7 @@
           </a:bodyPr>
           <a:lstStyle/>
           <a:p>
+            <a:pPr algn="just"/>
             <a:r>
               <a:rPr lang="en-US" dirty="0">
                 <a:solidFill>
@@ -6752,6 +6753,7 @@
             </a:endParaRPr>
           </a:p>
           <a:p>
+            <a:pPr algn="just"/>
             <a:r>
               <a:rPr lang="en-US" dirty="0">
                 <a:solidFill>
@@ -6790,6 +6792,7 @@
             </a:r>
           </a:p>
           <a:p>
+            <a:pPr algn="just"/>
             <a:r>
               <a:rPr lang="en-US" dirty="0">
                 <a:solidFill>
@@ -6810,6 +6813,7 @@
             </a:endParaRPr>
           </a:p>
           <a:p>
+            <a:pPr algn="just"/>
             <a:endParaRPr lang="en-US" dirty="0"/>
           </a:p>
         </p:txBody>
@@ -6897,7 +6901,7 @@
         </p:spPr>
         <p:txBody>
           <a:bodyPr>
-            <a:normAutofit lnSpcReduction="10000"/>
+            <a:normAutofit/>
           </a:bodyPr>
           <a:lstStyle/>
           <a:p>
@@ -6911,7 +6915,7 @@
               <a:buNone/>
             </a:pPr>
             <a:r>
-              <a:rPr lang="en-US" sz="2400" dirty="0">
+              <a:rPr lang="en-US" dirty="0">
                 <a:solidFill>
                   <a:srgbClr val="000000"/>
                 </a:solidFill>
@@ -6922,7 +6926,7 @@
               </a:rPr>
               <a:t>The objectives of my project are as follows:</a:t>
             </a:r>
-            <a:endParaRPr lang="en-US" sz="2400" dirty="0">
+            <a:endParaRPr lang="en-US" dirty="0">
               <a:effectLst/>
               <a:latin typeface="Calibri" panose="020F0502020204030204" pitchFamily="34" charset="0"/>
               <a:ea typeface="Calibri" panose="020F0502020204030204" pitchFamily="34" charset="0"/>
@@ -6948,7 +6952,7 @@
               </a:tabLst>
             </a:pPr>
             <a:r>
-              <a:rPr lang="en-US" sz="2600" dirty="0">
+              <a:rPr lang="en-US" sz="2000" dirty="0">
                 <a:solidFill>
                   <a:srgbClr val="000000"/>
                 </a:solidFill>
@@ -6959,7 +6963,7 @@
               </a:rPr>
               <a:t>Creating a custom SPI IP from Xilinx IP Integrator</a:t>
             </a:r>
-            <a:endParaRPr lang="en-US" sz="2200" dirty="0">
+            <a:endParaRPr lang="en-US" sz="2000" dirty="0">
               <a:effectLst/>
               <a:latin typeface="Calibri" panose="020F0502020204030204" pitchFamily="34" charset="0"/>
               <a:ea typeface="Calibri" panose="020F0502020204030204" pitchFamily="34" charset="0"/>
@@ -6985,7 +6989,7 @@
               </a:tabLst>
             </a:pPr>
             <a:r>
-              <a:rPr lang="en-US" sz="2600" dirty="0">
+              <a:rPr lang="en-US" sz="2000" dirty="0">
                 <a:solidFill>
                   <a:srgbClr val="000000"/>
                 </a:solidFill>
@@ -6996,7 +7000,7 @@
               </a:rPr>
               <a:t>Creating an ecosystem to validate this IP </a:t>
             </a:r>
-            <a:endParaRPr lang="en-US" sz="2200" dirty="0">
+            <a:endParaRPr lang="en-US" sz="2000" dirty="0">
               <a:effectLst/>
               <a:latin typeface="Calibri" panose="020F0502020204030204" pitchFamily="34" charset="0"/>
               <a:ea typeface="Calibri" panose="020F0502020204030204" pitchFamily="34" charset="0"/>
@@ -7022,7 +7026,7 @@
               </a:tabLst>
             </a:pPr>
             <a:r>
-              <a:rPr lang="en-US" sz="2600" dirty="0">
+              <a:rPr lang="en-US" sz="2000" dirty="0">
                 <a:solidFill>
                   <a:srgbClr val="000000"/>
                 </a:solidFill>
@@ -7033,7 +7037,7 @@
               </a:rPr>
               <a:t>Understanding the hardware specification of IP</a:t>
             </a:r>
-            <a:endParaRPr lang="en-US" sz="2200" dirty="0">
+            <a:endParaRPr lang="en-US" sz="2000" dirty="0">
               <a:effectLst/>
               <a:latin typeface="Calibri" panose="020F0502020204030204" pitchFamily="34" charset="0"/>
               <a:ea typeface="Calibri" panose="020F0502020204030204" pitchFamily="34" charset="0"/>
@@ -7059,7 +7063,7 @@
               </a:tabLst>
             </a:pPr>
             <a:r>
-              <a:rPr lang="en-US" sz="2600" dirty="0">
+              <a:rPr lang="en-US" sz="2000" dirty="0">
                 <a:solidFill>
                   <a:srgbClr val="000000"/>
                 </a:solidFill>
@@ -7070,7 +7074,7 @@
               </a:rPr>
               <a:t>Writing a test spec from the Hardware Specification</a:t>
             </a:r>
-            <a:endParaRPr lang="en-US" sz="2200" dirty="0">
+            <a:endParaRPr lang="en-US" sz="2000" dirty="0">
               <a:effectLst/>
               <a:latin typeface="Calibri" panose="020F0502020204030204" pitchFamily="34" charset="0"/>
               <a:ea typeface="Calibri" panose="020F0502020204030204" pitchFamily="34" charset="0"/>
@@ -7096,7 +7100,7 @@
               </a:tabLst>
             </a:pPr>
             <a:r>
-              <a:rPr lang="en-US" sz="2600" dirty="0">
+              <a:rPr lang="en-US" sz="2000" dirty="0">
                 <a:solidFill>
                   <a:srgbClr val="000000"/>
                 </a:solidFill>
@@ -7107,7 +7111,7 @@
               </a:rPr>
               <a:t>Creating the testcases to qualify the IP</a:t>
             </a:r>
-            <a:endParaRPr lang="en-US" sz="2200" dirty="0">
+            <a:endParaRPr lang="en-US" sz="2000" dirty="0">
               <a:effectLst/>
               <a:latin typeface="Calibri" panose="020F0502020204030204" pitchFamily="34" charset="0"/>
               <a:ea typeface="Calibri" panose="020F0502020204030204" pitchFamily="34" charset="0"/>
@@ -7133,7 +7137,7 @@
               </a:tabLst>
             </a:pPr>
             <a:r>
-              <a:rPr lang="en-US" sz="2600" dirty="0">
+              <a:rPr lang="en-US" sz="2000" dirty="0">
                 <a:solidFill>
                   <a:srgbClr val="000000"/>
                 </a:solidFill>
@@ -7144,7 +7148,7 @@
               </a:rPr>
               <a:t>Collecting the Output waveforms from the Xilinx ILA</a:t>
             </a:r>
-            <a:endParaRPr lang="en-US" sz="2200" dirty="0">
+            <a:endParaRPr lang="en-US" sz="2000" dirty="0">
               <a:effectLst/>
               <a:latin typeface="Calibri" panose="020F0502020204030204" pitchFamily="34" charset="0"/>
               <a:ea typeface="Calibri" panose="020F0502020204030204" pitchFamily="34" charset="0"/>
@@ -7152,6 +7156,7 @@
             </a:endParaRPr>
           </a:p>
           <a:p>
+            <a:pPr algn="just"/>
             <a:endParaRPr lang="en-US" dirty="0"/>
           </a:p>
         </p:txBody>
@@ -9191,8 +9196,8 @@
         </p:blipFill>
         <p:spPr bwMode="auto">
           <a:xfrm>
-            <a:off x="-2" y="678729"/>
-            <a:ext cx="7145520" cy="2691847"/>
+            <a:off x="-2" y="578843"/>
+            <a:ext cx="7145520" cy="2791734"/>
           </a:xfrm>
           <a:prstGeom prst="rect">
             <a:avLst/>
@@ -9578,7 +9583,7 @@
         </p:blipFill>
         <p:spPr>
           <a:xfrm>
-            <a:off x="1271587" y="85725"/>
+            <a:off x="1756219" y="85725"/>
             <a:ext cx="9648825" cy="6686550"/>
           </a:xfrm>
           <a:prstGeom prst="rect">
@@ -9586,6 +9591,42 @@
           </a:prstGeom>
         </p:spPr>
       </p:pic>
+      <p:sp>
+        <p:nvSpPr>
+          <p:cNvPr id="2" name="TextBox 1">
+            <a:extLst>
+              <a:ext uri="{FF2B5EF4-FFF2-40B4-BE49-F238E27FC236}">
+                <a16:creationId xmlns:a16="http://schemas.microsoft.com/office/drawing/2014/main" id="{5D17BD8D-124A-99BC-7BF5-6208BCE02F3F}"/>
+              </a:ext>
+            </a:extLst>
+          </p:cNvPr>
+          <p:cNvSpPr txBox="1"/>
+          <p:nvPr/>
+        </p:nvSpPr>
+        <p:spPr>
+          <a:xfrm rot="16200000">
+            <a:off x="-2221992" y="3234118"/>
+            <a:ext cx="6253966" cy="646331"/>
+          </a:xfrm>
+          <a:prstGeom prst="rect">
+            <a:avLst/>
+          </a:prstGeom>
+          <a:noFill/>
+        </p:spPr>
+        <p:txBody>
+          <a:bodyPr wrap="square" rtlCol="0">
+            <a:spAutoFit/>
+          </a:bodyPr>
+          <a:lstStyle/>
+          <a:p>
+            <a:pPr algn="ctr"/>
+            <a:r>
+              <a:rPr lang="en-US" sz="3600" dirty="0"/>
+              <a:t>CODEFLOW CHART</a:t>
+            </a:r>
+          </a:p>
+        </p:txBody>
+      </p:sp>
     </p:spTree>
     <p:extLst>
       <p:ext uri="{BB962C8B-B14F-4D97-AF65-F5344CB8AC3E}">

--- a/Report_docs/2022HT80170_ppt.pptx
+++ b/Report_docs/2022HT80170_ppt.pptx
@@ -10,11 +10,12 @@
     <p:sldId id="258" r:id="rId4"/>
     <p:sldId id="259" r:id="rId5"/>
     <p:sldId id="260" r:id="rId6"/>
-    <p:sldId id="261" r:id="rId7"/>
-    <p:sldId id="262" r:id="rId8"/>
-    <p:sldId id="264" r:id="rId9"/>
-    <p:sldId id="263" r:id="rId10"/>
-    <p:sldId id="265" r:id="rId11"/>
+    <p:sldId id="266" r:id="rId7"/>
+    <p:sldId id="261" r:id="rId8"/>
+    <p:sldId id="262" r:id="rId9"/>
+    <p:sldId id="264" r:id="rId10"/>
+    <p:sldId id="263" r:id="rId11"/>
+    <p:sldId id="265" r:id="rId12"/>
   </p:sldIdLst>
   <p:sldSz cx="12192000" cy="6858000"/>
   <p:notesSz cx="6858000" cy="9144000"/>
@@ -292,7 +293,7 @@
           <a:p>
             <a:fld id="{D0A6EFE7-49CF-41CD-8532-F915F2717F0A}" type="datetimeFigureOut">
               <a:rPr lang="en-US" smtClean="0"/>
-              <a:t>4/28/2024</a:t>
+              <a:t>4/29/2024</a:t>
             </a:fld>
             <a:endParaRPr lang="en-US"/>
           </a:p>
@@ -607,7 +608,7 @@
           <a:p>
             <a:fld id="{D0A6EFE7-49CF-41CD-8532-F915F2717F0A}" type="datetimeFigureOut">
               <a:rPr lang="en-US" smtClean="0"/>
-              <a:t>4/28/2024</a:t>
+              <a:t>4/29/2024</a:t>
             </a:fld>
             <a:endParaRPr lang="en-US"/>
           </a:p>
@@ -829,7 +830,7 @@
           <a:p>
             <a:fld id="{D0A6EFE7-49CF-41CD-8532-F915F2717F0A}" type="datetimeFigureOut">
               <a:rPr lang="en-US" smtClean="0"/>
-              <a:t>4/28/2024</a:t>
+              <a:t>4/29/2024</a:t>
             </a:fld>
             <a:endParaRPr lang="en-US"/>
           </a:p>
@@ -1120,7 +1121,7 @@
           <a:p>
             <a:fld id="{D0A6EFE7-49CF-41CD-8532-F915F2717F0A}" type="datetimeFigureOut">
               <a:rPr lang="en-US" smtClean="0"/>
-              <a:t>4/28/2024</a:t>
+              <a:t>4/29/2024</a:t>
             </a:fld>
             <a:endParaRPr lang="en-US"/>
           </a:p>
@@ -1574,7 +1575,7 @@
           <a:p>
             <a:fld id="{D0A6EFE7-49CF-41CD-8532-F915F2717F0A}" type="datetimeFigureOut">
               <a:rPr lang="en-US" smtClean="0"/>
-              <a:t>4/28/2024</a:t>
+              <a:t>4/29/2024</a:t>
             </a:fld>
             <a:endParaRPr lang="en-US"/>
           </a:p>
@@ -2150,7 +2151,7 @@
           <a:p>
             <a:fld id="{D0A6EFE7-49CF-41CD-8532-F915F2717F0A}" type="datetimeFigureOut">
               <a:rPr lang="en-US" smtClean="0"/>
-              <a:t>4/28/2024</a:t>
+              <a:t>4/29/2024</a:t>
             </a:fld>
             <a:endParaRPr lang="en-US"/>
           </a:p>
@@ -3011,7 +3012,7 @@
           <a:p>
             <a:fld id="{D0A6EFE7-49CF-41CD-8532-F915F2717F0A}" type="datetimeFigureOut">
               <a:rPr lang="en-US" smtClean="0"/>
-              <a:t>4/28/2024</a:t>
+              <a:t>4/29/2024</a:t>
             </a:fld>
             <a:endParaRPr lang="en-US"/>
           </a:p>
@@ -3216,7 +3217,7 @@
           <a:p>
             <a:fld id="{D0A6EFE7-49CF-41CD-8532-F915F2717F0A}" type="datetimeFigureOut">
               <a:rPr lang="en-US" smtClean="0"/>
-              <a:t>4/28/2024</a:t>
+              <a:t>4/29/2024</a:t>
             </a:fld>
             <a:endParaRPr lang="en-US"/>
           </a:p>
@@ -3430,7 +3431,7 @@
           <a:p>
             <a:fld id="{D0A6EFE7-49CF-41CD-8532-F915F2717F0A}" type="datetimeFigureOut">
               <a:rPr lang="en-US" smtClean="0"/>
-              <a:t>4/28/2024</a:t>
+              <a:t>4/29/2024</a:t>
             </a:fld>
             <a:endParaRPr lang="en-US"/>
           </a:p>
@@ -3606,7 +3607,7 @@
           <a:p>
             <a:fld id="{D0A6EFE7-49CF-41CD-8532-F915F2717F0A}" type="datetimeFigureOut">
               <a:rPr lang="en-US" smtClean="0"/>
-              <a:t>4/28/2024</a:t>
+              <a:t>4/29/2024</a:t>
             </a:fld>
             <a:endParaRPr lang="en-US"/>
           </a:p>
@@ -3811,7 +3812,7 @@
           <a:p>
             <a:fld id="{D0A6EFE7-49CF-41CD-8532-F915F2717F0A}" type="datetimeFigureOut">
               <a:rPr lang="en-US" smtClean="0"/>
-              <a:t>4/28/2024</a:t>
+              <a:t>4/29/2024</a:t>
             </a:fld>
             <a:endParaRPr lang="en-US"/>
           </a:p>
@@ -4091,7 +4092,7 @@
           <a:p>
             <a:fld id="{D0A6EFE7-49CF-41CD-8532-F915F2717F0A}" type="datetimeFigureOut">
               <a:rPr lang="en-US" smtClean="0"/>
-              <a:t>4/28/2024</a:t>
+              <a:t>4/29/2024</a:t>
             </a:fld>
             <a:endParaRPr lang="en-US"/>
           </a:p>
@@ -4358,7 +4359,7 @@
           <a:p>
             <a:fld id="{D0A6EFE7-49CF-41CD-8532-F915F2717F0A}" type="datetimeFigureOut">
               <a:rPr lang="en-US" smtClean="0"/>
-              <a:t>4/28/2024</a:t>
+              <a:t>4/29/2024</a:t>
             </a:fld>
             <a:endParaRPr lang="en-US"/>
           </a:p>
@@ -4773,7 +4774,7 @@
           <a:p>
             <a:fld id="{D0A6EFE7-49CF-41CD-8532-F915F2717F0A}" type="datetimeFigureOut">
               <a:rPr lang="en-US" smtClean="0"/>
-              <a:t>4/28/2024</a:t>
+              <a:t>4/29/2024</a:t>
             </a:fld>
             <a:endParaRPr lang="en-US"/>
           </a:p>
@@ -4921,7 +4922,7 @@
           <a:p>
             <a:fld id="{D0A6EFE7-49CF-41CD-8532-F915F2717F0A}" type="datetimeFigureOut">
               <a:rPr lang="en-US" smtClean="0"/>
-              <a:t>4/28/2024</a:t>
+              <a:t>4/29/2024</a:t>
             </a:fld>
             <a:endParaRPr lang="en-US"/>
           </a:p>
@@ -5046,7 +5047,7 @@
           <a:p>
             <a:fld id="{D0A6EFE7-49CF-41CD-8532-F915F2717F0A}" type="datetimeFigureOut">
               <a:rPr lang="en-US" smtClean="0"/>
-              <a:t>4/28/2024</a:t>
+              <a:t>4/29/2024</a:t>
             </a:fld>
             <a:endParaRPr lang="en-US"/>
           </a:p>
@@ -5325,7 +5326,7 @@
           <a:p>
             <a:fld id="{D0A6EFE7-49CF-41CD-8532-F915F2717F0A}" type="datetimeFigureOut">
               <a:rPr lang="en-US" smtClean="0"/>
-              <a:t>4/28/2024</a:t>
+              <a:t>4/29/2024</a:t>
             </a:fld>
             <a:endParaRPr lang="en-US"/>
           </a:p>
@@ -5640,7 +5641,7 @@
           <a:p>
             <a:fld id="{D0A6EFE7-49CF-41CD-8532-F915F2717F0A}" type="datetimeFigureOut">
               <a:rPr lang="en-US" smtClean="0"/>
-              <a:t>4/28/2024</a:t>
+              <a:t>4/29/2024</a:t>
             </a:fld>
             <a:endParaRPr lang="en-US"/>
           </a:p>
@@ -5893,7 +5894,7 @@
           <a:p>
             <a:fld id="{D0A6EFE7-49CF-41CD-8532-F915F2717F0A}" type="datetimeFigureOut">
               <a:rPr lang="en-US" smtClean="0"/>
-              <a:t>4/28/2024</a:t>
+              <a:t>4/29/2024</a:t>
             </a:fld>
             <a:endParaRPr lang="en-US"/>
           </a:p>
@@ -6505,3142 +6506,6 @@
 </file>
 
 <file path=ppt/slides/slide10.xml><?xml version="1.0" encoding="utf-8"?>
-<p:sld xmlns:a="http://schemas.openxmlformats.org/drawingml/2006/main" xmlns:r="http://schemas.openxmlformats.org/officeDocument/2006/relationships" xmlns:p="http://schemas.openxmlformats.org/presentationml/2006/main">
-  <p:cSld>
-    <p:spTree>
-      <p:nvGrpSpPr>
-        <p:cNvPr id="1" name=""/>
-        <p:cNvGrpSpPr/>
-        <p:nvPr/>
-      </p:nvGrpSpPr>
-      <p:grpSpPr>
-        <a:xfrm>
-          <a:off x="0" y="0"/>
-          <a:ext cx="0" cy="0"/>
-          <a:chOff x="0" y="0"/>
-          <a:chExt cx="0" cy="0"/>
-        </a:xfrm>
-      </p:grpSpPr>
-      <p:sp>
-        <p:nvSpPr>
-          <p:cNvPr id="2" name="Title 1">
-            <a:extLst>
-              <a:ext uri="{FF2B5EF4-FFF2-40B4-BE49-F238E27FC236}">
-                <a16:creationId xmlns:a16="http://schemas.microsoft.com/office/drawing/2014/main" id="{67086C1A-3D4E-9289-8977-1A9E6683CFF0}"/>
-              </a:ext>
-            </a:extLst>
-          </p:cNvPr>
-          <p:cNvSpPr>
-            <a:spLocks noGrp="1"/>
-          </p:cNvSpPr>
-          <p:nvPr>
-            <p:ph type="title"/>
-          </p:nvPr>
-        </p:nvSpPr>
-        <p:spPr>
-          <a:xfrm>
-            <a:off x="0" y="1"/>
-            <a:ext cx="10364451" cy="694944"/>
-          </a:xfrm>
-        </p:spPr>
-        <p:txBody>
-          <a:bodyPr/>
-          <a:lstStyle/>
-          <a:p>
-            <a:pPr algn="l"/>
-            <a:r>
-              <a:rPr lang="en-US" dirty="0"/>
-              <a:t>Conclusion:</a:t>
-            </a:r>
-          </a:p>
-        </p:txBody>
-      </p:sp>
-      <p:sp>
-        <p:nvSpPr>
-          <p:cNvPr id="3" name="Content Placeholder 2">
-            <a:extLst>
-              <a:ext uri="{FF2B5EF4-FFF2-40B4-BE49-F238E27FC236}">
-                <a16:creationId xmlns:a16="http://schemas.microsoft.com/office/drawing/2014/main" id="{35F0546F-B414-6804-AC82-E21737C3A3CF}"/>
-              </a:ext>
-            </a:extLst>
-          </p:cNvPr>
-          <p:cNvSpPr>
-            <a:spLocks noGrp="1"/>
-          </p:cNvSpPr>
-          <p:nvPr>
-            <p:ph idx="1"/>
-          </p:nvPr>
-        </p:nvSpPr>
-        <p:spPr>
-          <a:xfrm>
-            <a:off x="-2" y="840045"/>
-            <a:ext cx="12192001" cy="6017954"/>
-          </a:xfrm>
-        </p:spPr>
-        <p:txBody>
-          <a:bodyPr>
-            <a:normAutofit/>
-          </a:bodyPr>
-          <a:lstStyle/>
-          <a:p>
-            <a:pPr algn="just"/>
-            <a:r>
-              <a:rPr lang="en-US" sz="1800" kern="100" dirty="0">
-                <a:effectLst/>
-                <a:latin typeface="Calibri" panose="020F0502020204030204" pitchFamily="34" charset="0"/>
-                <a:ea typeface="Calibri" panose="020F0502020204030204" pitchFamily="34" charset="0"/>
-                <a:cs typeface="Times New Roman" panose="02020603050405020304" pitchFamily="18" charset="0"/>
-              </a:rPr>
-              <a:t>This project successfully implemented a SPI IP in FPGA platform and developed standalone non-OS C based testcase to test the interface with the SPI Flash. </a:t>
-            </a:r>
-          </a:p>
-          <a:p>
-            <a:pPr algn="just"/>
-            <a:r>
-              <a:rPr lang="en-US" sz="1800" kern="100" dirty="0">
-                <a:effectLst/>
-                <a:latin typeface="Calibri" panose="020F0502020204030204" pitchFamily="34" charset="0"/>
-                <a:ea typeface="Calibri" panose="020F0502020204030204" pitchFamily="34" charset="0"/>
-                <a:cs typeface="Times New Roman" panose="02020603050405020304" pitchFamily="18" charset="0"/>
-              </a:rPr>
-              <a:t>This Qualifies the IP is suitable for the targeted application of controlling an Industrial grade EtherCAT PHY chip via this SPI master IP. </a:t>
-            </a:r>
-          </a:p>
-          <a:p>
-            <a:pPr algn="just"/>
-            <a:r>
-              <a:rPr lang="en-US" sz="1800" kern="100" dirty="0">
-                <a:effectLst/>
-                <a:latin typeface="Calibri" panose="020F0502020204030204" pitchFamily="34" charset="0"/>
-                <a:ea typeface="Calibri" panose="020F0502020204030204" pitchFamily="34" charset="0"/>
-                <a:cs typeface="Times New Roman" panose="02020603050405020304" pitchFamily="18" charset="0"/>
-              </a:rPr>
-              <a:t>In Real time application this SPI master is going to control a High speed EtherCAT bus via SPI slave interface provided to it. </a:t>
-            </a:r>
-          </a:p>
-          <a:p>
-            <a:pPr algn="just"/>
-            <a:r>
-              <a:rPr lang="en-US" sz="1800" kern="100" dirty="0">
-                <a:effectLst/>
-                <a:latin typeface="Calibri" panose="020F0502020204030204" pitchFamily="34" charset="0"/>
-                <a:ea typeface="Calibri" panose="020F0502020204030204" pitchFamily="34" charset="0"/>
-                <a:cs typeface="Times New Roman" panose="02020603050405020304" pitchFamily="18" charset="0"/>
-              </a:rPr>
-              <a:t>As part of this project, tested the code developed and presented the result in different sections. </a:t>
-            </a:r>
-          </a:p>
-          <a:p>
-            <a:pPr algn="just"/>
-            <a:r>
-              <a:rPr lang="en-US" sz="1800" kern="100" dirty="0">
-                <a:effectLst/>
-                <a:latin typeface="Calibri" panose="020F0502020204030204" pitchFamily="34" charset="0"/>
-                <a:ea typeface="Calibri" panose="020F0502020204030204" pitchFamily="34" charset="0"/>
-                <a:cs typeface="Times New Roman" panose="02020603050405020304" pitchFamily="18" charset="0"/>
-              </a:rPr>
-              <a:t>For demo and results presentation, a different development boards (based on XC7A100T) are used due to resource constraints. </a:t>
-            </a:r>
-            <a:endParaRPr lang="en-US" dirty="0"/>
-          </a:p>
-        </p:txBody>
-      </p:sp>
-    </p:spTree>
-    <p:extLst>
-      <p:ext uri="{BB962C8B-B14F-4D97-AF65-F5344CB8AC3E}">
-        <p14:creationId xmlns:p14="http://schemas.microsoft.com/office/powerpoint/2010/main" val="3359478522"/>
-      </p:ext>
-    </p:extLst>
-  </p:cSld>
-  <p:clrMapOvr>
-    <a:masterClrMapping/>
-  </p:clrMapOvr>
-</p:sld>
-</file>
-
-<file path=ppt/slides/slide2.xml><?xml version="1.0" encoding="utf-8"?>
-<p:sld xmlns:a="http://schemas.openxmlformats.org/drawingml/2006/main" xmlns:r="http://schemas.openxmlformats.org/officeDocument/2006/relationships" xmlns:p="http://schemas.openxmlformats.org/presentationml/2006/main">
-  <p:cSld>
-    <p:spTree>
-      <p:nvGrpSpPr>
-        <p:cNvPr id="1" name=""/>
-        <p:cNvGrpSpPr/>
-        <p:nvPr/>
-      </p:nvGrpSpPr>
-      <p:grpSpPr>
-        <a:xfrm>
-          <a:off x="0" y="0"/>
-          <a:ext cx="0" cy="0"/>
-          <a:chOff x="0" y="0"/>
-          <a:chExt cx="0" cy="0"/>
-        </a:xfrm>
-      </p:grpSpPr>
-      <p:sp>
-        <p:nvSpPr>
-          <p:cNvPr id="2" name="Title 1">
-            <a:extLst>
-              <a:ext uri="{FF2B5EF4-FFF2-40B4-BE49-F238E27FC236}">
-                <a16:creationId xmlns:a16="http://schemas.microsoft.com/office/drawing/2014/main" id="{4BC9DFD3-7C9F-6BB6-DF64-0B9D2058F4CE}"/>
-              </a:ext>
-            </a:extLst>
-          </p:cNvPr>
-          <p:cNvSpPr>
-            <a:spLocks noGrp="1"/>
-          </p:cNvSpPr>
-          <p:nvPr>
-            <p:ph type="title"/>
-          </p:nvPr>
-        </p:nvSpPr>
-        <p:spPr/>
-        <p:txBody>
-          <a:bodyPr/>
-          <a:lstStyle/>
-          <a:p>
-            <a:pPr algn="l"/>
-            <a:r>
-              <a:rPr lang="en-US" dirty="0"/>
-              <a:t>OUTLINE:</a:t>
-            </a:r>
-          </a:p>
-        </p:txBody>
-      </p:sp>
-      <p:sp>
-        <p:nvSpPr>
-          <p:cNvPr id="3" name="Content Placeholder 2">
-            <a:extLst>
-              <a:ext uri="{FF2B5EF4-FFF2-40B4-BE49-F238E27FC236}">
-                <a16:creationId xmlns:a16="http://schemas.microsoft.com/office/drawing/2014/main" id="{02A76D2D-E895-229F-0BF9-0D22DBF62DD1}"/>
-              </a:ext>
-            </a:extLst>
-          </p:cNvPr>
-          <p:cNvSpPr>
-            <a:spLocks noGrp="1"/>
-          </p:cNvSpPr>
-          <p:nvPr>
-            <p:ph idx="1"/>
-          </p:nvPr>
-        </p:nvSpPr>
-        <p:spPr>
-          <a:xfrm>
-            <a:off x="913773" y="1763589"/>
-            <a:ext cx="10364452" cy="4116003"/>
-          </a:xfrm>
-        </p:spPr>
-        <p:txBody>
-          <a:bodyPr>
-            <a:normAutofit/>
-          </a:bodyPr>
-          <a:lstStyle/>
-          <a:p>
-            <a:pPr algn="just"/>
-            <a:r>
-              <a:rPr lang="en-US" dirty="0">
-                <a:solidFill>
-                  <a:srgbClr val="000000"/>
-                </a:solidFill>
-                <a:effectLst/>
-                <a:latin typeface="Calibri" panose="020F0502020204030204" pitchFamily="34" charset="0"/>
-                <a:ea typeface="Calibri" panose="020F0502020204030204" pitchFamily="34" charset="0"/>
-                <a:cs typeface="Calibri" panose="020F0502020204030204" pitchFamily="34" charset="0"/>
-              </a:rPr>
-              <a:t>OUTLINE of this dissertation is to design a simple SoC with a Custom IP (SPI) and required ecosystem to validate the IP and portrait the IP qualification KPIs. It also includes the C based testcases to measure the KPIs and test specifications and testcase development.</a:t>
-            </a:r>
-            <a:endParaRPr lang="en-US" dirty="0">
-              <a:effectLst/>
-              <a:latin typeface="Calibri" panose="020F0502020204030204" pitchFamily="34" charset="0"/>
-              <a:ea typeface="Calibri" panose="020F0502020204030204" pitchFamily="34" charset="0"/>
-              <a:cs typeface="Calibri" panose="020F0502020204030204" pitchFamily="34" charset="0"/>
-            </a:endParaRPr>
-          </a:p>
-          <a:p>
-            <a:pPr algn="just"/>
-            <a:r>
-              <a:rPr lang="en-US" dirty="0">
-                <a:solidFill>
-                  <a:srgbClr val="000000"/>
-                </a:solidFill>
-                <a:effectLst/>
-                <a:latin typeface="Calibri" panose="020F0502020204030204" pitchFamily="34" charset="0"/>
-                <a:ea typeface="Calibri" panose="020F0502020204030204" pitchFamily="34" charset="0"/>
-                <a:cs typeface="Calibri" panose="020F0502020204030204" pitchFamily="34" charset="0"/>
-              </a:rPr>
-              <a:t>In this scenario, to verify the Digital logic, it will be synthesized for FPGA platform where the gate logics are implemented as close as desired </a:t>
-            </a:r>
-            <a:r>
-              <a:rPr lang="en-US" dirty="0" err="1">
-                <a:solidFill>
-                  <a:srgbClr val="000000"/>
-                </a:solidFill>
-                <a:effectLst/>
-                <a:latin typeface="Calibri" panose="020F0502020204030204" pitchFamily="34" charset="0"/>
-                <a:ea typeface="Calibri" panose="020F0502020204030204" pitchFamily="34" charset="0"/>
-                <a:cs typeface="Calibri" panose="020F0502020204030204" pitchFamily="34" charset="0"/>
-              </a:rPr>
-              <a:t>SoC.</a:t>
-            </a:r>
-            <a:r>
-              <a:rPr lang="en-US" dirty="0">
-                <a:solidFill>
-                  <a:srgbClr val="000000"/>
-                </a:solidFill>
-                <a:effectLst/>
-                <a:latin typeface="Calibri" panose="020F0502020204030204" pitchFamily="34" charset="0"/>
-                <a:ea typeface="Calibri" panose="020F0502020204030204" pitchFamily="34" charset="0"/>
-                <a:cs typeface="Calibri" panose="020F0502020204030204" pitchFamily="34" charset="0"/>
-              </a:rPr>
-              <a:t> </a:t>
-            </a:r>
-          </a:p>
-          <a:p>
-            <a:pPr algn="just"/>
-            <a:r>
-              <a:rPr lang="en-US" dirty="0">
-                <a:solidFill>
-                  <a:srgbClr val="000000"/>
-                </a:solidFill>
-                <a:effectLst/>
-                <a:latin typeface="Calibri" panose="020F0502020204030204" pitchFamily="34" charset="0"/>
-                <a:ea typeface="Calibri" panose="020F0502020204030204" pitchFamily="34" charset="0"/>
-                <a:cs typeface="Calibri" panose="020F0502020204030204" pitchFamily="34" charset="0"/>
-              </a:rPr>
-              <a:t>The beauty of FPGA is that the execution of testcases will be faster as like silicon when compared to DV platform. The only constraint is it needs some modifications in RTL to meet the timings in the FPGA. But these modifications will not affect the functionality of the RTL in the Silicon. </a:t>
-            </a:r>
-            <a:endParaRPr lang="en-US" dirty="0">
-              <a:effectLst/>
-              <a:latin typeface="Calibri" panose="020F0502020204030204" pitchFamily="34" charset="0"/>
-              <a:ea typeface="Calibri" panose="020F0502020204030204" pitchFamily="34" charset="0"/>
-              <a:cs typeface="Calibri" panose="020F0502020204030204" pitchFamily="34" charset="0"/>
-            </a:endParaRPr>
-          </a:p>
-          <a:p>
-            <a:pPr algn="just"/>
-            <a:endParaRPr lang="en-US" dirty="0"/>
-          </a:p>
-        </p:txBody>
-      </p:sp>
-    </p:spTree>
-    <p:extLst>
-      <p:ext uri="{BB962C8B-B14F-4D97-AF65-F5344CB8AC3E}">
-        <p14:creationId xmlns:p14="http://schemas.microsoft.com/office/powerpoint/2010/main" val="499094017"/>
-      </p:ext>
-    </p:extLst>
-  </p:cSld>
-  <p:clrMapOvr>
-    <a:masterClrMapping/>
-  </p:clrMapOvr>
-</p:sld>
-</file>
-
-<file path=ppt/slides/slide3.xml><?xml version="1.0" encoding="utf-8"?>
-<p:sld xmlns:a="http://schemas.openxmlformats.org/drawingml/2006/main" xmlns:r="http://schemas.openxmlformats.org/officeDocument/2006/relationships" xmlns:p="http://schemas.openxmlformats.org/presentationml/2006/main">
-  <p:cSld>
-    <p:spTree>
-      <p:nvGrpSpPr>
-        <p:cNvPr id="1" name=""/>
-        <p:cNvGrpSpPr/>
-        <p:nvPr/>
-      </p:nvGrpSpPr>
-      <p:grpSpPr>
-        <a:xfrm>
-          <a:off x="0" y="0"/>
-          <a:ext cx="0" cy="0"/>
-          <a:chOff x="0" y="0"/>
-          <a:chExt cx="0" cy="0"/>
-        </a:xfrm>
-      </p:grpSpPr>
-      <p:sp>
-        <p:nvSpPr>
-          <p:cNvPr id="2" name="Title 1">
-            <a:extLst>
-              <a:ext uri="{FF2B5EF4-FFF2-40B4-BE49-F238E27FC236}">
-                <a16:creationId xmlns:a16="http://schemas.microsoft.com/office/drawing/2014/main" id="{0E4B8733-91CE-8634-7017-E7C6C3FF970B}"/>
-              </a:ext>
-            </a:extLst>
-          </p:cNvPr>
-          <p:cNvSpPr>
-            <a:spLocks noGrp="1"/>
-          </p:cNvSpPr>
-          <p:nvPr>
-            <p:ph type="title"/>
-          </p:nvPr>
-        </p:nvSpPr>
-        <p:spPr/>
-        <p:txBody>
-          <a:bodyPr/>
-          <a:lstStyle/>
-          <a:p>
-            <a:pPr algn="l"/>
-            <a:r>
-              <a:rPr lang="en-US" dirty="0"/>
-              <a:t>OBJECTIVE:</a:t>
-            </a:r>
-          </a:p>
-        </p:txBody>
-      </p:sp>
-      <p:sp>
-        <p:nvSpPr>
-          <p:cNvPr id="3" name="Content Placeholder 2">
-            <a:extLst>
-              <a:ext uri="{FF2B5EF4-FFF2-40B4-BE49-F238E27FC236}">
-                <a16:creationId xmlns:a16="http://schemas.microsoft.com/office/drawing/2014/main" id="{FD0189BD-2B66-3AE6-8A52-BFCE6858CB15}"/>
-              </a:ext>
-            </a:extLst>
-          </p:cNvPr>
-          <p:cNvSpPr>
-            <a:spLocks noGrp="1"/>
-          </p:cNvSpPr>
-          <p:nvPr>
-            <p:ph idx="1"/>
-          </p:nvPr>
-        </p:nvSpPr>
-        <p:spPr>
-          <a:xfrm>
-            <a:off x="913775" y="1737361"/>
-            <a:ext cx="10364452" cy="4053840"/>
-          </a:xfrm>
-        </p:spPr>
-        <p:txBody>
-          <a:bodyPr>
-            <a:normAutofit/>
-          </a:bodyPr>
-          <a:lstStyle/>
-          <a:p>
-            <a:pPr marL="368300" marR="0" indent="0" algn="just">
-              <a:spcBef>
-                <a:spcPts val="235"/>
-              </a:spcBef>
-              <a:spcAft>
-                <a:spcPts val="0"/>
-              </a:spcAft>
-              <a:buNone/>
-            </a:pPr>
-            <a:r>
-              <a:rPr lang="en-US" dirty="0">
-                <a:solidFill>
-                  <a:srgbClr val="000000"/>
-                </a:solidFill>
-                <a:effectLst/>
-                <a:latin typeface="Calibri" panose="020F0502020204030204" pitchFamily="34" charset="0"/>
-                <a:ea typeface="Calibri" panose="020F0502020204030204" pitchFamily="34" charset="0"/>
-                <a:cs typeface="Calibri" panose="020F0502020204030204" pitchFamily="34" charset="0"/>
-              </a:rPr>
-              <a:t>The objectives of my project are as follows:</a:t>
-            </a:r>
-            <a:endParaRPr lang="en-US" dirty="0">
-              <a:effectLst/>
-              <a:latin typeface="Calibri" panose="020F0502020204030204" pitchFamily="34" charset="0"/>
-              <a:ea typeface="Calibri" panose="020F0502020204030204" pitchFamily="34" charset="0"/>
-              <a:cs typeface="Calibri" panose="020F0502020204030204" pitchFamily="34" charset="0"/>
-            </a:endParaRPr>
-          </a:p>
-          <a:p>
-            <a:pPr marL="1143000" marR="202565" lvl="2" indent="-228600" algn="just">
-              <a:lnSpc>
-                <a:spcPct val="145000"/>
-              </a:lnSpc>
-              <a:spcBef>
-                <a:spcPts val="405"/>
-              </a:spcBef>
-              <a:spcAft>
-                <a:spcPts val="0"/>
-              </a:spcAft>
-              <a:buSzPts val="1200"/>
-              <a:buFont typeface="Arial" panose="020B0604020202020204" pitchFamily="34" charset="0"/>
-              <a:buChar char="●"/>
-              <a:tabLst>
-                <a:tab pos="1054735" algn="l"/>
-              </a:tabLst>
-            </a:pPr>
-            <a:r>
-              <a:rPr lang="en-US" sz="2000" dirty="0">
-                <a:solidFill>
-                  <a:srgbClr val="000000"/>
-                </a:solidFill>
-                <a:effectLst/>
-                <a:latin typeface="Calibri" panose="020F0502020204030204" pitchFamily="34" charset="0"/>
-                <a:ea typeface="Calibri" panose="020F0502020204030204" pitchFamily="34" charset="0"/>
-                <a:cs typeface="Calibri" panose="020F0502020204030204" pitchFamily="34" charset="0"/>
-              </a:rPr>
-              <a:t>Creating a custom SPI IP from Xilinx IP Integrator</a:t>
-            </a:r>
-            <a:endParaRPr lang="en-US" sz="2000" dirty="0">
-              <a:effectLst/>
-              <a:latin typeface="Calibri" panose="020F0502020204030204" pitchFamily="34" charset="0"/>
-              <a:ea typeface="Calibri" panose="020F0502020204030204" pitchFamily="34" charset="0"/>
-              <a:cs typeface="Calibri" panose="020F0502020204030204" pitchFamily="34" charset="0"/>
-            </a:endParaRPr>
-          </a:p>
-          <a:p>
-            <a:pPr marL="1143000" marR="202565" lvl="2" indent="-228600" algn="just">
-              <a:lnSpc>
-                <a:spcPct val="145000"/>
-              </a:lnSpc>
-              <a:spcBef>
-                <a:spcPts val="405"/>
-              </a:spcBef>
-              <a:spcAft>
-                <a:spcPts val="0"/>
-              </a:spcAft>
-              <a:buSzPts val="1200"/>
-              <a:buFont typeface="Arial" panose="020B0604020202020204" pitchFamily="34" charset="0"/>
-              <a:buChar char="●"/>
-              <a:tabLst>
-                <a:tab pos="1054735" algn="l"/>
-              </a:tabLst>
-            </a:pPr>
-            <a:r>
-              <a:rPr lang="en-US" sz="2000" dirty="0">
-                <a:solidFill>
-                  <a:srgbClr val="000000"/>
-                </a:solidFill>
-                <a:effectLst/>
-                <a:latin typeface="Calibri" panose="020F0502020204030204" pitchFamily="34" charset="0"/>
-                <a:ea typeface="Calibri" panose="020F0502020204030204" pitchFamily="34" charset="0"/>
-                <a:cs typeface="Calibri" panose="020F0502020204030204" pitchFamily="34" charset="0"/>
-              </a:rPr>
-              <a:t>Creating an ecosystem to validate this IP </a:t>
-            </a:r>
-            <a:endParaRPr lang="en-US" sz="2000" dirty="0">
-              <a:effectLst/>
-              <a:latin typeface="Calibri" panose="020F0502020204030204" pitchFamily="34" charset="0"/>
-              <a:ea typeface="Calibri" panose="020F0502020204030204" pitchFamily="34" charset="0"/>
-              <a:cs typeface="Calibri" panose="020F0502020204030204" pitchFamily="34" charset="0"/>
-            </a:endParaRPr>
-          </a:p>
-          <a:p>
-            <a:pPr marL="1143000" marR="202565" lvl="2" indent="-228600" algn="just">
-              <a:lnSpc>
-                <a:spcPct val="145000"/>
-              </a:lnSpc>
-              <a:spcBef>
-                <a:spcPts val="405"/>
-              </a:spcBef>
-              <a:spcAft>
-                <a:spcPts val="0"/>
-              </a:spcAft>
-              <a:buSzPts val="1200"/>
-              <a:buFont typeface="Arial" panose="020B0604020202020204" pitchFamily="34" charset="0"/>
-              <a:buChar char="●"/>
-              <a:tabLst>
-                <a:tab pos="1054735" algn="l"/>
-              </a:tabLst>
-            </a:pPr>
-            <a:r>
-              <a:rPr lang="en-US" sz="2000" dirty="0">
-                <a:solidFill>
-                  <a:srgbClr val="000000"/>
-                </a:solidFill>
-                <a:effectLst/>
-                <a:latin typeface="Calibri" panose="020F0502020204030204" pitchFamily="34" charset="0"/>
-                <a:ea typeface="Calibri" panose="020F0502020204030204" pitchFamily="34" charset="0"/>
-                <a:cs typeface="Calibri" panose="020F0502020204030204" pitchFamily="34" charset="0"/>
-              </a:rPr>
-              <a:t>Understanding the hardware specification of IP</a:t>
-            </a:r>
-            <a:endParaRPr lang="en-US" sz="2000" dirty="0">
-              <a:effectLst/>
-              <a:latin typeface="Calibri" panose="020F0502020204030204" pitchFamily="34" charset="0"/>
-              <a:ea typeface="Calibri" panose="020F0502020204030204" pitchFamily="34" charset="0"/>
-              <a:cs typeface="Calibri" panose="020F0502020204030204" pitchFamily="34" charset="0"/>
-            </a:endParaRPr>
-          </a:p>
-          <a:p>
-            <a:pPr marL="1143000" marR="202565" lvl="2" indent="-228600" algn="just">
-              <a:lnSpc>
-                <a:spcPct val="145000"/>
-              </a:lnSpc>
-              <a:spcBef>
-                <a:spcPts val="405"/>
-              </a:spcBef>
-              <a:spcAft>
-                <a:spcPts val="0"/>
-              </a:spcAft>
-              <a:buSzPts val="1200"/>
-              <a:buFont typeface="Arial" panose="020B0604020202020204" pitchFamily="34" charset="0"/>
-              <a:buChar char="●"/>
-              <a:tabLst>
-                <a:tab pos="1054735" algn="l"/>
-              </a:tabLst>
-            </a:pPr>
-            <a:r>
-              <a:rPr lang="en-US" sz="2000" dirty="0">
-                <a:solidFill>
-                  <a:srgbClr val="000000"/>
-                </a:solidFill>
-                <a:effectLst/>
-                <a:latin typeface="Calibri" panose="020F0502020204030204" pitchFamily="34" charset="0"/>
-                <a:ea typeface="Calibri" panose="020F0502020204030204" pitchFamily="34" charset="0"/>
-                <a:cs typeface="Calibri" panose="020F0502020204030204" pitchFamily="34" charset="0"/>
-              </a:rPr>
-              <a:t>Writing a test spec from the Hardware Specification</a:t>
-            </a:r>
-            <a:endParaRPr lang="en-US" sz="2000" dirty="0">
-              <a:effectLst/>
-              <a:latin typeface="Calibri" panose="020F0502020204030204" pitchFamily="34" charset="0"/>
-              <a:ea typeface="Calibri" panose="020F0502020204030204" pitchFamily="34" charset="0"/>
-              <a:cs typeface="Calibri" panose="020F0502020204030204" pitchFamily="34" charset="0"/>
-            </a:endParaRPr>
-          </a:p>
-          <a:p>
-            <a:pPr marL="1143000" marR="202565" lvl="2" indent="-228600" algn="just">
-              <a:lnSpc>
-                <a:spcPct val="145000"/>
-              </a:lnSpc>
-              <a:spcBef>
-                <a:spcPts val="405"/>
-              </a:spcBef>
-              <a:spcAft>
-                <a:spcPts val="0"/>
-              </a:spcAft>
-              <a:buSzPts val="1200"/>
-              <a:buFont typeface="Arial" panose="020B0604020202020204" pitchFamily="34" charset="0"/>
-              <a:buChar char="●"/>
-              <a:tabLst>
-                <a:tab pos="1054735" algn="l"/>
-              </a:tabLst>
-            </a:pPr>
-            <a:r>
-              <a:rPr lang="en-US" sz="2000" dirty="0">
-                <a:solidFill>
-                  <a:srgbClr val="000000"/>
-                </a:solidFill>
-                <a:effectLst/>
-                <a:latin typeface="Calibri" panose="020F0502020204030204" pitchFamily="34" charset="0"/>
-                <a:ea typeface="Calibri" panose="020F0502020204030204" pitchFamily="34" charset="0"/>
-                <a:cs typeface="Calibri" panose="020F0502020204030204" pitchFamily="34" charset="0"/>
-              </a:rPr>
-              <a:t>Creating the testcases to qualify the IP</a:t>
-            </a:r>
-            <a:endParaRPr lang="en-US" sz="2000" dirty="0">
-              <a:effectLst/>
-              <a:latin typeface="Calibri" panose="020F0502020204030204" pitchFamily="34" charset="0"/>
-              <a:ea typeface="Calibri" panose="020F0502020204030204" pitchFamily="34" charset="0"/>
-              <a:cs typeface="Calibri" panose="020F0502020204030204" pitchFamily="34" charset="0"/>
-            </a:endParaRPr>
-          </a:p>
-          <a:p>
-            <a:pPr marL="1143000" marR="202565" lvl="2" indent="-228600" algn="just">
-              <a:lnSpc>
-                <a:spcPct val="145000"/>
-              </a:lnSpc>
-              <a:spcBef>
-                <a:spcPts val="405"/>
-              </a:spcBef>
-              <a:spcAft>
-                <a:spcPts val="0"/>
-              </a:spcAft>
-              <a:buSzPts val="1200"/>
-              <a:buFont typeface="Arial" panose="020B0604020202020204" pitchFamily="34" charset="0"/>
-              <a:buChar char="●"/>
-              <a:tabLst>
-                <a:tab pos="1054735" algn="l"/>
-              </a:tabLst>
-            </a:pPr>
-            <a:r>
-              <a:rPr lang="en-US" sz="2000" dirty="0">
-                <a:solidFill>
-                  <a:srgbClr val="000000"/>
-                </a:solidFill>
-                <a:effectLst/>
-                <a:latin typeface="Calibri" panose="020F0502020204030204" pitchFamily="34" charset="0"/>
-                <a:ea typeface="Calibri" panose="020F0502020204030204" pitchFamily="34" charset="0"/>
-                <a:cs typeface="Calibri" panose="020F0502020204030204" pitchFamily="34" charset="0"/>
-              </a:rPr>
-              <a:t>Collecting the Output waveforms from the Xilinx ILA</a:t>
-            </a:r>
-            <a:endParaRPr lang="en-US" sz="2000" dirty="0">
-              <a:effectLst/>
-              <a:latin typeface="Calibri" panose="020F0502020204030204" pitchFamily="34" charset="0"/>
-              <a:ea typeface="Calibri" panose="020F0502020204030204" pitchFamily="34" charset="0"/>
-              <a:cs typeface="Calibri" panose="020F0502020204030204" pitchFamily="34" charset="0"/>
-            </a:endParaRPr>
-          </a:p>
-          <a:p>
-            <a:pPr algn="just"/>
-            <a:endParaRPr lang="en-US" dirty="0"/>
-          </a:p>
-        </p:txBody>
-      </p:sp>
-    </p:spTree>
-    <p:extLst>
-      <p:ext uri="{BB962C8B-B14F-4D97-AF65-F5344CB8AC3E}">
-        <p14:creationId xmlns:p14="http://schemas.microsoft.com/office/powerpoint/2010/main" val="2634217961"/>
-      </p:ext>
-    </p:extLst>
-  </p:cSld>
-  <p:clrMapOvr>
-    <a:masterClrMapping/>
-  </p:clrMapOvr>
-</p:sld>
-</file>
-
-<file path=ppt/slides/slide4.xml><?xml version="1.0" encoding="utf-8"?>
-<p:sld xmlns:a="http://schemas.openxmlformats.org/drawingml/2006/main" xmlns:r="http://schemas.openxmlformats.org/officeDocument/2006/relationships" xmlns:p="http://schemas.openxmlformats.org/presentationml/2006/main">
-  <p:cSld>
-    <p:spTree>
-      <p:nvGrpSpPr>
-        <p:cNvPr id="1" name=""/>
-        <p:cNvGrpSpPr/>
-        <p:nvPr/>
-      </p:nvGrpSpPr>
-      <p:grpSpPr>
-        <a:xfrm>
-          <a:off x="0" y="0"/>
-          <a:ext cx="0" cy="0"/>
-          <a:chOff x="0" y="0"/>
-          <a:chExt cx="0" cy="0"/>
-        </a:xfrm>
-      </p:grpSpPr>
-      <p:sp>
-        <p:nvSpPr>
-          <p:cNvPr id="2" name="Title 1">
-            <a:extLst>
-              <a:ext uri="{FF2B5EF4-FFF2-40B4-BE49-F238E27FC236}">
-                <a16:creationId xmlns:a16="http://schemas.microsoft.com/office/drawing/2014/main" id="{B7295A61-7259-906A-7AE5-571F228F81CD}"/>
-              </a:ext>
-            </a:extLst>
-          </p:cNvPr>
-          <p:cNvSpPr>
-            <a:spLocks noGrp="1"/>
-          </p:cNvSpPr>
-          <p:nvPr>
-            <p:ph type="title"/>
-          </p:nvPr>
-        </p:nvSpPr>
-        <p:spPr/>
-        <p:txBody>
-          <a:bodyPr/>
-          <a:lstStyle/>
-          <a:p>
-            <a:r>
-              <a:rPr lang="en-US" dirty="0"/>
-              <a:t>Block Diagram:</a:t>
-            </a:r>
-          </a:p>
-        </p:txBody>
-      </p:sp>
-      <p:pic>
-        <p:nvPicPr>
-          <p:cNvPr id="1027" name="Picture 3" descr="A diagram of a system&#10;&#10;Description automatically generated">
-            <a:extLst>
-              <a:ext uri="{FF2B5EF4-FFF2-40B4-BE49-F238E27FC236}">
-                <a16:creationId xmlns:a16="http://schemas.microsoft.com/office/drawing/2014/main" id="{2EB6CE9C-60AB-3060-41AD-DA9BC4095D81}"/>
-              </a:ext>
-            </a:extLst>
-          </p:cNvPr>
-          <p:cNvPicPr>
-            <a:picLocks noChangeAspect="1" noChangeArrowheads="1"/>
-          </p:cNvPicPr>
-          <p:nvPr/>
-        </p:nvPicPr>
-        <p:blipFill>
-          <a:blip r:embed="rId2">
-            <a:extLst>
-              <a:ext uri="{28A0092B-C50C-407E-A947-70E740481C1C}">
-                <a14:useLocalDpi xmlns:a14="http://schemas.microsoft.com/office/drawing/2010/main" val="0"/>
-              </a:ext>
-            </a:extLst>
-          </a:blip>
-          <a:srcRect/>
-          <a:stretch>
-            <a:fillRect/>
-          </a:stretch>
-        </p:blipFill>
-        <p:spPr bwMode="auto">
-          <a:xfrm>
-            <a:off x="234945" y="1699762"/>
-            <a:ext cx="7595118" cy="4716527"/>
-          </a:xfrm>
-          <a:prstGeom prst="rect">
-            <a:avLst/>
-          </a:prstGeom>
-          <a:noFill/>
-          <a:ln>
-            <a:noFill/>
-          </a:ln>
-          <a:extLst>
-            <a:ext uri="{909E8E84-426E-40DD-AFC4-6F175D3DCCD1}">
-              <a14:hiddenFill xmlns:a14="http://schemas.microsoft.com/office/drawing/2010/main">
-                <a:solidFill>
-                  <a:srgbClr val="FFFFFF"/>
-                </a:solidFill>
-              </a14:hiddenFill>
-            </a:ext>
-            <a:ext uri="{91240B29-F687-4F45-9708-019B960494DF}">
-              <a14:hiddenLine xmlns:a14="http://schemas.microsoft.com/office/drawing/2010/main" w="9525">
-                <a:solidFill>
-                  <a:srgbClr val="000000"/>
-                </a:solidFill>
-                <a:miter lim="800000"/>
-                <a:headEnd/>
-                <a:tailEnd/>
-              </a14:hiddenLine>
-            </a:ext>
-          </a:extLst>
-        </p:spPr>
-      </p:pic>
-      <p:graphicFrame>
-        <p:nvGraphicFramePr>
-          <p:cNvPr id="4" name="Table 3">
-            <a:extLst>
-              <a:ext uri="{FF2B5EF4-FFF2-40B4-BE49-F238E27FC236}">
-                <a16:creationId xmlns:a16="http://schemas.microsoft.com/office/drawing/2014/main" id="{F39666F0-ABE8-8682-9C47-43A3D463EB42}"/>
-              </a:ext>
-            </a:extLst>
-          </p:cNvPr>
-          <p:cNvGraphicFramePr>
-            <a:graphicFrameLocks noGrp="1"/>
-          </p:cNvGraphicFramePr>
-          <p:nvPr>
-            <p:extLst>
-              <p:ext uri="{D42A27DB-BD31-4B8C-83A1-F6EECF244321}">
-                <p14:modId xmlns:p14="http://schemas.microsoft.com/office/powerpoint/2010/main" val="695756637"/>
-              </p:ext>
-            </p:extLst>
-          </p:nvPr>
-        </p:nvGraphicFramePr>
-        <p:xfrm>
-          <a:off x="8089142" y="2080732"/>
-          <a:ext cx="3867913" cy="2696535"/>
-        </p:xfrm>
-        <a:graphic>
-          <a:graphicData uri="http://schemas.openxmlformats.org/drawingml/2006/table">
-            <a:tbl>
-              <a:tblPr firstRow="1" firstCol="1" bandRow="1">
-                <a:tableStyleId>{5C22544A-7EE6-4342-B048-85BDC9FD1C3A}</a:tableStyleId>
-              </a:tblPr>
-              <a:tblGrid>
-                <a:gridCol w="1698507">
-                  <a:extLst>
-                    <a:ext uri="{9D8B030D-6E8A-4147-A177-3AD203B41FA5}">
-                      <a16:colId xmlns:a16="http://schemas.microsoft.com/office/drawing/2014/main" val="2134872662"/>
-                    </a:ext>
-                  </a:extLst>
-                </a:gridCol>
-                <a:gridCol w="1317139">
-                  <a:extLst>
-                    <a:ext uri="{9D8B030D-6E8A-4147-A177-3AD203B41FA5}">
-                      <a16:colId xmlns:a16="http://schemas.microsoft.com/office/drawing/2014/main" val="2240553985"/>
-                    </a:ext>
-                  </a:extLst>
-                </a:gridCol>
-                <a:gridCol w="852267">
-                  <a:extLst>
-                    <a:ext uri="{9D8B030D-6E8A-4147-A177-3AD203B41FA5}">
-                      <a16:colId xmlns:a16="http://schemas.microsoft.com/office/drawing/2014/main" val="1915622399"/>
-                    </a:ext>
-                  </a:extLst>
-                </a:gridCol>
-              </a:tblGrid>
-              <a:tr h="0">
-                <a:tc>
-                  <a:txBody>
-                    <a:bodyPr/>
-                    <a:lstStyle/>
-                    <a:p>
-                      <a:pPr marL="0" marR="0">
-                        <a:lnSpc>
-                          <a:spcPct val="115000"/>
-                        </a:lnSpc>
-                        <a:spcBef>
-                          <a:spcPts val="0"/>
-                        </a:spcBef>
-                        <a:spcAft>
-                          <a:spcPts val="0"/>
-                        </a:spcAft>
-                      </a:pPr>
-                      <a:r>
-                        <a:rPr lang="en-US" sz="1100" kern="100">
-                          <a:effectLst/>
-                        </a:rPr>
-                        <a:t>Xilinx IP Used </a:t>
-                      </a:r>
-                      <a:endParaRPr lang="en-US" sz="1200">
-                        <a:effectLst/>
-                        <a:latin typeface="Times New Roman" panose="02020603050405020304" pitchFamily="18" charset="0"/>
-                        <a:ea typeface="Times New Roman" panose="02020603050405020304" pitchFamily="18" charset="0"/>
-                      </a:endParaRPr>
-                    </a:p>
-                  </a:txBody>
-                  <a:tcPr marL="68580" marR="68580" marT="0" marB="0"/>
-                </a:tc>
-                <a:tc>
-                  <a:txBody>
-                    <a:bodyPr/>
-                    <a:lstStyle/>
-                    <a:p>
-                      <a:pPr marL="0" marR="0">
-                        <a:lnSpc>
-                          <a:spcPct val="115000"/>
-                        </a:lnSpc>
-                        <a:spcBef>
-                          <a:spcPts val="0"/>
-                        </a:spcBef>
-                        <a:spcAft>
-                          <a:spcPts val="0"/>
-                        </a:spcAft>
-                      </a:pPr>
-                      <a:r>
-                        <a:rPr lang="en-US" sz="1100" kern="100">
-                          <a:effectLst/>
-                        </a:rPr>
-                        <a:t>Address map</a:t>
-                      </a:r>
-                      <a:endParaRPr lang="en-US" sz="1200">
-                        <a:effectLst/>
-                        <a:latin typeface="Times New Roman" panose="02020603050405020304" pitchFamily="18" charset="0"/>
-                        <a:ea typeface="Times New Roman" panose="02020603050405020304" pitchFamily="18" charset="0"/>
-                      </a:endParaRPr>
-                    </a:p>
-                  </a:txBody>
-                  <a:tcPr marL="68580" marR="68580" marT="0" marB="0"/>
-                </a:tc>
-                <a:tc>
-                  <a:txBody>
-                    <a:bodyPr/>
-                    <a:lstStyle/>
-                    <a:p>
-                      <a:pPr marL="0" marR="0">
-                        <a:lnSpc>
-                          <a:spcPct val="115000"/>
-                        </a:lnSpc>
-                        <a:spcBef>
-                          <a:spcPts val="0"/>
-                        </a:spcBef>
-                        <a:spcAft>
-                          <a:spcPts val="0"/>
-                        </a:spcAft>
-                      </a:pPr>
-                      <a:r>
-                        <a:rPr lang="en-US" sz="1100" kern="100">
-                          <a:effectLst/>
-                        </a:rPr>
-                        <a:t>Size</a:t>
-                      </a:r>
-                      <a:endParaRPr lang="en-US" sz="1200">
-                        <a:effectLst/>
-                        <a:latin typeface="Times New Roman" panose="02020603050405020304" pitchFamily="18" charset="0"/>
-                        <a:ea typeface="Times New Roman" panose="02020603050405020304" pitchFamily="18" charset="0"/>
-                      </a:endParaRPr>
-                    </a:p>
-                  </a:txBody>
-                  <a:tcPr marL="68580" marR="68580" marT="0" marB="0"/>
-                </a:tc>
-                <a:extLst>
-                  <a:ext uri="{0D108BD9-81ED-4DB2-BD59-A6C34878D82A}">
-                    <a16:rowId xmlns:a16="http://schemas.microsoft.com/office/drawing/2014/main" val="1453050066"/>
-                  </a:ext>
-                </a:extLst>
-              </a:tr>
-              <a:tr h="0">
-                <a:tc>
-                  <a:txBody>
-                    <a:bodyPr/>
-                    <a:lstStyle/>
-                    <a:p>
-                      <a:pPr marL="0" marR="0">
-                        <a:lnSpc>
-                          <a:spcPct val="115000"/>
-                        </a:lnSpc>
-                        <a:spcBef>
-                          <a:spcPts val="0"/>
-                        </a:spcBef>
-                        <a:spcAft>
-                          <a:spcPts val="0"/>
-                        </a:spcAft>
-                      </a:pPr>
-                      <a:r>
-                        <a:rPr lang="en-US" sz="1100" kern="100">
-                          <a:effectLst/>
-                        </a:rPr>
-                        <a:t>clk_wiz:6.0\</a:t>
-                      </a:r>
-                      <a:endParaRPr lang="en-US" sz="1200">
-                        <a:effectLst/>
-                        <a:latin typeface="Times New Roman" panose="02020603050405020304" pitchFamily="18" charset="0"/>
-                        <a:ea typeface="Times New Roman" panose="02020603050405020304" pitchFamily="18" charset="0"/>
-                      </a:endParaRPr>
-                    </a:p>
-                  </a:txBody>
-                  <a:tcPr marL="68580" marR="68580" marT="0" marB="0"/>
-                </a:tc>
-                <a:tc>
-                  <a:txBody>
-                    <a:bodyPr/>
-                    <a:lstStyle/>
-                    <a:p>
-                      <a:pPr marL="0" marR="0">
-                        <a:lnSpc>
-                          <a:spcPct val="115000"/>
-                        </a:lnSpc>
-                        <a:spcBef>
-                          <a:spcPts val="0"/>
-                        </a:spcBef>
-                        <a:spcAft>
-                          <a:spcPts val="0"/>
-                        </a:spcAft>
-                      </a:pPr>
-                      <a:r>
-                        <a:rPr lang="en-US" sz="1100" kern="100">
-                          <a:effectLst/>
-                        </a:rPr>
-                        <a:t>NA</a:t>
-                      </a:r>
-                      <a:endParaRPr lang="en-US" sz="1200">
-                        <a:effectLst/>
-                        <a:latin typeface="Times New Roman" panose="02020603050405020304" pitchFamily="18" charset="0"/>
-                        <a:ea typeface="Times New Roman" panose="02020603050405020304" pitchFamily="18" charset="0"/>
-                      </a:endParaRPr>
-                    </a:p>
-                  </a:txBody>
-                  <a:tcPr marL="68580" marR="68580" marT="0" marB="0"/>
-                </a:tc>
-                <a:tc>
-                  <a:txBody>
-                    <a:bodyPr/>
-                    <a:lstStyle/>
-                    <a:p>
-                      <a:pPr marL="0" marR="0">
-                        <a:lnSpc>
-                          <a:spcPct val="115000"/>
-                        </a:lnSpc>
-                        <a:spcBef>
-                          <a:spcPts val="0"/>
-                        </a:spcBef>
-                        <a:spcAft>
-                          <a:spcPts val="0"/>
-                        </a:spcAft>
-                      </a:pPr>
-                      <a:r>
-                        <a:rPr lang="en-US" sz="1100" kern="100">
-                          <a:effectLst/>
-                        </a:rPr>
-                        <a:t> </a:t>
-                      </a:r>
-                      <a:endParaRPr lang="en-US" sz="1200">
-                        <a:effectLst/>
-                        <a:latin typeface="Times New Roman" panose="02020603050405020304" pitchFamily="18" charset="0"/>
-                        <a:ea typeface="Times New Roman" panose="02020603050405020304" pitchFamily="18" charset="0"/>
-                      </a:endParaRPr>
-                    </a:p>
-                  </a:txBody>
-                  <a:tcPr marL="68580" marR="68580" marT="0" marB="0"/>
-                </a:tc>
-                <a:extLst>
-                  <a:ext uri="{0D108BD9-81ED-4DB2-BD59-A6C34878D82A}">
-                    <a16:rowId xmlns:a16="http://schemas.microsoft.com/office/drawing/2014/main" val="1397369531"/>
-                  </a:ext>
-                </a:extLst>
-              </a:tr>
-              <a:tr h="0">
-                <a:tc>
-                  <a:txBody>
-                    <a:bodyPr/>
-                    <a:lstStyle/>
-                    <a:p>
-                      <a:pPr marL="0" marR="0">
-                        <a:lnSpc>
-                          <a:spcPct val="115000"/>
-                        </a:lnSpc>
-                        <a:spcBef>
-                          <a:spcPts val="0"/>
-                        </a:spcBef>
-                        <a:spcAft>
-                          <a:spcPts val="0"/>
-                        </a:spcAft>
-                      </a:pPr>
-                      <a:r>
-                        <a:rPr lang="en-US" sz="1100" kern="100">
-                          <a:effectLst/>
-                        </a:rPr>
-                        <a:t>microblaze:11.0\</a:t>
-                      </a:r>
-                      <a:endParaRPr lang="en-US" sz="1200">
-                        <a:effectLst/>
-                        <a:latin typeface="Times New Roman" panose="02020603050405020304" pitchFamily="18" charset="0"/>
-                        <a:ea typeface="Times New Roman" panose="02020603050405020304" pitchFamily="18" charset="0"/>
-                      </a:endParaRPr>
-                    </a:p>
-                  </a:txBody>
-                  <a:tcPr marL="68580" marR="68580" marT="0" marB="0"/>
-                </a:tc>
-                <a:tc>
-                  <a:txBody>
-                    <a:bodyPr/>
-                    <a:lstStyle/>
-                    <a:p>
-                      <a:pPr marL="0" marR="0">
-                        <a:lnSpc>
-                          <a:spcPct val="115000"/>
-                        </a:lnSpc>
-                        <a:spcBef>
-                          <a:spcPts val="0"/>
-                        </a:spcBef>
-                        <a:spcAft>
-                          <a:spcPts val="0"/>
-                        </a:spcAft>
-                      </a:pPr>
-                      <a:r>
-                        <a:rPr lang="en-US" sz="1100" kern="100">
-                          <a:effectLst/>
-                        </a:rPr>
-                        <a:t>NA</a:t>
-                      </a:r>
-                      <a:endParaRPr lang="en-US" sz="1200">
-                        <a:effectLst/>
-                        <a:latin typeface="Times New Roman" panose="02020603050405020304" pitchFamily="18" charset="0"/>
-                        <a:ea typeface="Times New Roman" panose="02020603050405020304" pitchFamily="18" charset="0"/>
-                      </a:endParaRPr>
-                    </a:p>
-                  </a:txBody>
-                  <a:tcPr marL="68580" marR="68580" marT="0" marB="0"/>
-                </a:tc>
-                <a:tc>
-                  <a:txBody>
-                    <a:bodyPr/>
-                    <a:lstStyle/>
-                    <a:p>
-                      <a:pPr marL="0" marR="0">
-                        <a:lnSpc>
-                          <a:spcPct val="115000"/>
-                        </a:lnSpc>
-                        <a:spcBef>
-                          <a:spcPts val="0"/>
-                        </a:spcBef>
-                        <a:spcAft>
-                          <a:spcPts val="0"/>
-                        </a:spcAft>
-                      </a:pPr>
-                      <a:r>
-                        <a:rPr lang="en-US" sz="1100" kern="100">
-                          <a:effectLst/>
-                        </a:rPr>
-                        <a:t> </a:t>
-                      </a:r>
-                      <a:endParaRPr lang="en-US" sz="1200">
-                        <a:effectLst/>
-                        <a:latin typeface="Times New Roman" panose="02020603050405020304" pitchFamily="18" charset="0"/>
-                        <a:ea typeface="Times New Roman" panose="02020603050405020304" pitchFamily="18" charset="0"/>
-                      </a:endParaRPr>
-                    </a:p>
-                  </a:txBody>
-                  <a:tcPr marL="68580" marR="68580" marT="0" marB="0"/>
-                </a:tc>
-                <a:extLst>
-                  <a:ext uri="{0D108BD9-81ED-4DB2-BD59-A6C34878D82A}">
-                    <a16:rowId xmlns:a16="http://schemas.microsoft.com/office/drawing/2014/main" val="1893689087"/>
-                  </a:ext>
-                </a:extLst>
-              </a:tr>
-              <a:tr h="0">
-                <a:tc>
-                  <a:txBody>
-                    <a:bodyPr/>
-                    <a:lstStyle/>
-                    <a:p>
-                      <a:pPr marL="0" marR="0">
-                        <a:lnSpc>
-                          <a:spcPct val="115000"/>
-                        </a:lnSpc>
-                        <a:spcBef>
-                          <a:spcPts val="0"/>
-                        </a:spcBef>
-                        <a:spcAft>
-                          <a:spcPts val="0"/>
-                        </a:spcAft>
-                      </a:pPr>
-                      <a:r>
-                        <a:rPr lang="en-US" sz="1100" kern="100">
-                          <a:effectLst/>
-                        </a:rPr>
-                        <a:t>mdm:3.2\</a:t>
-                      </a:r>
-                      <a:endParaRPr lang="en-US" sz="1200">
-                        <a:effectLst/>
-                        <a:latin typeface="Times New Roman" panose="02020603050405020304" pitchFamily="18" charset="0"/>
-                        <a:ea typeface="Times New Roman" panose="02020603050405020304" pitchFamily="18" charset="0"/>
-                      </a:endParaRPr>
-                    </a:p>
-                  </a:txBody>
-                  <a:tcPr marL="68580" marR="68580" marT="0" marB="0"/>
-                </a:tc>
-                <a:tc>
-                  <a:txBody>
-                    <a:bodyPr/>
-                    <a:lstStyle/>
-                    <a:p>
-                      <a:pPr marL="0" marR="0">
-                        <a:lnSpc>
-                          <a:spcPct val="115000"/>
-                        </a:lnSpc>
-                        <a:spcBef>
-                          <a:spcPts val="0"/>
-                        </a:spcBef>
-                        <a:spcAft>
-                          <a:spcPts val="0"/>
-                        </a:spcAft>
-                      </a:pPr>
-                      <a:r>
-                        <a:rPr lang="en-US" sz="1100" kern="100">
-                          <a:effectLst/>
-                        </a:rPr>
-                        <a:t>NA</a:t>
-                      </a:r>
-                      <a:endParaRPr lang="en-US" sz="1200">
-                        <a:effectLst/>
-                        <a:latin typeface="Times New Roman" panose="02020603050405020304" pitchFamily="18" charset="0"/>
-                        <a:ea typeface="Times New Roman" panose="02020603050405020304" pitchFamily="18" charset="0"/>
-                      </a:endParaRPr>
-                    </a:p>
-                  </a:txBody>
-                  <a:tcPr marL="68580" marR="68580" marT="0" marB="0"/>
-                </a:tc>
-                <a:tc>
-                  <a:txBody>
-                    <a:bodyPr/>
-                    <a:lstStyle/>
-                    <a:p>
-                      <a:pPr marL="0" marR="0">
-                        <a:lnSpc>
-                          <a:spcPct val="115000"/>
-                        </a:lnSpc>
-                        <a:spcBef>
-                          <a:spcPts val="0"/>
-                        </a:spcBef>
-                        <a:spcAft>
-                          <a:spcPts val="0"/>
-                        </a:spcAft>
-                      </a:pPr>
-                      <a:r>
-                        <a:rPr lang="en-US" sz="1100" kern="100">
-                          <a:effectLst/>
-                        </a:rPr>
-                        <a:t> </a:t>
-                      </a:r>
-                      <a:endParaRPr lang="en-US" sz="1200">
-                        <a:effectLst/>
-                        <a:latin typeface="Times New Roman" panose="02020603050405020304" pitchFamily="18" charset="0"/>
-                        <a:ea typeface="Times New Roman" panose="02020603050405020304" pitchFamily="18" charset="0"/>
-                      </a:endParaRPr>
-                    </a:p>
-                  </a:txBody>
-                  <a:tcPr marL="68580" marR="68580" marT="0" marB="0"/>
-                </a:tc>
-                <a:extLst>
-                  <a:ext uri="{0D108BD9-81ED-4DB2-BD59-A6C34878D82A}">
-                    <a16:rowId xmlns:a16="http://schemas.microsoft.com/office/drawing/2014/main" val="1482321762"/>
-                  </a:ext>
-                </a:extLst>
-              </a:tr>
-              <a:tr h="0">
-                <a:tc>
-                  <a:txBody>
-                    <a:bodyPr/>
-                    <a:lstStyle/>
-                    <a:p>
-                      <a:pPr marL="0" marR="0">
-                        <a:lnSpc>
-                          <a:spcPct val="115000"/>
-                        </a:lnSpc>
-                        <a:spcBef>
-                          <a:spcPts val="0"/>
-                        </a:spcBef>
-                        <a:spcAft>
-                          <a:spcPts val="0"/>
-                        </a:spcAft>
-                      </a:pPr>
-                      <a:r>
-                        <a:rPr lang="en-US" sz="1100" kern="100">
-                          <a:effectLst/>
-                        </a:rPr>
-                        <a:t>proc_sys_reset:5.0\</a:t>
-                      </a:r>
-                      <a:endParaRPr lang="en-US" sz="1200">
-                        <a:effectLst/>
-                        <a:latin typeface="Times New Roman" panose="02020603050405020304" pitchFamily="18" charset="0"/>
-                        <a:ea typeface="Times New Roman" panose="02020603050405020304" pitchFamily="18" charset="0"/>
-                      </a:endParaRPr>
-                    </a:p>
-                  </a:txBody>
-                  <a:tcPr marL="68580" marR="68580" marT="0" marB="0"/>
-                </a:tc>
-                <a:tc>
-                  <a:txBody>
-                    <a:bodyPr/>
-                    <a:lstStyle/>
-                    <a:p>
-                      <a:pPr marL="0" marR="0">
-                        <a:lnSpc>
-                          <a:spcPct val="115000"/>
-                        </a:lnSpc>
-                        <a:spcBef>
-                          <a:spcPts val="0"/>
-                        </a:spcBef>
-                        <a:spcAft>
-                          <a:spcPts val="0"/>
-                        </a:spcAft>
-                      </a:pPr>
-                      <a:r>
-                        <a:rPr lang="en-US" sz="1100" kern="100">
-                          <a:effectLst/>
-                        </a:rPr>
-                        <a:t>NA</a:t>
-                      </a:r>
-                      <a:endParaRPr lang="en-US" sz="1200">
-                        <a:effectLst/>
-                        <a:latin typeface="Times New Roman" panose="02020603050405020304" pitchFamily="18" charset="0"/>
-                        <a:ea typeface="Times New Roman" panose="02020603050405020304" pitchFamily="18" charset="0"/>
-                      </a:endParaRPr>
-                    </a:p>
-                  </a:txBody>
-                  <a:tcPr marL="68580" marR="68580" marT="0" marB="0"/>
-                </a:tc>
-                <a:tc>
-                  <a:txBody>
-                    <a:bodyPr/>
-                    <a:lstStyle/>
-                    <a:p>
-                      <a:pPr marL="0" marR="0">
-                        <a:lnSpc>
-                          <a:spcPct val="115000"/>
-                        </a:lnSpc>
-                        <a:spcBef>
-                          <a:spcPts val="0"/>
-                        </a:spcBef>
-                        <a:spcAft>
-                          <a:spcPts val="0"/>
-                        </a:spcAft>
-                      </a:pPr>
-                      <a:r>
-                        <a:rPr lang="en-US" sz="1100" kern="100">
-                          <a:effectLst/>
-                        </a:rPr>
-                        <a:t> </a:t>
-                      </a:r>
-                      <a:endParaRPr lang="en-US" sz="1200">
-                        <a:effectLst/>
-                        <a:latin typeface="Times New Roman" panose="02020603050405020304" pitchFamily="18" charset="0"/>
-                        <a:ea typeface="Times New Roman" panose="02020603050405020304" pitchFamily="18" charset="0"/>
-                      </a:endParaRPr>
-                    </a:p>
-                  </a:txBody>
-                  <a:tcPr marL="68580" marR="68580" marT="0" marB="0"/>
-                </a:tc>
-                <a:extLst>
-                  <a:ext uri="{0D108BD9-81ED-4DB2-BD59-A6C34878D82A}">
-                    <a16:rowId xmlns:a16="http://schemas.microsoft.com/office/drawing/2014/main" val="24955380"/>
-                  </a:ext>
-                </a:extLst>
-              </a:tr>
-              <a:tr h="0">
-                <a:tc>
-                  <a:txBody>
-                    <a:bodyPr/>
-                    <a:lstStyle/>
-                    <a:p>
-                      <a:pPr marL="0" marR="0">
-                        <a:lnSpc>
-                          <a:spcPct val="115000"/>
-                        </a:lnSpc>
-                        <a:spcBef>
-                          <a:spcPts val="0"/>
-                        </a:spcBef>
-                        <a:spcAft>
-                          <a:spcPts val="0"/>
-                        </a:spcAft>
-                      </a:pPr>
-                      <a:r>
-                        <a:rPr lang="en-US" sz="1100" kern="100">
-                          <a:effectLst/>
-                        </a:rPr>
-                        <a:t>axi_gpio:2.0\</a:t>
-                      </a:r>
-                      <a:endParaRPr lang="en-US" sz="1200">
-                        <a:effectLst/>
-                        <a:latin typeface="Times New Roman" panose="02020603050405020304" pitchFamily="18" charset="0"/>
-                        <a:ea typeface="Times New Roman" panose="02020603050405020304" pitchFamily="18" charset="0"/>
-                      </a:endParaRPr>
-                    </a:p>
-                  </a:txBody>
-                  <a:tcPr marL="68580" marR="68580" marT="0" marB="0"/>
-                </a:tc>
-                <a:tc>
-                  <a:txBody>
-                    <a:bodyPr/>
-                    <a:lstStyle/>
-                    <a:p>
-                      <a:pPr marL="0" marR="0">
-                        <a:lnSpc>
-                          <a:spcPct val="115000"/>
-                        </a:lnSpc>
-                        <a:spcBef>
-                          <a:spcPts val="0"/>
-                        </a:spcBef>
-                        <a:spcAft>
-                          <a:spcPts val="0"/>
-                        </a:spcAft>
-                      </a:pPr>
-                      <a:r>
-                        <a:rPr lang="en-US" sz="1100" kern="100">
-                          <a:effectLst/>
-                        </a:rPr>
-                        <a:t>0x40000000</a:t>
-                      </a:r>
-                      <a:endParaRPr lang="en-US" sz="1200">
-                        <a:effectLst/>
-                        <a:latin typeface="Times New Roman" panose="02020603050405020304" pitchFamily="18" charset="0"/>
-                        <a:ea typeface="Times New Roman" panose="02020603050405020304" pitchFamily="18" charset="0"/>
-                      </a:endParaRPr>
-                    </a:p>
-                  </a:txBody>
-                  <a:tcPr marL="68580" marR="68580" marT="0" marB="0"/>
-                </a:tc>
-                <a:tc>
-                  <a:txBody>
-                    <a:bodyPr/>
-                    <a:lstStyle/>
-                    <a:p>
-                      <a:pPr marL="0" marR="0">
-                        <a:lnSpc>
-                          <a:spcPct val="115000"/>
-                        </a:lnSpc>
-                        <a:spcBef>
-                          <a:spcPts val="0"/>
-                        </a:spcBef>
-                        <a:spcAft>
-                          <a:spcPts val="0"/>
-                        </a:spcAft>
-                      </a:pPr>
-                      <a:r>
-                        <a:rPr lang="en-US" sz="1100" kern="100">
-                          <a:effectLst/>
-                        </a:rPr>
-                        <a:t>1kB</a:t>
-                      </a:r>
-                      <a:endParaRPr lang="en-US" sz="1200">
-                        <a:effectLst/>
-                        <a:latin typeface="Times New Roman" panose="02020603050405020304" pitchFamily="18" charset="0"/>
-                        <a:ea typeface="Times New Roman" panose="02020603050405020304" pitchFamily="18" charset="0"/>
-                      </a:endParaRPr>
-                    </a:p>
-                  </a:txBody>
-                  <a:tcPr marL="68580" marR="68580" marT="0" marB="0"/>
-                </a:tc>
-                <a:extLst>
-                  <a:ext uri="{0D108BD9-81ED-4DB2-BD59-A6C34878D82A}">
-                    <a16:rowId xmlns:a16="http://schemas.microsoft.com/office/drawing/2014/main" val="3046411962"/>
-                  </a:ext>
-                </a:extLst>
-              </a:tr>
-              <a:tr h="0">
-                <a:tc>
-                  <a:txBody>
-                    <a:bodyPr/>
-                    <a:lstStyle/>
-                    <a:p>
-                      <a:pPr marL="0" marR="0">
-                        <a:lnSpc>
-                          <a:spcPct val="115000"/>
-                        </a:lnSpc>
-                        <a:spcBef>
-                          <a:spcPts val="0"/>
-                        </a:spcBef>
-                        <a:spcAft>
-                          <a:spcPts val="0"/>
-                        </a:spcAft>
-                      </a:pPr>
-                      <a:r>
-                        <a:rPr lang="en-US" sz="1100" kern="100">
-                          <a:effectLst/>
-                        </a:rPr>
-                        <a:t>axi_bram_ctrl:4.1\</a:t>
-                      </a:r>
-                      <a:endParaRPr lang="en-US" sz="1200">
-                        <a:effectLst/>
-                        <a:latin typeface="Times New Roman" panose="02020603050405020304" pitchFamily="18" charset="0"/>
-                        <a:ea typeface="Times New Roman" panose="02020603050405020304" pitchFamily="18" charset="0"/>
-                      </a:endParaRPr>
-                    </a:p>
-                  </a:txBody>
-                  <a:tcPr marL="68580" marR="68580" marT="0" marB="0"/>
-                </a:tc>
-                <a:tc>
-                  <a:txBody>
-                    <a:bodyPr/>
-                    <a:lstStyle/>
-                    <a:p>
-                      <a:pPr marL="0" marR="0">
-                        <a:lnSpc>
-                          <a:spcPct val="115000"/>
-                        </a:lnSpc>
-                        <a:spcBef>
-                          <a:spcPts val="0"/>
-                        </a:spcBef>
-                        <a:spcAft>
-                          <a:spcPts val="0"/>
-                        </a:spcAft>
-                      </a:pPr>
-                      <a:r>
-                        <a:rPr lang="en-US" sz="1100" kern="100">
-                          <a:effectLst/>
-                        </a:rPr>
-                        <a:t>NA</a:t>
-                      </a:r>
-                      <a:endParaRPr lang="en-US" sz="1200">
-                        <a:effectLst/>
-                        <a:latin typeface="Times New Roman" panose="02020603050405020304" pitchFamily="18" charset="0"/>
-                        <a:ea typeface="Times New Roman" panose="02020603050405020304" pitchFamily="18" charset="0"/>
-                      </a:endParaRPr>
-                    </a:p>
-                  </a:txBody>
-                  <a:tcPr marL="68580" marR="68580" marT="0" marB="0"/>
-                </a:tc>
-                <a:tc>
-                  <a:txBody>
-                    <a:bodyPr/>
-                    <a:lstStyle/>
-                    <a:p>
-                      <a:pPr marL="0" marR="0">
-                        <a:lnSpc>
-                          <a:spcPct val="115000"/>
-                        </a:lnSpc>
-                        <a:spcBef>
-                          <a:spcPts val="0"/>
-                        </a:spcBef>
-                        <a:spcAft>
-                          <a:spcPts val="0"/>
-                        </a:spcAft>
-                      </a:pPr>
-                      <a:r>
-                        <a:rPr lang="en-US" sz="1100" kern="100">
-                          <a:effectLst/>
-                        </a:rPr>
-                        <a:t> </a:t>
-                      </a:r>
-                      <a:endParaRPr lang="en-US" sz="1200">
-                        <a:effectLst/>
-                        <a:latin typeface="Times New Roman" panose="02020603050405020304" pitchFamily="18" charset="0"/>
-                        <a:ea typeface="Times New Roman" panose="02020603050405020304" pitchFamily="18" charset="0"/>
-                      </a:endParaRPr>
-                    </a:p>
-                  </a:txBody>
-                  <a:tcPr marL="68580" marR="68580" marT="0" marB="0"/>
-                </a:tc>
-                <a:extLst>
-                  <a:ext uri="{0D108BD9-81ED-4DB2-BD59-A6C34878D82A}">
-                    <a16:rowId xmlns:a16="http://schemas.microsoft.com/office/drawing/2014/main" val="1576542054"/>
-                  </a:ext>
-                </a:extLst>
-              </a:tr>
-              <a:tr h="0">
-                <a:tc>
-                  <a:txBody>
-                    <a:bodyPr/>
-                    <a:lstStyle/>
-                    <a:p>
-                      <a:pPr marL="0" marR="0">
-                        <a:lnSpc>
-                          <a:spcPct val="115000"/>
-                        </a:lnSpc>
-                        <a:spcBef>
-                          <a:spcPts val="0"/>
-                        </a:spcBef>
-                        <a:spcAft>
-                          <a:spcPts val="0"/>
-                        </a:spcAft>
-                      </a:pPr>
-                      <a:r>
-                        <a:rPr lang="en-US" sz="1100" kern="100">
-                          <a:effectLst/>
-                        </a:rPr>
-                        <a:t>blk_mem_gen:8.4\</a:t>
-                      </a:r>
-                      <a:endParaRPr lang="en-US" sz="1200">
-                        <a:effectLst/>
-                        <a:latin typeface="Times New Roman" panose="02020603050405020304" pitchFamily="18" charset="0"/>
-                        <a:ea typeface="Times New Roman" panose="02020603050405020304" pitchFamily="18" charset="0"/>
-                      </a:endParaRPr>
-                    </a:p>
-                  </a:txBody>
-                  <a:tcPr marL="68580" marR="68580" marT="0" marB="0"/>
-                </a:tc>
-                <a:tc>
-                  <a:txBody>
-                    <a:bodyPr/>
-                    <a:lstStyle/>
-                    <a:p>
-                      <a:pPr marL="0" marR="0">
-                        <a:lnSpc>
-                          <a:spcPct val="115000"/>
-                        </a:lnSpc>
-                        <a:spcBef>
-                          <a:spcPts val="0"/>
-                        </a:spcBef>
-                        <a:spcAft>
-                          <a:spcPts val="0"/>
-                        </a:spcAft>
-                      </a:pPr>
-                      <a:r>
-                        <a:rPr lang="en-US" sz="1100" kern="100">
-                          <a:effectLst/>
-                        </a:rPr>
-                        <a:t>0xC0000000</a:t>
-                      </a:r>
-                      <a:endParaRPr lang="en-US" sz="1200">
-                        <a:effectLst/>
-                        <a:latin typeface="Times New Roman" panose="02020603050405020304" pitchFamily="18" charset="0"/>
-                        <a:ea typeface="Times New Roman" panose="02020603050405020304" pitchFamily="18" charset="0"/>
-                      </a:endParaRPr>
-                    </a:p>
-                  </a:txBody>
-                  <a:tcPr marL="68580" marR="68580" marT="0" marB="0"/>
-                </a:tc>
-                <a:tc>
-                  <a:txBody>
-                    <a:bodyPr/>
-                    <a:lstStyle/>
-                    <a:p>
-                      <a:pPr marL="0" marR="0">
-                        <a:lnSpc>
-                          <a:spcPct val="115000"/>
-                        </a:lnSpc>
-                        <a:spcBef>
-                          <a:spcPts val="0"/>
-                        </a:spcBef>
-                        <a:spcAft>
-                          <a:spcPts val="0"/>
-                        </a:spcAft>
-                      </a:pPr>
-                      <a:r>
-                        <a:rPr lang="en-US" sz="1100" kern="100">
-                          <a:effectLst/>
-                        </a:rPr>
-                        <a:t>512kB</a:t>
-                      </a:r>
-                      <a:endParaRPr lang="en-US" sz="1200">
-                        <a:effectLst/>
-                        <a:latin typeface="Times New Roman" panose="02020603050405020304" pitchFamily="18" charset="0"/>
-                        <a:ea typeface="Times New Roman" panose="02020603050405020304" pitchFamily="18" charset="0"/>
-                      </a:endParaRPr>
-                    </a:p>
-                  </a:txBody>
-                  <a:tcPr marL="68580" marR="68580" marT="0" marB="0"/>
-                </a:tc>
-                <a:extLst>
-                  <a:ext uri="{0D108BD9-81ED-4DB2-BD59-A6C34878D82A}">
-                    <a16:rowId xmlns:a16="http://schemas.microsoft.com/office/drawing/2014/main" val="3880842563"/>
-                  </a:ext>
-                </a:extLst>
-              </a:tr>
-              <a:tr h="0">
-                <a:tc>
-                  <a:txBody>
-                    <a:bodyPr/>
-                    <a:lstStyle/>
-                    <a:p>
-                      <a:pPr marL="0" marR="0">
-                        <a:lnSpc>
-                          <a:spcPct val="115000"/>
-                        </a:lnSpc>
-                        <a:spcBef>
-                          <a:spcPts val="0"/>
-                        </a:spcBef>
-                        <a:spcAft>
-                          <a:spcPts val="0"/>
-                        </a:spcAft>
-                      </a:pPr>
-                      <a:r>
-                        <a:rPr lang="en-US" sz="1100" kern="100">
-                          <a:effectLst/>
-                        </a:rPr>
-                        <a:t>xlconcat:2.1\</a:t>
-                      </a:r>
-                      <a:endParaRPr lang="en-US" sz="1200">
-                        <a:effectLst/>
-                        <a:latin typeface="Times New Roman" panose="02020603050405020304" pitchFamily="18" charset="0"/>
-                        <a:ea typeface="Times New Roman" panose="02020603050405020304" pitchFamily="18" charset="0"/>
-                      </a:endParaRPr>
-                    </a:p>
-                  </a:txBody>
-                  <a:tcPr marL="68580" marR="68580" marT="0" marB="0"/>
-                </a:tc>
-                <a:tc>
-                  <a:txBody>
-                    <a:bodyPr/>
-                    <a:lstStyle/>
-                    <a:p>
-                      <a:pPr marL="0" marR="0">
-                        <a:lnSpc>
-                          <a:spcPct val="115000"/>
-                        </a:lnSpc>
-                        <a:spcBef>
-                          <a:spcPts val="0"/>
-                        </a:spcBef>
-                        <a:spcAft>
-                          <a:spcPts val="0"/>
-                        </a:spcAft>
-                      </a:pPr>
-                      <a:r>
-                        <a:rPr lang="en-US" sz="1100" kern="100">
-                          <a:effectLst/>
-                        </a:rPr>
-                        <a:t>NA</a:t>
-                      </a:r>
-                      <a:endParaRPr lang="en-US" sz="1200">
-                        <a:effectLst/>
-                        <a:latin typeface="Times New Roman" panose="02020603050405020304" pitchFamily="18" charset="0"/>
-                        <a:ea typeface="Times New Roman" panose="02020603050405020304" pitchFamily="18" charset="0"/>
-                      </a:endParaRPr>
-                    </a:p>
-                  </a:txBody>
-                  <a:tcPr marL="68580" marR="68580" marT="0" marB="0"/>
-                </a:tc>
-                <a:tc>
-                  <a:txBody>
-                    <a:bodyPr/>
-                    <a:lstStyle/>
-                    <a:p>
-                      <a:pPr marL="0" marR="0">
-                        <a:lnSpc>
-                          <a:spcPct val="115000"/>
-                        </a:lnSpc>
-                        <a:spcBef>
-                          <a:spcPts val="0"/>
-                        </a:spcBef>
-                        <a:spcAft>
-                          <a:spcPts val="0"/>
-                        </a:spcAft>
-                      </a:pPr>
-                      <a:r>
-                        <a:rPr lang="en-US" sz="1100" kern="100">
-                          <a:effectLst/>
-                        </a:rPr>
-                        <a:t> </a:t>
-                      </a:r>
-                      <a:endParaRPr lang="en-US" sz="1200">
-                        <a:effectLst/>
-                        <a:latin typeface="Times New Roman" panose="02020603050405020304" pitchFamily="18" charset="0"/>
-                        <a:ea typeface="Times New Roman" panose="02020603050405020304" pitchFamily="18" charset="0"/>
-                      </a:endParaRPr>
-                    </a:p>
-                  </a:txBody>
-                  <a:tcPr marL="68580" marR="68580" marT="0" marB="0"/>
-                </a:tc>
-                <a:extLst>
-                  <a:ext uri="{0D108BD9-81ED-4DB2-BD59-A6C34878D82A}">
-                    <a16:rowId xmlns:a16="http://schemas.microsoft.com/office/drawing/2014/main" val="2223221798"/>
-                  </a:ext>
-                </a:extLst>
-              </a:tr>
-              <a:tr h="0">
-                <a:tc>
-                  <a:txBody>
-                    <a:bodyPr/>
-                    <a:lstStyle/>
-                    <a:p>
-                      <a:pPr marL="0" marR="0">
-                        <a:lnSpc>
-                          <a:spcPct val="115000"/>
-                        </a:lnSpc>
-                        <a:spcBef>
-                          <a:spcPts val="0"/>
-                        </a:spcBef>
-                        <a:spcAft>
-                          <a:spcPts val="0"/>
-                        </a:spcAft>
-                      </a:pPr>
-                      <a:r>
-                        <a:rPr lang="en-US" sz="1100" kern="100">
-                          <a:effectLst/>
-                        </a:rPr>
-                        <a:t>axi_intc:4.1\</a:t>
-                      </a:r>
-                      <a:endParaRPr lang="en-US" sz="1200">
-                        <a:effectLst/>
-                        <a:latin typeface="Times New Roman" panose="02020603050405020304" pitchFamily="18" charset="0"/>
-                        <a:ea typeface="Times New Roman" panose="02020603050405020304" pitchFamily="18" charset="0"/>
-                      </a:endParaRPr>
-                    </a:p>
-                  </a:txBody>
-                  <a:tcPr marL="68580" marR="68580" marT="0" marB="0"/>
-                </a:tc>
-                <a:tc>
-                  <a:txBody>
-                    <a:bodyPr/>
-                    <a:lstStyle/>
-                    <a:p>
-                      <a:pPr marL="0" marR="0">
-                        <a:lnSpc>
-                          <a:spcPct val="115000"/>
-                        </a:lnSpc>
-                        <a:spcBef>
-                          <a:spcPts val="0"/>
-                        </a:spcBef>
-                        <a:spcAft>
-                          <a:spcPts val="0"/>
-                        </a:spcAft>
-                      </a:pPr>
-                      <a:r>
-                        <a:rPr lang="en-US" sz="1100" kern="100">
-                          <a:effectLst/>
-                        </a:rPr>
-                        <a:t>0x41200000</a:t>
-                      </a:r>
-                      <a:endParaRPr lang="en-US" sz="1200">
-                        <a:effectLst/>
-                        <a:latin typeface="Times New Roman" panose="02020603050405020304" pitchFamily="18" charset="0"/>
-                        <a:ea typeface="Times New Roman" panose="02020603050405020304" pitchFamily="18" charset="0"/>
-                      </a:endParaRPr>
-                    </a:p>
-                  </a:txBody>
-                  <a:tcPr marL="68580" marR="68580" marT="0" marB="0"/>
-                </a:tc>
-                <a:tc>
-                  <a:txBody>
-                    <a:bodyPr/>
-                    <a:lstStyle/>
-                    <a:p>
-                      <a:pPr marL="0" marR="0">
-                        <a:lnSpc>
-                          <a:spcPct val="115000"/>
-                        </a:lnSpc>
-                        <a:spcBef>
-                          <a:spcPts val="0"/>
-                        </a:spcBef>
-                        <a:spcAft>
-                          <a:spcPts val="0"/>
-                        </a:spcAft>
-                      </a:pPr>
-                      <a:r>
-                        <a:rPr lang="en-US" sz="1100" kern="100">
-                          <a:effectLst/>
-                        </a:rPr>
-                        <a:t>1kB</a:t>
-                      </a:r>
-                      <a:endParaRPr lang="en-US" sz="1200">
-                        <a:effectLst/>
-                        <a:latin typeface="Times New Roman" panose="02020603050405020304" pitchFamily="18" charset="0"/>
-                        <a:ea typeface="Times New Roman" panose="02020603050405020304" pitchFamily="18" charset="0"/>
-                      </a:endParaRPr>
-                    </a:p>
-                  </a:txBody>
-                  <a:tcPr marL="68580" marR="68580" marT="0" marB="0"/>
-                </a:tc>
-                <a:extLst>
-                  <a:ext uri="{0D108BD9-81ED-4DB2-BD59-A6C34878D82A}">
-                    <a16:rowId xmlns:a16="http://schemas.microsoft.com/office/drawing/2014/main" val="342784221"/>
-                  </a:ext>
-                </a:extLst>
-              </a:tr>
-              <a:tr h="0">
-                <a:tc>
-                  <a:txBody>
-                    <a:bodyPr/>
-                    <a:lstStyle/>
-                    <a:p>
-                      <a:pPr marL="0" marR="0">
-                        <a:lnSpc>
-                          <a:spcPct val="115000"/>
-                        </a:lnSpc>
-                        <a:spcBef>
-                          <a:spcPts val="0"/>
-                        </a:spcBef>
-                        <a:spcAft>
-                          <a:spcPts val="0"/>
-                        </a:spcAft>
-                      </a:pPr>
-                      <a:r>
-                        <a:rPr lang="en-US" sz="1100" kern="100">
-                          <a:effectLst/>
-                        </a:rPr>
-                        <a:t>axi_uartlite:2.0\</a:t>
-                      </a:r>
-                      <a:endParaRPr lang="en-US" sz="1200">
-                        <a:effectLst/>
-                        <a:latin typeface="Times New Roman" panose="02020603050405020304" pitchFamily="18" charset="0"/>
-                        <a:ea typeface="Times New Roman" panose="02020603050405020304" pitchFamily="18" charset="0"/>
-                      </a:endParaRPr>
-                    </a:p>
-                  </a:txBody>
-                  <a:tcPr marL="68580" marR="68580" marT="0" marB="0"/>
-                </a:tc>
-                <a:tc>
-                  <a:txBody>
-                    <a:bodyPr/>
-                    <a:lstStyle/>
-                    <a:p>
-                      <a:pPr marL="0" marR="0">
-                        <a:lnSpc>
-                          <a:spcPct val="115000"/>
-                        </a:lnSpc>
-                        <a:spcBef>
-                          <a:spcPts val="0"/>
-                        </a:spcBef>
-                        <a:spcAft>
-                          <a:spcPts val="0"/>
-                        </a:spcAft>
-                      </a:pPr>
-                      <a:r>
-                        <a:rPr lang="en-US" sz="1100" kern="100">
-                          <a:effectLst/>
-                        </a:rPr>
-                        <a:t>0x40600000</a:t>
-                      </a:r>
-                      <a:endParaRPr lang="en-US" sz="1200">
-                        <a:effectLst/>
-                        <a:latin typeface="Times New Roman" panose="02020603050405020304" pitchFamily="18" charset="0"/>
-                        <a:ea typeface="Times New Roman" panose="02020603050405020304" pitchFamily="18" charset="0"/>
-                      </a:endParaRPr>
-                    </a:p>
-                  </a:txBody>
-                  <a:tcPr marL="68580" marR="68580" marT="0" marB="0"/>
-                </a:tc>
-                <a:tc>
-                  <a:txBody>
-                    <a:bodyPr/>
-                    <a:lstStyle/>
-                    <a:p>
-                      <a:pPr marL="0" marR="0">
-                        <a:lnSpc>
-                          <a:spcPct val="115000"/>
-                        </a:lnSpc>
-                        <a:spcBef>
-                          <a:spcPts val="0"/>
-                        </a:spcBef>
-                        <a:spcAft>
-                          <a:spcPts val="0"/>
-                        </a:spcAft>
-                      </a:pPr>
-                      <a:r>
-                        <a:rPr lang="en-US" sz="1100" kern="100">
-                          <a:effectLst/>
-                        </a:rPr>
-                        <a:t>1kB</a:t>
-                      </a:r>
-                      <a:endParaRPr lang="en-US" sz="1200">
-                        <a:effectLst/>
-                        <a:latin typeface="Times New Roman" panose="02020603050405020304" pitchFamily="18" charset="0"/>
-                        <a:ea typeface="Times New Roman" panose="02020603050405020304" pitchFamily="18" charset="0"/>
-                      </a:endParaRPr>
-                    </a:p>
-                  </a:txBody>
-                  <a:tcPr marL="68580" marR="68580" marT="0" marB="0"/>
-                </a:tc>
-                <a:extLst>
-                  <a:ext uri="{0D108BD9-81ED-4DB2-BD59-A6C34878D82A}">
-                    <a16:rowId xmlns:a16="http://schemas.microsoft.com/office/drawing/2014/main" val="1144197932"/>
-                  </a:ext>
-                </a:extLst>
-              </a:tr>
-              <a:tr h="0">
-                <a:tc>
-                  <a:txBody>
-                    <a:bodyPr/>
-                    <a:lstStyle/>
-                    <a:p>
-                      <a:pPr marL="0" marR="0">
-                        <a:lnSpc>
-                          <a:spcPct val="115000"/>
-                        </a:lnSpc>
-                        <a:spcBef>
-                          <a:spcPts val="0"/>
-                        </a:spcBef>
-                        <a:spcAft>
-                          <a:spcPts val="0"/>
-                        </a:spcAft>
-                      </a:pPr>
-                      <a:r>
-                        <a:rPr lang="en-US" sz="1100" kern="100">
-                          <a:effectLst/>
-                        </a:rPr>
-                        <a:t>system_ila:1.1\</a:t>
-                      </a:r>
-                      <a:endParaRPr lang="en-US" sz="1200">
-                        <a:effectLst/>
-                        <a:latin typeface="Times New Roman" panose="02020603050405020304" pitchFamily="18" charset="0"/>
-                        <a:ea typeface="Times New Roman" panose="02020603050405020304" pitchFamily="18" charset="0"/>
-                      </a:endParaRPr>
-                    </a:p>
-                  </a:txBody>
-                  <a:tcPr marL="68580" marR="68580" marT="0" marB="0"/>
-                </a:tc>
-                <a:tc>
-                  <a:txBody>
-                    <a:bodyPr/>
-                    <a:lstStyle/>
-                    <a:p>
-                      <a:pPr marL="0" marR="0">
-                        <a:lnSpc>
-                          <a:spcPct val="115000"/>
-                        </a:lnSpc>
-                        <a:spcBef>
-                          <a:spcPts val="0"/>
-                        </a:spcBef>
-                        <a:spcAft>
-                          <a:spcPts val="0"/>
-                        </a:spcAft>
-                      </a:pPr>
-                      <a:r>
-                        <a:rPr lang="en-US" sz="1100" kern="100">
-                          <a:effectLst/>
-                        </a:rPr>
-                        <a:t> NA</a:t>
-                      </a:r>
-                      <a:endParaRPr lang="en-US" sz="1200">
-                        <a:effectLst/>
-                        <a:latin typeface="Times New Roman" panose="02020603050405020304" pitchFamily="18" charset="0"/>
-                        <a:ea typeface="Times New Roman" panose="02020603050405020304" pitchFamily="18" charset="0"/>
-                      </a:endParaRPr>
-                    </a:p>
-                  </a:txBody>
-                  <a:tcPr marL="68580" marR="68580" marT="0" marB="0"/>
-                </a:tc>
-                <a:tc>
-                  <a:txBody>
-                    <a:bodyPr/>
-                    <a:lstStyle/>
-                    <a:p>
-                      <a:pPr marL="0" marR="0">
-                        <a:lnSpc>
-                          <a:spcPct val="115000"/>
-                        </a:lnSpc>
-                        <a:spcBef>
-                          <a:spcPts val="0"/>
-                        </a:spcBef>
-                        <a:spcAft>
-                          <a:spcPts val="0"/>
-                        </a:spcAft>
-                      </a:pPr>
-                      <a:r>
-                        <a:rPr lang="en-US" sz="1100" kern="100">
-                          <a:effectLst/>
-                        </a:rPr>
-                        <a:t> </a:t>
-                      </a:r>
-                      <a:endParaRPr lang="en-US" sz="1200">
-                        <a:effectLst/>
-                        <a:latin typeface="Times New Roman" panose="02020603050405020304" pitchFamily="18" charset="0"/>
-                        <a:ea typeface="Times New Roman" panose="02020603050405020304" pitchFamily="18" charset="0"/>
-                      </a:endParaRPr>
-                    </a:p>
-                  </a:txBody>
-                  <a:tcPr marL="68580" marR="68580" marT="0" marB="0"/>
-                </a:tc>
-                <a:extLst>
-                  <a:ext uri="{0D108BD9-81ED-4DB2-BD59-A6C34878D82A}">
-                    <a16:rowId xmlns:a16="http://schemas.microsoft.com/office/drawing/2014/main" val="6573992"/>
-                  </a:ext>
-                </a:extLst>
-              </a:tr>
-              <a:tr h="0">
-                <a:tc>
-                  <a:txBody>
-                    <a:bodyPr/>
-                    <a:lstStyle/>
-                    <a:p>
-                      <a:pPr marL="0" marR="0">
-                        <a:lnSpc>
-                          <a:spcPct val="115000"/>
-                        </a:lnSpc>
-                        <a:spcBef>
-                          <a:spcPts val="0"/>
-                        </a:spcBef>
-                        <a:spcAft>
-                          <a:spcPts val="0"/>
-                        </a:spcAft>
-                      </a:pPr>
-                      <a:r>
-                        <a:rPr lang="en-US" sz="1100" kern="100">
-                          <a:effectLst/>
-                        </a:rPr>
-                        <a:t>axi_timer:2.0\</a:t>
-                      </a:r>
-                      <a:endParaRPr lang="en-US" sz="1200">
-                        <a:effectLst/>
-                        <a:latin typeface="Times New Roman" panose="02020603050405020304" pitchFamily="18" charset="0"/>
-                        <a:ea typeface="Times New Roman" panose="02020603050405020304" pitchFamily="18" charset="0"/>
-                      </a:endParaRPr>
-                    </a:p>
-                  </a:txBody>
-                  <a:tcPr marL="68580" marR="68580" marT="0" marB="0"/>
-                </a:tc>
-                <a:tc>
-                  <a:txBody>
-                    <a:bodyPr/>
-                    <a:lstStyle/>
-                    <a:p>
-                      <a:pPr marL="0" marR="0">
-                        <a:lnSpc>
-                          <a:spcPct val="115000"/>
-                        </a:lnSpc>
-                        <a:spcBef>
-                          <a:spcPts val="0"/>
-                        </a:spcBef>
-                        <a:spcAft>
-                          <a:spcPts val="0"/>
-                        </a:spcAft>
-                      </a:pPr>
-                      <a:r>
-                        <a:rPr lang="en-US" sz="1100" kern="100">
-                          <a:effectLst/>
-                        </a:rPr>
-                        <a:t>0x41C00000</a:t>
-                      </a:r>
-                      <a:endParaRPr lang="en-US" sz="1200">
-                        <a:effectLst/>
-                        <a:latin typeface="Times New Roman" panose="02020603050405020304" pitchFamily="18" charset="0"/>
-                        <a:ea typeface="Times New Roman" panose="02020603050405020304" pitchFamily="18" charset="0"/>
-                      </a:endParaRPr>
-                    </a:p>
-                  </a:txBody>
-                  <a:tcPr marL="68580" marR="68580" marT="0" marB="0"/>
-                </a:tc>
-                <a:tc>
-                  <a:txBody>
-                    <a:bodyPr/>
-                    <a:lstStyle/>
-                    <a:p>
-                      <a:pPr marL="0" marR="0">
-                        <a:lnSpc>
-                          <a:spcPct val="115000"/>
-                        </a:lnSpc>
-                        <a:spcBef>
-                          <a:spcPts val="0"/>
-                        </a:spcBef>
-                        <a:spcAft>
-                          <a:spcPts val="0"/>
-                        </a:spcAft>
-                      </a:pPr>
-                      <a:r>
-                        <a:rPr lang="en-US" sz="1100" kern="100">
-                          <a:effectLst/>
-                        </a:rPr>
-                        <a:t>1kB</a:t>
-                      </a:r>
-                      <a:endParaRPr lang="en-US" sz="1200">
-                        <a:effectLst/>
-                        <a:latin typeface="Times New Roman" panose="02020603050405020304" pitchFamily="18" charset="0"/>
-                        <a:ea typeface="Times New Roman" panose="02020603050405020304" pitchFamily="18" charset="0"/>
-                      </a:endParaRPr>
-                    </a:p>
-                  </a:txBody>
-                  <a:tcPr marL="68580" marR="68580" marT="0" marB="0"/>
-                </a:tc>
-                <a:extLst>
-                  <a:ext uri="{0D108BD9-81ED-4DB2-BD59-A6C34878D82A}">
-                    <a16:rowId xmlns:a16="http://schemas.microsoft.com/office/drawing/2014/main" val="2703481700"/>
-                  </a:ext>
-                </a:extLst>
-              </a:tr>
-              <a:tr h="0">
-                <a:tc>
-                  <a:txBody>
-                    <a:bodyPr/>
-                    <a:lstStyle/>
-                    <a:p>
-                      <a:pPr marL="0" marR="0">
-                        <a:lnSpc>
-                          <a:spcPct val="115000"/>
-                        </a:lnSpc>
-                        <a:spcBef>
-                          <a:spcPts val="0"/>
-                        </a:spcBef>
-                        <a:spcAft>
-                          <a:spcPts val="0"/>
-                        </a:spcAft>
-                      </a:pPr>
-                      <a:r>
-                        <a:rPr lang="en-US" sz="1100" kern="100">
-                          <a:effectLst/>
-                        </a:rPr>
-                        <a:t>lmb_v10:3.0\</a:t>
-                      </a:r>
-                      <a:endParaRPr lang="en-US" sz="1200">
-                        <a:effectLst/>
-                        <a:latin typeface="Times New Roman" panose="02020603050405020304" pitchFamily="18" charset="0"/>
-                        <a:ea typeface="Times New Roman" panose="02020603050405020304" pitchFamily="18" charset="0"/>
-                      </a:endParaRPr>
-                    </a:p>
-                  </a:txBody>
-                  <a:tcPr marL="68580" marR="68580" marT="0" marB="0"/>
-                </a:tc>
-                <a:tc>
-                  <a:txBody>
-                    <a:bodyPr/>
-                    <a:lstStyle/>
-                    <a:p>
-                      <a:pPr marL="0" marR="0">
-                        <a:lnSpc>
-                          <a:spcPct val="115000"/>
-                        </a:lnSpc>
-                        <a:spcBef>
-                          <a:spcPts val="0"/>
-                        </a:spcBef>
-                        <a:spcAft>
-                          <a:spcPts val="0"/>
-                        </a:spcAft>
-                      </a:pPr>
-                      <a:r>
-                        <a:rPr lang="en-US" sz="1100" kern="100">
-                          <a:effectLst/>
-                        </a:rPr>
-                        <a:t>0x00000000</a:t>
-                      </a:r>
-                      <a:endParaRPr lang="en-US" sz="1200">
-                        <a:effectLst/>
-                        <a:latin typeface="Times New Roman" panose="02020603050405020304" pitchFamily="18" charset="0"/>
-                        <a:ea typeface="Times New Roman" panose="02020603050405020304" pitchFamily="18" charset="0"/>
-                      </a:endParaRPr>
-                    </a:p>
-                  </a:txBody>
-                  <a:tcPr marL="68580" marR="68580" marT="0" marB="0"/>
-                </a:tc>
-                <a:tc>
-                  <a:txBody>
-                    <a:bodyPr/>
-                    <a:lstStyle/>
-                    <a:p>
-                      <a:pPr marL="0" marR="0">
-                        <a:lnSpc>
-                          <a:spcPct val="115000"/>
-                        </a:lnSpc>
-                        <a:spcBef>
-                          <a:spcPts val="0"/>
-                        </a:spcBef>
-                        <a:spcAft>
-                          <a:spcPts val="0"/>
-                        </a:spcAft>
-                      </a:pPr>
-                      <a:r>
-                        <a:rPr lang="en-US" sz="1100" kern="100">
-                          <a:effectLst/>
-                        </a:rPr>
-                        <a:t>16kB</a:t>
-                      </a:r>
-                      <a:endParaRPr lang="en-US" sz="1200">
-                        <a:effectLst/>
-                        <a:latin typeface="Times New Roman" panose="02020603050405020304" pitchFamily="18" charset="0"/>
-                        <a:ea typeface="Times New Roman" panose="02020603050405020304" pitchFamily="18" charset="0"/>
-                      </a:endParaRPr>
-                    </a:p>
-                  </a:txBody>
-                  <a:tcPr marL="68580" marR="68580" marT="0" marB="0"/>
-                </a:tc>
-                <a:extLst>
-                  <a:ext uri="{0D108BD9-81ED-4DB2-BD59-A6C34878D82A}">
-                    <a16:rowId xmlns:a16="http://schemas.microsoft.com/office/drawing/2014/main" val="2565623275"/>
-                  </a:ext>
-                </a:extLst>
-              </a:tr>
-              <a:tr h="0">
-                <a:tc>
-                  <a:txBody>
-                    <a:bodyPr/>
-                    <a:lstStyle/>
-                    <a:p>
-                      <a:pPr marL="0" marR="0">
-                        <a:lnSpc>
-                          <a:spcPct val="115000"/>
-                        </a:lnSpc>
-                        <a:spcBef>
-                          <a:spcPts val="0"/>
-                        </a:spcBef>
-                        <a:spcAft>
-                          <a:spcPts val="0"/>
-                        </a:spcAft>
-                      </a:pPr>
-                      <a:r>
-                        <a:rPr lang="en-US" sz="1100" kern="100">
-                          <a:effectLst/>
-                        </a:rPr>
-                        <a:t>axi_quad_spi:3.2\</a:t>
-                      </a:r>
-                      <a:endParaRPr lang="en-US" sz="1200">
-                        <a:effectLst/>
-                        <a:latin typeface="Times New Roman" panose="02020603050405020304" pitchFamily="18" charset="0"/>
-                        <a:ea typeface="Times New Roman" panose="02020603050405020304" pitchFamily="18" charset="0"/>
-                      </a:endParaRPr>
-                    </a:p>
-                  </a:txBody>
-                  <a:tcPr marL="68580" marR="68580" marT="0" marB="0"/>
-                </a:tc>
-                <a:tc>
-                  <a:txBody>
-                    <a:bodyPr/>
-                    <a:lstStyle/>
-                    <a:p>
-                      <a:pPr marL="0" marR="0">
-                        <a:lnSpc>
-                          <a:spcPct val="115000"/>
-                        </a:lnSpc>
-                        <a:spcBef>
-                          <a:spcPts val="0"/>
-                        </a:spcBef>
-                        <a:spcAft>
-                          <a:spcPts val="0"/>
-                        </a:spcAft>
-                      </a:pPr>
-                      <a:r>
-                        <a:rPr lang="en-US" sz="1100" kern="100" dirty="0">
-                          <a:effectLst/>
-                        </a:rPr>
-                        <a:t>0x44A00000</a:t>
-                      </a:r>
-                      <a:endParaRPr lang="en-US" sz="1200" dirty="0">
-                        <a:effectLst/>
-                        <a:latin typeface="Times New Roman" panose="02020603050405020304" pitchFamily="18" charset="0"/>
-                        <a:ea typeface="Times New Roman" panose="02020603050405020304" pitchFamily="18" charset="0"/>
-                      </a:endParaRPr>
-                    </a:p>
-                  </a:txBody>
-                  <a:tcPr marL="68580" marR="68580" marT="0" marB="0"/>
-                </a:tc>
-                <a:tc>
-                  <a:txBody>
-                    <a:bodyPr/>
-                    <a:lstStyle/>
-                    <a:p>
-                      <a:pPr marL="0" marR="0">
-                        <a:lnSpc>
-                          <a:spcPct val="115000"/>
-                        </a:lnSpc>
-                        <a:spcBef>
-                          <a:spcPts val="0"/>
-                        </a:spcBef>
-                        <a:spcAft>
-                          <a:spcPts val="0"/>
-                        </a:spcAft>
-                      </a:pPr>
-                      <a:r>
-                        <a:rPr lang="en-US" sz="1100" kern="100" dirty="0">
-                          <a:effectLst/>
-                        </a:rPr>
-                        <a:t>4kB</a:t>
-                      </a:r>
-                      <a:endParaRPr lang="en-US" sz="1200" dirty="0">
-                        <a:effectLst/>
-                        <a:latin typeface="Times New Roman" panose="02020603050405020304" pitchFamily="18" charset="0"/>
-                        <a:ea typeface="Times New Roman" panose="02020603050405020304" pitchFamily="18" charset="0"/>
-                      </a:endParaRPr>
-                    </a:p>
-                  </a:txBody>
-                  <a:tcPr marL="68580" marR="68580" marT="0" marB="0"/>
-                </a:tc>
-                <a:extLst>
-                  <a:ext uri="{0D108BD9-81ED-4DB2-BD59-A6C34878D82A}">
-                    <a16:rowId xmlns:a16="http://schemas.microsoft.com/office/drawing/2014/main" val="1433990733"/>
-                  </a:ext>
-                </a:extLst>
-              </a:tr>
-            </a:tbl>
-          </a:graphicData>
-        </a:graphic>
-      </p:graphicFrame>
-    </p:spTree>
-    <p:extLst>
-      <p:ext uri="{BB962C8B-B14F-4D97-AF65-F5344CB8AC3E}">
-        <p14:creationId xmlns:p14="http://schemas.microsoft.com/office/powerpoint/2010/main" val="2078592957"/>
-      </p:ext>
-    </p:extLst>
-  </p:cSld>
-  <p:clrMapOvr>
-    <a:masterClrMapping/>
-  </p:clrMapOvr>
-</p:sld>
-</file>
-
-<file path=ppt/slides/slide5.xml><?xml version="1.0" encoding="utf-8"?>
-<p:sld xmlns:a="http://schemas.openxmlformats.org/drawingml/2006/main" xmlns:r="http://schemas.openxmlformats.org/officeDocument/2006/relationships" xmlns:p="http://schemas.openxmlformats.org/presentationml/2006/main">
-  <p:cSld>
-    <p:spTree>
-      <p:nvGrpSpPr>
-        <p:cNvPr id="1" name=""/>
-        <p:cNvGrpSpPr/>
-        <p:nvPr/>
-      </p:nvGrpSpPr>
-      <p:grpSpPr>
-        <a:xfrm>
-          <a:off x="0" y="0"/>
-          <a:ext cx="0" cy="0"/>
-          <a:chOff x="0" y="0"/>
-          <a:chExt cx="0" cy="0"/>
-        </a:xfrm>
-      </p:grpSpPr>
-      <p:sp>
-        <p:nvSpPr>
-          <p:cNvPr id="2" name="Title 1">
-            <a:extLst>
-              <a:ext uri="{FF2B5EF4-FFF2-40B4-BE49-F238E27FC236}">
-                <a16:creationId xmlns:a16="http://schemas.microsoft.com/office/drawing/2014/main" id="{4FF703D7-D0AD-8E09-0FF1-07BB0CCF1C32}"/>
-              </a:ext>
-            </a:extLst>
-          </p:cNvPr>
-          <p:cNvSpPr>
-            <a:spLocks noGrp="1"/>
-          </p:cNvSpPr>
-          <p:nvPr>
-            <p:ph type="title"/>
-          </p:nvPr>
-        </p:nvSpPr>
-        <p:spPr>
-          <a:xfrm>
-            <a:off x="0" y="0"/>
-            <a:ext cx="10364451" cy="1596177"/>
-          </a:xfrm>
-        </p:spPr>
-        <p:txBody>
-          <a:bodyPr/>
-          <a:lstStyle/>
-          <a:p>
-            <a:r>
-              <a:rPr lang="en-US" dirty="0"/>
-              <a:t>Block Design Implemented in VIVADO</a:t>
-            </a:r>
-          </a:p>
-        </p:txBody>
-      </p:sp>
-      <p:pic>
-        <p:nvPicPr>
-          <p:cNvPr id="5" name="Picture 4">
-            <a:extLst>
-              <a:ext uri="{FF2B5EF4-FFF2-40B4-BE49-F238E27FC236}">
-                <a16:creationId xmlns:a16="http://schemas.microsoft.com/office/drawing/2014/main" id="{49AAB955-A398-46C6-CBA9-4E2E6B5DCD43}"/>
-              </a:ext>
-            </a:extLst>
-          </p:cNvPr>
-          <p:cNvPicPr>
-            <a:picLocks noChangeAspect="1"/>
-          </p:cNvPicPr>
-          <p:nvPr/>
-        </p:nvPicPr>
-        <p:blipFill>
-          <a:blip r:embed="rId2"/>
-          <a:stretch>
-            <a:fillRect/>
-          </a:stretch>
-        </p:blipFill>
-        <p:spPr>
-          <a:xfrm>
-            <a:off x="3051109" y="1369265"/>
-            <a:ext cx="8984193" cy="5488735"/>
-          </a:xfrm>
-          <a:prstGeom prst="rect">
-            <a:avLst/>
-          </a:prstGeom>
-        </p:spPr>
-      </p:pic>
-    </p:spTree>
-    <p:extLst>
-      <p:ext uri="{BB962C8B-B14F-4D97-AF65-F5344CB8AC3E}">
-        <p14:creationId xmlns:p14="http://schemas.microsoft.com/office/powerpoint/2010/main" val="1843946910"/>
-      </p:ext>
-    </p:extLst>
-  </p:cSld>
-  <p:clrMapOvr>
-    <a:masterClrMapping/>
-  </p:clrMapOvr>
-</p:sld>
-</file>
-
-<file path=ppt/slides/slide6.xml><?xml version="1.0" encoding="utf-8"?>
-<p:sld xmlns:a="http://schemas.openxmlformats.org/drawingml/2006/main" xmlns:r="http://schemas.openxmlformats.org/officeDocument/2006/relationships" xmlns:p="http://schemas.openxmlformats.org/presentationml/2006/main">
-  <p:cSld>
-    <p:spTree>
-      <p:nvGrpSpPr>
-        <p:cNvPr id="1" name=""/>
-        <p:cNvGrpSpPr/>
-        <p:nvPr/>
-      </p:nvGrpSpPr>
-      <p:grpSpPr>
-        <a:xfrm>
-          <a:off x="0" y="0"/>
-          <a:ext cx="0" cy="0"/>
-          <a:chOff x="0" y="0"/>
-          <a:chExt cx="0" cy="0"/>
-        </a:xfrm>
-      </p:grpSpPr>
-      <p:sp>
-        <p:nvSpPr>
-          <p:cNvPr id="2" name="Title 1">
-            <a:extLst>
-              <a:ext uri="{FF2B5EF4-FFF2-40B4-BE49-F238E27FC236}">
-                <a16:creationId xmlns:a16="http://schemas.microsoft.com/office/drawing/2014/main" id="{18C44061-D6EC-39DF-3161-9D99885B2B34}"/>
-              </a:ext>
-            </a:extLst>
-          </p:cNvPr>
-          <p:cNvSpPr>
-            <a:spLocks noGrp="1"/>
-          </p:cNvSpPr>
-          <p:nvPr>
-            <p:ph type="title"/>
-          </p:nvPr>
-        </p:nvSpPr>
-        <p:spPr>
-          <a:xfrm>
-            <a:off x="-2" y="6476"/>
-            <a:ext cx="10364451" cy="572366"/>
-          </a:xfrm>
-        </p:spPr>
-        <p:txBody>
-          <a:bodyPr>
-            <a:normAutofit fontScale="90000"/>
-          </a:bodyPr>
-          <a:lstStyle/>
-          <a:p>
-            <a:pPr algn="l"/>
-            <a:r>
-              <a:rPr lang="en-US" dirty="0"/>
-              <a:t>Utilization REPORT</a:t>
-            </a:r>
-          </a:p>
-        </p:txBody>
-      </p:sp>
-      <p:sp>
-        <p:nvSpPr>
-          <p:cNvPr id="4" name="Title 1">
-            <a:extLst>
-              <a:ext uri="{FF2B5EF4-FFF2-40B4-BE49-F238E27FC236}">
-                <a16:creationId xmlns:a16="http://schemas.microsoft.com/office/drawing/2014/main" id="{7AE5BB27-0907-4E5A-41DF-E7EC2E1432A0}"/>
-              </a:ext>
-            </a:extLst>
-          </p:cNvPr>
-          <p:cNvSpPr txBox="1">
-            <a:spLocks/>
-          </p:cNvSpPr>
-          <p:nvPr/>
-        </p:nvSpPr>
-        <p:spPr>
-          <a:xfrm>
-            <a:off x="8237582" y="1498758"/>
-            <a:ext cx="3514344" cy="1596177"/>
-          </a:xfrm>
-          <a:prstGeom prst="rect">
-            <a:avLst/>
-          </a:prstGeom>
-        </p:spPr>
-        <p:txBody>
-          <a:bodyPr vert="horz" lIns="91440" tIns="45720" rIns="91440" bIns="45720" rtlCol="0" anchor="ctr">
-            <a:normAutofit/>
-          </a:bodyPr>
-          <a:lstStyle>
-            <a:lvl1pPr algn="ctr" defTabSz="914400" rtl="0" eaLnBrk="1" latinLnBrk="0" hangingPunct="1">
-              <a:lnSpc>
-                <a:spcPct val="90000"/>
-              </a:lnSpc>
-              <a:spcBef>
-                <a:spcPct val="0"/>
-              </a:spcBef>
-              <a:buNone/>
-              <a:defRPr sz="3600" kern="1200" cap="all" baseline="0">
-                <a:solidFill>
-                  <a:schemeClr val="tx1"/>
-                </a:solidFill>
-                <a:effectLst/>
-                <a:latin typeface="+mj-lt"/>
-                <a:ea typeface="+mj-ea"/>
-                <a:cs typeface="+mj-cs"/>
-              </a:defRPr>
-            </a:lvl1pPr>
-          </a:lstStyle>
-          <a:p>
-            <a:pPr algn="l"/>
-            <a:r>
-              <a:rPr lang="en-US" sz="2400" dirty="0"/>
-              <a:t>Qualcomm Live board</a:t>
-            </a:r>
-            <a:endParaRPr lang="en-US" dirty="0"/>
-          </a:p>
-        </p:txBody>
-      </p:sp>
-      <p:sp>
-        <p:nvSpPr>
-          <p:cNvPr id="5" name="Title 1">
-            <a:extLst>
-              <a:ext uri="{FF2B5EF4-FFF2-40B4-BE49-F238E27FC236}">
-                <a16:creationId xmlns:a16="http://schemas.microsoft.com/office/drawing/2014/main" id="{C7F5A1B7-3B46-5A3B-5699-858B407CDBE9}"/>
-              </a:ext>
-            </a:extLst>
-          </p:cNvPr>
-          <p:cNvSpPr txBox="1">
-            <a:spLocks/>
-          </p:cNvSpPr>
-          <p:nvPr/>
-        </p:nvSpPr>
-        <p:spPr>
-          <a:xfrm>
-            <a:off x="2462785" y="4266502"/>
-            <a:ext cx="3514344" cy="1596177"/>
-          </a:xfrm>
-          <a:prstGeom prst="rect">
-            <a:avLst/>
-          </a:prstGeom>
-        </p:spPr>
-        <p:txBody>
-          <a:bodyPr vert="horz" lIns="91440" tIns="45720" rIns="91440" bIns="45720" rtlCol="0" anchor="ctr">
-            <a:normAutofit/>
-          </a:bodyPr>
-          <a:lstStyle>
-            <a:lvl1pPr algn="ctr" defTabSz="914400" rtl="0" eaLnBrk="1" latinLnBrk="0" hangingPunct="1">
-              <a:lnSpc>
-                <a:spcPct val="90000"/>
-              </a:lnSpc>
-              <a:spcBef>
-                <a:spcPct val="0"/>
-              </a:spcBef>
-              <a:buNone/>
-              <a:defRPr sz="3600" kern="1200" cap="all" baseline="0">
-                <a:solidFill>
-                  <a:schemeClr val="tx1"/>
-                </a:solidFill>
-                <a:effectLst/>
-                <a:latin typeface="+mj-lt"/>
-                <a:ea typeface="+mj-ea"/>
-                <a:cs typeface="+mj-cs"/>
-              </a:defRPr>
-            </a:lvl1pPr>
-          </a:lstStyle>
-          <a:p>
-            <a:pPr algn="l"/>
-            <a:r>
-              <a:rPr lang="en-US" sz="2400" dirty="0"/>
-              <a:t>Demo board</a:t>
-            </a:r>
-            <a:endParaRPr lang="en-US" dirty="0"/>
-          </a:p>
-        </p:txBody>
-      </p:sp>
-      <p:pic>
-        <p:nvPicPr>
-          <p:cNvPr id="4098" name="Picture 2">
-            <a:extLst>
-              <a:ext uri="{FF2B5EF4-FFF2-40B4-BE49-F238E27FC236}">
-                <a16:creationId xmlns:a16="http://schemas.microsoft.com/office/drawing/2014/main" id="{50F7D701-0972-8B01-64C4-AFF137FAC82D}"/>
-              </a:ext>
-            </a:extLst>
-          </p:cNvPr>
-          <p:cNvPicPr>
-            <a:picLocks noChangeAspect="1" noChangeArrowheads="1"/>
-          </p:cNvPicPr>
-          <p:nvPr/>
-        </p:nvPicPr>
-        <p:blipFill>
-          <a:blip r:embed="rId2">
-            <a:extLst>
-              <a:ext uri="{28A0092B-C50C-407E-A947-70E740481C1C}">
-                <a14:useLocalDpi xmlns:a14="http://schemas.microsoft.com/office/drawing/2010/main" val="0"/>
-              </a:ext>
-            </a:extLst>
-          </a:blip>
-          <a:srcRect/>
-          <a:stretch>
-            <a:fillRect/>
-          </a:stretch>
-        </p:blipFill>
-        <p:spPr bwMode="auto">
-          <a:xfrm>
-            <a:off x="5182225" y="3370576"/>
-            <a:ext cx="7009775" cy="3487424"/>
-          </a:xfrm>
-          <a:prstGeom prst="rect">
-            <a:avLst/>
-          </a:prstGeom>
-          <a:noFill/>
-          <a:ln>
-            <a:noFill/>
-          </a:ln>
-          <a:extLst>
-            <a:ext uri="{909E8E84-426E-40DD-AFC4-6F175D3DCCD1}">
-              <a14:hiddenFill xmlns:a14="http://schemas.microsoft.com/office/drawing/2010/main">
-                <a:solidFill>
-                  <a:srgbClr val="FFFFFF"/>
-                </a:solidFill>
-              </a14:hiddenFill>
-            </a:ext>
-            <a:ext uri="{91240B29-F687-4F45-9708-019B960494DF}">
-              <a14:hiddenLine xmlns:a14="http://schemas.microsoft.com/office/drawing/2010/main" w="9525">
-                <a:solidFill>
-                  <a:srgbClr val="000000"/>
-                </a:solidFill>
-                <a:miter lim="800000"/>
-                <a:headEnd/>
-                <a:tailEnd/>
-              </a14:hiddenLine>
-            </a:ext>
-          </a:extLst>
-        </p:spPr>
-      </p:pic>
-      <p:pic>
-        <p:nvPicPr>
-          <p:cNvPr id="4099" name="Picture 3">
-            <a:extLst>
-              <a:ext uri="{FF2B5EF4-FFF2-40B4-BE49-F238E27FC236}">
-                <a16:creationId xmlns:a16="http://schemas.microsoft.com/office/drawing/2014/main" id="{B72947B2-B985-EB04-02AF-3D878A94660E}"/>
-              </a:ext>
-            </a:extLst>
-          </p:cNvPr>
-          <p:cNvPicPr>
-            <a:picLocks noChangeAspect="1" noChangeArrowheads="1"/>
-          </p:cNvPicPr>
-          <p:nvPr/>
-        </p:nvPicPr>
-        <p:blipFill rotWithShape="1">
-          <a:blip r:embed="rId3">
-            <a:extLst>
-              <a:ext uri="{28A0092B-C50C-407E-A947-70E740481C1C}">
-                <a14:useLocalDpi xmlns:a14="http://schemas.microsoft.com/office/drawing/2010/main" val="0"/>
-              </a:ext>
-            </a:extLst>
-          </a:blip>
-          <a:srcRect t="6516"/>
-          <a:stretch/>
-        </p:blipFill>
-        <p:spPr bwMode="auto">
-          <a:xfrm>
-            <a:off x="-2" y="578843"/>
-            <a:ext cx="7145520" cy="2791734"/>
-          </a:xfrm>
-          <a:prstGeom prst="rect">
-            <a:avLst/>
-          </a:prstGeom>
-          <a:noFill/>
-          <a:ln>
-            <a:noFill/>
-          </a:ln>
-          <a:extLst>
-            <a:ext uri="{909E8E84-426E-40DD-AFC4-6F175D3DCCD1}">
-              <a14:hiddenFill xmlns:a14="http://schemas.microsoft.com/office/drawing/2010/main">
-                <a:solidFill>
-                  <a:srgbClr val="FFFFFF"/>
-                </a:solidFill>
-              </a14:hiddenFill>
-            </a:ext>
-            <a:ext uri="{91240B29-F687-4F45-9708-019B960494DF}">
-              <a14:hiddenLine xmlns:a14="http://schemas.microsoft.com/office/drawing/2010/main" w="9525">
-                <a:solidFill>
-                  <a:srgbClr val="000000"/>
-                </a:solidFill>
-                <a:miter lim="800000"/>
-                <a:headEnd/>
-                <a:tailEnd/>
-              </a14:hiddenLine>
-            </a:ext>
-          </a:extLst>
-        </p:spPr>
-      </p:pic>
-    </p:spTree>
-    <p:extLst>
-      <p:ext uri="{BB962C8B-B14F-4D97-AF65-F5344CB8AC3E}">
-        <p14:creationId xmlns:p14="http://schemas.microsoft.com/office/powerpoint/2010/main" val="1320271881"/>
-      </p:ext>
-    </p:extLst>
-  </p:cSld>
-  <p:clrMapOvr>
-    <a:masterClrMapping/>
-  </p:clrMapOvr>
-</p:sld>
-</file>
-
-<file path=ppt/slides/slide7.xml><?xml version="1.0" encoding="utf-8"?>
-<p:sld xmlns:a="http://schemas.openxmlformats.org/drawingml/2006/main" xmlns:r="http://schemas.openxmlformats.org/officeDocument/2006/relationships" xmlns:p="http://schemas.openxmlformats.org/presentationml/2006/main">
-  <p:cSld>
-    <p:spTree>
-      <p:nvGrpSpPr>
-        <p:cNvPr id="1" name=""/>
-        <p:cNvGrpSpPr/>
-        <p:nvPr/>
-      </p:nvGrpSpPr>
-      <p:grpSpPr>
-        <a:xfrm>
-          <a:off x="0" y="0"/>
-          <a:ext cx="0" cy="0"/>
-          <a:chOff x="0" y="0"/>
-          <a:chExt cx="0" cy="0"/>
-        </a:xfrm>
-      </p:grpSpPr>
-      <p:sp>
-        <p:nvSpPr>
-          <p:cNvPr id="2" name="Title 1">
-            <a:extLst>
-              <a:ext uri="{FF2B5EF4-FFF2-40B4-BE49-F238E27FC236}">
-                <a16:creationId xmlns:a16="http://schemas.microsoft.com/office/drawing/2014/main" id="{93AE3B26-5C0A-121E-2AC9-78726E4AC7F5}"/>
-              </a:ext>
-            </a:extLst>
-          </p:cNvPr>
-          <p:cNvSpPr>
-            <a:spLocks noGrp="1"/>
-          </p:cNvSpPr>
-          <p:nvPr>
-            <p:ph type="title"/>
-          </p:nvPr>
-        </p:nvSpPr>
-        <p:spPr>
-          <a:xfrm>
-            <a:off x="0" y="0"/>
-            <a:ext cx="10364451" cy="1596177"/>
-          </a:xfrm>
-        </p:spPr>
-        <p:txBody>
-          <a:bodyPr/>
-          <a:lstStyle/>
-          <a:p>
-            <a:pPr algn="l"/>
-            <a:r>
-              <a:rPr lang="en-US" dirty="0"/>
-              <a:t>HARDWARE Setups:</a:t>
-            </a:r>
-          </a:p>
-        </p:txBody>
-      </p:sp>
-      <p:pic>
-        <p:nvPicPr>
-          <p:cNvPr id="3074" name="Picture 2" descr="A circuit board with wires and a fan&#10;&#10;Description automatically generated">
-            <a:extLst>
-              <a:ext uri="{FF2B5EF4-FFF2-40B4-BE49-F238E27FC236}">
-                <a16:creationId xmlns:a16="http://schemas.microsoft.com/office/drawing/2014/main" id="{64DBF615-E513-10F3-02B5-F604395CE704}"/>
-              </a:ext>
-            </a:extLst>
-          </p:cNvPr>
-          <p:cNvPicPr>
-            <a:picLocks noChangeAspect="1" noChangeArrowheads="1"/>
-          </p:cNvPicPr>
-          <p:nvPr/>
-        </p:nvPicPr>
-        <p:blipFill>
-          <a:blip r:embed="rId2">
-            <a:extLst>
-              <a:ext uri="{28A0092B-C50C-407E-A947-70E740481C1C}">
-                <a14:useLocalDpi xmlns:a14="http://schemas.microsoft.com/office/drawing/2010/main" val="0"/>
-              </a:ext>
-            </a:extLst>
-          </a:blip>
-          <a:srcRect/>
-          <a:stretch>
-            <a:fillRect/>
-          </a:stretch>
-        </p:blipFill>
-        <p:spPr bwMode="auto">
-          <a:xfrm>
-            <a:off x="0" y="2505366"/>
-            <a:ext cx="5978784" cy="4352633"/>
-          </a:xfrm>
-          <a:prstGeom prst="rect">
-            <a:avLst/>
-          </a:prstGeom>
-          <a:noFill/>
-          <a:ln>
-            <a:noFill/>
-          </a:ln>
-          <a:extLst>
-            <a:ext uri="{909E8E84-426E-40DD-AFC4-6F175D3DCCD1}">
-              <a14:hiddenFill xmlns:a14="http://schemas.microsoft.com/office/drawing/2010/main">
-                <a:solidFill>
-                  <a:srgbClr val="FFFFFF"/>
-                </a:solidFill>
-              </a14:hiddenFill>
-            </a:ext>
-            <a:ext uri="{91240B29-F687-4F45-9708-019B960494DF}">
-              <a14:hiddenLine xmlns:a14="http://schemas.microsoft.com/office/drawing/2010/main" w="9525">
-                <a:solidFill>
-                  <a:srgbClr val="000000"/>
-                </a:solidFill>
-                <a:miter lim="800000"/>
-                <a:headEnd/>
-                <a:tailEnd/>
-              </a14:hiddenLine>
-            </a:ext>
-          </a:extLst>
-        </p:spPr>
-      </p:pic>
-      <p:pic>
-        <p:nvPicPr>
-          <p:cNvPr id="3075" name="Picture 3" descr="A circuit board with wires and a box&#10;&#10;Description automatically generated">
-            <a:extLst>
-              <a:ext uri="{FF2B5EF4-FFF2-40B4-BE49-F238E27FC236}">
-                <a16:creationId xmlns:a16="http://schemas.microsoft.com/office/drawing/2014/main" id="{3CCED034-0DCA-FB28-AD57-9CE6E39320AD}"/>
-              </a:ext>
-            </a:extLst>
-          </p:cNvPr>
-          <p:cNvPicPr>
-            <a:picLocks noChangeAspect="1" noChangeArrowheads="1"/>
-          </p:cNvPicPr>
-          <p:nvPr/>
-        </p:nvPicPr>
-        <p:blipFill>
-          <a:blip r:embed="rId3">
-            <a:extLst>
-              <a:ext uri="{28A0092B-C50C-407E-A947-70E740481C1C}">
-                <a14:useLocalDpi xmlns:a14="http://schemas.microsoft.com/office/drawing/2010/main" val="0"/>
-              </a:ext>
-            </a:extLst>
-          </a:blip>
-          <a:srcRect l="21211" t="7875" r="9546" b="13380"/>
-          <a:stretch>
-            <a:fillRect/>
-          </a:stretch>
-        </p:blipFill>
-        <p:spPr bwMode="auto">
-          <a:xfrm>
-            <a:off x="5978784" y="2503210"/>
-            <a:ext cx="6213216" cy="4357089"/>
-          </a:xfrm>
-          <a:prstGeom prst="rect">
-            <a:avLst/>
-          </a:prstGeom>
-          <a:noFill/>
-          <a:ln>
-            <a:noFill/>
-          </a:ln>
-          <a:extLst>
-            <a:ext uri="{909E8E84-426E-40DD-AFC4-6F175D3DCCD1}">
-              <a14:hiddenFill xmlns:a14="http://schemas.microsoft.com/office/drawing/2010/main">
-                <a:solidFill>
-                  <a:srgbClr val="FFFFFF"/>
-                </a:solidFill>
-              </a14:hiddenFill>
-            </a:ext>
-            <a:ext uri="{91240B29-F687-4F45-9708-019B960494DF}">
-              <a14:hiddenLine xmlns:a14="http://schemas.microsoft.com/office/drawing/2010/main" w="9525">
-                <a:solidFill>
-                  <a:srgbClr val="000000"/>
-                </a:solidFill>
-                <a:miter lim="800000"/>
-                <a:headEnd/>
-                <a:tailEnd/>
-              </a14:hiddenLine>
-            </a:ext>
-          </a:extLst>
-        </p:spPr>
-      </p:pic>
-      <p:sp>
-        <p:nvSpPr>
-          <p:cNvPr id="4" name="Title 1">
-            <a:extLst>
-              <a:ext uri="{FF2B5EF4-FFF2-40B4-BE49-F238E27FC236}">
-                <a16:creationId xmlns:a16="http://schemas.microsoft.com/office/drawing/2014/main" id="{49965955-9AC8-13A4-E0B7-A7FA682E3098}"/>
-              </a:ext>
-            </a:extLst>
-          </p:cNvPr>
-          <p:cNvSpPr txBox="1">
-            <a:spLocks/>
-          </p:cNvSpPr>
-          <p:nvPr/>
-        </p:nvSpPr>
-        <p:spPr>
-          <a:xfrm>
-            <a:off x="554737" y="1593129"/>
-            <a:ext cx="3514344" cy="1596177"/>
-          </a:xfrm>
-          <a:prstGeom prst="rect">
-            <a:avLst/>
-          </a:prstGeom>
-        </p:spPr>
-        <p:txBody>
-          <a:bodyPr vert="horz" lIns="91440" tIns="45720" rIns="91440" bIns="45720" rtlCol="0" anchor="ctr">
-            <a:normAutofit/>
-          </a:bodyPr>
-          <a:lstStyle>
-            <a:lvl1pPr algn="ctr" defTabSz="914400" rtl="0" eaLnBrk="1" latinLnBrk="0" hangingPunct="1">
-              <a:lnSpc>
-                <a:spcPct val="90000"/>
-              </a:lnSpc>
-              <a:spcBef>
-                <a:spcPct val="0"/>
-              </a:spcBef>
-              <a:buNone/>
-              <a:defRPr sz="3600" kern="1200" cap="all" baseline="0">
-                <a:solidFill>
-                  <a:schemeClr val="tx1"/>
-                </a:solidFill>
-                <a:effectLst/>
-                <a:latin typeface="+mj-lt"/>
-                <a:ea typeface="+mj-ea"/>
-                <a:cs typeface="+mj-cs"/>
-              </a:defRPr>
-            </a:lvl1pPr>
-          </a:lstStyle>
-          <a:p>
-            <a:pPr algn="l"/>
-            <a:r>
-              <a:rPr lang="en-US" sz="2400" dirty="0"/>
-              <a:t>Qualcomm Live board</a:t>
-            </a:r>
-            <a:endParaRPr lang="en-US" dirty="0"/>
-          </a:p>
-        </p:txBody>
-      </p:sp>
-      <p:sp>
-        <p:nvSpPr>
-          <p:cNvPr id="5" name="Title 1">
-            <a:extLst>
-              <a:ext uri="{FF2B5EF4-FFF2-40B4-BE49-F238E27FC236}">
-                <a16:creationId xmlns:a16="http://schemas.microsoft.com/office/drawing/2014/main" id="{768D9167-94B0-72D2-0B4E-2D71D6BEB421}"/>
-              </a:ext>
-            </a:extLst>
-          </p:cNvPr>
-          <p:cNvSpPr txBox="1">
-            <a:spLocks/>
-          </p:cNvSpPr>
-          <p:nvPr/>
-        </p:nvSpPr>
-        <p:spPr>
-          <a:xfrm>
-            <a:off x="7491985" y="1543681"/>
-            <a:ext cx="3514344" cy="1596177"/>
-          </a:xfrm>
-          <a:prstGeom prst="rect">
-            <a:avLst/>
-          </a:prstGeom>
-        </p:spPr>
-        <p:txBody>
-          <a:bodyPr vert="horz" lIns="91440" tIns="45720" rIns="91440" bIns="45720" rtlCol="0" anchor="ctr">
-            <a:normAutofit/>
-          </a:bodyPr>
-          <a:lstStyle>
-            <a:lvl1pPr algn="ctr" defTabSz="914400" rtl="0" eaLnBrk="1" latinLnBrk="0" hangingPunct="1">
-              <a:lnSpc>
-                <a:spcPct val="90000"/>
-              </a:lnSpc>
-              <a:spcBef>
-                <a:spcPct val="0"/>
-              </a:spcBef>
-              <a:buNone/>
-              <a:defRPr sz="3600" kern="1200" cap="all" baseline="0">
-                <a:solidFill>
-                  <a:schemeClr val="tx1"/>
-                </a:solidFill>
-                <a:effectLst/>
-                <a:latin typeface="+mj-lt"/>
-                <a:ea typeface="+mj-ea"/>
-                <a:cs typeface="+mj-cs"/>
-              </a:defRPr>
-            </a:lvl1pPr>
-          </a:lstStyle>
-          <a:p>
-            <a:pPr algn="l"/>
-            <a:r>
-              <a:rPr lang="en-US" sz="2400" dirty="0"/>
-              <a:t>Demo board</a:t>
-            </a:r>
-            <a:endParaRPr lang="en-US" dirty="0"/>
-          </a:p>
-        </p:txBody>
-      </p:sp>
-    </p:spTree>
-    <p:extLst>
-      <p:ext uri="{BB962C8B-B14F-4D97-AF65-F5344CB8AC3E}">
-        <p14:creationId xmlns:p14="http://schemas.microsoft.com/office/powerpoint/2010/main" val="3890808902"/>
-      </p:ext>
-    </p:extLst>
-  </p:cSld>
-  <p:clrMapOvr>
-    <a:masterClrMapping/>
-  </p:clrMapOvr>
-</p:sld>
-</file>
-
-<file path=ppt/slides/slide8.xml><?xml version="1.0" encoding="utf-8"?>
-<p:sld xmlns:a="http://schemas.openxmlformats.org/drawingml/2006/main" xmlns:r="http://schemas.openxmlformats.org/officeDocument/2006/relationships" xmlns:p="http://schemas.openxmlformats.org/presentationml/2006/main">
-  <p:cSld>
-    <p:spTree>
-      <p:nvGrpSpPr>
-        <p:cNvPr id="1" name=""/>
-        <p:cNvGrpSpPr/>
-        <p:nvPr/>
-      </p:nvGrpSpPr>
-      <p:grpSpPr>
-        <a:xfrm>
-          <a:off x="0" y="0"/>
-          <a:ext cx="0" cy="0"/>
-          <a:chOff x="0" y="0"/>
-          <a:chExt cx="0" cy="0"/>
-        </a:xfrm>
-      </p:grpSpPr>
-      <p:pic>
-        <p:nvPicPr>
-          <p:cNvPr id="7" name="Picture 6" descr="A diagram of a program code&#10;&#10;Description automatically generated">
-            <a:extLst>
-              <a:ext uri="{FF2B5EF4-FFF2-40B4-BE49-F238E27FC236}">
-                <a16:creationId xmlns:a16="http://schemas.microsoft.com/office/drawing/2014/main" id="{06AD8EE0-1443-BADA-9BC3-2A6297381861}"/>
-              </a:ext>
-            </a:extLst>
-          </p:cNvPr>
-          <p:cNvPicPr>
-            <a:picLocks noChangeAspect="1"/>
-          </p:cNvPicPr>
-          <p:nvPr/>
-        </p:nvPicPr>
-        <p:blipFill>
-          <a:blip r:embed="rId2">
-            <a:extLst>
-              <a:ext uri="{28A0092B-C50C-407E-A947-70E740481C1C}">
-                <a14:useLocalDpi xmlns:a14="http://schemas.microsoft.com/office/drawing/2010/main" val="0"/>
-              </a:ext>
-            </a:extLst>
-          </a:blip>
-          <a:stretch>
-            <a:fillRect/>
-          </a:stretch>
-        </p:blipFill>
-        <p:spPr>
-          <a:xfrm>
-            <a:off x="1756219" y="85725"/>
-            <a:ext cx="9648825" cy="6686550"/>
-          </a:xfrm>
-          <a:prstGeom prst="rect">
-            <a:avLst/>
-          </a:prstGeom>
-        </p:spPr>
-      </p:pic>
-      <p:sp>
-        <p:nvSpPr>
-          <p:cNvPr id="2" name="TextBox 1">
-            <a:extLst>
-              <a:ext uri="{FF2B5EF4-FFF2-40B4-BE49-F238E27FC236}">
-                <a16:creationId xmlns:a16="http://schemas.microsoft.com/office/drawing/2014/main" id="{5D17BD8D-124A-99BC-7BF5-6208BCE02F3F}"/>
-              </a:ext>
-            </a:extLst>
-          </p:cNvPr>
-          <p:cNvSpPr txBox="1"/>
-          <p:nvPr/>
-        </p:nvSpPr>
-        <p:spPr>
-          <a:xfrm rot="16200000">
-            <a:off x="-2221992" y="3234118"/>
-            <a:ext cx="6253966" cy="646331"/>
-          </a:xfrm>
-          <a:prstGeom prst="rect">
-            <a:avLst/>
-          </a:prstGeom>
-          <a:noFill/>
-        </p:spPr>
-        <p:txBody>
-          <a:bodyPr wrap="square" rtlCol="0">
-            <a:spAutoFit/>
-          </a:bodyPr>
-          <a:lstStyle/>
-          <a:p>
-            <a:pPr algn="ctr"/>
-            <a:r>
-              <a:rPr lang="en-US" sz="3600" dirty="0"/>
-              <a:t>CODEFLOW CHART</a:t>
-            </a:r>
-          </a:p>
-        </p:txBody>
-      </p:sp>
-    </p:spTree>
-    <p:extLst>
-      <p:ext uri="{BB962C8B-B14F-4D97-AF65-F5344CB8AC3E}">
-        <p14:creationId xmlns:p14="http://schemas.microsoft.com/office/powerpoint/2010/main" val="3420382223"/>
-      </p:ext>
-    </p:extLst>
-  </p:cSld>
-  <p:clrMapOvr>
-    <a:masterClrMapping/>
-  </p:clrMapOvr>
-</p:sld>
-</file>
-
-<file path=ppt/slides/slide9.xml><?xml version="1.0" encoding="utf-8"?>
 <p:sld xmlns:a="http://schemas.openxmlformats.org/drawingml/2006/main" xmlns:r="http://schemas.openxmlformats.org/officeDocument/2006/relationships" xmlns:p="http://schemas.openxmlformats.org/presentationml/2006/main">
   <p:cSld>
     <p:spTree>
@@ -13813,6 +10678,3773 @@
 </p:sld>
 </file>
 
+<file path=ppt/slides/slide11.xml><?xml version="1.0" encoding="utf-8"?>
+<p:sld xmlns:a="http://schemas.openxmlformats.org/drawingml/2006/main" xmlns:r="http://schemas.openxmlformats.org/officeDocument/2006/relationships" xmlns:p="http://schemas.openxmlformats.org/presentationml/2006/main">
+  <p:cSld>
+    <p:spTree>
+      <p:nvGrpSpPr>
+        <p:cNvPr id="1" name=""/>
+        <p:cNvGrpSpPr/>
+        <p:nvPr/>
+      </p:nvGrpSpPr>
+      <p:grpSpPr>
+        <a:xfrm>
+          <a:off x="0" y="0"/>
+          <a:ext cx="0" cy="0"/>
+          <a:chOff x="0" y="0"/>
+          <a:chExt cx="0" cy="0"/>
+        </a:xfrm>
+      </p:grpSpPr>
+      <p:sp>
+        <p:nvSpPr>
+          <p:cNvPr id="2" name="Title 1">
+            <a:extLst>
+              <a:ext uri="{FF2B5EF4-FFF2-40B4-BE49-F238E27FC236}">
+                <a16:creationId xmlns:a16="http://schemas.microsoft.com/office/drawing/2014/main" id="{67086C1A-3D4E-9289-8977-1A9E6683CFF0}"/>
+              </a:ext>
+            </a:extLst>
+          </p:cNvPr>
+          <p:cNvSpPr>
+            <a:spLocks noGrp="1"/>
+          </p:cNvSpPr>
+          <p:nvPr>
+            <p:ph type="title"/>
+          </p:nvPr>
+        </p:nvSpPr>
+        <p:spPr>
+          <a:xfrm>
+            <a:off x="0" y="1"/>
+            <a:ext cx="10364451" cy="694944"/>
+          </a:xfrm>
+        </p:spPr>
+        <p:txBody>
+          <a:bodyPr/>
+          <a:lstStyle/>
+          <a:p>
+            <a:pPr algn="l"/>
+            <a:r>
+              <a:rPr lang="en-US" dirty="0"/>
+              <a:t>Conclusion:</a:t>
+            </a:r>
+          </a:p>
+        </p:txBody>
+      </p:sp>
+      <p:sp>
+        <p:nvSpPr>
+          <p:cNvPr id="3" name="Content Placeholder 2">
+            <a:extLst>
+              <a:ext uri="{FF2B5EF4-FFF2-40B4-BE49-F238E27FC236}">
+                <a16:creationId xmlns:a16="http://schemas.microsoft.com/office/drawing/2014/main" id="{35F0546F-B414-6804-AC82-E21737C3A3CF}"/>
+              </a:ext>
+            </a:extLst>
+          </p:cNvPr>
+          <p:cNvSpPr>
+            <a:spLocks noGrp="1"/>
+          </p:cNvSpPr>
+          <p:nvPr>
+            <p:ph idx="1"/>
+          </p:nvPr>
+        </p:nvSpPr>
+        <p:spPr>
+          <a:xfrm>
+            <a:off x="-2" y="840045"/>
+            <a:ext cx="12192001" cy="6017954"/>
+          </a:xfrm>
+        </p:spPr>
+        <p:txBody>
+          <a:bodyPr>
+            <a:normAutofit/>
+          </a:bodyPr>
+          <a:lstStyle/>
+          <a:p>
+            <a:pPr algn="just"/>
+            <a:r>
+              <a:rPr lang="en-US" sz="1800" kern="100" dirty="0">
+                <a:effectLst/>
+                <a:latin typeface="Calibri" panose="020F0502020204030204" pitchFamily="34" charset="0"/>
+                <a:ea typeface="Calibri" panose="020F0502020204030204" pitchFamily="34" charset="0"/>
+                <a:cs typeface="Times New Roman" panose="02020603050405020304" pitchFamily="18" charset="0"/>
+              </a:rPr>
+              <a:t>This project successfully implemented a SPI IP in FPGA platform and developed standalone non-OS C based testcase to test the interface with the SPI Flash. </a:t>
+            </a:r>
+          </a:p>
+          <a:p>
+            <a:pPr algn="just"/>
+            <a:r>
+              <a:rPr lang="en-US" sz="1800" kern="100" dirty="0">
+                <a:effectLst/>
+                <a:latin typeface="Calibri" panose="020F0502020204030204" pitchFamily="34" charset="0"/>
+                <a:ea typeface="Calibri" panose="020F0502020204030204" pitchFamily="34" charset="0"/>
+                <a:cs typeface="Times New Roman" panose="02020603050405020304" pitchFamily="18" charset="0"/>
+              </a:rPr>
+              <a:t>This Qualifies the IP is suitable for the targeted application of controlling an Industrial grade EtherCAT PHY chip via this SPI master IP. </a:t>
+            </a:r>
+          </a:p>
+          <a:p>
+            <a:pPr algn="just"/>
+            <a:r>
+              <a:rPr lang="en-US" sz="1800" kern="100" dirty="0">
+                <a:effectLst/>
+                <a:latin typeface="Calibri" panose="020F0502020204030204" pitchFamily="34" charset="0"/>
+                <a:ea typeface="Calibri" panose="020F0502020204030204" pitchFamily="34" charset="0"/>
+                <a:cs typeface="Times New Roman" panose="02020603050405020304" pitchFamily="18" charset="0"/>
+              </a:rPr>
+              <a:t>In Real time application this SPI master is going to control a High speed EtherCAT bus via SPI slave interface provided to it. </a:t>
+            </a:r>
+          </a:p>
+          <a:p>
+            <a:pPr algn="just"/>
+            <a:r>
+              <a:rPr lang="en-US" sz="1800" kern="100" dirty="0">
+                <a:effectLst/>
+                <a:latin typeface="Calibri" panose="020F0502020204030204" pitchFamily="34" charset="0"/>
+                <a:ea typeface="Calibri" panose="020F0502020204030204" pitchFamily="34" charset="0"/>
+                <a:cs typeface="Times New Roman" panose="02020603050405020304" pitchFamily="18" charset="0"/>
+              </a:rPr>
+              <a:t>As part of this project, tested the code developed and presented the result in different sections. </a:t>
+            </a:r>
+          </a:p>
+          <a:p>
+            <a:pPr algn="just"/>
+            <a:r>
+              <a:rPr lang="en-US" sz="1800" kern="100" dirty="0">
+                <a:effectLst/>
+                <a:latin typeface="Calibri" panose="020F0502020204030204" pitchFamily="34" charset="0"/>
+                <a:ea typeface="Calibri" panose="020F0502020204030204" pitchFamily="34" charset="0"/>
+                <a:cs typeface="Times New Roman" panose="02020603050405020304" pitchFamily="18" charset="0"/>
+              </a:rPr>
+              <a:t>For demo and results presentation, a different development boards (based on XC7A100T) are used due to resource constraints. </a:t>
+            </a:r>
+            <a:endParaRPr lang="en-US" dirty="0"/>
+          </a:p>
+        </p:txBody>
+      </p:sp>
+    </p:spTree>
+    <p:extLst>
+      <p:ext uri="{BB962C8B-B14F-4D97-AF65-F5344CB8AC3E}">
+        <p14:creationId xmlns:p14="http://schemas.microsoft.com/office/powerpoint/2010/main" val="3359478522"/>
+      </p:ext>
+    </p:extLst>
+  </p:cSld>
+  <p:clrMapOvr>
+    <a:masterClrMapping/>
+  </p:clrMapOvr>
+</p:sld>
+</file>
+
+<file path=ppt/slides/slide2.xml><?xml version="1.0" encoding="utf-8"?>
+<p:sld xmlns:a="http://schemas.openxmlformats.org/drawingml/2006/main" xmlns:r="http://schemas.openxmlformats.org/officeDocument/2006/relationships" xmlns:p="http://schemas.openxmlformats.org/presentationml/2006/main">
+  <p:cSld>
+    <p:spTree>
+      <p:nvGrpSpPr>
+        <p:cNvPr id="1" name=""/>
+        <p:cNvGrpSpPr/>
+        <p:nvPr/>
+      </p:nvGrpSpPr>
+      <p:grpSpPr>
+        <a:xfrm>
+          <a:off x="0" y="0"/>
+          <a:ext cx="0" cy="0"/>
+          <a:chOff x="0" y="0"/>
+          <a:chExt cx="0" cy="0"/>
+        </a:xfrm>
+      </p:grpSpPr>
+      <p:sp>
+        <p:nvSpPr>
+          <p:cNvPr id="2" name="Title 1">
+            <a:extLst>
+              <a:ext uri="{FF2B5EF4-FFF2-40B4-BE49-F238E27FC236}">
+                <a16:creationId xmlns:a16="http://schemas.microsoft.com/office/drawing/2014/main" id="{4BC9DFD3-7C9F-6BB6-DF64-0B9D2058F4CE}"/>
+              </a:ext>
+            </a:extLst>
+          </p:cNvPr>
+          <p:cNvSpPr>
+            <a:spLocks noGrp="1"/>
+          </p:cNvSpPr>
+          <p:nvPr>
+            <p:ph type="title"/>
+          </p:nvPr>
+        </p:nvSpPr>
+        <p:spPr/>
+        <p:txBody>
+          <a:bodyPr/>
+          <a:lstStyle/>
+          <a:p>
+            <a:pPr algn="l"/>
+            <a:r>
+              <a:rPr lang="en-US" dirty="0"/>
+              <a:t>OUTLINE:</a:t>
+            </a:r>
+          </a:p>
+        </p:txBody>
+      </p:sp>
+      <p:sp>
+        <p:nvSpPr>
+          <p:cNvPr id="3" name="Content Placeholder 2">
+            <a:extLst>
+              <a:ext uri="{FF2B5EF4-FFF2-40B4-BE49-F238E27FC236}">
+                <a16:creationId xmlns:a16="http://schemas.microsoft.com/office/drawing/2014/main" id="{02A76D2D-E895-229F-0BF9-0D22DBF62DD1}"/>
+              </a:ext>
+            </a:extLst>
+          </p:cNvPr>
+          <p:cNvSpPr>
+            <a:spLocks noGrp="1"/>
+          </p:cNvSpPr>
+          <p:nvPr>
+            <p:ph idx="1"/>
+          </p:nvPr>
+        </p:nvSpPr>
+        <p:spPr>
+          <a:xfrm>
+            <a:off x="913773" y="1763589"/>
+            <a:ext cx="10364452" cy="4116003"/>
+          </a:xfrm>
+        </p:spPr>
+        <p:txBody>
+          <a:bodyPr>
+            <a:normAutofit/>
+          </a:bodyPr>
+          <a:lstStyle/>
+          <a:p>
+            <a:pPr algn="just"/>
+            <a:r>
+              <a:rPr lang="en-US" dirty="0">
+                <a:solidFill>
+                  <a:srgbClr val="000000"/>
+                </a:solidFill>
+                <a:effectLst/>
+                <a:latin typeface="Calibri" panose="020F0502020204030204" pitchFamily="34" charset="0"/>
+                <a:ea typeface="Calibri" panose="020F0502020204030204" pitchFamily="34" charset="0"/>
+                <a:cs typeface="Calibri" panose="020F0502020204030204" pitchFamily="34" charset="0"/>
+              </a:rPr>
+              <a:t>OUTLINE of this dissertation is to design a simple SoC with a Custom IP (SPI) and required ecosystem to validate the IP and portrait the IP qualification KPIs. It also includes the C based testcases to measure the KPIs and test specifications and testcase development.</a:t>
+            </a:r>
+            <a:endParaRPr lang="en-US" dirty="0">
+              <a:effectLst/>
+              <a:latin typeface="Calibri" panose="020F0502020204030204" pitchFamily="34" charset="0"/>
+              <a:ea typeface="Calibri" panose="020F0502020204030204" pitchFamily="34" charset="0"/>
+              <a:cs typeface="Calibri" panose="020F0502020204030204" pitchFamily="34" charset="0"/>
+            </a:endParaRPr>
+          </a:p>
+          <a:p>
+            <a:pPr algn="just"/>
+            <a:r>
+              <a:rPr lang="en-US" dirty="0">
+                <a:solidFill>
+                  <a:srgbClr val="000000"/>
+                </a:solidFill>
+                <a:effectLst/>
+                <a:latin typeface="Calibri" panose="020F0502020204030204" pitchFamily="34" charset="0"/>
+                <a:ea typeface="Calibri" panose="020F0502020204030204" pitchFamily="34" charset="0"/>
+                <a:cs typeface="Calibri" panose="020F0502020204030204" pitchFamily="34" charset="0"/>
+              </a:rPr>
+              <a:t>In this scenario, to verify the Digital logic, it will be synthesized for FPGA platform where the gate logics are implemented as close as desired </a:t>
+            </a:r>
+            <a:r>
+              <a:rPr lang="en-US" dirty="0" err="1">
+                <a:solidFill>
+                  <a:srgbClr val="000000"/>
+                </a:solidFill>
+                <a:effectLst/>
+                <a:latin typeface="Calibri" panose="020F0502020204030204" pitchFamily="34" charset="0"/>
+                <a:ea typeface="Calibri" panose="020F0502020204030204" pitchFamily="34" charset="0"/>
+                <a:cs typeface="Calibri" panose="020F0502020204030204" pitchFamily="34" charset="0"/>
+              </a:rPr>
+              <a:t>SoC.</a:t>
+            </a:r>
+            <a:r>
+              <a:rPr lang="en-US" dirty="0">
+                <a:solidFill>
+                  <a:srgbClr val="000000"/>
+                </a:solidFill>
+                <a:effectLst/>
+                <a:latin typeface="Calibri" panose="020F0502020204030204" pitchFamily="34" charset="0"/>
+                <a:ea typeface="Calibri" panose="020F0502020204030204" pitchFamily="34" charset="0"/>
+                <a:cs typeface="Calibri" panose="020F0502020204030204" pitchFamily="34" charset="0"/>
+              </a:rPr>
+              <a:t> </a:t>
+            </a:r>
+          </a:p>
+          <a:p>
+            <a:pPr algn="just"/>
+            <a:r>
+              <a:rPr lang="en-US" dirty="0">
+                <a:solidFill>
+                  <a:srgbClr val="000000"/>
+                </a:solidFill>
+                <a:effectLst/>
+                <a:latin typeface="Calibri" panose="020F0502020204030204" pitchFamily="34" charset="0"/>
+                <a:ea typeface="Calibri" panose="020F0502020204030204" pitchFamily="34" charset="0"/>
+                <a:cs typeface="Calibri" panose="020F0502020204030204" pitchFamily="34" charset="0"/>
+              </a:rPr>
+              <a:t>The beauty of FPGA is that the execution of testcases will be faster as like silicon when compared to DV platform. The only constraint is it needs some modifications in RTL to meet the timings in the FPGA. But these modifications will not affect the functionality of the RTL in the Silicon. </a:t>
+            </a:r>
+            <a:endParaRPr lang="en-US" dirty="0">
+              <a:effectLst/>
+              <a:latin typeface="Calibri" panose="020F0502020204030204" pitchFamily="34" charset="0"/>
+              <a:ea typeface="Calibri" panose="020F0502020204030204" pitchFamily="34" charset="0"/>
+              <a:cs typeface="Calibri" panose="020F0502020204030204" pitchFamily="34" charset="0"/>
+            </a:endParaRPr>
+          </a:p>
+          <a:p>
+            <a:pPr algn="just"/>
+            <a:endParaRPr lang="en-US" dirty="0"/>
+          </a:p>
+        </p:txBody>
+      </p:sp>
+    </p:spTree>
+    <p:extLst>
+      <p:ext uri="{BB962C8B-B14F-4D97-AF65-F5344CB8AC3E}">
+        <p14:creationId xmlns:p14="http://schemas.microsoft.com/office/powerpoint/2010/main" val="499094017"/>
+      </p:ext>
+    </p:extLst>
+  </p:cSld>
+  <p:clrMapOvr>
+    <a:masterClrMapping/>
+  </p:clrMapOvr>
+</p:sld>
+</file>
+
+<file path=ppt/slides/slide3.xml><?xml version="1.0" encoding="utf-8"?>
+<p:sld xmlns:a="http://schemas.openxmlformats.org/drawingml/2006/main" xmlns:r="http://schemas.openxmlformats.org/officeDocument/2006/relationships" xmlns:p="http://schemas.openxmlformats.org/presentationml/2006/main">
+  <p:cSld>
+    <p:spTree>
+      <p:nvGrpSpPr>
+        <p:cNvPr id="1" name=""/>
+        <p:cNvGrpSpPr/>
+        <p:nvPr/>
+      </p:nvGrpSpPr>
+      <p:grpSpPr>
+        <a:xfrm>
+          <a:off x="0" y="0"/>
+          <a:ext cx="0" cy="0"/>
+          <a:chOff x="0" y="0"/>
+          <a:chExt cx="0" cy="0"/>
+        </a:xfrm>
+      </p:grpSpPr>
+      <p:sp>
+        <p:nvSpPr>
+          <p:cNvPr id="2" name="Title 1">
+            <a:extLst>
+              <a:ext uri="{FF2B5EF4-FFF2-40B4-BE49-F238E27FC236}">
+                <a16:creationId xmlns:a16="http://schemas.microsoft.com/office/drawing/2014/main" id="{0E4B8733-91CE-8634-7017-E7C6C3FF970B}"/>
+              </a:ext>
+            </a:extLst>
+          </p:cNvPr>
+          <p:cNvSpPr>
+            <a:spLocks noGrp="1"/>
+          </p:cNvSpPr>
+          <p:nvPr>
+            <p:ph type="title"/>
+          </p:nvPr>
+        </p:nvSpPr>
+        <p:spPr/>
+        <p:txBody>
+          <a:bodyPr/>
+          <a:lstStyle/>
+          <a:p>
+            <a:pPr algn="l"/>
+            <a:r>
+              <a:rPr lang="en-US" dirty="0"/>
+              <a:t>OBJECTIVE:</a:t>
+            </a:r>
+          </a:p>
+        </p:txBody>
+      </p:sp>
+      <p:sp>
+        <p:nvSpPr>
+          <p:cNvPr id="3" name="Content Placeholder 2">
+            <a:extLst>
+              <a:ext uri="{FF2B5EF4-FFF2-40B4-BE49-F238E27FC236}">
+                <a16:creationId xmlns:a16="http://schemas.microsoft.com/office/drawing/2014/main" id="{FD0189BD-2B66-3AE6-8A52-BFCE6858CB15}"/>
+              </a:ext>
+            </a:extLst>
+          </p:cNvPr>
+          <p:cNvSpPr>
+            <a:spLocks noGrp="1"/>
+          </p:cNvSpPr>
+          <p:nvPr>
+            <p:ph idx="1"/>
+          </p:nvPr>
+        </p:nvSpPr>
+        <p:spPr>
+          <a:xfrm>
+            <a:off x="913775" y="1737361"/>
+            <a:ext cx="10364452" cy="4053840"/>
+          </a:xfrm>
+        </p:spPr>
+        <p:txBody>
+          <a:bodyPr>
+            <a:normAutofit/>
+          </a:bodyPr>
+          <a:lstStyle/>
+          <a:p>
+            <a:pPr marL="368300" marR="0" indent="0" algn="just">
+              <a:spcBef>
+                <a:spcPts val="235"/>
+              </a:spcBef>
+              <a:spcAft>
+                <a:spcPts val="0"/>
+              </a:spcAft>
+              <a:buNone/>
+            </a:pPr>
+            <a:r>
+              <a:rPr lang="en-US" dirty="0">
+                <a:solidFill>
+                  <a:srgbClr val="000000"/>
+                </a:solidFill>
+                <a:effectLst/>
+                <a:latin typeface="Calibri" panose="020F0502020204030204" pitchFamily="34" charset="0"/>
+                <a:ea typeface="Calibri" panose="020F0502020204030204" pitchFamily="34" charset="0"/>
+                <a:cs typeface="Calibri" panose="020F0502020204030204" pitchFamily="34" charset="0"/>
+              </a:rPr>
+              <a:t>The objectives of my project are as follows:</a:t>
+            </a:r>
+            <a:endParaRPr lang="en-US" dirty="0">
+              <a:effectLst/>
+              <a:latin typeface="Calibri" panose="020F0502020204030204" pitchFamily="34" charset="0"/>
+              <a:ea typeface="Calibri" panose="020F0502020204030204" pitchFamily="34" charset="0"/>
+              <a:cs typeface="Calibri" panose="020F0502020204030204" pitchFamily="34" charset="0"/>
+            </a:endParaRPr>
+          </a:p>
+          <a:p>
+            <a:pPr marL="1143000" marR="202565" lvl="2" indent="-228600" algn="just">
+              <a:lnSpc>
+                <a:spcPct val="145000"/>
+              </a:lnSpc>
+              <a:spcBef>
+                <a:spcPts val="405"/>
+              </a:spcBef>
+              <a:spcAft>
+                <a:spcPts val="0"/>
+              </a:spcAft>
+              <a:buSzPts val="1200"/>
+              <a:buFont typeface="Arial" panose="020B0604020202020204" pitchFamily="34" charset="0"/>
+              <a:buChar char="●"/>
+              <a:tabLst>
+                <a:tab pos="1054735" algn="l"/>
+              </a:tabLst>
+            </a:pPr>
+            <a:r>
+              <a:rPr lang="en-US" sz="2000" dirty="0">
+                <a:solidFill>
+                  <a:srgbClr val="000000"/>
+                </a:solidFill>
+                <a:effectLst/>
+                <a:latin typeface="Calibri" panose="020F0502020204030204" pitchFamily="34" charset="0"/>
+                <a:ea typeface="Calibri" panose="020F0502020204030204" pitchFamily="34" charset="0"/>
+                <a:cs typeface="Calibri" panose="020F0502020204030204" pitchFamily="34" charset="0"/>
+              </a:rPr>
+              <a:t>Creating a custom SPI IP from Xilinx IP Integrator</a:t>
+            </a:r>
+            <a:endParaRPr lang="en-US" sz="2000" dirty="0">
+              <a:effectLst/>
+              <a:latin typeface="Calibri" panose="020F0502020204030204" pitchFamily="34" charset="0"/>
+              <a:ea typeface="Calibri" panose="020F0502020204030204" pitchFamily="34" charset="0"/>
+              <a:cs typeface="Calibri" panose="020F0502020204030204" pitchFamily="34" charset="0"/>
+            </a:endParaRPr>
+          </a:p>
+          <a:p>
+            <a:pPr marL="1143000" marR="202565" lvl="2" indent="-228600" algn="just">
+              <a:lnSpc>
+                <a:spcPct val="145000"/>
+              </a:lnSpc>
+              <a:spcBef>
+                <a:spcPts val="405"/>
+              </a:spcBef>
+              <a:spcAft>
+                <a:spcPts val="0"/>
+              </a:spcAft>
+              <a:buSzPts val="1200"/>
+              <a:buFont typeface="Arial" panose="020B0604020202020204" pitchFamily="34" charset="0"/>
+              <a:buChar char="●"/>
+              <a:tabLst>
+                <a:tab pos="1054735" algn="l"/>
+              </a:tabLst>
+            </a:pPr>
+            <a:r>
+              <a:rPr lang="en-US" sz="2000" dirty="0">
+                <a:solidFill>
+                  <a:srgbClr val="000000"/>
+                </a:solidFill>
+                <a:effectLst/>
+                <a:latin typeface="Calibri" panose="020F0502020204030204" pitchFamily="34" charset="0"/>
+                <a:ea typeface="Calibri" panose="020F0502020204030204" pitchFamily="34" charset="0"/>
+                <a:cs typeface="Calibri" panose="020F0502020204030204" pitchFamily="34" charset="0"/>
+              </a:rPr>
+              <a:t>Creating an ecosystem to validate this IP </a:t>
+            </a:r>
+            <a:endParaRPr lang="en-US" sz="2000" dirty="0">
+              <a:effectLst/>
+              <a:latin typeface="Calibri" panose="020F0502020204030204" pitchFamily="34" charset="0"/>
+              <a:ea typeface="Calibri" panose="020F0502020204030204" pitchFamily="34" charset="0"/>
+              <a:cs typeface="Calibri" panose="020F0502020204030204" pitchFamily="34" charset="0"/>
+            </a:endParaRPr>
+          </a:p>
+          <a:p>
+            <a:pPr marL="1143000" marR="202565" lvl="2" indent="-228600" algn="just">
+              <a:lnSpc>
+                <a:spcPct val="145000"/>
+              </a:lnSpc>
+              <a:spcBef>
+                <a:spcPts val="405"/>
+              </a:spcBef>
+              <a:spcAft>
+                <a:spcPts val="0"/>
+              </a:spcAft>
+              <a:buSzPts val="1200"/>
+              <a:buFont typeface="Arial" panose="020B0604020202020204" pitchFamily="34" charset="0"/>
+              <a:buChar char="●"/>
+              <a:tabLst>
+                <a:tab pos="1054735" algn="l"/>
+              </a:tabLst>
+            </a:pPr>
+            <a:r>
+              <a:rPr lang="en-US" sz="2000" dirty="0">
+                <a:solidFill>
+                  <a:srgbClr val="000000"/>
+                </a:solidFill>
+                <a:effectLst/>
+                <a:latin typeface="Calibri" panose="020F0502020204030204" pitchFamily="34" charset="0"/>
+                <a:ea typeface="Calibri" panose="020F0502020204030204" pitchFamily="34" charset="0"/>
+                <a:cs typeface="Calibri" panose="020F0502020204030204" pitchFamily="34" charset="0"/>
+              </a:rPr>
+              <a:t>Understanding the hardware specification of IP</a:t>
+            </a:r>
+            <a:endParaRPr lang="en-US" sz="2000" dirty="0">
+              <a:effectLst/>
+              <a:latin typeface="Calibri" panose="020F0502020204030204" pitchFamily="34" charset="0"/>
+              <a:ea typeface="Calibri" panose="020F0502020204030204" pitchFamily="34" charset="0"/>
+              <a:cs typeface="Calibri" panose="020F0502020204030204" pitchFamily="34" charset="0"/>
+            </a:endParaRPr>
+          </a:p>
+          <a:p>
+            <a:pPr marL="1143000" marR="202565" lvl="2" indent="-228600" algn="just">
+              <a:lnSpc>
+                <a:spcPct val="145000"/>
+              </a:lnSpc>
+              <a:spcBef>
+                <a:spcPts val="405"/>
+              </a:spcBef>
+              <a:spcAft>
+                <a:spcPts val="0"/>
+              </a:spcAft>
+              <a:buSzPts val="1200"/>
+              <a:buFont typeface="Arial" panose="020B0604020202020204" pitchFamily="34" charset="0"/>
+              <a:buChar char="●"/>
+              <a:tabLst>
+                <a:tab pos="1054735" algn="l"/>
+              </a:tabLst>
+            </a:pPr>
+            <a:r>
+              <a:rPr lang="en-US" sz="2000" dirty="0">
+                <a:solidFill>
+                  <a:srgbClr val="000000"/>
+                </a:solidFill>
+                <a:effectLst/>
+                <a:latin typeface="Calibri" panose="020F0502020204030204" pitchFamily="34" charset="0"/>
+                <a:ea typeface="Calibri" panose="020F0502020204030204" pitchFamily="34" charset="0"/>
+                <a:cs typeface="Calibri" panose="020F0502020204030204" pitchFamily="34" charset="0"/>
+              </a:rPr>
+              <a:t>Writing a test spec from the Hardware Specification</a:t>
+            </a:r>
+            <a:endParaRPr lang="en-US" sz="2000" dirty="0">
+              <a:effectLst/>
+              <a:latin typeface="Calibri" panose="020F0502020204030204" pitchFamily="34" charset="0"/>
+              <a:ea typeface="Calibri" panose="020F0502020204030204" pitchFamily="34" charset="0"/>
+              <a:cs typeface="Calibri" panose="020F0502020204030204" pitchFamily="34" charset="0"/>
+            </a:endParaRPr>
+          </a:p>
+          <a:p>
+            <a:pPr marL="1143000" marR="202565" lvl="2" indent="-228600" algn="just">
+              <a:lnSpc>
+                <a:spcPct val="145000"/>
+              </a:lnSpc>
+              <a:spcBef>
+                <a:spcPts val="405"/>
+              </a:spcBef>
+              <a:spcAft>
+                <a:spcPts val="0"/>
+              </a:spcAft>
+              <a:buSzPts val="1200"/>
+              <a:buFont typeface="Arial" panose="020B0604020202020204" pitchFamily="34" charset="0"/>
+              <a:buChar char="●"/>
+              <a:tabLst>
+                <a:tab pos="1054735" algn="l"/>
+              </a:tabLst>
+            </a:pPr>
+            <a:r>
+              <a:rPr lang="en-US" sz="2000" dirty="0">
+                <a:solidFill>
+                  <a:srgbClr val="000000"/>
+                </a:solidFill>
+                <a:effectLst/>
+                <a:latin typeface="Calibri" panose="020F0502020204030204" pitchFamily="34" charset="0"/>
+                <a:ea typeface="Calibri" panose="020F0502020204030204" pitchFamily="34" charset="0"/>
+                <a:cs typeface="Calibri" panose="020F0502020204030204" pitchFamily="34" charset="0"/>
+              </a:rPr>
+              <a:t>Creating the testcases to qualify the IP</a:t>
+            </a:r>
+            <a:endParaRPr lang="en-US" sz="2000" dirty="0">
+              <a:effectLst/>
+              <a:latin typeface="Calibri" panose="020F0502020204030204" pitchFamily="34" charset="0"/>
+              <a:ea typeface="Calibri" panose="020F0502020204030204" pitchFamily="34" charset="0"/>
+              <a:cs typeface="Calibri" panose="020F0502020204030204" pitchFamily="34" charset="0"/>
+            </a:endParaRPr>
+          </a:p>
+          <a:p>
+            <a:pPr marL="1143000" marR="202565" lvl="2" indent="-228600" algn="just">
+              <a:lnSpc>
+                <a:spcPct val="145000"/>
+              </a:lnSpc>
+              <a:spcBef>
+                <a:spcPts val="405"/>
+              </a:spcBef>
+              <a:spcAft>
+                <a:spcPts val="0"/>
+              </a:spcAft>
+              <a:buSzPts val="1200"/>
+              <a:buFont typeface="Arial" panose="020B0604020202020204" pitchFamily="34" charset="0"/>
+              <a:buChar char="●"/>
+              <a:tabLst>
+                <a:tab pos="1054735" algn="l"/>
+              </a:tabLst>
+            </a:pPr>
+            <a:r>
+              <a:rPr lang="en-US" sz="2000" dirty="0">
+                <a:solidFill>
+                  <a:srgbClr val="000000"/>
+                </a:solidFill>
+                <a:effectLst/>
+                <a:latin typeface="Calibri" panose="020F0502020204030204" pitchFamily="34" charset="0"/>
+                <a:ea typeface="Calibri" panose="020F0502020204030204" pitchFamily="34" charset="0"/>
+                <a:cs typeface="Calibri" panose="020F0502020204030204" pitchFamily="34" charset="0"/>
+              </a:rPr>
+              <a:t>Collecting the Output waveforms from the Xilinx ILA</a:t>
+            </a:r>
+            <a:endParaRPr lang="en-US" sz="2000" dirty="0">
+              <a:effectLst/>
+              <a:latin typeface="Calibri" panose="020F0502020204030204" pitchFamily="34" charset="0"/>
+              <a:ea typeface="Calibri" panose="020F0502020204030204" pitchFamily="34" charset="0"/>
+              <a:cs typeface="Calibri" panose="020F0502020204030204" pitchFamily="34" charset="0"/>
+            </a:endParaRPr>
+          </a:p>
+          <a:p>
+            <a:pPr algn="just"/>
+            <a:endParaRPr lang="en-US" dirty="0"/>
+          </a:p>
+        </p:txBody>
+      </p:sp>
+    </p:spTree>
+    <p:extLst>
+      <p:ext uri="{BB962C8B-B14F-4D97-AF65-F5344CB8AC3E}">
+        <p14:creationId xmlns:p14="http://schemas.microsoft.com/office/powerpoint/2010/main" val="2634217961"/>
+      </p:ext>
+    </p:extLst>
+  </p:cSld>
+  <p:clrMapOvr>
+    <a:masterClrMapping/>
+  </p:clrMapOvr>
+</p:sld>
+</file>
+
+<file path=ppt/slides/slide4.xml><?xml version="1.0" encoding="utf-8"?>
+<p:sld xmlns:a="http://schemas.openxmlformats.org/drawingml/2006/main" xmlns:r="http://schemas.openxmlformats.org/officeDocument/2006/relationships" xmlns:p="http://schemas.openxmlformats.org/presentationml/2006/main">
+  <p:cSld>
+    <p:spTree>
+      <p:nvGrpSpPr>
+        <p:cNvPr id="1" name=""/>
+        <p:cNvGrpSpPr/>
+        <p:nvPr/>
+      </p:nvGrpSpPr>
+      <p:grpSpPr>
+        <a:xfrm>
+          <a:off x="0" y="0"/>
+          <a:ext cx="0" cy="0"/>
+          <a:chOff x="0" y="0"/>
+          <a:chExt cx="0" cy="0"/>
+        </a:xfrm>
+      </p:grpSpPr>
+      <p:sp>
+        <p:nvSpPr>
+          <p:cNvPr id="2" name="Title 1">
+            <a:extLst>
+              <a:ext uri="{FF2B5EF4-FFF2-40B4-BE49-F238E27FC236}">
+                <a16:creationId xmlns:a16="http://schemas.microsoft.com/office/drawing/2014/main" id="{B7295A61-7259-906A-7AE5-571F228F81CD}"/>
+              </a:ext>
+            </a:extLst>
+          </p:cNvPr>
+          <p:cNvSpPr>
+            <a:spLocks noGrp="1"/>
+          </p:cNvSpPr>
+          <p:nvPr>
+            <p:ph type="title"/>
+          </p:nvPr>
+        </p:nvSpPr>
+        <p:spPr/>
+        <p:txBody>
+          <a:bodyPr/>
+          <a:lstStyle/>
+          <a:p>
+            <a:r>
+              <a:rPr lang="en-US" dirty="0"/>
+              <a:t>Block Diagram:</a:t>
+            </a:r>
+          </a:p>
+        </p:txBody>
+      </p:sp>
+      <p:pic>
+        <p:nvPicPr>
+          <p:cNvPr id="1027" name="Picture 3" descr="A diagram of a system&#10;&#10;Description automatically generated">
+            <a:extLst>
+              <a:ext uri="{FF2B5EF4-FFF2-40B4-BE49-F238E27FC236}">
+                <a16:creationId xmlns:a16="http://schemas.microsoft.com/office/drawing/2014/main" id="{2EB6CE9C-60AB-3060-41AD-DA9BC4095D81}"/>
+              </a:ext>
+            </a:extLst>
+          </p:cNvPr>
+          <p:cNvPicPr>
+            <a:picLocks noChangeAspect="1" noChangeArrowheads="1"/>
+          </p:cNvPicPr>
+          <p:nvPr/>
+        </p:nvPicPr>
+        <p:blipFill>
+          <a:blip r:embed="rId2">
+            <a:extLst>
+              <a:ext uri="{28A0092B-C50C-407E-A947-70E740481C1C}">
+                <a14:useLocalDpi xmlns:a14="http://schemas.microsoft.com/office/drawing/2010/main" val="0"/>
+              </a:ext>
+            </a:extLst>
+          </a:blip>
+          <a:srcRect/>
+          <a:stretch>
+            <a:fillRect/>
+          </a:stretch>
+        </p:blipFill>
+        <p:spPr bwMode="auto">
+          <a:xfrm>
+            <a:off x="234945" y="1699762"/>
+            <a:ext cx="7595118" cy="4716527"/>
+          </a:xfrm>
+          <a:prstGeom prst="rect">
+            <a:avLst/>
+          </a:prstGeom>
+          <a:noFill/>
+          <a:ln>
+            <a:noFill/>
+          </a:ln>
+          <a:extLst>
+            <a:ext uri="{909E8E84-426E-40DD-AFC4-6F175D3DCCD1}">
+              <a14:hiddenFill xmlns:a14="http://schemas.microsoft.com/office/drawing/2010/main">
+                <a:solidFill>
+                  <a:srgbClr val="FFFFFF"/>
+                </a:solidFill>
+              </a14:hiddenFill>
+            </a:ext>
+            <a:ext uri="{91240B29-F687-4F45-9708-019B960494DF}">
+              <a14:hiddenLine xmlns:a14="http://schemas.microsoft.com/office/drawing/2010/main" w="9525">
+                <a:solidFill>
+                  <a:srgbClr val="000000"/>
+                </a:solidFill>
+                <a:miter lim="800000"/>
+                <a:headEnd/>
+                <a:tailEnd/>
+              </a14:hiddenLine>
+            </a:ext>
+          </a:extLst>
+        </p:spPr>
+      </p:pic>
+      <p:graphicFrame>
+        <p:nvGraphicFramePr>
+          <p:cNvPr id="4" name="Table 3">
+            <a:extLst>
+              <a:ext uri="{FF2B5EF4-FFF2-40B4-BE49-F238E27FC236}">
+                <a16:creationId xmlns:a16="http://schemas.microsoft.com/office/drawing/2014/main" id="{F39666F0-ABE8-8682-9C47-43A3D463EB42}"/>
+              </a:ext>
+            </a:extLst>
+          </p:cNvPr>
+          <p:cNvGraphicFramePr>
+            <a:graphicFrameLocks noGrp="1"/>
+          </p:cNvGraphicFramePr>
+          <p:nvPr>
+            <p:extLst>
+              <p:ext uri="{D42A27DB-BD31-4B8C-83A1-F6EECF244321}">
+                <p14:modId xmlns:p14="http://schemas.microsoft.com/office/powerpoint/2010/main" val="695756637"/>
+              </p:ext>
+            </p:extLst>
+          </p:nvPr>
+        </p:nvGraphicFramePr>
+        <p:xfrm>
+          <a:off x="8089142" y="2080732"/>
+          <a:ext cx="3867913" cy="2696535"/>
+        </p:xfrm>
+        <a:graphic>
+          <a:graphicData uri="http://schemas.openxmlformats.org/drawingml/2006/table">
+            <a:tbl>
+              <a:tblPr firstRow="1" firstCol="1" bandRow="1">
+                <a:tableStyleId>{5C22544A-7EE6-4342-B048-85BDC9FD1C3A}</a:tableStyleId>
+              </a:tblPr>
+              <a:tblGrid>
+                <a:gridCol w="1698507">
+                  <a:extLst>
+                    <a:ext uri="{9D8B030D-6E8A-4147-A177-3AD203B41FA5}">
+                      <a16:colId xmlns:a16="http://schemas.microsoft.com/office/drawing/2014/main" val="2134872662"/>
+                    </a:ext>
+                  </a:extLst>
+                </a:gridCol>
+                <a:gridCol w="1317139">
+                  <a:extLst>
+                    <a:ext uri="{9D8B030D-6E8A-4147-A177-3AD203B41FA5}">
+                      <a16:colId xmlns:a16="http://schemas.microsoft.com/office/drawing/2014/main" val="2240553985"/>
+                    </a:ext>
+                  </a:extLst>
+                </a:gridCol>
+                <a:gridCol w="852267">
+                  <a:extLst>
+                    <a:ext uri="{9D8B030D-6E8A-4147-A177-3AD203B41FA5}">
+                      <a16:colId xmlns:a16="http://schemas.microsoft.com/office/drawing/2014/main" val="1915622399"/>
+                    </a:ext>
+                  </a:extLst>
+                </a:gridCol>
+              </a:tblGrid>
+              <a:tr h="0">
+                <a:tc>
+                  <a:txBody>
+                    <a:bodyPr/>
+                    <a:lstStyle/>
+                    <a:p>
+                      <a:pPr marL="0" marR="0">
+                        <a:lnSpc>
+                          <a:spcPct val="115000"/>
+                        </a:lnSpc>
+                        <a:spcBef>
+                          <a:spcPts val="0"/>
+                        </a:spcBef>
+                        <a:spcAft>
+                          <a:spcPts val="0"/>
+                        </a:spcAft>
+                      </a:pPr>
+                      <a:r>
+                        <a:rPr lang="en-US" sz="1100" kern="100">
+                          <a:effectLst/>
+                        </a:rPr>
+                        <a:t>Xilinx IP Used </a:t>
+                      </a:r>
+                      <a:endParaRPr lang="en-US" sz="1200">
+                        <a:effectLst/>
+                        <a:latin typeface="Times New Roman" panose="02020603050405020304" pitchFamily="18" charset="0"/>
+                        <a:ea typeface="Times New Roman" panose="02020603050405020304" pitchFamily="18" charset="0"/>
+                      </a:endParaRPr>
+                    </a:p>
+                  </a:txBody>
+                  <a:tcPr marL="68580" marR="68580" marT="0" marB="0"/>
+                </a:tc>
+                <a:tc>
+                  <a:txBody>
+                    <a:bodyPr/>
+                    <a:lstStyle/>
+                    <a:p>
+                      <a:pPr marL="0" marR="0">
+                        <a:lnSpc>
+                          <a:spcPct val="115000"/>
+                        </a:lnSpc>
+                        <a:spcBef>
+                          <a:spcPts val="0"/>
+                        </a:spcBef>
+                        <a:spcAft>
+                          <a:spcPts val="0"/>
+                        </a:spcAft>
+                      </a:pPr>
+                      <a:r>
+                        <a:rPr lang="en-US" sz="1100" kern="100">
+                          <a:effectLst/>
+                        </a:rPr>
+                        <a:t>Address map</a:t>
+                      </a:r>
+                      <a:endParaRPr lang="en-US" sz="1200">
+                        <a:effectLst/>
+                        <a:latin typeface="Times New Roman" panose="02020603050405020304" pitchFamily="18" charset="0"/>
+                        <a:ea typeface="Times New Roman" panose="02020603050405020304" pitchFamily="18" charset="0"/>
+                      </a:endParaRPr>
+                    </a:p>
+                  </a:txBody>
+                  <a:tcPr marL="68580" marR="68580" marT="0" marB="0"/>
+                </a:tc>
+                <a:tc>
+                  <a:txBody>
+                    <a:bodyPr/>
+                    <a:lstStyle/>
+                    <a:p>
+                      <a:pPr marL="0" marR="0">
+                        <a:lnSpc>
+                          <a:spcPct val="115000"/>
+                        </a:lnSpc>
+                        <a:spcBef>
+                          <a:spcPts val="0"/>
+                        </a:spcBef>
+                        <a:spcAft>
+                          <a:spcPts val="0"/>
+                        </a:spcAft>
+                      </a:pPr>
+                      <a:r>
+                        <a:rPr lang="en-US" sz="1100" kern="100">
+                          <a:effectLst/>
+                        </a:rPr>
+                        <a:t>Size</a:t>
+                      </a:r>
+                      <a:endParaRPr lang="en-US" sz="1200">
+                        <a:effectLst/>
+                        <a:latin typeface="Times New Roman" panose="02020603050405020304" pitchFamily="18" charset="0"/>
+                        <a:ea typeface="Times New Roman" panose="02020603050405020304" pitchFamily="18" charset="0"/>
+                      </a:endParaRPr>
+                    </a:p>
+                  </a:txBody>
+                  <a:tcPr marL="68580" marR="68580" marT="0" marB="0"/>
+                </a:tc>
+                <a:extLst>
+                  <a:ext uri="{0D108BD9-81ED-4DB2-BD59-A6C34878D82A}">
+                    <a16:rowId xmlns:a16="http://schemas.microsoft.com/office/drawing/2014/main" val="1453050066"/>
+                  </a:ext>
+                </a:extLst>
+              </a:tr>
+              <a:tr h="0">
+                <a:tc>
+                  <a:txBody>
+                    <a:bodyPr/>
+                    <a:lstStyle/>
+                    <a:p>
+                      <a:pPr marL="0" marR="0">
+                        <a:lnSpc>
+                          <a:spcPct val="115000"/>
+                        </a:lnSpc>
+                        <a:spcBef>
+                          <a:spcPts val="0"/>
+                        </a:spcBef>
+                        <a:spcAft>
+                          <a:spcPts val="0"/>
+                        </a:spcAft>
+                      </a:pPr>
+                      <a:r>
+                        <a:rPr lang="en-US" sz="1100" kern="100">
+                          <a:effectLst/>
+                        </a:rPr>
+                        <a:t>clk_wiz:6.0\</a:t>
+                      </a:r>
+                      <a:endParaRPr lang="en-US" sz="1200">
+                        <a:effectLst/>
+                        <a:latin typeface="Times New Roman" panose="02020603050405020304" pitchFamily="18" charset="0"/>
+                        <a:ea typeface="Times New Roman" panose="02020603050405020304" pitchFamily="18" charset="0"/>
+                      </a:endParaRPr>
+                    </a:p>
+                  </a:txBody>
+                  <a:tcPr marL="68580" marR="68580" marT="0" marB="0"/>
+                </a:tc>
+                <a:tc>
+                  <a:txBody>
+                    <a:bodyPr/>
+                    <a:lstStyle/>
+                    <a:p>
+                      <a:pPr marL="0" marR="0">
+                        <a:lnSpc>
+                          <a:spcPct val="115000"/>
+                        </a:lnSpc>
+                        <a:spcBef>
+                          <a:spcPts val="0"/>
+                        </a:spcBef>
+                        <a:spcAft>
+                          <a:spcPts val="0"/>
+                        </a:spcAft>
+                      </a:pPr>
+                      <a:r>
+                        <a:rPr lang="en-US" sz="1100" kern="100">
+                          <a:effectLst/>
+                        </a:rPr>
+                        <a:t>NA</a:t>
+                      </a:r>
+                      <a:endParaRPr lang="en-US" sz="1200">
+                        <a:effectLst/>
+                        <a:latin typeface="Times New Roman" panose="02020603050405020304" pitchFamily="18" charset="0"/>
+                        <a:ea typeface="Times New Roman" panose="02020603050405020304" pitchFamily="18" charset="0"/>
+                      </a:endParaRPr>
+                    </a:p>
+                  </a:txBody>
+                  <a:tcPr marL="68580" marR="68580" marT="0" marB="0"/>
+                </a:tc>
+                <a:tc>
+                  <a:txBody>
+                    <a:bodyPr/>
+                    <a:lstStyle/>
+                    <a:p>
+                      <a:pPr marL="0" marR="0">
+                        <a:lnSpc>
+                          <a:spcPct val="115000"/>
+                        </a:lnSpc>
+                        <a:spcBef>
+                          <a:spcPts val="0"/>
+                        </a:spcBef>
+                        <a:spcAft>
+                          <a:spcPts val="0"/>
+                        </a:spcAft>
+                      </a:pPr>
+                      <a:r>
+                        <a:rPr lang="en-US" sz="1100" kern="100">
+                          <a:effectLst/>
+                        </a:rPr>
+                        <a:t> </a:t>
+                      </a:r>
+                      <a:endParaRPr lang="en-US" sz="1200">
+                        <a:effectLst/>
+                        <a:latin typeface="Times New Roman" panose="02020603050405020304" pitchFamily="18" charset="0"/>
+                        <a:ea typeface="Times New Roman" panose="02020603050405020304" pitchFamily="18" charset="0"/>
+                      </a:endParaRPr>
+                    </a:p>
+                  </a:txBody>
+                  <a:tcPr marL="68580" marR="68580" marT="0" marB="0"/>
+                </a:tc>
+                <a:extLst>
+                  <a:ext uri="{0D108BD9-81ED-4DB2-BD59-A6C34878D82A}">
+                    <a16:rowId xmlns:a16="http://schemas.microsoft.com/office/drawing/2014/main" val="1397369531"/>
+                  </a:ext>
+                </a:extLst>
+              </a:tr>
+              <a:tr h="0">
+                <a:tc>
+                  <a:txBody>
+                    <a:bodyPr/>
+                    <a:lstStyle/>
+                    <a:p>
+                      <a:pPr marL="0" marR="0">
+                        <a:lnSpc>
+                          <a:spcPct val="115000"/>
+                        </a:lnSpc>
+                        <a:spcBef>
+                          <a:spcPts val="0"/>
+                        </a:spcBef>
+                        <a:spcAft>
+                          <a:spcPts val="0"/>
+                        </a:spcAft>
+                      </a:pPr>
+                      <a:r>
+                        <a:rPr lang="en-US" sz="1100" kern="100">
+                          <a:effectLst/>
+                        </a:rPr>
+                        <a:t>microblaze:11.0\</a:t>
+                      </a:r>
+                      <a:endParaRPr lang="en-US" sz="1200">
+                        <a:effectLst/>
+                        <a:latin typeface="Times New Roman" panose="02020603050405020304" pitchFamily="18" charset="0"/>
+                        <a:ea typeface="Times New Roman" panose="02020603050405020304" pitchFamily="18" charset="0"/>
+                      </a:endParaRPr>
+                    </a:p>
+                  </a:txBody>
+                  <a:tcPr marL="68580" marR="68580" marT="0" marB="0"/>
+                </a:tc>
+                <a:tc>
+                  <a:txBody>
+                    <a:bodyPr/>
+                    <a:lstStyle/>
+                    <a:p>
+                      <a:pPr marL="0" marR="0">
+                        <a:lnSpc>
+                          <a:spcPct val="115000"/>
+                        </a:lnSpc>
+                        <a:spcBef>
+                          <a:spcPts val="0"/>
+                        </a:spcBef>
+                        <a:spcAft>
+                          <a:spcPts val="0"/>
+                        </a:spcAft>
+                      </a:pPr>
+                      <a:r>
+                        <a:rPr lang="en-US" sz="1100" kern="100">
+                          <a:effectLst/>
+                        </a:rPr>
+                        <a:t>NA</a:t>
+                      </a:r>
+                      <a:endParaRPr lang="en-US" sz="1200">
+                        <a:effectLst/>
+                        <a:latin typeface="Times New Roman" panose="02020603050405020304" pitchFamily="18" charset="0"/>
+                        <a:ea typeface="Times New Roman" panose="02020603050405020304" pitchFamily="18" charset="0"/>
+                      </a:endParaRPr>
+                    </a:p>
+                  </a:txBody>
+                  <a:tcPr marL="68580" marR="68580" marT="0" marB="0"/>
+                </a:tc>
+                <a:tc>
+                  <a:txBody>
+                    <a:bodyPr/>
+                    <a:lstStyle/>
+                    <a:p>
+                      <a:pPr marL="0" marR="0">
+                        <a:lnSpc>
+                          <a:spcPct val="115000"/>
+                        </a:lnSpc>
+                        <a:spcBef>
+                          <a:spcPts val="0"/>
+                        </a:spcBef>
+                        <a:spcAft>
+                          <a:spcPts val="0"/>
+                        </a:spcAft>
+                      </a:pPr>
+                      <a:r>
+                        <a:rPr lang="en-US" sz="1100" kern="100">
+                          <a:effectLst/>
+                        </a:rPr>
+                        <a:t> </a:t>
+                      </a:r>
+                      <a:endParaRPr lang="en-US" sz="1200">
+                        <a:effectLst/>
+                        <a:latin typeface="Times New Roman" panose="02020603050405020304" pitchFamily="18" charset="0"/>
+                        <a:ea typeface="Times New Roman" panose="02020603050405020304" pitchFamily="18" charset="0"/>
+                      </a:endParaRPr>
+                    </a:p>
+                  </a:txBody>
+                  <a:tcPr marL="68580" marR="68580" marT="0" marB="0"/>
+                </a:tc>
+                <a:extLst>
+                  <a:ext uri="{0D108BD9-81ED-4DB2-BD59-A6C34878D82A}">
+                    <a16:rowId xmlns:a16="http://schemas.microsoft.com/office/drawing/2014/main" val="1893689087"/>
+                  </a:ext>
+                </a:extLst>
+              </a:tr>
+              <a:tr h="0">
+                <a:tc>
+                  <a:txBody>
+                    <a:bodyPr/>
+                    <a:lstStyle/>
+                    <a:p>
+                      <a:pPr marL="0" marR="0">
+                        <a:lnSpc>
+                          <a:spcPct val="115000"/>
+                        </a:lnSpc>
+                        <a:spcBef>
+                          <a:spcPts val="0"/>
+                        </a:spcBef>
+                        <a:spcAft>
+                          <a:spcPts val="0"/>
+                        </a:spcAft>
+                      </a:pPr>
+                      <a:r>
+                        <a:rPr lang="en-US" sz="1100" kern="100">
+                          <a:effectLst/>
+                        </a:rPr>
+                        <a:t>mdm:3.2\</a:t>
+                      </a:r>
+                      <a:endParaRPr lang="en-US" sz="1200">
+                        <a:effectLst/>
+                        <a:latin typeface="Times New Roman" panose="02020603050405020304" pitchFamily="18" charset="0"/>
+                        <a:ea typeface="Times New Roman" panose="02020603050405020304" pitchFamily="18" charset="0"/>
+                      </a:endParaRPr>
+                    </a:p>
+                  </a:txBody>
+                  <a:tcPr marL="68580" marR="68580" marT="0" marB="0"/>
+                </a:tc>
+                <a:tc>
+                  <a:txBody>
+                    <a:bodyPr/>
+                    <a:lstStyle/>
+                    <a:p>
+                      <a:pPr marL="0" marR="0">
+                        <a:lnSpc>
+                          <a:spcPct val="115000"/>
+                        </a:lnSpc>
+                        <a:spcBef>
+                          <a:spcPts val="0"/>
+                        </a:spcBef>
+                        <a:spcAft>
+                          <a:spcPts val="0"/>
+                        </a:spcAft>
+                      </a:pPr>
+                      <a:r>
+                        <a:rPr lang="en-US" sz="1100" kern="100">
+                          <a:effectLst/>
+                        </a:rPr>
+                        <a:t>NA</a:t>
+                      </a:r>
+                      <a:endParaRPr lang="en-US" sz="1200">
+                        <a:effectLst/>
+                        <a:latin typeface="Times New Roman" panose="02020603050405020304" pitchFamily="18" charset="0"/>
+                        <a:ea typeface="Times New Roman" panose="02020603050405020304" pitchFamily="18" charset="0"/>
+                      </a:endParaRPr>
+                    </a:p>
+                  </a:txBody>
+                  <a:tcPr marL="68580" marR="68580" marT="0" marB="0"/>
+                </a:tc>
+                <a:tc>
+                  <a:txBody>
+                    <a:bodyPr/>
+                    <a:lstStyle/>
+                    <a:p>
+                      <a:pPr marL="0" marR="0">
+                        <a:lnSpc>
+                          <a:spcPct val="115000"/>
+                        </a:lnSpc>
+                        <a:spcBef>
+                          <a:spcPts val="0"/>
+                        </a:spcBef>
+                        <a:spcAft>
+                          <a:spcPts val="0"/>
+                        </a:spcAft>
+                      </a:pPr>
+                      <a:r>
+                        <a:rPr lang="en-US" sz="1100" kern="100">
+                          <a:effectLst/>
+                        </a:rPr>
+                        <a:t> </a:t>
+                      </a:r>
+                      <a:endParaRPr lang="en-US" sz="1200">
+                        <a:effectLst/>
+                        <a:latin typeface="Times New Roman" panose="02020603050405020304" pitchFamily="18" charset="0"/>
+                        <a:ea typeface="Times New Roman" panose="02020603050405020304" pitchFamily="18" charset="0"/>
+                      </a:endParaRPr>
+                    </a:p>
+                  </a:txBody>
+                  <a:tcPr marL="68580" marR="68580" marT="0" marB="0"/>
+                </a:tc>
+                <a:extLst>
+                  <a:ext uri="{0D108BD9-81ED-4DB2-BD59-A6C34878D82A}">
+                    <a16:rowId xmlns:a16="http://schemas.microsoft.com/office/drawing/2014/main" val="1482321762"/>
+                  </a:ext>
+                </a:extLst>
+              </a:tr>
+              <a:tr h="0">
+                <a:tc>
+                  <a:txBody>
+                    <a:bodyPr/>
+                    <a:lstStyle/>
+                    <a:p>
+                      <a:pPr marL="0" marR="0">
+                        <a:lnSpc>
+                          <a:spcPct val="115000"/>
+                        </a:lnSpc>
+                        <a:spcBef>
+                          <a:spcPts val="0"/>
+                        </a:spcBef>
+                        <a:spcAft>
+                          <a:spcPts val="0"/>
+                        </a:spcAft>
+                      </a:pPr>
+                      <a:r>
+                        <a:rPr lang="en-US" sz="1100" kern="100">
+                          <a:effectLst/>
+                        </a:rPr>
+                        <a:t>proc_sys_reset:5.0\</a:t>
+                      </a:r>
+                      <a:endParaRPr lang="en-US" sz="1200">
+                        <a:effectLst/>
+                        <a:latin typeface="Times New Roman" panose="02020603050405020304" pitchFamily="18" charset="0"/>
+                        <a:ea typeface="Times New Roman" panose="02020603050405020304" pitchFamily="18" charset="0"/>
+                      </a:endParaRPr>
+                    </a:p>
+                  </a:txBody>
+                  <a:tcPr marL="68580" marR="68580" marT="0" marB="0"/>
+                </a:tc>
+                <a:tc>
+                  <a:txBody>
+                    <a:bodyPr/>
+                    <a:lstStyle/>
+                    <a:p>
+                      <a:pPr marL="0" marR="0">
+                        <a:lnSpc>
+                          <a:spcPct val="115000"/>
+                        </a:lnSpc>
+                        <a:spcBef>
+                          <a:spcPts val="0"/>
+                        </a:spcBef>
+                        <a:spcAft>
+                          <a:spcPts val="0"/>
+                        </a:spcAft>
+                      </a:pPr>
+                      <a:r>
+                        <a:rPr lang="en-US" sz="1100" kern="100">
+                          <a:effectLst/>
+                        </a:rPr>
+                        <a:t>NA</a:t>
+                      </a:r>
+                      <a:endParaRPr lang="en-US" sz="1200">
+                        <a:effectLst/>
+                        <a:latin typeface="Times New Roman" panose="02020603050405020304" pitchFamily="18" charset="0"/>
+                        <a:ea typeface="Times New Roman" panose="02020603050405020304" pitchFamily="18" charset="0"/>
+                      </a:endParaRPr>
+                    </a:p>
+                  </a:txBody>
+                  <a:tcPr marL="68580" marR="68580" marT="0" marB="0"/>
+                </a:tc>
+                <a:tc>
+                  <a:txBody>
+                    <a:bodyPr/>
+                    <a:lstStyle/>
+                    <a:p>
+                      <a:pPr marL="0" marR="0">
+                        <a:lnSpc>
+                          <a:spcPct val="115000"/>
+                        </a:lnSpc>
+                        <a:spcBef>
+                          <a:spcPts val="0"/>
+                        </a:spcBef>
+                        <a:spcAft>
+                          <a:spcPts val="0"/>
+                        </a:spcAft>
+                      </a:pPr>
+                      <a:r>
+                        <a:rPr lang="en-US" sz="1100" kern="100">
+                          <a:effectLst/>
+                        </a:rPr>
+                        <a:t> </a:t>
+                      </a:r>
+                      <a:endParaRPr lang="en-US" sz="1200">
+                        <a:effectLst/>
+                        <a:latin typeface="Times New Roman" panose="02020603050405020304" pitchFamily="18" charset="0"/>
+                        <a:ea typeface="Times New Roman" panose="02020603050405020304" pitchFamily="18" charset="0"/>
+                      </a:endParaRPr>
+                    </a:p>
+                  </a:txBody>
+                  <a:tcPr marL="68580" marR="68580" marT="0" marB="0"/>
+                </a:tc>
+                <a:extLst>
+                  <a:ext uri="{0D108BD9-81ED-4DB2-BD59-A6C34878D82A}">
+                    <a16:rowId xmlns:a16="http://schemas.microsoft.com/office/drawing/2014/main" val="24955380"/>
+                  </a:ext>
+                </a:extLst>
+              </a:tr>
+              <a:tr h="0">
+                <a:tc>
+                  <a:txBody>
+                    <a:bodyPr/>
+                    <a:lstStyle/>
+                    <a:p>
+                      <a:pPr marL="0" marR="0">
+                        <a:lnSpc>
+                          <a:spcPct val="115000"/>
+                        </a:lnSpc>
+                        <a:spcBef>
+                          <a:spcPts val="0"/>
+                        </a:spcBef>
+                        <a:spcAft>
+                          <a:spcPts val="0"/>
+                        </a:spcAft>
+                      </a:pPr>
+                      <a:r>
+                        <a:rPr lang="en-US" sz="1100" kern="100">
+                          <a:effectLst/>
+                        </a:rPr>
+                        <a:t>axi_gpio:2.0\</a:t>
+                      </a:r>
+                      <a:endParaRPr lang="en-US" sz="1200">
+                        <a:effectLst/>
+                        <a:latin typeface="Times New Roman" panose="02020603050405020304" pitchFamily="18" charset="0"/>
+                        <a:ea typeface="Times New Roman" panose="02020603050405020304" pitchFamily="18" charset="0"/>
+                      </a:endParaRPr>
+                    </a:p>
+                  </a:txBody>
+                  <a:tcPr marL="68580" marR="68580" marT="0" marB="0"/>
+                </a:tc>
+                <a:tc>
+                  <a:txBody>
+                    <a:bodyPr/>
+                    <a:lstStyle/>
+                    <a:p>
+                      <a:pPr marL="0" marR="0">
+                        <a:lnSpc>
+                          <a:spcPct val="115000"/>
+                        </a:lnSpc>
+                        <a:spcBef>
+                          <a:spcPts val="0"/>
+                        </a:spcBef>
+                        <a:spcAft>
+                          <a:spcPts val="0"/>
+                        </a:spcAft>
+                      </a:pPr>
+                      <a:r>
+                        <a:rPr lang="en-US" sz="1100" kern="100">
+                          <a:effectLst/>
+                        </a:rPr>
+                        <a:t>0x40000000</a:t>
+                      </a:r>
+                      <a:endParaRPr lang="en-US" sz="1200">
+                        <a:effectLst/>
+                        <a:latin typeface="Times New Roman" panose="02020603050405020304" pitchFamily="18" charset="0"/>
+                        <a:ea typeface="Times New Roman" panose="02020603050405020304" pitchFamily="18" charset="0"/>
+                      </a:endParaRPr>
+                    </a:p>
+                  </a:txBody>
+                  <a:tcPr marL="68580" marR="68580" marT="0" marB="0"/>
+                </a:tc>
+                <a:tc>
+                  <a:txBody>
+                    <a:bodyPr/>
+                    <a:lstStyle/>
+                    <a:p>
+                      <a:pPr marL="0" marR="0">
+                        <a:lnSpc>
+                          <a:spcPct val="115000"/>
+                        </a:lnSpc>
+                        <a:spcBef>
+                          <a:spcPts val="0"/>
+                        </a:spcBef>
+                        <a:spcAft>
+                          <a:spcPts val="0"/>
+                        </a:spcAft>
+                      </a:pPr>
+                      <a:r>
+                        <a:rPr lang="en-US" sz="1100" kern="100">
+                          <a:effectLst/>
+                        </a:rPr>
+                        <a:t>1kB</a:t>
+                      </a:r>
+                      <a:endParaRPr lang="en-US" sz="1200">
+                        <a:effectLst/>
+                        <a:latin typeface="Times New Roman" panose="02020603050405020304" pitchFamily="18" charset="0"/>
+                        <a:ea typeface="Times New Roman" panose="02020603050405020304" pitchFamily="18" charset="0"/>
+                      </a:endParaRPr>
+                    </a:p>
+                  </a:txBody>
+                  <a:tcPr marL="68580" marR="68580" marT="0" marB="0"/>
+                </a:tc>
+                <a:extLst>
+                  <a:ext uri="{0D108BD9-81ED-4DB2-BD59-A6C34878D82A}">
+                    <a16:rowId xmlns:a16="http://schemas.microsoft.com/office/drawing/2014/main" val="3046411962"/>
+                  </a:ext>
+                </a:extLst>
+              </a:tr>
+              <a:tr h="0">
+                <a:tc>
+                  <a:txBody>
+                    <a:bodyPr/>
+                    <a:lstStyle/>
+                    <a:p>
+                      <a:pPr marL="0" marR="0">
+                        <a:lnSpc>
+                          <a:spcPct val="115000"/>
+                        </a:lnSpc>
+                        <a:spcBef>
+                          <a:spcPts val="0"/>
+                        </a:spcBef>
+                        <a:spcAft>
+                          <a:spcPts val="0"/>
+                        </a:spcAft>
+                      </a:pPr>
+                      <a:r>
+                        <a:rPr lang="en-US" sz="1100" kern="100">
+                          <a:effectLst/>
+                        </a:rPr>
+                        <a:t>axi_bram_ctrl:4.1\</a:t>
+                      </a:r>
+                      <a:endParaRPr lang="en-US" sz="1200">
+                        <a:effectLst/>
+                        <a:latin typeface="Times New Roman" panose="02020603050405020304" pitchFamily="18" charset="0"/>
+                        <a:ea typeface="Times New Roman" panose="02020603050405020304" pitchFamily="18" charset="0"/>
+                      </a:endParaRPr>
+                    </a:p>
+                  </a:txBody>
+                  <a:tcPr marL="68580" marR="68580" marT="0" marB="0"/>
+                </a:tc>
+                <a:tc>
+                  <a:txBody>
+                    <a:bodyPr/>
+                    <a:lstStyle/>
+                    <a:p>
+                      <a:pPr marL="0" marR="0">
+                        <a:lnSpc>
+                          <a:spcPct val="115000"/>
+                        </a:lnSpc>
+                        <a:spcBef>
+                          <a:spcPts val="0"/>
+                        </a:spcBef>
+                        <a:spcAft>
+                          <a:spcPts val="0"/>
+                        </a:spcAft>
+                      </a:pPr>
+                      <a:r>
+                        <a:rPr lang="en-US" sz="1100" kern="100">
+                          <a:effectLst/>
+                        </a:rPr>
+                        <a:t>NA</a:t>
+                      </a:r>
+                      <a:endParaRPr lang="en-US" sz="1200">
+                        <a:effectLst/>
+                        <a:latin typeface="Times New Roman" panose="02020603050405020304" pitchFamily="18" charset="0"/>
+                        <a:ea typeface="Times New Roman" panose="02020603050405020304" pitchFamily="18" charset="0"/>
+                      </a:endParaRPr>
+                    </a:p>
+                  </a:txBody>
+                  <a:tcPr marL="68580" marR="68580" marT="0" marB="0"/>
+                </a:tc>
+                <a:tc>
+                  <a:txBody>
+                    <a:bodyPr/>
+                    <a:lstStyle/>
+                    <a:p>
+                      <a:pPr marL="0" marR="0">
+                        <a:lnSpc>
+                          <a:spcPct val="115000"/>
+                        </a:lnSpc>
+                        <a:spcBef>
+                          <a:spcPts val="0"/>
+                        </a:spcBef>
+                        <a:spcAft>
+                          <a:spcPts val="0"/>
+                        </a:spcAft>
+                      </a:pPr>
+                      <a:r>
+                        <a:rPr lang="en-US" sz="1100" kern="100">
+                          <a:effectLst/>
+                        </a:rPr>
+                        <a:t> </a:t>
+                      </a:r>
+                      <a:endParaRPr lang="en-US" sz="1200">
+                        <a:effectLst/>
+                        <a:latin typeface="Times New Roman" panose="02020603050405020304" pitchFamily="18" charset="0"/>
+                        <a:ea typeface="Times New Roman" panose="02020603050405020304" pitchFamily="18" charset="0"/>
+                      </a:endParaRPr>
+                    </a:p>
+                  </a:txBody>
+                  <a:tcPr marL="68580" marR="68580" marT="0" marB="0"/>
+                </a:tc>
+                <a:extLst>
+                  <a:ext uri="{0D108BD9-81ED-4DB2-BD59-A6C34878D82A}">
+                    <a16:rowId xmlns:a16="http://schemas.microsoft.com/office/drawing/2014/main" val="1576542054"/>
+                  </a:ext>
+                </a:extLst>
+              </a:tr>
+              <a:tr h="0">
+                <a:tc>
+                  <a:txBody>
+                    <a:bodyPr/>
+                    <a:lstStyle/>
+                    <a:p>
+                      <a:pPr marL="0" marR="0">
+                        <a:lnSpc>
+                          <a:spcPct val="115000"/>
+                        </a:lnSpc>
+                        <a:spcBef>
+                          <a:spcPts val="0"/>
+                        </a:spcBef>
+                        <a:spcAft>
+                          <a:spcPts val="0"/>
+                        </a:spcAft>
+                      </a:pPr>
+                      <a:r>
+                        <a:rPr lang="en-US" sz="1100" kern="100">
+                          <a:effectLst/>
+                        </a:rPr>
+                        <a:t>blk_mem_gen:8.4\</a:t>
+                      </a:r>
+                      <a:endParaRPr lang="en-US" sz="1200">
+                        <a:effectLst/>
+                        <a:latin typeface="Times New Roman" panose="02020603050405020304" pitchFamily="18" charset="0"/>
+                        <a:ea typeface="Times New Roman" panose="02020603050405020304" pitchFamily="18" charset="0"/>
+                      </a:endParaRPr>
+                    </a:p>
+                  </a:txBody>
+                  <a:tcPr marL="68580" marR="68580" marT="0" marB="0"/>
+                </a:tc>
+                <a:tc>
+                  <a:txBody>
+                    <a:bodyPr/>
+                    <a:lstStyle/>
+                    <a:p>
+                      <a:pPr marL="0" marR="0">
+                        <a:lnSpc>
+                          <a:spcPct val="115000"/>
+                        </a:lnSpc>
+                        <a:spcBef>
+                          <a:spcPts val="0"/>
+                        </a:spcBef>
+                        <a:spcAft>
+                          <a:spcPts val="0"/>
+                        </a:spcAft>
+                      </a:pPr>
+                      <a:r>
+                        <a:rPr lang="en-US" sz="1100" kern="100">
+                          <a:effectLst/>
+                        </a:rPr>
+                        <a:t>0xC0000000</a:t>
+                      </a:r>
+                      <a:endParaRPr lang="en-US" sz="1200">
+                        <a:effectLst/>
+                        <a:latin typeface="Times New Roman" panose="02020603050405020304" pitchFamily="18" charset="0"/>
+                        <a:ea typeface="Times New Roman" panose="02020603050405020304" pitchFamily="18" charset="0"/>
+                      </a:endParaRPr>
+                    </a:p>
+                  </a:txBody>
+                  <a:tcPr marL="68580" marR="68580" marT="0" marB="0"/>
+                </a:tc>
+                <a:tc>
+                  <a:txBody>
+                    <a:bodyPr/>
+                    <a:lstStyle/>
+                    <a:p>
+                      <a:pPr marL="0" marR="0">
+                        <a:lnSpc>
+                          <a:spcPct val="115000"/>
+                        </a:lnSpc>
+                        <a:spcBef>
+                          <a:spcPts val="0"/>
+                        </a:spcBef>
+                        <a:spcAft>
+                          <a:spcPts val="0"/>
+                        </a:spcAft>
+                      </a:pPr>
+                      <a:r>
+                        <a:rPr lang="en-US" sz="1100" kern="100">
+                          <a:effectLst/>
+                        </a:rPr>
+                        <a:t>512kB</a:t>
+                      </a:r>
+                      <a:endParaRPr lang="en-US" sz="1200">
+                        <a:effectLst/>
+                        <a:latin typeface="Times New Roman" panose="02020603050405020304" pitchFamily="18" charset="0"/>
+                        <a:ea typeface="Times New Roman" panose="02020603050405020304" pitchFamily="18" charset="0"/>
+                      </a:endParaRPr>
+                    </a:p>
+                  </a:txBody>
+                  <a:tcPr marL="68580" marR="68580" marT="0" marB="0"/>
+                </a:tc>
+                <a:extLst>
+                  <a:ext uri="{0D108BD9-81ED-4DB2-BD59-A6C34878D82A}">
+                    <a16:rowId xmlns:a16="http://schemas.microsoft.com/office/drawing/2014/main" val="3880842563"/>
+                  </a:ext>
+                </a:extLst>
+              </a:tr>
+              <a:tr h="0">
+                <a:tc>
+                  <a:txBody>
+                    <a:bodyPr/>
+                    <a:lstStyle/>
+                    <a:p>
+                      <a:pPr marL="0" marR="0">
+                        <a:lnSpc>
+                          <a:spcPct val="115000"/>
+                        </a:lnSpc>
+                        <a:spcBef>
+                          <a:spcPts val="0"/>
+                        </a:spcBef>
+                        <a:spcAft>
+                          <a:spcPts val="0"/>
+                        </a:spcAft>
+                      </a:pPr>
+                      <a:r>
+                        <a:rPr lang="en-US" sz="1100" kern="100">
+                          <a:effectLst/>
+                        </a:rPr>
+                        <a:t>xlconcat:2.1\</a:t>
+                      </a:r>
+                      <a:endParaRPr lang="en-US" sz="1200">
+                        <a:effectLst/>
+                        <a:latin typeface="Times New Roman" panose="02020603050405020304" pitchFamily="18" charset="0"/>
+                        <a:ea typeface="Times New Roman" panose="02020603050405020304" pitchFamily="18" charset="0"/>
+                      </a:endParaRPr>
+                    </a:p>
+                  </a:txBody>
+                  <a:tcPr marL="68580" marR="68580" marT="0" marB="0"/>
+                </a:tc>
+                <a:tc>
+                  <a:txBody>
+                    <a:bodyPr/>
+                    <a:lstStyle/>
+                    <a:p>
+                      <a:pPr marL="0" marR="0">
+                        <a:lnSpc>
+                          <a:spcPct val="115000"/>
+                        </a:lnSpc>
+                        <a:spcBef>
+                          <a:spcPts val="0"/>
+                        </a:spcBef>
+                        <a:spcAft>
+                          <a:spcPts val="0"/>
+                        </a:spcAft>
+                      </a:pPr>
+                      <a:r>
+                        <a:rPr lang="en-US" sz="1100" kern="100">
+                          <a:effectLst/>
+                        </a:rPr>
+                        <a:t>NA</a:t>
+                      </a:r>
+                      <a:endParaRPr lang="en-US" sz="1200">
+                        <a:effectLst/>
+                        <a:latin typeface="Times New Roman" panose="02020603050405020304" pitchFamily="18" charset="0"/>
+                        <a:ea typeface="Times New Roman" panose="02020603050405020304" pitchFamily="18" charset="0"/>
+                      </a:endParaRPr>
+                    </a:p>
+                  </a:txBody>
+                  <a:tcPr marL="68580" marR="68580" marT="0" marB="0"/>
+                </a:tc>
+                <a:tc>
+                  <a:txBody>
+                    <a:bodyPr/>
+                    <a:lstStyle/>
+                    <a:p>
+                      <a:pPr marL="0" marR="0">
+                        <a:lnSpc>
+                          <a:spcPct val="115000"/>
+                        </a:lnSpc>
+                        <a:spcBef>
+                          <a:spcPts val="0"/>
+                        </a:spcBef>
+                        <a:spcAft>
+                          <a:spcPts val="0"/>
+                        </a:spcAft>
+                      </a:pPr>
+                      <a:r>
+                        <a:rPr lang="en-US" sz="1100" kern="100">
+                          <a:effectLst/>
+                        </a:rPr>
+                        <a:t> </a:t>
+                      </a:r>
+                      <a:endParaRPr lang="en-US" sz="1200">
+                        <a:effectLst/>
+                        <a:latin typeface="Times New Roman" panose="02020603050405020304" pitchFamily="18" charset="0"/>
+                        <a:ea typeface="Times New Roman" panose="02020603050405020304" pitchFamily="18" charset="0"/>
+                      </a:endParaRPr>
+                    </a:p>
+                  </a:txBody>
+                  <a:tcPr marL="68580" marR="68580" marT="0" marB="0"/>
+                </a:tc>
+                <a:extLst>
+                  <a:ext uri="{0D108BD9-81ED-4DB2-BD59-A6C34878D82A}">
+                    <a16:rowId xmlns:a16="http://schemas.microsoft.com/office/drawing/2014/main" val="2223221798"/>
+                  </a:ext>
+                </a:extLst>
+              </a:tr>
+              <a:tr h="0">
+                <a:tc>
+                  <a:txBody>
+                    <a:bodyPr/>
+                    <a:lstStyle/>
+                    <a:p>
+                      <a:pPr marL="0" marR="0">
+                        <a:lnSpc>
+                          <a:spcPct val="115000"/>
+                        </a:lnSpc>
+                        <a:spcBef>
+                          <a:spcPts val="0"/>
+                        </a:spcBef>
+                        <a:spcAft>
+                          <a:spcPts val="0"/>
+                        </a:spcAft>
+                      </a:pPr>
+                      <a:r>
+                        <a:rPr lang="en-US" sz="1100" kern="100">
+                          <a:effectLst/>
+                        </a:rPr>
+                        <a:t>axi_intc:4.1\</a:t>
+                      </a:r>
+                      <a:endParaRPr lang="en-US" sz="1200">
+                        <a:effectLst/>
+                        <a:latin typeface="Times New Roman" panose="02020603050405020304" pitchFamily="18" charset="0"/>
+                        <a:ea typeface="Times New Roman" panose="02020603050405020304" pitchFamily="18" charset="0"/>
+                      </a:endParaRPr>
+                    </a:p>
+                  </a:txBody>
+                  <a:tcPr marL="68580" marR="68580" marT="0" marB="0"/>
+                </a:tc>
+                <a:tc>
+                  <a:txBody>
+                    <a:bodyPr/>
+                    <a:lstStyle/>
+                    <a:p>
+                      <a:pPr marL="0" marR="0">
+                        <a:lnSpc>
+                          <a:spcPct val="115000"/>
+                        </a:lnSpc>
+                        <a:spcBef>
+                          <a:spcPts val="0"/>
+                        </a:spcBef>
+                        <a:spcAft>
+                          <a:spcPts val="0"/>
+                        </a:spcAft>
+                      </a:pPr>
+                      <a:r>
+                        <a:rPr lang="en-US" sz="1100" kern="100">
+                          <a:effectLst/>
+                        </a:rPr>
+                        <a:t>0x41200000</a:t>
+                      </a:r>
+                      <a:endParaRPr lang="en-US" sz="1200">
+                        <a:effectLst/>
+                        <a:latin typeface="Times New Roman" panose="02020603050405020304" pitchFamily="18" charset="0"/>
+                        <a:ea typeface="Times New Roman" panose="02020603050405020304" pitchFamily="18" charset="0"/>
+                      </a:endParaRPr>
+                    </a:p>
+                  </a:txBody>
+                  <a:tcPr marL="68580" marR="68580" marT="0" marB="0"/>
+                </a:tc>
+                <a:tc>
+                  <a:txBody>
+                    <a:bodyPr/>
+                    <a:lstStyle/>
+                    <a:p>
+                      <a:pPr marL="0" marR="0">
+                        <a:lnSpc>
+                          <a:spcPct val="115000"/>
+                        </a:lnSpc>
+                        <a:spcBef>
+                          <a:spcPts val="0"/>
+                        </a:spcBef>
+                        <a:spcAft>
+                          <a:spcPts val="0"/>
+                        </a:spcAft>
+                      </a:pPr>
+                      <a:r>
+                        <a:rPr lang="en-US" sz="1100" kern="100">
+                          <a:effectLst/>
+                        </a:rPr>
+                        <a:t>1kB</a:t>
+                      </a:r>
+                      <a:endParaRPr lang="en-US" sz="1200">
+                        <a:effectLst/>
+                        <a:latin typeface="Times New Roman" panose="02020603050405020304" pitchFamily="18" charset="0"/>
+                        <a:ea typeface="Times New Roman" panose="02020603050405020304" pitchFamily="18" charset="0"/>
+                      </a:endParaRPr>
+                    </a:p>
+                  </a:txBody>
+                  <a:tcPr marL="68580" marR="68580" marT="0" marB="0"/>
+                </a:tc>
+                <a:extLst>
+                  <a:ext uri="{0D108BD9-81ED-4DB2-BD59-A6C34878D82A}">
+                    <a16:rowId xmlns:a16="http://schemas.microsoft.com/office/drawing/2014/main" val="342784221"/>
+                  </a:ext>
+                </a:extLst>
+              </a:tr>
+              <a:tr h="0">
+                <a:tc>
+                  <a:txBody>
+                    <a:bodyPr/>
+                    <a:lstStyle/>
+                    <a:p>
+                      <a:pPr marL="0" marR="0">
+                        <a:lnSpc>
+                          <a:spcPct val="115000"/>
+                        </a:lnSpc>
+                        <a:spcBef>
+                          <a:spcPts val="0"/>
+                        </a:spcBef>
+                        <a:spcAft>
+                          <a:spcPts val="0"/>
+                        </a:spcAft>
+                      </a:pPr>
+                      <a:r>
+                        <a:rPr lang="en-US" sz="1100" kern="100">
+                          <a:effectLst/>
+                        </a:rPr>
+                        <a:t>axi_uartlite:2.0\</a:t>
+                      </a:r>
+                      <a:endParaRPr lang="en-US" sz="1200">
+                        <a:effectLst/>
+                        <a:latin typeface="Times New Roman" panose="02020603050405020304" pitchFamily="18" charset="0"/>
+                        <a:ea typeface="Times New Roman" panose="02020603050405020304" pitchFamily="18" charset="0"/>
+                      </a:endParaRPr>
+                    </a:p>
+                  </a:txBody>
+                  <a:tcPr marL="68580" marR="68580" marT="0" marB="0"/>
+                </a:tc>
+                <a:tc>
+                  <a:txBody>
+                    <a:bodyPr/>
+                    <a:lstStyle/>
+                    <a:p>
+                      <a:pPr marL="0" marR="0">
+                        <a:lnSpc>
+                          <a:spcPct val="115000"/>
+                        </a:lnSpc>
+                        <a:spcBef>
+                          <a:spcPts val="0"/>
+                        </a:spcBef>
+                        <a:spcAft>
+                          <a:spcPts val="0"/>
+                        </a:spcAft>
+                      </a:pPr>
+                      <a:r>
+                        <a:rPr lang="en-US" sz="1100" kern="100">
+                          <a:effectLst/>
+                        </a:rPr>
+                        <a:t>0x40600000</a:t>
+                      </a:r>
+                      <a:endParaRPr lang="en-US" sz="1200">
+                        <a:effectLst/>
+                        <a:latin typeface="Times New Roman" panose="02020603050405020304" pitchFamily="18" charset="0"/>
+                        <a:ea typeface="Times New Roman" panose="02020603050405020304" pitchFamily="18" charset="0"/>
+                      </a:endParaRPr>
+                    </a:p>
+                  </a:txBody>
+                  <a:tcPr marL="68580" marR="68580" marT="0" marB="0"/>
+                </a:tc>
+                <a:tc>
+                  <a:txBody>
+                    <a:bodyPr/>
+                    <a:lstStyle/>
+                    <a:p>
+                      <a:pPr marL="0" marR="0">
+                        <a:lnSpc>
+                          <a:spcPct val="115000"/>
+                        </a:lnSpc>
+                        <a:spcBef>
+                          <a:spcPts val="0"/>
+                        </a:spcBef>
+                        <a:spcAft>
+                          <a:spcPts val="0"/>
+                        </a:spcAft>
+                      </a:pPr>
+                      <a:r>
+                        <a:rPr lang="en-US" sz="1100" kern="100">
+                          <a:effectLst/>
+                        </a:rPr>
+                        <a:t>1kB</a:t>
+                      </a:r>
+                      <a:endParaRPr lang="en-US" sz="1200">
+                        <a:effectLst/>
+                        <a:latin typeface="Times New Roman" panose="02020603050405020304" pitchFamily="18" charset="0"/>
+                        <a:ea typeface="Times New Roman" panose="02020603050405020304" pitchFamily="18" charset="0"/>
+                      </a:endParaRPr>
+                    </a:p>
+                  </a:txBody>
+                  <a:tcPr marL="68580" marR="68580" marT="0" marB="0"/>
+                </a:tc>
+                <a:extLst>
+                  <a:ext uri="{0D108BD9-81ED-4DB2-BD59-A6C34878D82A}">
+                    <a16:rowId xmlns:a16="http://schemas.microsoft.com/office/drawing/2014/main" val="1144197932"/>
+                  </a:ext>
+                </a:extLst>
+              </a:tr>
+              <a:tr h="0">
+                <a:tc>
+                  <a:txBody>
+                    <a:bodyPr/>
+                    <a:lstStyle/>
+                    <a:p>
+                      <a:pPr marL="0" marR="0">
+                        <a:lnSpc>
+                          <a:spcPct val="115000"/>
+                        </a:lnSpc>
+                        <a:spcBef>
+                          <a:spcPts val="0"/>
+                        </a:spcBef>
+                        <a:spcAft>
+                          <a:spcPts val="0"/>
+                        </a:spcAft>
+                      </a:pPr>
+                      <a:r>
+                        <a:rPr lang="en-US" sz="1100" kern="100">
+                          <a:effectLst/>
+                        </a:rPr>
+                        <a:t>system_ila:1.1\</a:t>
+                      </a:r>
+                      <a:endParaRPr lang="en-US" sz="1200">
+                        <a:effectLst/>
+                        <a:latin typeface="Times New Roman" panose="02020603050405020304" pitchFamily="18" charset="0"/>
+                        <a:ea typeface="Times New Roman" panose="02020603050405020304" pitchFamily="18" charset="0"/>
+                      </a:endParaRPr>
+                    </a:p>
+                  </a:txBody>
+                  <a:tcPr marL="68580" marR="68580" marT="0" marB="0"/>
+                </a:tc>
+                <a:tc>
+                  <a:txBody>
+                    <a:bodyPr/>
+                    <a:lstStyle/>
+                    <a:p>
+                      <a:pPr marL="0" marR="0">
+                        <a:lnSpc>
+                          <a:spcPct val="115000"/>
+                        </a:lnSpc>
+                        <a:spcBef>
+                          <a:spcPts val="0"/>
+                        </a:spcBef>
+                        <a:spcAft>
+                          <a:spcPts val="0"/>
+                        </a:spcAft>
+                      </a:pPr>
+                      <a:r>
+                        <a:rPr lang="en-US" sz="1100" kern="100">
+                          <a:effectLst/>
+                        </a:rPr>
+                        <a:t> NA</a:t>
+                      </a:r>
+                      <a:endParaRPr lang="en-US" sz="1200">
+                        <a:effectLst/>
+                        <a:latin typeface="Times New Roman" panose="02020603050405020304" pitchFamily="18" charset="0"/>
+                        <a:ea typeface="Times New Roman" panose="02020603050405020304" pitchFamily="18" charset="0"/>
+                      </a:endParaRPr>
+                    </a:p>
+                  </a:txBody>
+                  <a:tcPr marL="68580" marR="68580" marT="0" marB="0"/>
+                </a:tc>
+                <a:tc>
+                  <a:txBody>
+                    <a:bodyPr/>
+                    <a:lstStyle/>
+                    <a:p>
+                      <a:pPr marL="0" marR="0">
+                        <a:lnSpc>
+                          <a:spcPct val="115000"/>
+                        </a:lnSpc>
+                        <a:spcBef>
+                          <a:spcPts val="0"/>
+                        </a:spcBef>
+                        <a:spcAft>
+                          <a:spcPts val="0"/>
+                        </a:spcAft>
+                      </a:pPr>
+                      <a:r>
+                        <a:rPr lang="en-US" sz="1100" kern="100">
+                          <a:effectLst/>
+                        </a:rPr>
+                        <a:t> </a:t>
+                      </a:r>
+                      <a:endParaRPr lang="en-US" sz="1200">
+                        <a:effectLst/>
+                        <a:latin typeface="Times New Roman" panose="02020603050405020304" pitchFamily="18" charset="0"/>
+                        <a:ea typeface="Times New Roman" panose="02020603050405020304" pitchFamily="18" charset="0"/>
+                      </a:endParaRPr>
+                    </a:p>
+                  </a:txBody>
+                  <a:tcPr marL="68580" marR="68580" marT="0" marB="0"/>
+                </a:tc>
+                <a:extLst>
+                  <a:ext uri="{0D108BD9-81ED-4DB2-BD59-A6C34878D82A}">
+                    <a16:rowId xmlns:a16="http://schemas.microsoft.com/office/drawing/2014/main" val="6573992"/>
+                  </a:ext>
+                </a:extLst>
+              </a:tr>
+              <a:tr h="0">
+                <a:tc>
+                  <a:txBody>
+                    <a:bodyPr/>
+                    <a:lstStyle/>
+                    <a:p>
+                      <a:pPr marL="0" marR="0">
+                        <a:lnSpc>
+                          <a:spcPct val="115000"/>
+                        </a:lnSpc>
+                        <a:spcBef>
+                          <a:spcPts val="0"/>
+                        </a:spcBef>
+                        <a:spcAft>
+                          <a:spcPts val="0"/>
+                        </a:spcAft>
+                      </a:pPr>
+                      <a:r>
+                        <a:rPr lang="en-US" sz="1100" kern="100">
+                          <a:effectLst/>
+                        </a:rPr>
+                        <a:t>axi_timer:2.0\</a:t>
+                      </a:r>
+                      <a:endParaRPr lang="en-US" sz="1200">
+                        <a:effectLst/>
+                        <a:latin typeface="Times New Roman" panose="02020603050405020304" pitchFamily="18" charset="0"/>
+                        <a:ea typeface="Times New Roman" panose="02020603050405020304" pitchFamily="18" charset="0"/>
+                      </a:endParaRPr>
+                    </a:p>
+                  </a:txBody>
+                  <a:tcPr marL="68580" marR="68580" marT="0" marB="0"/>
+                </a:tc>
+                <a:tc>
+                  <a:txBody>
+                    <a:bodyPr/>
+                    <a:lstStyle/>
+                    <a:p>
+                      <a:pPr marL="0" marR="0">
+                        <a:lnSpc>
+                          <a:spcPct val="115000"/>
+                        </a:lnSpc>
+                        <a:spcBef>
+                          <a:spcPts val="0"/>
+                        </a:spcBef>
+                        <a:spcAft>
+                          <a:spcPts val="0"/>
+                        </a:spcAft>
+                      </a:pPr>
+                      <a:r>
+                        <a:rPr lang="en-US" sz="1100" kern="100">
+                          <a:effectLst/>
+                        </a:rPr>
+                        <a:t>0x41C00000</a:t>
+                      </a:r>
+                      <a:endParaRPr lang="en-US" sz="1200">
+                        <a:effectLst/>
+                        <a:latin typeface="Times New Roman" panose="02020603050405020304" pitchFamily="18" charset="0"/>
+                        <a:ea typeface="Times New Roman" panose="02020603050405020304" pitchFamily="18" charset="0"/>
+                      </a:endParaRPr>
+                    </a:p>
+                  </a:txBody>
+                  <a:tcPr marL="68580" marR="68580" marT="0" marB="0"/>
+                </a:tc>
+                <a:tc>
+                  <a:txBody>
+                    <a:bodyPr/>
+                    <a:lstStyle/>
+                    <a:p>
+                      <a:pPr marL="0" marR="0">
+                        <a:lnSpc>
+                          <a:spcPct val="115000"/>
+                        </a:lnSpc>
+                        <a:spcBef>
+                          <a:spcPts val="0"/>
+                        </a:spcBef>
+                        <a:spcAft>
+                          <a:spcPts val="0"/>
+                        </a:spcAft>
+                      </a:pPr>
+                      <a:r>
+                        <a:rPr lang="en-US" sz="1100" kern="100">
+                          <a:effectLst/>
+                        </a:rPr>
+                        <a:t>1kB</a:t>
+                      </a:r>
+                      <a:endParaRPr lang="en-US" sz="1200">
+                        <a:effectLst/>
+                        <a:latin typeface="Times New Roman" panose="02020603050405020304" pitchFamily="18" charset="0"/>
+                        <a:ea typeface="Times New Roman" panose="02020603050405020304" pitchFamily="18" charset="0"/>
+                      </a:endParaRPr>
+                    </a:p>
+                  </a:txBody>
+                  <a:tcPr marL="68580" marR="68580" marT="0" marB="0"/>
+                </a:tc>
+                <a:extLst>
+                  <a:ext uri="{0D108BD9-81ED-4DB2-BD59-A6C34878D82A}">
+                    <a16:rowId xmlns:a16="http://schemas.microsoft.com/office/drawing/2014/main" val="2703481700"/>
+                  </a:ext>
+                </a:extLst>
+              </a:tr>
+              <a:tr h="0">
+                <a:tc>
+                  <a:txBody>
+                    <a:bodyPr/>
+                    <a:lstStyle/>
+                    <a:p>
+                      <a:pPr marL="0" marR="0">
+                        <a:lnSpc>
+                          <a:spcPct val="115000"/>
+                        </a:lnSpc>
+                        <a:spcBef>
+                          <a:spcPts val="0"/>
+                        </a:spcBef>
+                        <a:spcAft>
+                          <a:spcPts val="0"/>
+                        </a:spcAft>
+                      </a:pPr>
+                      <a:r>
+                        <a:rPr lang="en-US" sz="1100" kern="100">
+                          <a:effectLst/>
+                        </a:rPr>
+                        <a:t>lmb_v10:3.0\</a:t>
+                      </a:r>
+                      <a:endParaRPr lang="en-US" sz="1200">
+                        <a:effectLst/>
+                        <a:latin typeface="Times New Roman" panose="02020603050405020304" pitchFamily="18" charset="0"/>
+                        <a:ea typeface="Times New Roman" panose="02020603050405020304" pitchFamily="18" charset="0"/>
+                      </a:endParaRPr>
+                    </a:p>
+                  </a:txBody>
+                  <a:tcPr marL="68580" marR="68580" marT="0" marB="0"/>
+                </a:tc>
+                <a:tc>
+                  <a:txBody>
+                    <a:bodyPr/>
+                    <a:lstStyle/>
+                    <a:p>
+                      <a:pPr marL="0" marR="0">
+                        <a:lnSpc>
+                          <a:spcPct val="115000"/>
+                        </a:lnSpc>
+                        <a:spcBef>
+                          <a:spcPts val="0"/>
+                        </a:spcBef>
+                        <a:spcAft>
+                          <a:spcPts val="0"/>
+                        </a:spcAft>
+                      </a:pPr>
+                      <a:r>
+                        <a:rPr lang="en-US" sz="1100" kern="100">
+                          <a:effectLst/>
+                        </a:rPr>
+                        <a:t>0x00000000</a:t>
+                      </a:r>
+                      <a:endParaRPr lang="en-US" sz="1200">
+                        <a:effectLst/>
+                        <a:latin typeface="Times New Roman" panose="02020603050405020304" pitchFamily="18" charset="0"/>
+                        <a:ea typeface="Times New Roman" panose="02020603050405020304" pitchFamily="18" charset="0"/>
+                      </a:endParaRPr>
+                    </a:p>
+                  </a:txBody>
+                  <a:tcPr marL="68580" marR="68580" marT="0" marB="0"/>
+                </a:tc>
+                <a:tc>
+                  <a:txBody>
+                    <a:bodyPr/>
+                    <a:lstStyle/>
+                    <a:p>
+                      <a:pPr marL="0" marR="0">
+                        <a:lnSpc>
+                          <a:spcPct val="115000"/>
+                        </a:lnSpc>
+                        <a:spcBef>
+                          <a:spcPts val="0"/>
+                        </a:spcBef>
+                        <a:spcAft>
+                          <a:spcPts val="0"/>
+                        </a:spcAft>
+                      </a:pPr>
+                      <a:r>
+                        <a:rPr lang="en-US" sz="1100" kern="100">
+                          <a:effectLst/>
+                        </a:rPr>
+                        <a:t>16kB</a:t>
+                      </a:r>
+                      <a:endParaRPr lang="en-US" sz="1200">
+                        <a:effectLst/>
+                        <a:latin typeface="Times New Roman" panose="02020603050405020304" pitchFamily="18" charset="0"/>
+                        <a:ea typeface="Times New Roman" panose="02020603050405020304" pitchFamily="18" charset="0"/>
+                      </a:endParaRPr>
+                    </a:p>
+                  </a:txBody>
+                  <a:tcPr marL="68580" marR="68580" marT="0" marB="0"/>
+                </a:tc>
+                <a:extLst>
+                  <a:ext uri="{0D108BD9-81ED-4DB2-BD59-A6C34878D82A}">
+                    <a16:rowId xmlns:a16="http://schemas.microsoft.com/office/drawing/2014/main" val="2565623275"/>
+                  </a:ext>
+                </a:extLst>
+              </a:tr>
+              <a:tr h="0">
+                <a:tc>
+                  <a:txBody>
+                    <a:bodyPr/>
+                    <a:lstStyle/>
+                    <a:p>
+                      <a:pPr marL="0" marR="0">
+                        <a:lnSpc>
+                          <a:spcPct val="115000"/>
+                        </a:lnSpc>
+                        <a:spcBef>
+                          <a:spcPts val="0"/>
+                        </a:spcBef>
+                        <a:spcAft>
+                          <a:spcPts val="0"/>
+                        </a:spcAft>
+                      </a:pPr>
+                      <a:r>
+                        <a:rPr lang="en-US" sz="1100" kern="100">
+                          <a:effectLst/>
+                        </a:rPr>
+                        <a:t>axi_quad_spi:3.2\</a:t>
+                      </a:r>
+                      <a:endParaRPr lang="en-US" sz="1200">
+                        <a:effectLst/>
+                        <a:latin typeface="Times New Roman" panose="02020603050405020304" pitchFamily="18" charset="0"/>
+                        <a:ea typeface="Times New Roman" panose="02020603050405020304" pitchFamily="18" charset="0"/>
+                      </a:endParaRPr>
+                    </a:p>
+                  </a:txBody>
+                  <a:tcPr marL="68580" marR="68580" marT="0" marB="0"/>
+                </a:tc>
+                <a:tc>
+                  <a:txBody>
+                    <a:bodyPr/>
+                    <a:lstStyle/>
+                    <a:p>
+                      <a:pPr marL="0" marR="0">
+                        <a:lnSpc>
+                          <a:spcPct val="115000"/>
+                        </a:lnSpc>
+                        <a:spcBef>
+                          <a:spcPts val="0"/>
+                        </a:spcBef>
+                        <a:spcAft>
+                          <a:spcPts val="0"/>
+                        </a:spcAft>
+                      </a:pPr>
+                      <a:r>
+                        <a:rPr lang="en-US" sz="1100" kern="100" dirty="0">
+                          <a:effectLst/>
+                        </a:rPr>
+                        <a:t>0x44A00000</a:t>
+                      </a:r>
+                      <a:endParaRPr lang="en-US" sz="1200" dirty="0">
+                        <a:effectLst/>
+                        <a:latin typeface="Times New Roman" panose="02020603050405020304" pitchFamily="18" charset="0"/>
+                        <a:ea typeface="Times New Roman" panose="02020603050405020304" pitchFamily="18" charset="0"/>
+                      </a:endParaRPr>
+                    </a:p>
+                  </a:txBody>
+                  <a:tcPr marL="68580" marR="68580" marT="0" marB="0"/>
+                </a:tc>
+                <a:tc>
+                  <a:txBody>
+                    <a:bodyPr/>
+                    <a:lstStyle/>
+                    <a:p>
+                      <a:pPr marL="0" marR="0">
+                        <a:lnSpc>
+                          <a:spcPct val="115000"/>
+                        </a:lnSpc>
+                        <a:spcBef>
+                          <a:spcPts val="0"/>
+                        </a:spcBef>
+                        <a:spcAft>
+                          <a:spcPts val="0"/>
+                        </a:spcAft>
+                      </a:pPr>
+                      <a:r>
+                        <a:rPr lang="en-US" sz="1100" kern="100" dirty="0">
+                          <a:effectLst/>
+                        </a:rPr>
+                        <a:t>4kB</a:t>
+                      </a:r>
+                      <a:endParaRPr lang="en-US" sz="1200" dirty="0">
+                        <a:effectLst/>
+                        <a:latin typeface="Times New Roman" panose="02020603050405020304" pitchFamily="18" charset="0"/>
+                        <a:ea typeface="Times New Roman" panose="02020603050405020304" pitchFamily="18" charset="0"/>
+                      </a:endParaRPr>
+                    </a:p>
+                  </a:txBody>
+                  <a:tcPr marL="68580" marR="68580" marT="0" marB="0"/>
+                </a:tc>
+                <a:extLst>
+                  <a:ext uri="{0D108BD9-81ED-4DB2-BD59-A6C34878D82A}">
+                    <a16:rowId xmlns:a16="http://schemas.microsoft.com/office/drawing/2014/main" val="1433990733"/>
+                  </a:ext>
+                </a:extLst>
+              </a:tr>
+            </a:tbl>
+          </a:graphicData>
+        </a:graphic>
+      </p:graphicFrame>
+    </p:spTree>
+    <p:extLst>
+      <p:ext uri="{BB962C8B-B14F-4D97-AF65-F5344CB8AC3E}">
+        <p14:creationId xmlns:p14="http://schemas.microsoft.com/office/powerpoint/2010/main" val="2078592957"/>
+      </p:ext>
+    </p:extLst>
+  </p:cSld>
+  <p:clrMapOvr>
+    <a:masterClrMapping/>
+  </p:clrMapOvr>
+</p:sld>
+</file>
+
+<file path=ppt/slides/slide5.xml><?xml version="1.0" encoding="utf-8"?>
+<p:sld xmlns:a="http://schemas.openxmlformats.org/drawingml/2006/main" xmlns:r="http://schemas.openxmlformats.org/officeDocument/2006/relationships" xmlns:p="http://schemas.openxmlformats.org/presentationml/2006/main">
+  <p:cSld>
+    <p:spTree>
+      <p:nvGrpSpPr>
+        <p:cNvPr id="1" name=""/>
+        <p:cNvGrpSpPr/>
+        <p:nvPr/>
+      </p:nvGrpSpPr>
+      <p:grpSpPr>
+        <a:xfrm>
+          <a:off x="0" y="0"/>
+          <a:ext cx="0" cy="0"/>
+          <a:chOff x="0" y="0"/>
+          <a:chExt cx="0" cy="0"/>
+        </a:xfrm>
+      </p:grpSpPr>
+      <p:sp>
+        <p:nvSpPr>
+          <p:cNvPr id="2" name="Title 1">
+            <a:extLst>
+              <a:ext uri="{FF2B5EF4-FFF2-40B4-BE49-F238E27FC236}">
+                <a16:creationId xmlns:a16="http://schemas.microsoft.com/office/drawing/2014/main" id="{4FF703D7-D0AD-8E09-0FF1-07BB0CCF1C32}"/>
+              </a:ext>
+            </a:extLst>
+          </p:cNvPr>
+          <p:cNvSpPr>
+            <a:spLocks noGrp="1"/>
+          </p:cNvSpPr>
+          <p:nvPr>
+            <p:ph type="title"/>
+          </p:nvPr>
+        </p:nvSpPr>
+        <p:spPr>
+          <a:xfrm>
+            <a:off x="0" y="0"/>
+            <a:ext cx="10364451" cy="1596177"/>
+          </a:xfrm>
+        </p:spPr>
+        <p:txBody>
+          <a:bodyPr/>
+          <a:lstStyle/>
+          <a:p>
+            <a:r>
+              <a:rPr lang="en-US" dirty="0"/>
+              <a:t>Block Design Implemented in VIVADO</a:t>
+            </a:r>
+          </a:p>
+        </p:txBody>
+      </p:sp>
+      <p:pic>
+        <p:nvPicPr>
+          <p:cNvPr id="5" name="Picture 4">
+            <a:extLst>
+              <a:ext uri="{FF2B5EF4-FFF2-40B4-BE49-F238E27FC236}">
+                <a16:creationId xmlns:a16="http://schemas.microsoft.com/office/drawing/2014/main" id="{49AAB955-A398-46C6-CBA9-4E2E6B5DCD43}"/>
+              </a:ext>
+            </a:extLst>
+          </p:cNvPr>
+          <p:cNvPicPr>
+            <a:picLocks noChangeAspect="1"/>
+          </p:cNvPicPr>
+          <p:nvPr/>
+        </p:nvPicPr>
+        <p:blipFill>
+          <a:blip r:embed="rId2"/>
+          <a:stretch>
+            <a:fillRect/>
+          </a:stretch>
+        </p:blipFill>
+        <p:spPr>
+          <a:xfrm>
+            <a:off x="3051109" y="1369265"/>
+            <a:ext cx="8984193" cy="5488735"/>
+          </a:xfrm>
+          <a:prstGeom prst="rect">
+            <a:avLst/>
+          </a:prstGeom>
+        </p:spPr>
+      </p:pic>
+      <p:pic>
+        <p:nvPicPr>
+          <p:cNvPr id="1026" name="Picture 2" descr="A diagram of a computer hardware system&#10;&#10;Description automatically generated">
+            <a:extLst>
+              <a:ext uri="{FF2B5EF4-FFF2-40B4-BE49-F238E27FC236}">
+                <a16:creationId xmlns:a16="http://schemas.microsoft.com/office/drawing/2014/main" id="{3FACD844-AE39-A95B-7479-A5F88CD01BC7}"/>
+              </a:ext>
+            </a:extLst>
+          </p:cNvPr>
+          <p:cNvPicPr>
+            <a:picLocks noChangeAspect="1" noChangeArrowheads="1"/>
+          </p:cNvPicPr>
+          <p:nvPr/>
+        </p:nvPicPr>
+        <p:blipFill>
+          <a:blip r:embed="rId3">
+            <a:extLst>
+              <a:ext uri="{28A0092B-C50C-407E-A947-70E740481C1C}">
+                <a14:useLocalDpi xmlns:a14="http://schemas.microsoft.com/office/drawing/2010/main" val="0"/>
+              </a:ext>
+            </a:extLst>
+          </a:blip>
+          <a:srcRect/>
+          <a:stretch>
+            <a:fillRect/>
+          </a:stretch>
+        </p:blipFill>
+        <p:spPr bwMode="auto">
+          <a:xfrm>
+            <a:off x="3175" y="3175"/>
+            <a:ext cx="6337300" cy="5137150"/>
+          </a:xfrm>
+          <a:prstGeom prst="rect">
+            <a:avLst/>
+          </a:prstGeom>
+          <a:noFill/>
+          <a:ln>
+            <a:noFill/>
+          </a:ln>
+          <a:extLst>
+            <a:ext uri="{909E8E84-426E-40DD-AFC4-6F175D3DCCD1}">
+              <a14:hiddenFill xmlns:a14="http://schemas.microsoft.com/office/drawing/2010/main">
+                <a:solidFill>
+                  <a:srgbClr val="FFFFFF"/>
+                </a:solidFill>
+              </a14:hiddenFill>
+            </a:ext>
+            <a:ext uri="{91240B29-F687-4F45-9708-019B960494DF}">
+              <a14:hiddenLine xmlns:a14="http://schemas.microsoft.com/office/drawing/2010/main" w="9525">
+                <a:solidFill>
+                  <a:srgbClr val="000000"/>
+                </a:solidFill>
+                <a:miter lim="800000"/>
+                <a:headEnd/>
+                <a:tailEnd/>
+              </a14:hiddenLine>
+            </a:ext>
+          </a:extLst>
+        </p:spPr>
+      </p:pic>
+    </p:spTree>
+    <p:extLst>
+      <p:ext uri="{BB962C8B-B14F-4D97-AF65-F5344CB8AC3E}">
+        <p14:creationId xmlns:p14="http://schemas.microsoft.com/office/powerpoint/2010/main" val="1843946910"/>
+      </p:ext>
+    </p:extLst>
+  </p:cSld>
+  <p:clrMapOvr>
+    <a:masterClrMapping/>
+  </p:clrMapOvr>
+</p:sld>
+</file>
+
+<file path=ppt/slides/slide6.xml><?xml version="1.0" encoding="utf-8"?>
+<p:sld xmlns:a="http://schemas.openxmlformats.org/drawingml/2006/main" xmlns:r="http://schemas.openxmlformats.org/officeDocument/2006/relationships" xmlns:p="http://schemas.openxmlformats.org/presentationml/2006/main">
+  <p:cSld>
+    <p:spTree>
+      <p:nvGrpSpPr>
+        <p:cNvPr id="1" name=""/>
+        <p:cNvGrpSpPr/>
+        <p:nvPr/>
+      </p:nvGrpSpPr>
+      <p:grpSpPr>
+        <a:xfrm>
+          <a:off x="0" y="0"/>
+          <a:ext cx="0" cy="0"/>
+          <a:chOff x="0" y="0"/>
+          <a:chExt cx="0" cy="0"/>
+        </a:xfrm>
+      </p:grpSpPr>
+      <p:sp>
+        <p:nvSpPr>
+          <p:cNvPr id="2" name="Title 1">
+            <a:extLst>
+              <a:ext uri="{FF2B5EF4-FFF2-40B4-BE49-F238E27FC236}">
+                <a16:creationId xmlns:a16="http://schemas.microsoft.com/office/drawing/2014/main" id="{83B33A28-186C-DFF0-01E2-D43E7DC4AC5A}"/>
+              </a:ext>
+            </a:extLst>
+          </p:cNvPr>
+          <p:cNvSpPr>
+            <a:spLocks noGrp="1"/>
+          </p:cNvSpPr>
+          <p:nvPr>
+            <p:ph type="title"/>
+          </p:nvPr>
+        </p:nvSpPr>
+        <p:spPr>
+          <a:xfrm>
+            <a:off x="0" y="0"/>
+            <a:ext cx="10364451" cy="1596177"/>
+          </a:xfrm>
+        </p:spPr>
+        <p:txBody>
+          <a:bodyPr/>
+          <a:lstStyle/>
+          <a:p>
+            <a:pPr algn="l"/>
+            <a:r>
+              <a:rPr lang="en-US" dirty="0"/>
+              <a:t>Block Diagram of SPI</a:t>
+            </a:r>
+          </a:p>
+        </p:txBody>
+      </p:sp>
+      <p:pic>
+        <p:nvPicPr>
+          <p:cNvPr id="2050" name="Picture 2" descr="A diagram of a computer hardware system&#10;&#10;Description automatically generated">
+            <a:extLst>
+              <a:ext uri="{FF2B5EF4-FFF2-40B4-BE49-F238E27FC236}">
+                <a16:creationId xmlns:a16="http://schemas.microsoft.com/office/drawing/2014/main" id="{3A33208C-918A-A692-A0B7-106E2CE6E02F}"/>
+              </a:ext>
+            </a:extLst>
+          </p:cNvPr>
+          <p:cNvPicPr>
+            <a:picLocks noChangeAspect="1" noChangeArrowheads="1"/>
+          </p:cNvPicPr>
+          <p:nvPr/>
+        </p:nvPicPr>
+        <p:blipFill>
+          <a:blip r:embed="rId2">
+            <a:extLst>
+              <a:ext uri="{28A0092B-C50C-407E-A947-70E740481C1C}">
+                <a14:useLocalDpi xmlns:a14="http://schemas.microsoft.com/office/drawing/2010/main" val="0"/>
+              </a:ext>
+            </a:extLst>
+          </a:blip>
+          <a:srcRect/>
+          <a:stretch>
+            <a:fillRect/>
+          </a:stretch>
+        </p:blipFill>
+        <p:spPr bwMode="auto">
+          <a:xfrm>
+            <a:off x="0" y="1208818"/>
+            <a:ext cx="7671816" cy="5649181"/>
+          </a:xfrm>
+          <a:prstGeom prst="rect">
+            <a:avLst/>
+          </a:prstGeom>
+          <a:noFill/>
+          <a:ln>
+            <a:noFill/>
+          </a:ln>
+          <a:extLst>
+            <a:ext uri="{909E8E84-426E-40DD-AFC4-6F175D3DCCD1}">
+              <a14:hiddenFill xmlns:a14="http://schemas.microsoft.com/office/drawing/2010/main">
+                <a:solidFill>
+                  <a:srgbClr val="FFFFFF"/>
+                </a:solidFill>
+              </a14:hiddenFill>
+            </a:ext>
+            <a:ext uri="{91240B29-F687-4F45-9708-019B960494DF}">
+              <a14:hiddenLine xmlns:a14="http://schemas.microsoft.com/office/drawing/2010/main" w="9525">
+                <a:solidFill>
+                  <a:srgbClr val="000000"/>
+                </a:solidFill>
+                <a:miter lim="800000"/>
+                <a:headEnd/>
+                <a:tailEnd/>
+              </a14:hiddenLine>
+            </a:ext>
+          </a:extLst>
+        </p:spPr>
+      </p:pic>
+      <p:sp>
+        <p:nvSpPr>
+          <p:cNvPr id="4" name="TextBox 3">
+            <a:extLst>
+              <a:ext uri="{FF2B5EF4-FFF2-40B4-BE49-F238E27FC236}">
+                <a16:creationId xmlns:a16="http://schemas.microsoft.com/office/drawing/2014/main" id="{7F87AF88-ED4F-4234-3382-AAF94B51417E}"/>
+              </a:ext>
+            </a:extLst>
+          </p:cNvPr>
+          <p:cNvSpPr txBox="1"/>
+          <p:nvPr/>
+        </p:nvSpPr>
+        <p:spPr>
+          <a:xfrm>
+            <a:off x="7671816" y="1208818"/>
+            <a:ext cx="4520184" cy="646331"/>
+          </a:xfrm>
+          <a:prstGeom prst="rect">
+            <a:avLst/>
+          </a:prstGeom>
+          <a:noFill/>
+        </p:spPr>
+        <p:txBody>
+          <a:bodyPr wrap="square" rtlCol="0">
+            <a:spAutoFit/>
+          </a:bodyPr>
+          <a:lstStyle/>
+          <a:p>
+            <a:r>
+              <a:rPr lang="en-US" dirty="0"/>
+              <a:t>DATA FLOW DIAGRAM:</a:t>
+            </a:r>
+          </a:p>
+          <a:p>
+            <a:endParaRPr lang="en-US" dirty="0"/>
+          </a:p>
+        </p:txBody>
+      </p:sp>
+      <p:sp>
+        <p:nvSpPr>
+          <p:cNvPr id="5" name="Rectangle 4">
+            <a:extLst>
+              <a:ext uri="{FF2B5EF4-FFF2-40B4-BE49-F238E27FC236}">
+                <a16:creationId xmlns:a16="http://schemas.microsoft.com/office/drawing/2014/main" id="{3D499616-9262-FC81-477E-1B04DCE93069}"/>
+              </a:ext>
+            </a:extLst>
+          </p:cNvPr>
+          <p:cNvSpPr/>
+          <p:nvPr/>
+        </p:nvSpPr>
+        <p:spPr>
+          <a:xfrm>
+            <a:off x="9573768" y="1596177"/>
+            <a:ext cx="1033272" cy="540579"/>
+          </a:xfrm>
+          <a:prstGeom prst="rect">
+            <a:avLst/>
+          </a:prstGeom>
+        </p:spPr>
+        <p:style>
+          <a:lnRef idx="2">
+            <a:schemeClr val="accent1">
+              <a:shade val="15000"/>
+            </a:schemeClr>
+          </a:lnRef>
+          <a:fillRef idx="1">
+            <a:schemeClr val="accent1"/>
+          </a:fillRef>
+          <a:effectRef idx="0">
+            <a:schemeClr val="accent1"/>
+          </a:effectRef>
+          <a:fontRef idx="minor">
+            <a:schemeClr val="lt1"/>
+          </a:fontRef>
+        </p:style>
+        <p:txBody>
+          <a:bodyPr rtlCol="0" anchor="ctr"/>
+          <a:lstStyle/>
+          <a:p>
+            <a:pPr algn="ctr"/>
+            <a:r>
+              <a:rPr lang="en-US" dirty="0"/>
+              <a:t>AXI </a:t>
+            </a:r>
+          </a:p>
+        </p:txBody>
+      </p:sp>
+      <p:sp>
+        <p:nvSpPr>
+          <p:cNvPr id="8" name="Rectangle 7">
+            <a:extLst>
+              <a:ext uri="{FF2B5EF4-FFF2-40B4-BE49-F238E27FC236}">
+                <a16:creationId xmlns:a16="http://schemas.microsoft.com/office/drawing/2014/main" id="{0739857B-E4CC-47E0-2462-675F6F6713F3}"/>
+              </a:ext>
+            </a:extLst>
+          </p:cNvPr>
+          <p:cNvSpPr/>
+          <p:nvPr/>
+        </p:nvSpPr>
+        <p:spPr>
+          <a:xfrm>
+            <a:off x="9573768" y="2587040"/>
+            <a:ext cx="1033272" cy="540579"/>
+          </a:xfrm>
+          <a:prstGeom prst="rect">
+            <a:avLst/>
+          </a:prstGeom>
+        </p:spPr>
+        <p:style>
+          <a:lnRef idx="2">
+            <a:schemeClr val="accent1">
+              <a:shade val="15000"/>
+            </a:schemeClr>
+          </a:lnRef>
+          <a:fillRef idx="1">
+            <a:schemeClr val="accent1"/>
+          </a:fillRef>
+          <a:effectRef idx="0">
+            <a:schemeClr val="accent1"/>
+          </a:effectRef>
+          <a:fontRef idx="minor">
+            <a:schemeClr val="lt1"/>
+          </a:fontRef>
+        </p:style>
+        <p:txBody>
+          <a:bodyPr rtlCol="0" anchor="ctr"/>
+          <a:lstStyle/>
+          <a:p>
+            <a:pPr algn="ctr"/>
+            <a:r>
+              <a:rPr lang="en-US" dirty="0"/>
+              <a:t>CSR </a:t>
+            </a:r>
+          </a:p>
+        </p:txBody>
+      </p:sp>
+      <p:sp>
+        <p:nvSpPr>
+          <p:cNvPr id="9" name="Rectangle 8">
+            <a:extLst>
+              <a:ext uri="{FF2B5EF4-FFF2-40B4-BE49-F238E27FC236}">
+                <a16:creationId xmlns:a16="http://schemas.microsoft.com/office/drawing/2014/main" id="{EC3226C8-A742-7072-E270-CC05296E2F75}"/>
+              </a:ext>
+            </a:extLst>
+          </p:cNvPr>
+          <p:cNvSpPr/>
+          <p:nvPr/>
+        </p:nvSpPr>
+        <p:spPr>
+          <a:xfrm>
+            <a:off x="9573768" y="3584834"/>
+            <a:ext cx="1033272" cy="540579"/>
+          </a:xfrm>
+          <a:prstGeom prst="rect">
+            <a:avLst/>
+          </a:prstGeom>
+        </p:spPr>
+        <p:style>
+          <a:lnRef idx="2">
+            <a:schemeClr val="accent1">
+              <a:shade val="15000"/>
+            </a:schemeClr>
+          </a:lnRef>
+          <a:fillRef idx="1">
+            <a:schemeClr val="accent1"/>
+          </a:fillRef>
+          <a:effectRef idx="0">
+            <a:schemeClr val="accent1"/>
+          </a:effectRef>
+          <a:fontRef idx="minor">
+            <a:schemeClr val="lt1"/>
+          </a:fontRef>
+        </p:style>
+        <p:txBody>
+          <a:bodyPr rtlCol="0" anchor="ctr"/>
+          <a:lstStyle/>
+          <a:p>
+            <a:pPr algn="ctr"/>
+            <a:r>
+              <a:rPr lang="en-US" dirty="0"/>
+              <a:t>FIFO </a:t>
+            </a:r>
+          </a:p>
+        </p:txBody>
+      </p:sp>
+      <p:sp>
+        <p:nvSpPr>
+          <p:cNvPr id="10" name="Rectangle 9">
+            <a:extLst>
+              <a:ext uri="{FF2B5EF4-FFF2-40B4-BE49-F238E27FC236}">
+                <a16:creationId xmlns:a16="http://schemas.microsoft.com/office/drawing/2014/main" id="{81360585-BA2E-0F73-B1A6-FFF55D709C45}"/>
+              </a:ext>
+            </a:extLst>
+          </p:cNvPr>
+          <p:cNvSpPr/>
+          <p:nvPr/>
+        </p:nvSpPr>
+        <p:spPr>
+          <a:xfrm>
+            <a:off x="9422892" y="4466681"/>
+            <a:ext cx="1335024" cy="795142"/>
+          </a:xfrm>
+          <a:prstGeom prst="rect">
+            <a:avLst/>
+          </a:prstGeom>
+        </p:spPr>
+        <p:style>
+          <a:lnRef idx="2">
+            <a:schemeClr val="accent1">
+              <a:shade val="15000"/>
+            </a:schemeClr>
+          </a:lnRef>
+          <a:fillRef idx="1">
+            <a:schemeClr val="accent1"/>
+          </a:fillRef>
+          <a:effectRef idx="0">
+            <a:schemeClr val="accent1"/>
+          </a:effectRef>
+          <a:fontRef idx="minor">
+            <a:schemeClr val="lt1"/>
+          </a:fontRef>
+        </p:style>
+        <p:txBody>
+          <a:bodyPr rtlCol="0" anchor="ctr"/>
+          <a:lstStyle/>
+          <a:p>
+            <a:pPr algn="ctr"/>
+            <a:r>
+              <a:rPr lang="en-US" dirty="0"/>
+              <a:t>SPI TRANSIVER</a:t>
+            </a:r>
+          </a:p>
+        </p:txBody>
+      </p:sp>
+      <p:sp>
+        <p:nvSpPr>
+          <p:cNvPr id="11" name="Rectangle 10">
+            <a:extLst>
+              <a:ext uri="{FF2B5EF4-FFF2-40B4-BE49-F238E27FC236}">
+                <a16:creationId xmlns:a16="http://schemas.microsoft.com/office/drawing/2014/main" id="{9E2B00CB-F02F-A6F0-CBCE-E77BBF78BA7A}"/>
+              </a:ext>
+            </a:extLst>
+          </p:cNvPr>
+          <p:cNvSpPr/>
+          <p:nvPr/>
+        </p:nvSpPr>
+        <p:spPr>
+          <a:xfrm>
+            <a:off x="9422892" y="5603091"/>
+            <a:ext cx="1335024" cy="795142"/>
+          </a:xfrm>
+          <a:prstGeom prst="rect">
+            <a:avLst/>
+          </a:prstGeom>
+        </p:spPr>
+        <p:style>
+          <a:lnRef idx="2">
+            <a:schemeClr val="accent1">
+              <a:shade val="15000"/>
+            </a:schemeClr>
+          </a:lnRef>
+          <a:fillRef idx="1">
+            <a:schemeClr val="accent1"/>
+          </a:fillRef>
+          <a:effectRef idx="0">
+            <a:schemeClr val="accent1"/>
+          </a:effectRef>
+          <a:fontRef idx="minor">
+            <a:schemeClr val="lt1"/>
+          </a:fontRef>
+        </p:style>
+        <p:txBody>
+          <a:bodyPr rtlCol="0" anchor="ctr"/>
+          <a:lstStyle/>
+          <a:p>
+            <a:pPr algn="ctr"/>
+            <a:r>
+              <a:rPr lang="en-US" dirty="0"/>
+              <a:t>IO LOGIC</a:t>
+            </a:r>
+          </a:p>
+        </p:txBody>
+      </p:sp>
+      <p:cxnSp>
+        <p:nvCxnSpPr>
+          <p:cNvPr id="13" name="Straight Arrow Connector 12">
+            <a:extLst>
+              <a:ext uri="{FF2B5EF4-FFF2-40B4-BE49-F238E27FC236}">
+                <a16:creationId xmlns:a16="http://schemas.microsoft.com/office/drawing/2014/main" id="{47AE59C4-CCE7-46CA-EDC2-273DDFF81ECD}"/>
+              </a:ext>
+            </a:extLst>
+          </p:cNvPr>
+          <p:cNvCxnSpPr>
+            <a:stCxn id="5" idx="2"/>
+            <a:endCxn id="8" idx="0"/>
+          </p:cNvCxnSpPr>
+          <p:nvPr/>
+        </p:nvCxnSpPr>
+        <p:spPr>
+          <a:xfrm>
+            <a:off x="10090404" y="2136756"/>
+            <a:ext cx="0" cy="450284"/>
+          </a:xfrm>
+          <a:prstGeom prst="straightConnector1">
+            <a:avLst/>
+          </a:prstGeom>
+          <a:ln w="19050">
+            <a:tailEnd type="triangle"/>
+          </a:ln>
+        </p:spPr>
+        <p:style>
+          <a:lnRef idx="1">
+            <a:schemeClr val="accent1"/>
+          </a:lnRef>
+          <a:fillRef idx="0">
+            <a:schemeClr val="accent1"/>
+          </a:fillRef>
+          <a:effectRef idx="0">
+            <a:schemeClr val="accent1"/>
+          </a:effectRef>
+          <a:fontRef idx="minor">
+            <a:schemeClr val="tx1"/>
+          </a:fontRef>
+        </p:style>
+      </p:cxnSp>
+      <p:cxnSp>
+        <p:nvCxnSpPr>
+          <p:cNvPr id="14" name="Straight Arrow Connector 13">
+            <a:extLst>
+              <a:ext uri="{FF2B5EF4-FFF2-40B4-BE49-F238E27FC236}">
+                <a16:creationId xmlns:a16="http://schemas.microsoft.com/office/drawing/2014/main" id="{E182FAB5-F1F1-D749-94D7-BDD0FB196A64}"/>
+              </a:ext>
+            </a:extLst>
+          </p:cNvPr>
+          <p:cNvCxnSpPr/>
+          <p:nvPr/>
+        </p:nvCxnSpPr>
+        <p:spPr>
+          <a:xfrm>
+            <a:off x="10090404" y="3127619"/>
+            <a:ext cx="0" cy="450284"/>
+          </a:xfrm>
+          <a:prstGeom prst="straightConnector1">
+            <a:avLst/>
+          </a:prstGeom>
+          <a:ln w="19050">
+            <a:tailEnd type="triangle"/>
+          </a:ln>
+        </p:spPr>
+        <p:style>
+          <a:lnRef idx="1">
+            <a:schemeClr val="accent1"/>
+          </a:lnRef>
+          <a:fillRef idx="0">
+            <a:schemeClr val="accent1"/>
+          </a:fillRef>
+          <a:effectRef idx="0">
+            <a:schemeClr val="accent1"/>
+          </a:effectRef>
+          <a:fontRef idx="minor">
+            <a:schemeClr val="tx1"/>
+          </a:fontRef>
+        </p:style>
+      </p:cxnSp>
+      <p:cxnSp>
+        <p:nvCxnSpPr>
+          <p:cNvPr id="15" name="Straight Arrow Connector 14">
+            <a:extLst>
+              <a:ext uri="{FF2B5EF4-FFF2-40B4-BE49-F238E27FC236}">
+                <a16:creationId xmlns:a16="http://schemas.microsoft.com/office/drawing/2014/main" id="{50D6A334-935D-F9F0-E68F-1017DEA1C233}"/>
+              </a:ext>
+            </a:extLst>
+          </p:cNvPr>
+          <p:cNvCxnSpPr>
+            <a:cxnSpLocks/>
+          </p:cNvCxnSpPr>
+          <p:nvPr/>
+        </p:nvCxnSpPr>
+        <p:spPr>
+          <a:xfrm>
+            <a:off x="10090404" y="4104077"/>
+            <a:ext cx="0" cy="362604"/>
+          </a:xfrm>
+          <a:prstGeom prst="straightConnector1">
+            <a:avLst/>
+          </a:prstGeom>
+          <a:ln w="19050">
+            <a:tailEnd type="triangle"/>
+          </a:ln>
+        </p:spPr>
+        <p:style>
+          <a:lnRef idx="1">
+            <a:schemeClr val="accent1"/>
+          </a:lnRef>
+          <a:fillRef idx="0">
+            <a:schemeClr val="accent1"/>
+          </a:fillRef>
+          <a:effectRef idx="0">
+            <a:schemeClr val="accent1"/>
+          </a:effectRef>
+          <a:fontRef idx="minor">
+            <a:schemeClr val="tx1"/>
+          </a:fontRef>
+        </p:style>
+      </p:cxnSp>
+      <p:cxnSp>
+        <p:nvCxnSpPr>
+          <p:cNvPr id="17" name="Straight Arrow Connector 16">
+            <a:extLst>
+              <a:ext uri="{FF2B5EF4-FFF2-40B4-BE49-F238E27FC236}">
+                <a16:creationId xmlns:a16="http://schemas.microsoft.com/office/drawing/2014/main" id="{AAB4F9B0-3F3A-6FE3-346D-84C09248B16A}"/>
+              </a:ext>
+            </a:extLst>
+          </p:cNvPr>
+          <p:cNvCxnSpPr>
+            <a:cxnSpLocks/>
+            <a:endCxn id="11" idx="0"/>
+          </p:cNvCxnSpPr>
+          <p:nvPr/>
+        </p:nvCxnSpPr>
+        <p:spPr>
+          <a:xfrm>
+            <a:off x="10090404" y="5198898"/>
+            <a:ext cx="0" cy="404193"/>
+          </a:xfrm>
+          <a:prstGeom prst="straightConnector1">
+            <a:avLst/>
+          </a:prstGeom>
+          <a:ln w="19050">
+            <a:tailEnd type="triangle"/>
+          </a:ln>
+        </p:spPr>
+        <p:style>
+          <a:lnRef idx="1">
+            <a:schemeClr val="accent1"/>
+          </a:lnRef>
+          <a:fillRef idx="0">
+            <a:schemeClr val="accent1"/>
+          </a:fillRef>
+          <a:effectRef idx="0">
+            <a:schemeClr val="accent1"/>
+          </a:effectRef>
+          <a:fontRef idx="minor">
+            <a:schemeClr val="tx1"/>
+          </a:fontRef>
+        </p:style>
+      </p:cxnSp>
+    </p:spTree>
+    <p:extLst>
+      <p:ext uri="{BB962C8B-B14F-4D97-AF65-F5344CB8AC3E}">
+        <p14:creationId xmlns:p14="http://schemas.microsoft.com/office/powerpoint/2010/main" val="2042733321"/>
+      </p:ext>
+    </p:extLst>
+  </p:cSld>
+  <p:clrMapOvr>
+    <a:masterClrMapping/>
+  </p:clrMapOvr>
+</p:sld>
+</file>
+
+<file path=ppt/slides/slide7.xml><?xml version="1.0" encoding="utf-8"?>
+<p:sld xmlns:a="http://schemas.openxmlformats.org/drawingml/2006/main" xmlns:r="http://schemas.openxmlformats.org/officeDocument/2006/relationships" xmlns:p="http://schemas.openxmlformats.org/presentationml/2006/main">
+  <p:cSld>
+    <p:spTree>
+      <p:nvGrpSpPr>
+        <p:cNvPr id="1" name=""/>
+        <p:cNvGrpSpPr/>
+        <p:nvPr/>
+      </p:nvGrpSpPr>
+      <p:grpSpPr>
+        <a:xfrm>
+          <a:off x="0" y="0"/>
+          <a:ext cx="0" cy="0"/>
+          <a:chOff x="0" y="0"/>
+          <a:chExt cx="0" cy="0"/>
+        </a:xfrm>
+      </p:grpSpPr>
+      <p:sp>
+        <p:nvSpPr>
+          <p:cNvPr id="2" name="Title 1">
+            <a:extLst>
+              <a:ext uri="{FF2B5EF4-FFF2-40B4-BE49-F238E27FC236}">
+                <a16:creationId xmlns:a16="http://schemas.microsoft.com/office/drawing/2014/main" id="{18C44061-D6EC-39DF-3161-9D99885B2B34}"/>
+              </a:ext>
+            </a:extLst>
+          </p:cNvPr>
+          <p:cNvSpPr>
+            <a:spLocks noGrp="1"/>
+          </p:cNvSpPr>
+          <p:nvPr>
+            <p:ph type="title"/>
+          </p:nvPr>
+        </p:nvSpPr>
+        <p:spPr>
+          <a:xfrm>
+            <a:off x="-2" y="6476"/>
+            <a:ext cx="10364451" cy="572366"/>
+          </a:xfrm>
+        </p:spPr>
+        <p:txBody>
+          <a:bodyPr>
+            <a:normAutofit fontScale="90000"/>
+          </a:bodyPr>
+          <a:lstStyle/>
+          <a:p>
+            <a:pPr algn="l"/>
+            <a:r>
+              <a:rPr lang="en-US" dirty="0"/>
+              <a:t>Utilization REPORT</a:t>
+            </a:r>
+          </a:p>
+        </p:txBody>
+      </p:sp>
+      <p:sp>
+        <p:nvSpPr>
+          <p:cNvPr id="4" name="Title 1">
+            <a:extLst>
+              <a:ext uri="{FF2B5EF4-FFF2-40B4-BE49-F238E27FC236}">
+                <a16:creationId xmlns:a16="http://schemas.microsoft.com/office/drawing/2014/main" id="{7AE5BB27-0907-4E5A-41DF-E7EC2E1432A0}"/>
+              </a:ext>
+            </a:extLst>
+          </p:cNvPr>
+          <p:cNvSpPr txBox="1">
+            <a:spLocks/>
+          </p:cNvSpPr>
+          <p:nvPr/>
+        </p:nvSpPr>
+        <p:spPr>
+          <a:xfrm>
+            <a:off x="8237582" y="1498758"/>
+            <a:ext cx="3514344" cy="1596177"/>
+          </a:xfrm>
+          <a:prstGeom prst="rect">
+            <a:avLst/>
+          </a:prstGeom>
+        </p:spPr>
+        <p:txBody>
+          <a:bodyPr vert="horz" lIns="91440" tIns="45720" rIns="91440" bIns="45720" rtlCol="0" anchor="ctr">
+            <a:normAutofit/>
+          </a:bodyPr>
+          <a:lstStyle>
+            <a:lvl1pPr algn="ctr" defTabSz="914400" rtl="0" eaLnBrk="1" latinLnBrk="0" hangingPunct="1">
+              <a:lnSpc>
+                <a:spcPct val="90000"/>
+              </a:lnSpc>
+              <a:spcBef>
+                <a:spcPct val="0"/>
+              </a:spcBef>
+              <a:buNone/>
+              <a:defRPr sz="3600" kern="1200" cap="all" baseline="0">
+                <a:solidFill>
+                  <a:schemeClr val="tx1"/>
+                </a:solidFill>
+                <a:effectLst/>
+                <a:latin typeface="+mj-lt"/>
+                <a:ea typeface="+mj-ea"/>
+                <a:cs typeface="+mj-cs"/>
+              </a:defRPr>
+            </a:lvl1pPr>
+          </a:lstStyle>
+          <a:p>
+            <a:pPr algn="l"/>
+            <a:r>
+              <a:rPr lang="en-US" sz="2400" dirty="0"/>
+              <a:t>Qualcomm Live board</a:t>
+            </a:r>
+            <a:endParaRPr lang="en-US" dirty="0"/>
+          </a:p>
+        </p:txBody>
+      </p:sp>
+      <p:sp>
+        <p:nvSpPr>
+          <p:cNvPr id="5" name="Title 1">
+            <a:extLst>
+              <a:ext uri="{FF2B5EF4-FFF2-40B4-BE49-F238E27FC236}">
+                <a16:creationId xmlns:a16="http://schemas.microsoft.com/office/drawing/2014/main" id="{C7F5A1B7-3B46-5A3B-5699-858B407CDBE9}"/>
+              </a:ext>
+            </a:extLst>
+          </p:cNvPr>
+          <p:cNvSpPr txBox="1">
+            <a:spLocks/>
+          </p:cNvSpPr>
+          <p:nvPr/>
+        </p:nvSpPr>
+        <p:spPr>
+          <a:xfrm>
+            <a:off x="2462785" y="4266502"/>
+            <a:ext cx="3514344" cy="1596177"/>
+          </a:xfrm>
+          <a:prstGeom prst="rect">
+            <a:avLst/>
+          </a:prstGeom>
+        </p:spPr>
+        <p:txBody>
+          <a:bodyPr vert="horz" lIns="91440" tIns="45720" rIns="91440" bIns="45720" rtlCol="0" anchor="ctr">
+            <a:normAutofit/>
+          </a:bodyPr>
+          <a:lstStyle>
+            <a:lvl1pPr algn="ctr" defTabSz="914400" rtl="0" eaLnBrk="1" latinLnBrk="0" hangingPunct="1">
+              <a:lnSpc>
+                <a:spcPct val="90000"/>
+              </a:lnSpc>
+              <a:spcBef>
+                <a:spcPct val="0"/>
+              </a:spcBef>
+              <a:buNone/>
+              <a:defRPr sz="3600" kern="1200" cap="all" baseline="0">
+                <a:solidFill>
+                  <a:schemeClr val="tx1"/>
+                </a:solidFill>
+                <a:effectLst/>
+                <a:latin typeface="+mj-lt"/>
+                <a:ea typeface="+mj-ea"/>
+                <a:cs typeface="+mj-cs"/>
+              </a:defRPr>
+            </a:lvl1pPr>
+          </a:lstStyle>
+          <a:p>
+            <a:pPr algn="l"/>
+            <a:r>
+              <a:rPr lang="en-US" sz="2400" dirty="0"/>
+              <a:t>Demo board</a:t>
+            </a:r>
+            <a:endParaRPr lang="en-US" dirty="0"/>
+          </a:p>
+        </p:txBody>
+      </p:sp>
+      <p:pic>
+        <p:nvPicPr>
+          <p:cNvPr id="4098" name="Picture 2">
+            <a:extLst>
+              <a:ext uri="{FF2B5EF4-FFF2-40B4-BE49-F238E27FC236}">
+                <a16:creationId xmlns:a16="http://schemas.microsoft.com/office/drawing/2014/main" id="{50F7D701-0972-8B01-64C4-AFF137FAC82D}"/>
+              </a:ext>
+            </a:extLst>
+          </p:cNvPr>
+          <p:cNvPicPr>
+            <a:picLocks noChangeAspect="1" noChangeArrowheads="1"/>
+          </p:cNvPicPr>
+          <p:nvPr/>
+        </p:nvPicPr>
+        <p:blipFill>
+          <a:blip r:embed="rId2">
+            <a:extLst>
+              <a:ext uri="{28A0092B-C50C-407E-A947-70E740481C1C}">
+                <a14:useLocalDpi xmlns:a14="http://schemas.microsoft.com/office/drawing/2010/main" val="0"/>
+              </a:ext>
+            </a:extLst>
+          </a:blip>
+          <a:srcRect/>
+          <a:stretch>
+            <a:fillRect/>
+          </a:stretch>
+        </p:blipFill>
+        <p:spPr bwMode="auto">
+          <a:xfrm>
+            <a:off x="5182225" y="3370576"/>
+            <a:ext cx="7009775" cy="3487424"/>
+          </a:xfrm>
+          <a:prstGeom prst="rect">
+            <a:avLst/>
+          </a:prstGeom>
+          <a:noFill/>
+          <a:ln>
+            <a:noFill/>
+          </a:ln>
+          <a:extLst>
+            <a:ext uri="{909E8E84-426E-40DD-AFC4-6F175D3DCCD1}">
+              <a14:hiddenFill xmlns:a14="http://schemas.microsoft.com/office/drawing/2010/main">
+                <a:solidFill>
+                  <a:srgbClr val="FFFFFF"/>
+                </a:solidFill>
+              </a14:hiddenFill>
+            </a:ext>
+            <a:ext uri="{91240B29-F687-4F45-9708-019B960494DF}">
+              <a14:hiddenLine xmlns:a14="http://schemas.microsoft.com/office/drawing/2010/main" w="9525">
+                <a:solidFill>
+                  <a:srgbClr val="000000"/>
+                </a:solidFill>
+                <a:miter lim="800000"/>
+                <a:headEnd/>
+                <a:tailEnd/>
+              </a14:hiddenLine>
+            </a:ext>
+          </a:extLst>
+        </p:spPr>
+      </p:pic>
+      <p:pic>
+        <p:nvPicPr>
+          <p:cNvPr id="4099" name="Picture 3">
+            <a:extLst>
+              <a:ext uri="{FF2B5EF4-FFF2-40B4-BE49-F238E27FC236}">
+                <a16:creationId xmlns:a16="http://schemas.microsoft.com/office/drawing/2014/main" id="{B72947B2-B985-EB04-02AF-3D878A94660E}"/>
+              </a:ext>
+            </a:extLst>
+          </p:cNvPr>
+          <p:cNvPicPr>
+            <a:picLocks noChangeAspect="1" noChangeArrowheads="1"/>
+          </p:cNvPicPr>
+          <p:nvPr/>
+        </p:nvPicPr>
+        <p:blipFill rotWithShape="1">
+          <a:blip r:embed="rId3">
+            <a:extLst>
+              <a:ext uri="{28A0092B-C50C-407E-A947-70E740481C1C}">
+                <a14:useLocalDpi xmlns:a14="http://schemas.microsoft.com/office/drawing/2010/main" val="0"/>
+              </a:ext>
+            </a:extLst>
+          </a:blip>
+          <a:srcRect t="6516"/>
+          <a:stretch/>
+        </p:blipFill>
+        <p:spPr bwMode="auto">
+          <a:xfrm>
+            <a:off x="-2" y="578843"/>
+            <a:ext cx="7145520" cy="2791734"/>
+          </a:xfrm>
+          <a:prstGeom prst="rect">
+            <a:avLst/>
+          </a:prstGeom>
+          <a:noFill/>
+          <a:ln>
+            <a:noFill/>
+          </a:ln>
+          <a:extLst>
+            <a:ext uri="{909E8E84-426E-40DD-AFC4-6F175D3DCCD1}">
+              <a14:hiddenFill xmlns:a14="http://schemas.microsoft.com/office/drawing/2010/main">
+                <a:solidFill>
+                  <a:srgbClr val="FFFFFF"/>
+                </a:solidFill>
+              </a14:hiddenFill>
+            </a:ext>
+            <a:ext uri="{91240B29-F687-4F45-9708-019B960494DF}">
+              <a14:hiddenLine xmlns:a14="http://schemas.microsoft.com/office/drawing/2010/main" w="9525">
+                <a:solidFill>
+                  <a:srgbClr val="000000"/>
+                </a:solidFill>
+                <a:miter lim="800000"/>
+                <a:headEnd/>
+                <a:tailEnd/>
+              </a14:hiddenLine>
+            </a:ext>
+          </a:extLst>
+        </p:spPr>
+      </p:pic>
+    </p:spTree>
+    <p:extLst>
+      <p:ext uri="{BB962C8B-B14F-4D97-AF65-F5344CB8AC3E}">
+        <p14:creationId xmlns:p14="http://schemas.microsoft.com/office/powerpoint/2010/main" val="1320271881"/>
+      </p:ext>
+    </p:extLst>
+  </p:cSld>
+  <p:clrMapOvr>
+    <a:masterClrMapping/>
+  </p:clrMapOvr>
+</p:sld>
+</file>
+
+<file path=ppt/slides/slide8.xml><?xml version="1.0" encoding="utf-8"?>
+<p:sld xmlns:a="http://schemas.openxmlformats.org/drawingml/2006/main" xmlns:r="http://schemas.openxmlformats.org/officeDocument/2006/relationships" xmlns:p="http://schemas.openxmlformats.org/presentationml/2006/main">
+  <p:cSld>
+    <p:spTree>
+      <p:nvGrpSpPr>
+        <p:cNvPr id="1" name=""/>
+        <p:cNvGrpSpPr/>
+        <p:nvPr/>
+      </p:nvGrpSpPr>
+      <p:grpSpPr>
+        <a:xfrm>
+          <a:off x="0" y="0"/>
+          <a:ext cx="0" cy="0"/>
+          <a:chOff x="0" y="0"/>
+          <a:chExt cx="0" cy="0"/>
+        </a:xfrm>
+      </p:grpSpPr>
+      <p:sp>
+        <p:nvSpPr>
+          <p:cNvPr id="2" name="Title 1">
+            <a:extLst>
+              <a:ext uri="{FF2B5EF4-FFF2-40B4-BE49-F238E27FC236}">
+                <a16:creationId xmlns:a16="http://schemas.microsoft.com/office/drawing/2014/main" id="{93AE3B26-5C0A-121E-2AC9-78726E4AC7F5}"/>
+              </a:ext>
+            </a:extLst>
+          </p:cNvPr>
+          <p:cNvSpPr>
+            <a:spLocks noGrp="1"/>
+          </p:cNvSpPr>
+          <p:nvPr>
+            <p:ph type="title"/>
+          </p:nvPr>
+        </p:nvSpPr>
+        <p:spPr>
+          <a:xfrm>
+            <a:off x="0" y="0"/>
+            <a:ext cx="10364451" cy="1596177"/>
+          </a:xfrm>
+        </p:spPr>
+        <p:txBody>
+          <a:bodyPr/>
+          <a:lstStyle/>
+          <a:p>
+            <a:pPr algn="l"/>
+            <a:r>
+              <a:rPr lang="en-US" dirty="0"/>
+              <a:t>HARDWARE Setups:</a:t>
+            </a:r>
+          </a:p>
+        </p:txBody>
+      </p:sp>
+      <p:pic>
+        <p:nvPicPr>
+          <p:cNvPr id="3074" name="Picture 2" descr="A circuit board with wires and a fan&#10;&#10;Description automatically generated">
+            <a:extLst>
+              <a:ext uri="{FF2B5EF4-FFF2-40B4-BE49-F238E27FC236}">
+                <a16:creationId xmlns:a16="http://schemas.microsoft.com/office/drawing/2014/main" id="{64DBF615-E513-10F3-02B5-F604395CE704}"/>
+              </a:ext>
+            </a:extLst>
+          </p:cNvPr>
+          <p:cNvPicPr>
+            <a:picLocks noChangeAspect="1" noChangeArrowheads="1"/>
+          </p:cNvPicPr>
+          <p:nvPr/>
+        </p:nvPicPr>
+        <p:blipFill>
+          <a:blip r:embed="rId2">
+            <a:extLst>
+              <a:ext uri="{28A0092B-C50C-407E-A947-70E740481C1C}">
+                <a14:useLocalDpi xmlns:a14="http://schemas.microsoft.com/office/drawing/2010/main" val="0"/>
+              </a:ext>
+            </a:extLst>
+          </a:blip>
+          <a:srcRect/>
+          <a:stretch>
+            <a:fillRect/>
+          </a:stretch>
+        </p:blipFill>
+        <p:spPr bwMode="auto">
+          <a:xfrm>
+            <a:off x="0" y="2505366"/>
+            <a:ext cx="5978784" cy="4352633"/>
+          </a:xfrm>
+          <a:prstGeom prst="rect">
+            <a:avLst/>
+          </a:prstGeom>
+          <a:noFill/>
+          <a:ln>
+            <a:noFill/>
+          </a:ln>
+          <a:extLst>
+            <a:ext uri="{909E8E84-426E-40DD-AFC4-6F175D3DCCD1}">
+              <a14:hiddenFill xmlns:a14="http://schemas.microsoft.com/office/drawing/2010/main">
+                <a:solidFill>
+                  <a:srgbClr val="FFFFFF"/>
+                </a:solidFill>
+              </a14:hiddenFill>
+            </a:ext>
+            <a:ext uri="{91240B29-F687-4F45-9708-019B960494DF}">
+              <a14:hiddenLine xmlns:a14="http://schemas.microsoft.com/office/drawing/2010/main" w="9525">
+                <a:solidFill>
+                  <a:srgbClr val="000000"/>
+                </a:solidFill>
+                <a:miter lim="800000"/>
+                <a:headEnd/>
+                <a:tailEnd/>
+              </a14:hiddenLine>
+            </a:ext>
+          </a:extLst>
+        </p:spPr>
+      </p:pic>
+      <p:pic>
+        <p:nvPicPr>
+          <p:cNvPr id="3075" name="Picture 3" descr="A circuit board with wires and a box&#10;&#10;Description automatically generated">
+            <a:extLst>
+              <a:ext uri="{FF2B5EF4-FFF2-40B4-BE49-F238E27FC236}">
+                <a16:creationId xmlns:a16="http://schemas.microsoft.com/office/drawing/2014/main" id="{3CCED034-0DCA-FB28-AD57-9CE6E39320AD}"/>
+              </a:ext>
+            </a:extLst>
+          </p:cNvPr>
+          <p:cNvPicPr>
+            <a:picLocks noChangeAspect="1" noChangeArrowheads="1"/>
+          </p:cNvPicPr>
+          <p:nvPr/>
+        </p:nvPicPr>
+        <p:blipFill>
+          <a:blip r:embed="rId3">
+            <a:extLst>
+              <a:ext uri="{28A0092B-C50C-407E-A947-70E740481C1C}">
+                <a14:useLocalDpi xmlns:a14="http://schemas.microsoft.com/office/drawing/2010/main" val="0"/>
+              </a:ext>
+            </a:extLst>
+          </a:blip>
+          <a:srcRect l="21211" t="7875" r="9546" b="13380"/>
+          <a:stretch>
+            <a:fillRect/>
+          </a:stretch>
+        </p:blipFill>
+        <p:spPr bwMode="auto">
+          <a:xfrm>
+            <a:off x="5978784" y="2503210"/>
+            <a:ext cx="6213216" cy="4357089"/>
+          </a:xfrm>
+          <a:prstGeom prst="rect">
+            <a:avLst/>
+          </a:prstGeom>
+          <a:noFill/>
+          <a:ln>
+            <a:noFill/>
+          </a:ln>
+          <a:extLst>
+            <a:ext uri="{909E8E84-426E-40DD-AFC4-6F175D3DCCD1}">
+              <a14:hiddenFill xmlns:a14="http://schemas.microsoft.com/office/drawing/2010/main">
+                <a:solidFill>
+                  <a:srgbClr val="FFFFFF"/>
+                </a:solidFill>
+              </a14:hiddenFill>
+            </a:ext>
+            <a:ext uri="{91240B29-F687-4F45-9708-019B960494DF}">
+              <a14:hiddenLine xmlns:a14="http://schemas.microsoft.com/office/drawing/2010/main" w="9525">
+                <a:solidFill>
+                  <a:srgbClr val="000000"/>
+                </a:solidFill>
+                <a:miter lim="800000"/>
+                <a:headEnd/>
+                <a:tailEnd/>
+              </a14:hiddenLine>
+            </a:ext>
+          </a:extLst>
+        </p:spPr>
+      </p:pic>
+      <p:sp>
+        <p:nvSpPr>
+          <p:cNvPr id="4" name="Title 1">
+            <a:extLst>
+              <a:ext uri="{FF2B5EF4-FFF2-40B4-BE49-F238E27FC236}">
+                <a16:creationId xmlns:a16="http://schemas.microsoft.com/office/drawing/2014/main" id="{49965955-9AC8-13A4-E0B7-A7FA682E3098}"/>
+              </a:ext>
+            </a:extLst>
+          </p:cNvPr>
+          <p:cNvSpPr txBox="1">
+            <a:spLocks/>
+          </p:cNvSpPr>
+          <p:nvPr/>
+        </p:nvSpPr>
+        <p:spPr>
+          <a:xfrm>
+            <a:off x="554737" y="1593129"/>
+            <a:ext cx="3514344" cy="1596177"/>
+          </a:xfrm>
+          <a:prstGeom prst="rect">
+            <a:avLst/>
+          </a:prstGeom>
+        </p:spPr>
+        <p:txBody>
+          <a:bodyPr vert="horz" lIns="91440" tIns="45720" rIns="91440" bIns="45720" rtlCol="0" anchor="ctr">
+            <a:normAutofit/>
+          </a:bodyPr>
+          <a:lstStyle>
+            <a:lvl1pPr algn="ctr" defTabSz="914400" rtl="0" eaLnBrk="1" latinLnBrk="0" hangingPunct="1">
+              <a:lnSpc>
+                <a:spcPct val="90000"/>
+              </a:lnSpc>
+              <a:spcBef>
+                <a:spcPct val="0"/>
+              </a:spcBef>
+              <a:buNone/>
+              <a:defRPr sz="3600" kern="1200" cap="all" baseline="0">
+                <a:solidFill>
+                  <a:schemeClr val="tx1"/>
+                </a:solidFill>
+                <a:effectLst/>
+                <a:latin typeface="+mj-lt"/>
+                <a:ea typeface="+mj-ea"/>
+                <a:cs typeface="+mj-cs"/>
+              </a:defRPr>
+            </a:lvl1pPr>
+          </a:lstStyle>
+          <a:p>
+            <a:pPr algn="l"/>
+            <a:r>
+              <a:rPr lang="en-US" sz="2400" dirty="0"/>
+              <a:t>Qualcomm Live board</a:t>
+            </a:r>
+            <a:endParaRPr lang="en-US" dirty="0"/>
+          </a:p>
+        </p:txBody>
+      </p:sp>
+      <p:sp>
+        <p:nvSpPr>
+          <p:cNvPr id="5" name="Title 1">
+            <a:extLst>
+              <a:ext uri="{FF2B5EF4-FFF2-40B4-BE49-F238E27FC236}">
+                <a16:creationId xmlns:a16="http://schemas.microsoft.com/office/drawing/2014/main" id="{768D9167-94B0-72D2-0B4E-2D71D6BEB421}"/>
+              </a:ext>
+            </a:extLst>
+          </p:cNvPr>
+          <p:cNvSpPr txBox="1">
+            <a:spLocks/>
+          </p:cNvSpPr>
+          <p:nvPr/>
+        </p:nvSpPr>
+        <p:spPr>
+          <a:xfrm>
+            <a:off x="7491985" y="1543681"/>
+            <a:ext cx="3514344" cy="1596177"/>
+          </a:xfrm>
+          <a:prstGeom prst="rect">
+            <a:avLst/>
+          </a:prstGeom>
+        </p:spPr>
+        <p:txBody>
+          <a:bodyPr vert="horz" lIns="91440" tIns="45720" rIns="91440" bIns="45720" rtlCol="0" anchor="ctr">
+            <a:normAutofit/>
+          </a:bodyPr>
+          <a:lstStyle>
+            <a:lvl1pPr algn="ctr" defTabSz="914400" rtl="0" eaLnBrk="1" latinLnBrk="0" hangingPunct="1">
+              <a:lnSpc>
+                <a:spcPct val="90000"/>
+              </a:lnSpc>
+              <a:spcBef>
+                <a:spcPct val="0"/>
+              </a:spcBef>
+              <a:buNone/>
+              <a:defRPr sz="3600" kern="1200" cap="all" baseline="0">
+                <a:solidFill>
+                  <a:schemeClr val="tx1"/>
+                </a:solidFill>
+                <a:effectLst/>
+                <a:latin typeface="+mj-lt"/>
+                <a:ea typeface="+mj-ea"/>
+                <a:cs typeface="+mj-cs"/>
+              </a:defRPr>
+            </a:lvl1pPr>
+          </a:lstStyle>
+          <a:p>
+            <a:pPr algn="l"/>
+            <a:r>
+              <a:rPr lang="en-US" sz="2400" dirty="0"/>
+              <a:t>Demo board</a:t>
+            </a:r>
+            <a:endParaRPr lang="en-US" dirty="0"/>
+          </a:p>
+        </p:txBody>
+      </p:sp>
+    </p:spTree>
+    <p:extLst>
+      <p:ext uri="{BB962C8B-B14F-4D97-AF65-F5344CB8AC3E}">
+        <p14:creationId xmlns:p14="http://schemas.microsoft.com/office/powerpoint/2010/main" val="3890808902"/>
+      </p:ext>
+    </p:extLst>
+  </p:cSld>
+  <p:clrMapOvr>
+    <a:masterClrMapping/>
+  </p:clrMapOvr>
+</p:sld>
+</file>
+
+<file path=ppt/slides/slide9.xml><?xml version="1.0" encoding="utf-8"?>
+<p:sld xmlns:a="http://schemas.openxmlformats.org/drawingml/2006/main" xmlns:r="http://schemas.openxmlformats.org/officeDocument/2006/relationships" xmlns:p="http://schemas.openxmlformats.org/presentationml/2006/main">
+  <p:cSld>
+    <p:spTree>
+      <p:nvGrpSpPr>
+        <p:cNvPr id="1" name=""/>
+        <p:cNvGrpSpPr/>
+        <p:nvPr/>
+      </p:nvGrpSpPr>
+      <p:grpSpPr>
+        <a:xfrm>
+          <a:off x="0" y="0"/>
+          <a:ext cx="0" cy="0"/>
+          <a:chOff x="0" y="0"/>
+          <a:chExt cx="0" cy="0"/>
+        </a:xfrm>
+      </p:grpSpPr>
+      <p:pic>
+        <p:nvPicPr>
+          <p:cNvPr id="7" name="Picture 6" descr="A diagram of a program code&#10;&#10;Description automatically generated">
+            <a:extLst>
+              <a:ext uri="{FF2B5EF4-FFF2-40B4-BE49-F238E27FC236}">
+                <a16:creationId xmlns:a16="http://schemas.microsoft.com/office/drawing/2014/main" id="{06AD8EE0-1443-BADA-9BC3-2A6297381861}"/>
+              </a:ext>
+            </a:extLst>
+          </p:cNvPr>
+          <p:cNvPicPr>
+            <a:picLocks noChangeAspect="1"/>
+          </p:cNvPicPr>
+          <p:nvPr/>
+        </p:nvPicPr>
+        <p:blipFill>
+          <a:blip r:embed="rId2">
+            <a:extLst>
+              <a:ext uri="{28A0092B-C50C-407E-A947-70E740481C1C}">
+                <a14:useLocalDpi xmlns:a14="http://schemas.microsoft.com/office/drawing/2010/main" val="0"/>
+              </a:ext>
+            </a:extLst>
+          </a:blip>
+          <a:stretch>
+            <a:fillRect/>
+          </a:stretch>
+        </p:blipFill>
+        <p:spPr>
+          <a:xfrm>
+            <a:off x="1756219" y="85725"/>
+            <a:ext cx="9648825" cy="6686550"/>
+          </a:xfrm>
+          <a:prstGeom prst="rect">
+            <a:avLst/>
+          </a:prstGeom>
+        </p:spPr>
+      </p:pic>
+      <p:sp>
+        <p:nvSpPr>
+          <p:cNvPr id="2" name="TextBox 1">
+            <a:extLst>
+              <a:ext uri="{FF2B5EF4-FFF2-40B4-BE49-F238E27FC236}">
+                <a16:creationId xmlns:a16="http://schemas.microsoft.com/office/drawing/2014/main" id="{5D17BD8D-124A-99BC-7BF5-6208BCE02F3F}"/>
+              </a:ext>
+            </a:extLst>
+          </p:cNvPr>
+          <p:cNvSpPr txBox="1"/>
+          <p:nvPr/>
+        </p:nvSpPr>
+        <p:spPr>
+          <a:xfrm rot="16200000">
+            <a:off x="-2221992" y="3234118"/>
+            <a:ext cx="6253966" cy="646331"/>
+          </a:xfrm>
+          <a:prstGeom prst="rect">
+            <a:avLst/>
+          </a:prstGeom>
+          <a:noFill/>
+        </p:spPr>
+        <p:txBody>
+          <a:bodyPr wrap="square" rtlCol="0">
+            <a:spAutoFit/>
+          </a:bodyPr>
+          <a:lstStyle/>
+          <a:p>
+            <a:pPr algn="ctr"/>
+            <a:r>
+              <a:rPr lang="en-US" sz="3600" dirty="0"/>
+              <a:t>CODEFLOW CHART</a:t>
+            </a:r>
+          </a:p>
+        </p:txBody>
+      </p:sp>
+    </p:spTree>
+    <p:extLst>
+      <p:ext uri="{BB962C8B-B14F-4D97-AF65-F5344CB8AC3E}">
+        <p14:creationId xmlns:p14="http://schemas.microsoft.com/office/powerpoint/2010/main" val="3420382223"/>
+      </p:ext>
+    </p:extLst>
+  </p:cSld>
+  <p:clrMapOvr>
+    <a:masterClrMapping/>
+  </p:clrMapOvr>
+</p:sld>
+</file>
+
 <file path=ppt/theme/theme1.xml><?xml version="1.0" encoding="utf-8"?>
 <a:theme xmlns:a="http://schemas.openxmlformats.org/drawingml/2006/main" name="Droplet">
   <a:themeElements>

--- a/Report_docs/2022HT80170_ppt.pptx
+++ b/Report_docs/2022HT80170_ppt.pptx
@@ -8,14 +8,15 @@
     <p:sldId id="256" r:id="rId2"/>
     <p:sldId id="257" r:id="rId3"/>
     <p:sldId id="258" r:id="rId4"/>
-    <p:sldId id="259" r:id="rId5"/>
-    <p:sldId id="260" r:id="rId6"/>
-    <p:sldId id="266" r:id="rId7"/>
-    <p:sldId id="261" r:id="rId8"/>
-    <p:sldId id="262" r:id="rId9"/>
-    <p:sldId id="264" r:id="rId10"/>
-    <p:sldId id="263" r:id="rId11"/>
-    <p:sldId id="265" r:id="rId12"/>
+    <p:sldId id="267" r:id="rId5"/>
+    <p:sldId id="259" r:id="rId6"/>
+    <p:sldId id="260" r:id="rId7"/>
+    <p:sldId id="266" r:id="rId8"/>
+    <p:sldId id="261" r:id="rId9"/>
+    <p:sldId id="262" r:id="rId10"/>
+    <p:sldId id="264" r:id="rId11"/>
+    <p:sldId id="263" r:id="rId12"/>
+    <p:sldId id="265" r:id="rId13"/>
   </p:sldIdLst>
   <p:sldSz cx="12192000" cy="6858000"/>
   <p:notesSz cx="6858000" cy="9144000"/>
@@ -293,7 +294,7 @@
           <a:p>
             <a:fld id="{D0A6EFE7-49CF-41CD-8532-F915F2717F0A}" type="datetimeFigureOut">
               <a:rPr lang="en-US" smtClean="0"/>
-              <a:t>4/29/2024</a:t>
+              <a:t>5/4/2024</a:t>
             </a:fld>
             <a:endParaRPr lang="en-US"/>
           </a:p>
@@ -608,7 +609,7 @@
           <a:p>
             <a:fld id="{D0A6EFE7-49CF-41CD-8532-F915F2717F0A}" type="datetimeFigureOut">
               <a:rPr lang="en-US" smtClean="0"/>
-              <a:t>4/29/2024</a:t>
+              <a:t>5/4/2024</a:t>
             </a:fld>
             <a:endParaRPr lang="en-US"/>
           </a:p>
@@ -830,7 +831,7 @@
           <a:p>
             <a:fld id="{D0A6EFE7-49CF-41CD-8532-F915F2717F0A}" type="datetimeFigureOut">
               <a:rPr lang="en-US" smtClean="0"/>
-              <a:t>4/29/2024</a:t>
+              <a:t>5/4/2024</a:t>
             </a:fld>
             <a:endParaRPr lang="en-US"/>
           </a:p>
@@ -1121,7 +1122,7 @@
           <a:p>
             <a:fld id="{D0A6EFE7-49CF-41CD-8532-F915F2717F0A}" type="datetimeFigureOut">
               <a:rPr lang="en-US" smtClean="0"/>
-              <a:t>4/29/2024</a:t>
+              <a:t>5/4/2024</a:t>
             </a:fld>
             <a:endParaRPr lang="en-US"/>
           </a:p>
@@ -1575,7 +1576,7 @@
           <a:p>
             <a:fld id="{D0A6EFE7-49CF-41CD-8532-F915F2717F0A}" type="datetimeFigureOut">
               <a:rPr lang="en-US" smtClean="0"/>
-              <a:t>4/29/2024</a:t>
+              <a:t>5/4/2024</a:t>
             </a:fld>
             <a:endParaRPr lang="en-US"/>
           </a:p>
@@ -2151,7 +2152,7 @@
           <a:p>
             <a:fld id="{D0A6EFE7-49CF-41CD-8532-F915F2717F0A}" type="datetimeFigureOut">
               <a:rPr lang="en-US" smtClean="0"/>
-              <a:t>4/29/2024</a:t>
+              <a:t>5/4/2024</a:t>
             </a:fld>
             <a:endParaRPr lang="en-US"/>
           </a:p>
@@ -3012,7 +3013,7 @@
           <a:p>
             <a:fld id="{D0A6EFE7-49CF-41CD-8532-F915F2717F0A}" type="datetimeFigureOut">
               <a:rPr lang="en-US" smtClean="0"/>
-              <a:t>4/29/2024</a:t>
+              <a:t>5/4/2024</a:t>
             </a:fld>
             <a:endParaRPr lang="en-US"/>
           </a:p>
@@ -3217,7 +3218,7 @@
           <a:p>
             <a:fld id="{D0A6EFE7-49CF-41CD-8532-F915F2717F0A}" type="datetimeFigureOut">
               <a:rPr lang="en-US" smtClean="0"/>
-              <a:t>4/29/2024</a:t>
+              <a:t>5/4/2024</a:t>
             </a:fld>
             <a:endParaRPr lang="en-US"/>
           </a:p>
@@ -3431,7 +3432,7 @@
           <a:p>
             <a:fld id="{D0A6EFE7-49CF-41CD-8532-F915F2717F0A}" type="datetimeFigureOut">
               <a:rPr lang="en-US" smtClean="0"/>
-              <a:t>4/29/2024</a:t>
+              <a:t>5/4/2024</a:t>
             </a:fld>
             <a:endParaRPr lang="en-US"/>
           </a:p>
@@ -3607,7 +3608,7 @@
           <a:p>
             <a:fld id="{D0A6EFE7-49CF-41CD-8532-F915F2717F0A}" type="datetimeFigureOut">
               <a:rPr lang="en-US" smtClean="0"/>
-              <a:t>4/29/2024</a:t>
+              <a:t>5/4/2024</a:t>
             </a:fld>
             <a:endParaRPr lang="en-US"/>
           </a:p>
@@ -3812,7 +3813,7 @@
           <a:p>
             <a:fld id="{D0A6EFE7-49CF-41CD-8532-F915F2717F0A}" type="datetimeFigureOut">
               <a:rPr lang="en-US" smtClean="0"/>
-              <a:t>4/29/2024</a:t>
+              <a:t>5/4/2024</a:t>
             </a:fld>
             <a:endParaRPr lang="en-US"/>
           </a:p>
@@ -4092,7 +4093,7 @@
           <a:p>
             <a:fld id="{D0A6EFE7-49CF-41CD-8532-F915F2717F0A}" type="datetimeFigureOut">
               <a:rPr lang="en-US" smtClean="0"/>
-              <a:t>4/29/2024</a:t>
+              <a:t>5/4/2024</a:t>
             </a:fld>
             <a:endParaRPr lang="en-US"/>
           </a:p>
@@ -4359,7 +4360,7 @@
           <a:p>
             <a:fld id="{D0A6EFE7-49CF-41CD-8532-F915F2717F0A}" type="datetimeFigureOut">
               <a:rPr lang="en-US" smtClean="0"/>
-              <a:t>4/29/2024</a:t>
+              <a:t>5/4/2024</a:t>
             </a:fld>
             <a:endParaRPr lang="en-US"/>
           </a:p>
@@ -4774,7 +4775,7 @@
           <a:p>
             <a:fld id="{D0A6EFE7-49CF-41CD-8532-F915F2717F0A}" type="datetimeFigureOut">
               <a:rPr lang="en-US" smtClean="0"/>
-              <a:t>4/29/2024</a:t>
+              <a:t>5/4/2024</a:t>
             </a:fld>
             <a:endParaRPr lang="en-US"/>
           </a:p>
@@ -4922,7 +4923,7 @@
           <a:p>
             <a:fld id="{D0A6EFE7-49CF-41CD-8532-F915F2717F0A}" type="datetimeFigureOut">
               <a:rPr lang="en-US" smtClean="0"/>
-              <a:t>4/29/2024</a:t>
+              <a:t>5/4/2024</a:t>
             </a:fld>
             <a:endParaRPr lang="en-US"/>
           </a:p>
@@ -5047,7 +5048,7 @@
           <a:p>
             <a:fld id="{D0A6EFE7-49CF-41CD-8532-F915F2717F0A}" type="datetimeFigureOut">
               <a:rPr lang="en-US" smtClean="0"/>
-              <a:t>4/29/2024</a:t>
+              <a:t>5/4/2024</a:t>
             </a:fld>
             <a:endParaRPr lang="en-US"/>
           </a:p>
@@ -5326,7 +5327,7 @@
           <a:p>
             <a:fld id="{D0A6EFE7-49CF-41CD-8532-F915F2717F0A}" type="datetimeFigureOut">
               <a:rPr lang="en-US" smtClean="0"/>
-              <a:t>4/29/2024</a:t>
+              <a:t>5/4/2024</a:t>
             </a:fld>
             <a:endParaRPr lang="en-US"/>
           </a:p>
@@ -5641,7 +5642,7 @@
           <a:p>
             <a:fld id="{D0A6EFE7-49CF-41CD-8532-F915F2717F0A}" type="datetimeFigureOut">
               <a:rPr lang="en-US" smtClean="0"/>
-              <a:t>4/29/2024</a:t>
+              <a:t>5/4/2024</a:t>
             </a:fld>
             <a:endParaRPr lang="en-US"/>
           </a:p>
@@ -5894,7 +5895,7 @@
           <a:p>
             <a:fld id="{D0A6EFE7-49CF-41CD-8532-F915F2717F0A}" type="datetimeFigureOut">
               <a:rPr lang="en-US" smtClean="0"/>
-              <a:t>4/29/2024</a:t>
+              <a:t>5/4/2024</a:t>
             </a:fld>
             <a:endParaRPr lang="en-US"/>
           </a:p>
@@ -6506,6 +6507,108 @@
 </file>
 
 <file path=ppt/slides/slide10.xml><?xml version="1.0" encoding="utf-8"?>
+<p:sld xmlns:a="http://schemas.openxmlformats.org/drawingml/2006/main" xmlns:r="http://schemas.openxmlformats.org/officeDocument/2006/relationships" xmlns:p="http://schemas.openxmlformats.org/presentationml/2006/main">
+  <p:cSld>
+    <p:spTree>
+      <p:nvGrpSpPr>
+        <p:cNvPr id="1" name=""/>
+        <p:cNvGrpSpPr/>
+        <p:nvPr/>
+      </p:nvGrpSpPr>
+      <p:grpSpPr>
+        <a:xfrm>
+          <a:off x="0" y="0"/>
+          <a:ext cx="0" cy="0"/>
+          <a:chOff x="0" y="0"/>
+          <a:chExt cx="0" cy="0"/>
+        </a:xfrm>
+      </p:grpSpPr>
+      <p:pic>
+        <p:nvPicPr>
+          <p:cNvPr id="7" name="Picture 6" descr="A diagram of a program code&#10;&#10;Description automatically generated">
+            <a:extLst>
+              <a:ext uri="{FF2B5EF4-FFF2-40B4-BE49-F238E27FC236}">
+                <a16:creationId xmlns:a16="http://schemas.microsoft.com/office/drawing/2014/main" id="{06AD8EE0-1443-BADA-9BC3-2A6297381861}"/>
+              </a:ext>
+            </a:extLst>
+          </p:cNvPr>
+          <p:cNvPicPr>
+            <a:picLocks noChangeAspect="1"/>
+          </p:cNvPicPr>
+          <p:nvPr/>
+        </p:nvPicPr>
+        <p:blipFill>
+          <a:blip r:embed="rId2">
+            <a:extLst>
+              <a:ext uri="{28A0092B-C50C-407E-A947-70E740481C1C}">
+                <a14:useLocalDpi xmlns:a14="http://schemas.microsoft.com/office/drawing/2010/main" val="0"/>
+              </a:ext>
+            </a:extLst>
+          </a:blip>
+          <a:stretch>
+            <a:fillRect/>
+          </a:stretch>
+        </p:blipFill>
+        <p:spPr>
+          <a:xfrm>
+            <a:off x="1756219" y="85725"/>
+            <a:ext cx="9648825" cy="6686550"/>
+          </a:xfrm>
+          <a:prstGeom prst="rect">
+            <a:avLst/>
+          </a:prstGeom>
+        </p:spPr>
+      </p:pic>
+      <p:sp>
+        <p:nvSpPr>
+          <p:cNvPr id="2" name="TextBox 1">
+            <a:extLst>
+              <a:ext uri="{FF2B5EF4-FFF2-40B4-BE49-F238E27FC236}">
+                <a16:creationId xmlns:a16="http://schemas.microsoft.com/office/drawing/2014/main" id="{5D17BD8D-124A-99BC-7BF5-6208BCE02F3F}"/>
+              </a:ext>
+            </a:extLst>
+          </p:cNvPr>
+          <p:cNvSpPr txBox="1"/>
+          <p:nvPr/>
+        </p:nvSpPr>
+        <p:spPr>
+          <a:xfrm rot="16200000">
+            <a:off x="-2221992" y="3234118"/>
+            <a:ext cx="6253966" cy="646331"/>
+          </a:xfrm>
+          <a:prstGeom prst="rect">
+            <a:avLst/>
+          </a:prstGeom>
+          <a:noFill/>
+        </p:spPr>
+        <p:txBody>
+          <a:bodyPr wrap="square" rtlCol="0">
+            <a:spAutoFit/>
+          </a:bodyPr>
+          <a:lstStyle/>
+          <a:p>
+            <a:pPr algn="ctr"/>
+            <a:r>
+              <a:rPr lang="en-US" sz="3600" dirty="0"/>
+              <a:t>CODEFLOW CHART</a:t>
+            </a:r>
+          </a:p>
+        </p:txBody>
+      </p:sp>
+    </p:spTree>
+    <p:extLst>
+      <p:ext uri="{BB962C8B-B14F-4D97-AF65-F5344CB8AC3E}">
+        <p14:creationId xmlns:p14="http://schemas.microsoft.com/office/powerpoint/2010/main" val="3420382223"/>
+      </p:ext>
+    </p:extLst>
+  </p:cSld>
+  <p:clrMapOvr>
+    <a:masterClrMapping/>
+  </p:clrMapOvr>
+</p:sld>
+</file>
+
+<file path=ppt/slides/slide11.xml><?xml version="1.0" encoding="utf-8"?>
 <p:sld xmlns:a="http://schemas.openxmlformats.org/drawingml/2006/main" xmlns:r="http://schemas.openxmlformats.org/officeDocument/2006/relationships" xmlns:p="http://schemas.openxmlformats.org/presentationml/2006/main">
   <p:cSld>
     <p:spTree>
@@ -10678,7 +10781,7 @@
 </p:sld>
 </file>
 
-<file path=ppt/slides/slide11.xml><?xml version="1.0" encoding="utf-8"?>
+<file path=ppt/slides/slide12.xml><?xml version="1.0" encoding="utf-8"?>
 <p:sld xmlns:a="http://schemas.openxmlformats.org/drawingml/2006/main" xmlns:r="http://schemas.openxmlformats.org/officeDocument/2006/relationships" xmlns:p="http://schemas.openxmlformats.org/presentationml/2006/main">
   <p:cSld>
     <p:spTree>
@@ -11349,6 +11452,99 @@
 </file>
 
 <file path=ppt/slides/slide4.xml><?xml version="1.0" encoding="utf-8"?>
+<p:sld xmlns:a="http://schemas.openxmlformats.org/drawingml/2006/main" xmlns:r="http://schemas.openxmlformats.org/officeDocument/2006/relationships" xmlns:p="http://schemas.openxmlformats.org/presentationml/2006/main">
+  <p:cSld>
+    <p:spTree>
+      <p:nvGrpSpPr>
+        <p:cNvPr id="1" name=""/>
+        <p:cNvGrpSpPr/>
+        <p:nvPr/>
+      </p:nvGrpSpPr>
+      <p:grpSpPr>
+        <a:xfrm>
+          <a:off x="0" y="0"/>
+          <a:ext cx="0" cy="0"/>
+          <a:chOff x="0" y="0"/>
+          <a:chExt cx="0" cy="0"/>
+        </a:xfrm>
+      </p:grpSpPr>
+      <p:sp>
+        <p:nvSpPr>
+          <p:cNvPr id="2" name="Title 1">
+            <a:extLst>
+              <a:ext uri="{FF2B5EF4-FFF2-40B4-BE49-F238E27FC236}">
+                <a16:creationId xmlns:a16="http://schemas.microsoft.com/office/drawing/2014/main" id="{D047D09A-55B7-1B61-D4F9-6460F4809BCD}"/>
+              </a:ext>
+            </a:extLst>
+          </p:cNvPr>
+          <p:cNvSpPr>
+            <a:spLocks noGrp="1"/>
+          </p:cNvSpPr>
+          <p:nvPr>
+            <p:ph type="title"/>
+          </p:nvPr>
+        </p:nvSpPr>
+        <p:spPr>
+          <a:xfrm>
+            <a:off x="0" y="0"/>
+            <a:ext cx="10364451" cy="1596177"/>
+          </a:xfrm>
+        </p:spPr>
+        <p:txBody>
+          <a:bodyPr/>
+          <a:lstStyle/>
+          <a:p>
+            <a:pPr algn="l"/>
+            <a:r>
+              <a:rPr lang="en-US" dirty="0"/>
+              <a:t>Use case of the IP</a:t>
+            </a:r>
+          </a:p>
+        </p:txBody>
+      </p:sp>
+      <p:pic>
+        <p:nvPicPr>
+          <p:cNvPr id="13" name="Picture 12">
+            <a:extLst>
+              <a:ext uri="{FF2B5EF4-FFF2-40B4-BE49-F238E27FC236}">
+                <a16:creationId xmlns:a16="http://schemas.microsoft.com/office/drawing/2014/main" id="{EE9C710E-AB3D-1C93-AD28-B9BCF592FA67}"/>
+              </a:ext>
+            </a:extLst>
+          </p:cNvPr>
+          <p:cNvPicPr>
+            <a:picLocks noChangeAspect="1"/>
+          </p:cNvPicPr>
+          <p:nvPr/>
+        </p:nvPicPr>
+        <p:blipFill rotWithShape="1">
+          <a:blip r:embed="rId2"/>
+          <a:srcRect l="11026" t="7983" r="3064" b="31254"/>
+          <a:stretch/>
+        </p:blipFill>
+        <p:spPr>
+          <a:xfrm>
+            <a:off x="671539" y="1306286"/>
+            <a:ext cx="10848922" cy="4702628"/>
+          </a:xfrm>
+          <a:prstGeom prst="rect">
+            <a:avLst/>
+          </a:prstGeom>
+        </p:spPr>
+      </p:pic>
+    </p:spTree>
+    <p:extLst>
+      <p:ext uri="{BB962C8B-B14F-4D97-AF65-F5344CB8AC3E}">
+        <p14:creationId xmlns:p14="http://schemas.microsoft.com/office/powerpoint/2010/main" val="1374562696"/>
+      </p:ext>
+    </p:extLst>
+  </p:cSld>
+  <p:clrMapOvr>
+    <a:masterClrMapping/>
+  </p:clrMapOvr>
+</p:sld>
+</file>
+
+<file path=ppt/slides/slide5.xml><?xml version="1.0" encoding="utf-8"?>
 <p:sld xmlns:a="http://schemas.openxmlformats.org/drawingml/2006/main" xmlns:r="http://schemas.openxmlformats.org/officeDocument/2006/relationships" xmlns:p="http://schemas.openxmlformats.org/presentationml/2006/main">
   <p:cSld>
     <p:spTree>
@@ -13023,7 +13219,7 @@
 </p:sld>
 </file>
 
-<file path=ppt/slides/slide5.xml><?xml version="1.0" encoding="utf-8"?>
+<file path=ppt/slides/slide6.xml><?xml version="1.0" encoding="utf-8"?>
 <p:sld xmlns:a="http://schemas.openxmlformats.org/drawingml/2006/main" xmlns:r="http://schemas.openxmlformats.org/officeDocument/2006/relationships" xmlns:p="http://schemas.openxmlformats.org/presentationml/2006/main">
   <p:cSld>
     <p:spTree>
@@ -13095,72 +13291,12 @@
         </p:blipFill>
         <p:spPr>
           <a:xfrm>
-            <a:off x="3051109" y="1369265"/>
-            <a:ext cx="8984193" cy="5488735"/>
+            <a:off x="987553" y="950977"/>
+            <a:ext cx="10076687" cy="5907024"/>
           </a:xfrm>
           <a:prstGeom prst="rect">
             <a:avLst/>
           </a:prstGeom>
-        </p:spPr>
-      </p:pic>
-      <p:pic>
-        <p:nvPicPr>
-          <p:cNvPr id="1026" name="Picture 2" descr="A diagram of a computer hardware system&#10;&#10;Description automatically generated">
-            <a:extLst>
-              <a:ext uri="{FF2B5EF4-FFF2-40B4-BE49-F238E27FC236}">
-                <a16:creationId xmlns:a16="http://schemas.microsoft.com/office/drawing/2014/main" id="{3FACD844-AE39-A95B-7479-A5F88CD01BC7}"/>
-              </a:ext>
-            </a:extLst>
-          </p:cNvPr>
-          <p:cNvPicPr>
-            <a:picLocks noChangeAspect="1" noChangeArrowheads="1"/>
-          </p:cNvPicPr>
-          <p:nvPr/>
-        </p:nvPicPr>
-        <p:blipFill>
-          <a:blip r:embed="rId3">
-            <a:extLst>
-              <a:ext uri="{28A0092B-C50C-407E-A947-70E740481C1C}">
-                <a14:useLocalDpi xmlns:a14="http://schemas.microsoft.com/office/drawing/2010/main" val="0"/>
-              </a:ext>
-            </a:extLst>
-          </a:blip>
-          <a:srcRect/>
-          <a:stretch>
-            <a:fillRect/>
-          </a:stretch>
-        </p:blipFill>
-        <p:spPr bwMode="auto">
-          <a:xfrm>
-            <a:off x="3175" y="3175"/>
-            <a:ext cx="6337300" cy="5137150"/>
-          </a:xfrm>
-          <a:prstGeom prst="rect">
-            <a:avLst/>
-          </a:prstGeom>
-          <a:noFill/>
-          <a:ln>
-            <a:noFill/>
-          </a:ln>
-          <a:extLst>
-            <a:ext uri="{909E8E84-426E-40DD-AFC4-6F175D3DCCD1}">
-              <a14:hiddenFill xmlns:a14="http://schemas.microsoft.com/office/drawing/2010/main">
-                <a:solidFill>
-                  <a:srgbClr val="FFFFFF"/>
-                </a:solidFill>
-              </a14:hiddenFill>
-            </a:ext>
-            <a:ext uri="{91240B29-F687-4F45-9708-019B960494DF}">
-              <a14:hiddenLine xmlns:a14="http://schemas.microsoft.com/office/drawing/2010/main" w="9525">
-                <a:solidFill>
-                  <a:srgbClr val="000000"/>
-                </a:solidFill>
-                <a:miter lim="800000"/>
-                <a:headEnd/>
-                <a:tailEnd/>
-              </a14:hiddenLine>
-            </a:ext>
-          </a:extLst>
         </p:spPr>
       </p:pic>
     </p:spTree>
@@ -13176,7 +13312,7 @@
 </p:sld>
 </file>
 
-<file path=ppt/slides/slide6.xml><?xml version="1.0" encoding="utf-8"?>
+<file path=ppt/slides/slide7.xml><?xml version="1.0" encoding="utf-8"?>
 <p:sld xmlns:a="http://schemas.openxmlformats.org/drawingml/2006/main" xmlns:r="http://schemas.openxmlformats.org/officeDocument/2006/relationships" xmlns:p="http://schemas.openxmlformats.org/presentationml/2006/main">
   <p:cSld>
     <p:spTree>
@@ -13747,7 +13883,7 @@
 </p:sld>
 </file>
 
-<file path=ppt/slides/slide7.xml><?xml version="1.0" encoding="utf-8"?>
+<file path=ppt/slides/slide8.xml><?xml version="1.0" encoding="utf-8"?>
 <p:sld xmlns:a="http://schemas.openxmlformats.org/drawingml/2006/main" xmlns:r="http://schemas.openxmlformats.org/officeDocument/2006/relationships" xmlns:p="http://schemas.openxmlformats.org/presentationml/2006/main">
   <p:cSld>
     <p:spTree>
@@ -14045,7 +14181,7 @@
 </p:sld>
 </file>
 
-<file path=ppt/slides/slide8.xml><?xml version="1.0" encoding="utf-8"?>
+<file path=ppt/slides/slide9.xml><?xml version="1.0" encoding="utf-8"?>
 <p:sld xmlns:a="http://schemas.openxmlformats.org/drawingml/2006/main" xmlns:r="http://schemas.openxmlformats.org/officeDocument/2006/relationships" xmlns:p="http://schemas.openxmlformats.org/presentationml/2006/main">
   <p:cSld>
     <p:spTree>
@@ -14127,66 +14263,6 @@
           <a:xfrm>
             <a:off x="0" y="2505366"/>
             <a:ext cx="5978784" cy="4352633"/>
-          </a:xfrm>
-          <a:prstGeom prst="rect">
-            <a:avLst/>
-          </a:prstGeom>
-          <a:noFill/>
-          <a:ln>
-            <a:noFill/>
-          </a:ln>
-          <a:extLst>
-            <a:ext uri="{909E8E84-426E-40DD-AFC4-6F175D3DCCD1}">
-              <a14:hiddenFill xmlns:a14="http://schemas.microsoft.com/office/drawing/2010/main">
-                <a:solidFill>
-                  <a:srgbClr val="FFFFFF"/>
-                </a:solidFill>
-              </a14:hiddenFill>
-            </a:ext>
-            <a:ext uri="{91240B29-F687-4F45-9708-019B960494DF}">
-              <a14:hiddenLine xmlns:a14="http://schemas.microsoft.com/office/drawing/2010/main" w="9525">
-                <a:solidFill>
-                  <a:srgbClr val="000000"/>
-                </a:solidFill>
-                <a:miter lim="800000"/>
-                <a:headEnd/>
-                <a:tailEnd/>
-              </a14:hiddenLine>
-            </a:ext>
-          </a:extLst>
-        </p:spPr>
-      </p:pic>
-      <p:pic>
-        <p:nvPicPr>
-          <p:cNvPr id="3075" name="Picture 3" descr="A circuit board with wires and a box&#10;&#10;Description automatically generated">
-            <a:extLst>
-              <a:ext uri="{FF2B5EF4-FFF2-40B4-BE49-F238E27FC236}">
-                <a16:creationId xmlns:a16="http://schemas.microsoft.com/office/drawing/2014/main" id="{3CCED034-0DCA-FB28-AD57-9CE6E39320AD}"/>
-              </a:ext>
-            </a:extLst>
-          </p:cNvPr>
-          <p:cNvPicPr>
-            <a:picLocks noChangeAspect="1" noChangeArrowheads="1"/>
-          </p:cNvPicPr>
-          <p:nvPr/>
-        </p:nvPicPr>
-        <p:blipFill>
-          <a:blip r:embed="rId3">
-            <a:extLst>
-              <a:ext uri="{28A0092B-C50C-407E-A947-70E740481C1C}">
-                <a14:useLocalDpi xmlns:a14="http://schemas.microsoft.com/office/drawing/2010/main" val="0"/>
-              </a:ext>
-            </a:extLst>
-          </a:blip>
-          <a:srcRect l="21211" t="7875" r="9546" b="13380"/>
-          <a:stretch>
-            <a:fillRect/>
-          </a:stretch>
-        </p:blipFill>
-        <p:spPr bwMode="auto">
-          <a:xfrm>
-            <a:off x="5978784" y="2503210"/>
-            <a:ext cx="6213216" cy="4357089"/>
           </a:xfrm>
           <a:prstGeom prst="rect">
             <a:avLst/>
@@ -14267,7 +14343,7 @@
             <a:pPr algn="l"/>
             <a:r>
               <a:rPr lang="en-US" sz="2400" dirty="0"/>
-              <a:t>Qualcomm Live board</a:t>
+              <a:t>Live board</a:t>
             </a:r>
             <a:endParaRPr lang="en-US" dirty="0"/>
           </a:p>
@@ -14330,42 +14406,12 @@
           </a:p>
         </p:txBody>
       </p:sp>
-    </p:spTree>
-    <p:extLst>
-      <p:ext uri="{BB962C8B-B14F-4D97-AF65-F5344CB8AC3E}">
-        <p14:creationId xmlns:p14="http://schemas.microsoft.com/office/powerpoint/2010/main" val="3890808902"/>
-      </p:ext>
-    </p:extLst>
-  </p:cSld>
-  <p:clrMapOvr>
-    <a:masterClrMapping/>
-  </p:clrMapOvr>
-</p:sld>
-</file>
-
-<file path=ppt/slides/slide9.xml><?xml version="1.0" encoding="utf-8"?>
-<p:sld xmlns:a="http://schemas.openxmlformats.org/drawingml/2006/main" xmlns:r="http://schemas.openxmlformats.org/officeDocument/2006/relationships" xmlns:p="http://schemas.openxmlformats.org/presentationml/2006/main">
-  <p:cSld>
-    <p:spTree>
-      <p:nvGrpSpPr>
-        <p:cNvPr id="1" name=""/>
-        <p:cNvGrpSpPr/>
-        <p:nvPr/>
-      </p:nvGrpSpPr>
-      <p:grpSpPr>
-        <a:xfrm>
-          <a:off x="0" y="0"/>
-          <a:ext cx="0" cy="0"/>
-          <a:chOff x="0" y="0"/>
-          <a:chExt cx="0" cy="0"/>
-        </a:xfrm>
-      </p:grpSpPr>
       <p:pic>
         <p:nvPicPr>
-          <p:cNvPr id="7" name="Picture 6" descr="A diagram of a program code&#10;&#10;Description automatically generated">
+          <p:cNvPr id="6" name="Picture 5" descr="A circuit board with wires&#10;&#10;Description automatically generated">
             <a:extLst>
               <a:ext uri="{FF2B5EF4-FFF2-40B4-BE49-F238E27FC236}">
-                <a16:creationId xmlns:a16="http://schemas.microsoft.com/office/drawing/2014/main" id="{06AD8EE0-1443-BADA-9BC3-2A6297381861}"/>
+                <a16:creationId xmlns:a16="http://schemas.microsoft.com/office/drawing/2014/main" id="{D218D7C3-28AA-3CB4-6C52-5D3BC9DE6287}"/>
               </a:ext>
             </a:extLst>
           </p:cNvPr>
@@ -14374,68 +14420,31 @@
           </p:cNvPicPr>
           <p:nvPr/>
         </p:nvPicPr>
-        <p:blipFill>
-          <a:blip r:embed="rId2">
+        <p:blipFill rotWithShape="1">
+          <a:blip r:embed="rId3">
             <a:extLst>
               <a:ext uri="{28A0092B-C50C-407E-A947-70E740481C1C}">
                 <a14:useLocalDpi xmlns:a14="http://schemas.microsoft.com/office/drawing/2010/main" val="0"/>
               </a:ext>
             </a:extLst>
           </a:blip>
-          <a:stretch>
-            <a:fillRect/>
-          </a:stretch>
+          <a:srcRect b="6732"/>
+          <a:stretch/>
         </p:blipFill>
         <p:spPr>
           <a:xfrm>
-            <a:off x="1756219" y="85725"/>
-            <a:ext cx="9648825" cy="6686550"/>
+            <a:off x="5978784" y="2511045"/>
+            <a:ext cx="6213216" cy="4346956"/>
           </a:xfrm>
           <a:prstGeom prst="rect">
             <a:avLst/>
           </a:prstGeom>
         </p:spPr>
       </p:pic>
-      <p:sp>
-        <p:nvSpPr>
-          <p:cNvPr id="2" name="TextBox 1">
-            <a:extLst>
-              <a:ext uri="{FF2B5EF4-FFF2-40B4-BE49-F238E27FC236}">
-                <a16:creationId xmlns:a16="http://schemas.microsoft.com/office/drawing/2014/main" id="{5D17BD8D-124A-99BC-7BF5-6208BCE02F3F}"/>
-              </a:ext>
-            </a:extLst>
-          </p:cNvPr>
-          <p:cNvSpPr txBox="1"/>
-          <p:nvPr/>
-        </p:nvSpPr>
-        <p:spPr>
-          <a:xfrm rot="16200000">
-            <a:off x="-2221992" y="3234118"/>
-            <a:ext cx="6253966" cy="646331"/>
-          </a:xfrm>
-          <a:prstGeom prst="rect">
-            <a:avLst/>
-          </a:prstGeom>
-          <a:noFill/>
-        </p:spPr>
-        <p:txBody>
-          <a:bodyPr wrap="square" rtlCol="0">
-            <a:spAutoFit/>
-          </a:bodyPr>
-          <a:lstStyle/>
-          <a:p>
-            <a:pPr algn="ctr"/>
-            <a:r>
-              <a:rPr lang="en-US" sz="3600" dirty="0"/>
-              <a:t>CODEFLOW CHART</a:t>
-            </a:r>
-          </a:p>
-        </p:txBody>
-      </p:sp>
     </p:spTree>
     <p:extLst>
       <p:ext uri="{BB962C8B-B14F-4D97-AF65-F5344CB8AC3E}">
-        <p14:creationId xmlns:p14="http://schemas.microsoft.com/office/powerpoint/2010/main" val="3420382223"/>
+        <p14:creationId xmlns:p14="http://schemas.microsoft.com/office/powerpoint/2010/main" val="3890808902"/>
       </p:ext>
     </p:extLst>
   </p:cSld>

--- a/Report_docs/2022HT80170_ppt.pptx
+++ b/Report_docs/2022HT80170_ppt.pptx
@@ -294,7 +294,7 @@
           <a:p>
             <a:fld id="{D0A6EFE7-49CF-41CD-8532-F915F2717F0A}" type="datetimeFigureOut">
               <a:rPr lang="en-US" smtClean="0"/>
-              <a:t>5/4/2024</a:t>
+              <a:t>5/16/2024</a:t>
             </a:fld>
             <a:endParaRPr lang="en-US"/>
           </a:p>
@@ -609,7 +609,7 @@
           <a:p>
             <a:fld id="{D0A6EFE7-49CF-41CD-8532-F915F2717F0A}" type="datetimeFigureOut">
               <a:rPr lang="en-US" smtClean="0"/>
-              <a:t>5/4/2024</a:t>
+              <a:t>5/16/2024</a:t>
             </a:fld>
             <a:endParaRPr lang="en-US"/>
           </a:p>
@@ -831,7 +831,7 @@
           <a:p>
             <a:fld id="{D0A6EFE7-49CF-41CD-8532-F915F2717F0A}" type="datetimeFigureOut">
               <a:rPr lang="en-US" smtClean="0"/>
-              <a:t>5/4/2024</a:t>
+              <a:t>5/16/2024</a:t>
             </a:fld>
             <a:endParaRPr lang="en-US"/>
           </a:p>
@@ -1122,7 +1122,7 @@
           <a:p>
             <a:fld id="{D0A6EFE7-49CF-41CD-8532-F915F2717F0A}" type="datetimeFigureOut">
               <a:rPr lang="en-US" smtClean="0"/>
-              <a:t>5/4/2024</a:t>
+              <a:t>5/16/2024</a:t>
             </a:fld>
             <a:endParaRPr lang="en-US"/>
           </a:p>
@@ -1576,7 +1576,7 @@
           <a:p>
             <a:fld id="{D0A6EFE7-49CF-41CD-8532-F915F2717F0A}" type="datetimeFigureOut">
               <a:rPr lang="en-US" smtClean="0"/>
-              <a:t>5/4/2024</a:t>
+              <a:t>5/16/2024</a:t>
             </a:fld>
             <a:endParaRPr lang="en-US"/>
           </a:p>
@@ -2152,7 +2152,7 @@
           <a:p>
             <a:fld id="{D0A6EFE7-49CF-41CD-8532-F915F2717F0A}" type="datetimeFigureOut">
               <a:rPr lang="en-US" smtClean="0"/>
-              <a:t>5/4/2024</a:t>
+              <a:t>5/16/2024</a:t>
             </a:fld>
             <a:endParaRPr lang="en-US"/>
           </a:p>
@@ -3013,7 +3013,7 @@
           <a:p>
             <a:fld id="{D0A6EFE7-49CF-41CD-8532-F915F2717F0A}" type="datetimeFigureOut">
               <a:rPr lang="en-US" smtClean="0"/>
-              <a:t>5/4/2024</a:t>
+              <a:t>5/16/2024</a:t>
             </a:fld>
             <a:endParaRPr lang="en-US"/>
           </a:p>
@@ -3218,7 +3218,7 @@
           <a:p>
             <a:fld id="{D0A6EFE7-49CF-41CD-8532-F915F2717F0A}" type="datetimeFigureOut">
               <a:rPr lang="en-US" smtClean="0"/>
-              <a:t>5/4/2024</a:t>
+              <a:t>5/16/2024</a:t>
             </a:fld>
             <a:endParaRPr lang="en-US"/>
           </a:p>
@@ -3432,7 +3432,7 @@
           <a:p>
             <a:fld id="{D0A6EFE7-49CF-41CD-8532-F915F2717F0A}" type="datetimeFigureOut">
               <a:rPr lang="en-US" smtClean="0"/>
-              <a:t>5/4/2024</a:t>
+              <a:t>5/16/2024</a:t>
             </a:fld>
             <a:endParaRPr lang="en-US"/>
           </a:p>
@@ -3608,7 +3608,7 @@
           <a:p>
             <a:fld id="{D0A6EFE7-49CF-41CD-8532-F915F2717F0A}" type="datetimeFigureOut">
               <a:rPr lang="en-US" smtClean="0"/>
-              <a:t>5/4/2024</a:t>
+              <a:t>5/16/2024</a:t>
             </a:fld>
             <a:endParaRPr lang="en-US"/>
           </a:p>
@@ -3813,7 +3813,7 @@
           <a:p>
             <a:fld id="{D0A6EFE7-49CF-41CD-8532-F915F2717F0A}" type="datetimeFigureOut">
               <a:rPr lang="en-US" smtClean="0"/>
-              <a:t>5/4/2024</a:t>
+              <a:t>5/16/2024</a:t>
             </a:fld>
             <a:endParaRPr lang="en-US"/>
           </a:p>
@@ -4093,7 +4093,7 @@
           <a:p>
             <a:fld id="{D0A6EFE7-49CF-41CD-8532-F915F2717F0A}" type="datetimeFigureOut">
               <a:rPr lang="en-US" smtClean="0"/>
-              <a:t>5/4/2024</a:t>
+              <a:t>5/16/2024</a:t>
             </a:fld>
             <a:endParaRPr lang="en-US"/>
           </a:p>
@@ -4360,7 +4360,7 @@
           <a:p>
             <a:fld id="{D0A6EFE7-49CF-41CD-8532-F915F2717F0A}" type="datetimeFigureOut">
               <a:rPr lang="en-US" smtClean="0"/>
-              <a:t>5/4/2024</a:t>
+              <a:t>5/16/2024</a:t>
             </a:fld>
             <a:endParaRPr lang="en-US"/>
           </a:p>
@@ -4775,7 +4775,7 @@
           <a:p>
             <a:fld id="{D0A6EFE7-49CF-41CD-8532-F915F2717F0A}" type="datetimeFigureOut">
               <a:rPr lang="en-US" smtClean="0"/>
-              <a:t>5/4/2024</a:t>
+              <a:t>5/16/2024</a:t>
             </a:fld>
             <a:endParaRPr lang="en-US"/>
           </a:p>
@@ -4923,7 +4923,7 @@
           <a:p>
             <a:fld id="{D0A6EFE7-49CF-41CD-8532-F915F2717F0A}" type="datetimeFigureOut">
               <a:rPr lang="en-US" smtClean="0"/>
-              <a:t>5/4/2024</a:t>
+              <a:t>5/16/2024</a:t>
             </a:fld>
             <a:endParaRPr lang="en-US"/>
           </a:p>
@@ -5048,7 +5048,7 @@
           <a:p>
             <a:fld id="{D0A6EFE7-49CF-41CD-8532-F915F2717F0A}" type="datetimeFigureOut">
               <a:rPr lang="en-US" smtClean="0"/>
-              <a:t>5/4/2024</a:t>
+              <a:t>5/16/2024</a:t>
             </a:fld>
             <a:endParaRPr lang="en-US"/>
           </a:p>
@@ -5327,7 +5327,7 @@
           <a:p>
             <a:fld id="{D0A6EFE7-49CF-41CD-8532-F915F2717F0A}" type="datetimeFigureOut">
               <a:rPr lang="en-US" smtClean="0"/>
-              <a:t>5/4/2024</a:t>
+              <a:t>5/16/2024</a:t>
             </a:fld>
             <a:endParaRPr lang="en-US"/>
           </a:p>
@@ -5642,7 +5642,7 @@
           <a:p>
             <a:fld id="{D0A6EFE7-49CF-41CD-8532-F915F2717F0A}" type="datetimeFigureOut">
               <a:rPr lang="en-US" smtClean="0"/>
-              <a:t>5/4/2024</a:t>
+              <a:t>5/16/2024</a:t>
             </a:fld>
             <a:endParaRPr lang="en-US"/>
           </a:p>
@@ -5895,7 +5895,7 @@
           <a:p>
             <a:fld id="{D0A6EFE7-49CF-41CD-8532-F915F2717F0A}" type="datetimeFigureOut">
               <a:rPr lang="en-US" smtClean="0"/>
-              <a:t>5/4/2024</a:t>
+              <a:t>5/16/2024</a:t>
             </a:fld>
             <a:endParaRPr lang="en-US"/>
           </a:p>
@@ -6551,8 +6551,8 @@
         </p:blipFill>
         <p:spPr>
           <a:xfrm>
-            <a:off x="1756219" y="85725"/>
-            <a:ext cx="9648825" cy="6686550"/>
+            <a:off x="1161344" y="0"/>
+            <a:ext cx="9896229" cy="6857999"/>
           </a:xfrm>
           <a:prstGeom prst="rect">
             <a:avLst/>
@@ -6573,7 +6573,7 @@
         </p:nvSpPr>
         <p:spPr>
           <a:xfrm rot="16200000">
-            <a:off x="-2221992" y="3234118"/>
+            <a:off x="-2542032" y="3234118"/>
             <a:ext cx="6253966" cy="646331"/>
           </a:xfrm>
           <a:prstGeom prst="rect">
@@ -11041,7 +11041,7 @@
                 <a:ea typeface="Calibri" panose="020F0502020204030204" pitchFamily="34" charset="0"/>
                 <a:cs typeface="Calibri" panose="020F0502020204030204" pitchFamily="34" charset="0"/>
               </a:rPr>
-              <a:t>In this scenario, to verify the Digital logic, it will be synthesized for FPGA platform where the gate logics are implemented as close as desired </a:t>
+              <a:t>to verify the Digital logic, SOC Design will be synthesized for FPGA platform where the gate logics are implemented as close as desired </a:t>
             </a:r>
             <a:r>
               <a:rPr lang="en-US" dirty="0" err="1">
@@ -11080,7 +11080,31 @@
                 <a:ea typeface="Calibri" panose="020F0502020204030204" pitchFamily="34" charset="0"/>
                 <a:cs typeface="Calibri" panose="020F0502020204030204" pitchFamily="34" charset="0"/>
               </a:rPr>
-              <a:t>The beauty of FPGA is that the execution of testcases will be faster as like silicon when compared to DV platform. The only constraint is it needs some modifications in RTL to meet the timings in the FPGA. But these modifications will not affect the functionality of the RTL in the Silicon. </a:t>
+              <a:t>The advantage of FPGA based </a:t>
+            </a:r>
+            <a:r>
+              <a:rPr lang="en-US">
+                <a:solidFill>
+                  <a:srgbClr val="000000"/>
+                </a:solidFill>
+                <a:effectLst/>
+                <a:latin typeface="Calibri" panose="020F0502020204030204" pitchFamily="34" charset="0"/>
+                <a:ea typeface="Calibri" panose="020F0502020204030204" pitchFamily="34" charset="0"/>
+                <a:cs typeface="Calibri" panose="020F0502020204030204" pitchFamily="34" charset="0"/>
+              </a:rPr>
+              <a:t>EMUlation </a:t>
+            </a:r>
+            <a:r>
+              <a:rPr lang="en-US" dirty="0">
+                <a:solidFill>
+                  <a:srgbClr val="000000"/>
+                </a:solidFill>
+                <a:effectLst/>
+                <a:latin typeface="Calibri" panose="020F0502020204030204" pitchFamily="34" charset="0"/>
+                <a:ea typeface="Calibri" panose="020F0502020204030204" pitchFamily="34" charset="0"/>
+                <a:cs typeface="Calibri" panose="020F0502020204030204" pitchFamily="34" charset="0"/>
+              </a:rPr>
+              <a:t>is, Execution of testcases will be faster as silicon when compared to DV platform. The only constraint is, it needs some modifications in RTL to meet the timings in the FPGA. these modifications will not affect the functionality of the RTL in the Silicon. </a:t>
             </a:r>
             <a:endParaRPr lang="en-US" dirty="0">
               <a:effectLst/>
@@ -13987,7 +14011,7 @@
             <a:pPr algn="l"/>
             <a:r>
               <a:rPr lang="en-US" sz="2400" dirty="0"/>
-              <a:t>Qualcomm Live board</a:t>
+              <a:t>Live board</a:t>
             </a:r>
             <a:endParaRPr lang="en-US" dirty="0"/>
           </a:p>
@@ -14261,8 +14285,8 @@
         </p:blipFill>
         <p:spPr bwMode="auto">
           <a:xfrm>
-            <a:off x="0" y="2505366"/>
-            <a:ext cx="5978784" cy="4352633"/>
+            <a:off x="-9144" y="2514510"/>
+            <a:ext cx="5987928" cy="4352633"/>
           </a:xfrm>
           <a:prstGeom prst="rect">
             <a:avLst/>

--- a/Report_docs/2022HT80170_ppt.pptx
+++ b/Report_docs/2022HT80170_ppt.pptx
@@ -13,10 +13,11 @@
     <p:sldId id="260" r:id="rId7"/>
     <p:sldId id="266" r:id="rId8"/>
     <p:sldId id="261" r:id="rId9"/>
-    <p:sldId id="262" r:id="rId10"/>
-    <p:sldId id="264" r:id="rId11"/>
-    <p:sldId id="263" r:id="rId12"/>
-    <p:sldId id="265" r:id="rId13"/>
+    <p:sldId id="268" r:id="rId10"/>
+    <p:sldId id="262" r:id="rId11"/>
+    <p:sldId id="264" r:id="rId12"/>
+    <p:sldId id="263" r:id="rId13"/>
+    <p:sldId id="265" r:id="rId14"/>
   </p:sldIdLst>
   <p:sldSz cx="12192000" cy="6858000"/>
   <p:notesSz cx="6858000" cy="9144000"/>
@@ -294,7 +295,7 @@
           <a:p>
             <a:fld id="{D0A6EFE7-49CF-41CD-8532-F915F2717F0A}" type="datetimeFigureOut">
               <a:rPr lang="en-US" smtClean="0"/>
-              <a:t>5/16/2024</a:t>
+              <a:t>5/17/2024</a:t>
             </a:fld>
             <a:endParaRPr lang="en-US"/>
           </a:p>
@@ -609,7 +610,7 @@
           <a:p>
             <a:fld id="{D0A6EFE7-49CF-41CD-8532-F915F2717F0A}" type="datetimeFigureOut">
               <a:rPr lang="en-US" smtClean="0"/>
-              <a:t>5/16/2024</a:t>
+              <a:t>5/17/2024</a:t>
             </a:fld>
             <a:endParaRPr lang="en-US"/>
           </a:p>
@@ -831,7 +832,7 @@
           <a:p>
             <a:fld id="{D0A6EFE7-49CF-41CD-8532-F915F2717F0A}" type="datetimeFigureOut">
               <a:rPr lang="en-US" smtClean="0"/>
-              <a:t>5/16/2024</a:t>
+              <a:t>5/17/2024</a:t>
             </a:fld>
             <a:endParaRPr lang="en-US"/>
           </a:p>
@@ -1122,7 +1123,7 @@
           <a:p>
             <a:fld id="{D0A6EFE7-49CF-41CD-8532-F915F2717F0A}" type="datetimeFigureOut">
               <a:rPr lang="en-US" smtClean="0"/>
-              <a:t>5/16/2024</a:t>
+              <a:t>5/17/2024</a:t>
             </a:fld>
             <a:endParaRPr lang="en-US"/>
           </a:p>
@@ -1576,7 +1577,7 @@
           <a:p>
             <a:fld id="{D0A6EFE7-49CF-41CD-8532-F915F2717F0A}" type="datetimeFigureOut">
               <a:rPr lang="en-US" smtClean="0"/>
-              <a:t>5/16/2024</a:t>
+              <a:t>5/17/2024</a:t>
             </a:fld>
             <a:endParaRPr lang="en-US"/>
           </a:p>
@@ -2152,7 +2153,7 @@
           <a:p>
             <a:fld id="{D0A6EFE7-49CF-41CD-8532-F915F2717F0A}" type="datetimeFigureOut">
               <a:rPr lang="en-US" smtClean="0"/>
-              <a:t>5/16/2024</a:t>
+              <a:t>5/17/2024</a:t>
             </a:fld>
             <a:endParaRPr lang="en-US"/>
           </a:p>
@@ -3013,7 +3014,7 @@
           <a:p>
             <a:fld id="{D0A6EFE7-49CF-41CD-8532-F915F2717F0A}" type="datetimeFigureOut">
               <a:rPr lang="en-US" smtClean="0"/>
-              <a:t>5/16/2024</a:t>
+              <a:t>5/17/2024</a:t>
             </a:fld>
             <a:endParaRPr lang="en-US"/>
           </a:p>
@@ -3218,7 +3219,7 @@
           <a:p>
             <a:fld id="{D0A6EFE7-49CF-41CD-8532-F915F2717F0A}" type="datetimeFigureOut">
               <a:rPr lang="en-US" smtClean="0"/>
-              <a:t>5/16/2024</a:t>
+              <a:t>5/17/2024</a:t>
             </a:fld>
             <a:endParaRPr lang="en-US"/>
           </a:p>
@@ -3432,7 +3433,7 @@
           <a:p>
             <a:fld id="{D0A6EFE7-49CF-41CD-8532-F915F2717F0A}" type="datetimeFigureOut">
               <a:rPr lang="en-US" smtClean="0"/>
-              <a:t>5/16/2024</a:t>
+              <a:t>5/17/2024</a:t>
             </a:fld>
             <a:endParaRPr lang="en-US"/>
           </a:p>
@@ -3608,7 +3609,7 @@
           <a:p>
             <a:fld id="{D0A6EFE7-49CF-41CD-8532-F915F2717F0A}" type="datetimeFigureOut">
               <a:rPr lang="en-US" smtClean="0"/>
-              <a:t>5/16/2024</a:t>
+              <a:t>5/17/2024</a:t>
             </a:fld>
             <a:endParaRPr lang="en-US"/>
           </a:p>
@@ -3813,7 +3814,7 @@
           <a:p>
             <a:fld id="{D0A6EFE7-49CF-41CD-8532-F915F2717F0A}" type="datetimeFigureOut">
               <a:rPr lang="en-US" smtClean="0"/>
-              <a:t>5/16/2024</a:t>
+              <a:t>5/17/2024</a:t>
             </a:fld>
             <a:endParaRPr lang="en-US"/>
           </a:p>
@@ -4093,7 +4094,7 @@
           <a:p>
             <a:fld id="{D0A6EFE7-49CF-41CD-8532-F915F2717F0A}" type="datetimeFigureOut">
               <a:rPr lang="en-US" smtClean="0"/>
-              <a:t>5/16/2024</a:t>
+              <a:t>5/17/2024</a:t>
             </a:fld>
             <a:endParaRPr lang="en-US"/>
           </a:p>
@@ -4360,7 +4361,7 @@
           <a:p>
             <a:fld id="{D0A6EFE7-49CF-41CD-8532-F915F2717F0A}" type="datetimeFigureOut">
               <a:rPr lang="en-US" smtClean="0"/>
-              <a:t>5/16/2024</a:t>
+              <a:t>5/17/2024</a:t>
             </a:fld>
             <a:endParaRPr lang="en-US"/>
           </a:p>
@@ -4775,7 +4776,7 @@
           <a:p>
             <a:fld id="{D0A6EFE7-49CF-41CD-8532-F915F2717F0A}" type="datetimeFigureOut">
               <a:rPr lang="en-US" smtClean="0"/>
-              <a:t>5/16/2024</a:t>
+              <a:t>5/17/2024</a:t>
             </a:fld>
             <a:endParaRPr lang="en-US"/>
           </a:p>
@@ -4923,7 +4924,7 @@
           <a:p>
             <a:fld id="{D0A6EFE7-49CF-41CD-8532-F915F2717F0A}" type="datetimeFigureOut">
               <a:rPr lang="en-US" smtClean="0"/>
-              <a:t>5/16/2024</a:t>
+              <a:t>5/17/2024</a:t>
             </a:fld>
             <a:endParaRPr lang="en-US"/>
           </a:p>
@@ -5048,7 +5049,7 @@
           <a:p>
             <a:fld id="{D0A6EFE7-49CF-41CD-8532-F915F2717F0A}" type="datetimeFigureOut">
               <a:rPr lang="en-US" smtClean="0"/>
-              <a:t>5/16/2024</a:t>
+              <a:t>5/17/2024</a:t>
             </a:fld>
             <a:endParaRPr lang="en-US"/>
           </a:p>
@@ -5327,7 +5328,7 @@
           <a:p>
             <a:fld id="{D0A6EFE7-49CF-41CD-8532-F915F2717F0A}" type="datetimeFigureOut">
               <a:rPr lang="en-US" smtClean="0"/>
-              <a:t>5/16/2024</a:t>
+              <a:t>5/17/2024</a:t>
             </a:fld>
             <a:endParaRPr lang="en-US"/>
           </a:p>
@@ -5642,7 +5643,7 @@
           <a:p>
             <a:fld id="{D0A6EFE7-49CF-41CD-8532-F915F2717F0A}" type="datetimeFigureOut">
               <a:rPr lang="en-US" smtClean="0"/>
-              <a:t>5/16/2024</a:t>
+              <a:t>5/17/2024</a:t>
             </a:fld>
             <a:endParaRPr lang="en-US"/>
           </a:p>
@@ -5895,7 +5896,7 @@
           <a:p>
             <a:fld id="{D0A6EFE7-49CF-41CD-8532-F915F2717F0A}" type="datetimeFigureOut">
               <a:rPr lang="en-US" smtClean="0"/>
-              <a:t>5/16/2024</a:t>
+              <a:t>5/17/2024</a:t>
             </a:fld>
             <a:endParaRPr lang="en-US"/>
           </a:p>
@@ -6523,6 +6524,279 @@
           <a:chExt cx="0" cy="0"/>
         </a:xfrm>
       </p:grpSpPr>
+      <p:sp>
+        <p:nvSpPr>
+          <p:cNvPr id="2" name="Title 1">
+            <a:extLst>
+              <a:ext uri="{FF2B5EF4-FFF2-40B4-BE49-F238E27FC236}">
+                <a16:creationId xmlns:a16="http://schemas.microsoft.com/office/drawing/2014/main" id="{93AE3B26-5C0A-121E-2AC9-78726E4AC7F5}"/>
+              </a:ext>
+            </a:extLst>
+          </p:cNvPr>
+          <p:cNvSpPr>
+            <a:spLocks noGrp="1"/>
+          </p:cNvSpPr>
+          <p:nvPr>
+            <p:ph type="title"/>
+          </p:nvPr>
+        </p:nvSpPr>
+        <p:spPr>
+          <a:xfrm>
+            <a:off x="0" y="0"/>
+            <a:ext cx="10364451" cy="1596177"/>
+          </a:xfrm>
+        </p:spPr>
+        <p:txBody>
+          <a:bodyPr/>
+          <a:lstStyle/>
+          <a:p>
+            <a:pPr algn="l"/>
+            <a:r>
+              <a:rPr lang="en-US" dirty="0"/>
+              <a:t>HARDWARE Setups:</a:t>
+            </a:r>
+          </a:p>
+        </p:txBody>
+      </p:sp>
+      <p:pic>
+        <p:nvPicPr>
+          <p:cNvPr id="3074" name="Picture 2" descr="A circuit board with wires and a fan&#10;&#10;Description automatically generated">
+            <a:extLst>
+              <a:ext uri="{FF2B5EF4-FFF2-40B4-BE49-F238E27FC236}">
+                <a16:creationId xmlns:a16="http://schemas.microsoft.com/office/drawing/2014/main" id="{64DBF615-E513-10F3-02B5-F604395CE704}"/>
+              </a:ext>
+            </a:extLst>
+          </p:cNvPr>
+          <p:cNvPicPr>
+            <a:picLocks noChangeAspect="1" noChangeArrowheads="1"/>
+          </p:cNvPicPr>
+          <p:nvPr/>
+        </p:nvPicPr>
+        <p:blipFill>
+          <a:blip r:embed="rId2">
+            <a:extLst>
+              <a:ext uri="{28A0092B-C50C-407E-A947-70E740481C1C}">
+                <a14:useLocalDpi xmlns:a14="http://schemas.microsoft.com/office/drawing/2010/main" val="0"/>
+              </a:ext>
+            </a:extLst>
+          </a:blip>
+          <a:srcRect/>
+          <a:stretch>
+            <a:fillRect/>
+          </a:stretch>
+        </p:blipFill>
+        <p:spPr bwMode="auto">
+          <a:xfrm>
+            <a:off x="-9144" y="2514510"/>
+            <a:ext cx="5987928" cy="4352633"/>
+          </a:xfrm>
+          <a:prstGeom prst="rect">
+            <a:avLst/>
+          </a:prstGeom>
+          <a:noFill/>
+          <a:ln>
+            <a:noFill/>
+          </a:ln>
+          <a:extLst>
+            <a:ext uri="{909E8E84-426E-40DD-AFC4-6F175D3DCCD1}">
+              <a14:hiddenFill xmlns:a14="http://schemas.microsoft.com/office/drawing/2010/main">
+                <a:solidFill>
+                  <a:srgbClr val="FFFFFF"/>
+                </a:solidFill>
+              </a14:hiddenFill>
+            </a:ext>
+            <a:ext uri="{91240B29-F687-4F45-9708-019B960494DF}">
+              <a14:hiddenLine xmlns:a14="http://schemas.microsoft.com/office/drawing/2010/main" w="9525">
+                <a:solidFill>
+                  <a:srgbClr val="000000"/>
+                </a:solidFill>
+                <a:miter lim="800000"/>
+                <a:headEnd/>
+                <a:tailEnd/>
+              </a14:hiddenLine>
+            </a:ext>
+          </a:extLst>
+        </p:spPr>
+      </p:pic>
+      <p:sp>
+        <p:nvSpPr>
+          <p:cNvPr id="4" name="Title 1">
+            <a:extLst>
+              <a:ext uri="{FF2B5EF4-FFF2-40B4-BE49-F238E27FC236}">
+                <a16:creationId xmlns:a16="http://schemas.microsoft.com/office/drawing/2014/main" id="{49965955-9AC8-13A4-E0B7-A7FA682E3098}"/>
+              </a:ext>
+            </a:extLst>
+          </p:cNvPr>
+          <p:cNvSpPr txBox="1">
+            <a:spLocks/>
+          </p:cNvSpPr>
+          <p:nvPr/>
+        </p:nvSpPr>
+        <p:spPr>
+          <a:xfrm>
+            <a:off x="554737" y="1593129"/>
+            <a:ext cx="3514344" cy="1596177"/>
+          </a:xfrm>
+          <a:prstGeom prst="rect">
+            <a:avLst/>
+          </a:prstGeom>
+        </p:spPr>
+        <p:txBody>
+          <a:bodyPr vert="horz" lIns="91440" tIns="45720" rIns="91440" bIns="45720" rtlCol="0" anchor="ctr">
+            <a:normAutofit/>
+          </a:bodyPr>
+          <a:lstStyle>
+            <a:lvl1pPr algn="ctr" defTabSz="914400" rtl="0" eaLnBrk="1" latinLnBrk="0" hangingPunct="1">
+              <a:lnSpc>
+                <a:spcPct val="90000"/>
+              </a:lnSpc>
+              <a:spcBef>
+                <a:spcPct val="0"/>
+              </a:spcBef>
+              <a:buNone/>
+              <a:defRPr sz="3600" kern="1200" cap="all" baseline="0">
+                <a:solidFill>
+                  <a:schemeClr val="tx1"/>
+                </a:solidFill>
+                <a:effectLst/>
+                <a:latin typeface="+mj-lt"/>
+                <a:ea typeface="+mj-ea"/>
+                <a:cs typeface="+mj-cs"/>
+              </a:defRPr>
+            </a:lvl1pPr>
+          </a:lstStyle>
+          <a:p>
+            <a:pPr algn="l"/>
+            <a:r>
+              <a:rPr lang="en-US" sz="2400" dirty="0"/>
+              <a:t>Live board</a:t>
+            </a:r>
+            <a:endParaRPr lang="en-US" dirty="0"/>
+          </a:p>
+        </p:txBody>
+      </p:sp>
+      <p:sp>
+        <p:nvSpPr>
+          <p:cNvPr id="5" name="Title 1">
+            <a:extLst>
+              <a:ext uri="{FF2B5EF4-FFF2-40B4-BE49-F238E27FC236}">
+                <a16:creationId xmlns:a16="http://schemas.microsoft.com/office/drawing/2014/main" id="{768D9167-94B0-72D2-0B4E-2D71D6BEB421}"/>
+              </a:ext>
+            </a:extLst>
+          </p:cNvPr>
+          <p:cNvSpPr txBox="1">
+            <a:spLocks/>
+          </p:cNvSpPr>
+          <p:nvPr/>
+        </p:nvSpPr>
+        <p:spPr>
+          <a:xfrm>
+            <a:off x="7491985" y="1543681"/>
+            <a:ext cx="3514344" cy="1596177"/>
+          </a:xfrm>
+          <a:prstGeom prst="rect">
+            <a:avLst/>
+          </a:prstGeom>
+        </p:spPr>
+        <p:txBody>
+          <a:bodyPr vert="horz" lIns="91440" tIns="45720" rIns="91440" bIns="45720" rtlCol="0" anchor="ctr">
+            <a:normAutofit/>
+          </a:bodyPr>
+          <a:lstStyle>
+            <a:lvl1pPr algn="ctr" defTabSz="914400" rtl="0" eaLnBrk="1" latinLnBrk="0" hangingPunct="1">
+              <a:lnSpc>
+                <a:spcPct val="90000"/>
+              </a:lnSpc>
+              <a:spcBef>
+                <a:spcPct val="0"/>
+              </a:spcBef>
+              <a:buNone/>
+              <a:defRPr sz="3600" kern="1200" cap="all" baseline="0">
+                <a:solidFill>
+                  <a:schemeClr val="tx1"/>
+                </a:solidFill>
+                <a:effectLst/>
+                <a:latin typeface="+mj-lt"/>
+                <a:ea typeface="+mj-ea"/>
+                <a:cs typeface="+mj-cs"/>
+              </a:defRPr>
+            </a:lvl1pPr>
+          </a:lstStyle>
+          <a:p>
+            <a:pPr algn="l"/>
+            <a:r>
+              <a:rPr lang="en-US" sz="2400" dirty="0"/>
+              <a:t>Demo board</a:t>
+            </a:r>
+            <a:endParaRPr lang="en-US" dirty="0"/>
+          </a:p>
+        </p:txBody>
+      </p:sp>
+      <p:pic>
+        <p:nvPicPr>
+          <p:cNvPr id="6" name="Picture 5" descr="A circuit board with wires&#10;&#10;Description automatically generated">
+            <a:extLst>
+              <a:ext uri="{FF2B5EF4-FFF2-40B4-BE49-F238E27FC236}">
+                <a16:creationId xmlns:a16="http://schemas.microsoft.com/office/drawing/2014/main" id="{D218D7C3-28AA-3CB4-6C52-5D3BC9DE6287}"/>
+              </a:ext>
+            </a:extLst>
+          </p:cNvPr>
+          <p:cNvPicPr>
+            <a:picLocks noChangeAspect="1"/>
+          </p:cNvPicPr>
+          <p:nvPr/>
+        </p:nvPicPr>
+        <p:blipFill rotWithShape="1">
+          <a:blip r:embed="rId3">
+            <a:extLst>
+              <a:ext uri="{28A0092B-C50C-407E-A947-70E740481C1C}">
+                <a14:useLocalDpi xmlns:a14="http://schemas.microsoft.com/office/drawing/2010/main" val="0"/>
+              </a:ext>
+            </a:extLst>
+          </a:blip>
+          <a:srcRect b="6732"/>
+          <a:stretch/>
+        </p:blipFill>
+        <p:spPr>
+          <a:xfrm>
+            <a:off x="5978784" y="2511045"/>
+            <a:ext cx="6213216" cy="4346956"/>
+          </a:xfrm>
+          <a:prstGeom prst="rect">
+            <a:avLst/>
+          </a:prstGeom>
+        </p:spPr>
+      </p:pic>
+    </p:spTree>
+    <p:extLst>
+      <p:ext uri="{BB962C8B-B14F-4D97-AF65-F5344CB8AC3E}">
+        <p14:creationId xmlns:p14="http://schemas.microsoft.com/office/powerpoint/2010/main" val="3890808902"/>
+      </p:ext>
+    </p:extLst>
+  </p:cSld>
+  <p:clrMapOvr>
+    <a:masterClrMapping/>
+  </p:clrMapOvr>
+</p:sld>
+</file>
+
+<file path=ppt/slides/slide11.xml><?xml version="1.0" encoding="utf-8"?>
+<p:sld xmlns:a="http://schemas.openxmlformats.org/drawingml/2006/main" xmlns:r="http://schemas.openxmlformats.org/officeDocument/2006/relationships" xmlns:p="http://schemas.openxmlformats.org/presentationml/2006/main">
+  <p:cSld>
+    <p:spTree>
+      <p:nvGrpSpPr>
+        <p:cNvPr id="1" name=""/>
+        <p:cNvGrpSpPr/>
+        <p:nvPr/>
+      </p:nvGrpSpPr>
+      <p:grpSpPr>
+        <a:xfrm>
+          <a:off x="0" y="0"/>
+          <a:ext cx="0" cy="0"/>
+          <a:chOff x="0" y="0"/>
+          <a:chExt cx="0" cy="0"/>
+        </a:xfrm>
+      </p:grpSpPr>
       <p:pic>
         <p:nvPicPr>
           <p:cNvPr id="7" name="Picture 6" descr="A diagram of a program code&#10;&#10;Description automatically generated">
@@ -6608,7 +6882,7 @@
 </p:sld>
 </file>
 
-<file path=ppt/slides/slide11.xml><?xml version="1.0" encoding="utf-8"?>
+<file path=ppt/slides/slide12.xml><?xml version="1.0" encoding="utf-8"?>
 <p:sld xmlns:a="http://schemas.openxmlformats.org/drawingml/2006/main" xmlns:r="http://schemas.openxmlformats.org/officeDocument/2006/relationships" xmlns:p="http://schemas.openxmlformats.org/presentationml/2006/main">
   <p:cSld>
     <p:spTree>
@@ -10781,7 +11055,7 @@
 </p:sld>
 </file>
 
-<file path=ppt/slides/slide12.xml><?xml version="1.0" encoding="utf-8"?>
+<file path=ppt/slides/slide13.xml><?xml version="1.0" encoding="utf-8"?>
 <p:sld xmlns:a="http://schemas.openxmlformats.org/drawingml/2006/main" xmlns:r="http://schemas.openxmlformats.org/officeDocument/2006/relationships" xmlns:p="http://schemas.openxmlformats.org/presentationml/2006/main">
   <p:cSld>
     <p:spTree>
@@ -14227,7 +14501,7 @@
           <p:cNvPr id="2" name="Title 1">
             <a:extLst>
               <a:ext uri="{FF2B5EF4-FFF2-40B4-BE49-F238E27FC236}">
-                <a16:creationId xmlns:a16="http://schemas.microsoft.com/office/drawing/2014/main" id="{93AE3B26-5C0A-121E-2AC9-78726E4AC7F5}"/>
+                <a16:creationId xmlns:a16="http://schemas.microsoft.com/office/drawing/2014/main" id="{0DFE10C1-A007-C344-60A2-5EE93496C903}"/>
               </a:ext>
             </a:extLst>
           </p:cNvPr>
@@ -14241,7 +14515,7 @@
         <p:spPr>
           <a:xfrm>
             <a:off x="0" y="0"/>
-            <a:ext cx="10364451" cy="1596177"/>
+            <a:ext cx="10364451" cy="681776"/>
           </a:xfrm>
         </p:spPr>
         <p:txBody>
@@ -14251,17 +14525,136 @@
             <a:pPr algn="l"/>
             <a:r>
               <a:rPr lang="en-US" dirty="0"/>
-              <a:t>HARDWARE Setups:</a:t>
+              <a:t>Layers of implementation</a:t>
+            </a:r>
+          </a:p>
+        </p:txBody>
+      </p:sp>
+      <p:sp>
+        <p:nvSpPr>
+          <p:cNvPr id="3" name="Content Placeholder 2">
+            <a:extLst>
+              <a:ext uri="{FF2B5EF4-FFF2-40B4-BE49-F238E27FC236}">
+                <a16:creationId xmlns:a16="http://schemas.microsoft.com/office/drawing/2014/main" id="{AFDAF60B-87F1-282D-135C-2465D2211AE8}"/>
+              </a:ext>
+            </a:extLst>
+          </p:cNvPr>
+          <p:cNvSpPr>
+            <a:spLocks noGrp="1"/>
+          </p:cNvSpPr>
+          <p:nvPr>
+            <p:ph idx="1"/>
+          </p:nvPr>
+        </p:nvSpPr>
+        <p:spPr>
+          <a:xfrm>
+            <a:off x="5693790" y="923827"/>
+            <a:ext cx="6620758" cy="6081712"/>
+          </a:xfrm>
+        </p:spPr>
+        <p:txBody>
+          <a:bodyPr/>
+          <a:lstStyle/>
+          <a:p>
+            <a:pPr lvl="1"/>
+            <a:r>
+              <a:rPr lang="en-US" dirty="0"/>
+              <a:t>Test Application</a:t>
+            </a:r>
+          </a:p>
+          <a:p>
+            <a:pPr lvl="2"/>
+            <a:r>
+              <a:rPr lang="en-US" sz="1800" dirty="0"/>
+              <a:t>Sip Loopback and FLASH Testcase</a:t>
+            </a:r>
+          </a:p>
+          <a:p>
+            <a:pPr lvl="1"/>
+            <a:r>
+              <a:rPr lang="en-US" dirty="0"/>
+              <a:t>DEVICE DRIVER</a:t>
+            </a:r>
+          </a:p>
+          <a:p>
+            <a:pPr lvl="2"/>
+            <a:r>
+              <a:rPr lang="en-US" sz="1800" dirty="0"/>
+              <a:t>SPI IP and FLASH Driver and PLATFORM Drivers</a:t>
+            </a:r>
+          </a:p>
+          <a:p>
+            <a:pPr lvl="1"/>
+            <a:r>
+              <a:rPr lang="en-US" dirty="0"/>
+              <a:t>Hardware Abstraction layer</a:t>
+            </a:r>
+          </a:p>
+          <a:p>
+            <a:pPr lvl="2"/>
+            <a:r>
+              <a:rPr lang="en-US" dirty="0"/>
+              <a:t>All Register Definition C macros of all IP</a:t>
+            </a:r>
+          </a:p>
+          <a:p>
+            <a:pPr lvl="1"/>
+            <a:r>
+              <a:rPr lang="en-US" dirty="0"/>
+              <a:t>RTL </a:t>
+            </a:r>
+          </a:p>
+          <a:p>
+            <a:pPr lvl="2"/>
+            <a:r>
+              <a:rPr lang="en-US" dirty="0"/>
+              <a:t>This is the block design generated and Synthesized from VIVADO</a:t>
+            </a:r>
+          </a:p>
+          <a:p>
+            <a:pPr lvl="1"/>
+            <a:r>
+              <a:rPr lang="en-US" dirty="0"/>
+              <a:t>FPGA HARWARE:</a:t>
+            </a:r>
+          </a:p>
+          <a:p>
+            <a:pPr lvl="2"/>
+            <a:r>
+              <a:rPr lang="en-US" dirty="0"/>
+              <a:t>Real hardware where the bitstream file is flashed</a:t>
+            </a:r>
+          </a:p>
+          <a:p>
+            <a:pPr lvl="1"/>
+            <a:r>
+              <a:rPr lang="en-US" dirty="0"/>
+              <a:t>FPGA BOARD</a:t>
+            </a:r>
+          </a:p>
+          <a:p>
+            <a:pPr lvl="2"/>
+            <a:r>
+              <a:rPr lang="en-US" dirty="0"/>
+              <a:t>The Board where the FPGA </a:t>
+            </a:r>
+            <a:r>
+              <a:rPr lang="en-US" dirty="0" err="1"/>
+              <a:t>iC</a:t>
+            </a:r>
+            <a:r>
+              <a:rPr lang="en-US" dirty="0"/>
+              <a:t> is soldered and Connected to Peripherals </a:t>
             </a:r>
           </a:p>
         </p:txBody>
       </p:sp>
       <p:pic>
         <p:nvPicPr>
-          <p:cNvPr id="3074" name="Picture 2" descr="A circuit board with wires and a fan&#10;&#10;Description automatically generated">
+          <p:cNvPr id="1026" name="Picture 2">
             <a:extLst>
               <a:ext uri="{FF2B5EF4-FFF2-40B4-BE49-F238E27FC236}">
-                <a16:creationId xmlns:a16="http://schemas.microsoft.com/office/drawing/2014/main" id="{64DBF615-E513-10F3-02B5-F604395CE704}"/>
+                <a16:creationId xmlns:a16="http://schemas.microsoft.com/office/drawing/2014/main" id="{E05B3B93-8424-B980-A2DF-8A910C556F2F}"/>
               </a:ext>
             </a:extLst>
           </p:cNvPr>
@@ -14285,8 +14678,8 @@
         </p:blipFill>
         <p:spPr bwMode="auto">
           <a:xfrm>
-            <a:off x="-9144" y="2514510"/>
-            <a:ext cx="5987928" cy="4352633"/>
+            <a:off x="1" y="923827"/>
+            <a:ext cx="6165130" cy="5934173"/>
           </a:xfrm>
           <a:prstGeom prst="rect">
             <a:avLst/>
@@ -14316,159 +14709,10 @@
           </a:extLst>
         </p:spPr>
       </p:pic>
-      <p:sp>
-        <p:nvSpPr>
-          <p:cNvPr id="4" name="Title 1">
-            <a:extLst>
-              <a:ext uri="{FF2B5EF4-FFF2-40B4-BE49-F238E27FC236}">
-                <a16:creationId xmlns:a16="http://schemas.microsoft.com/office/drawing/2014/main" id="{49965955-9AC8-13A4-E0B7-A7FA682E3098}"/>
-              </a:ext>
-            </a:extLst>
-          </p:cNvPr>
-          <p:cNvSpPr txBox="1">
-            <a:spLocks/>
-          </p:cNvSpPr>
-          <p:nvPr/>
-        </p:nvSpPr>
-        <p:spPr>
-          <a:xfrm>
-            <a:off x="554737" y="1593129"/>
-            <a:ext cx="3514344" cy="1596177"/>
-          </a:xfrm>
-          <a:prstGeom prst="rect">
-            <a:avLst/>
-          </a:prstGeom>
-        </p:spPr>
-        <p:txBody>
-          <a:bodyPr vert="horz" lIns="91440" tIns="45720" rIns="91440" bIns="45720" rtlCol="0" anchor="ctr">
-            <a:normAutofit/>
-          </a:bodyPr>
-          <a:lstStyle>
-            <a:lvl1pPr algn="ctr" defTabSz="914400" rtl="0" eaLnBrk="1" latinLnBrk="0" hangingPunct="1">
-              <a:lnSpc>
-                <a:spcPct val="90000"/>
-              </a:lnSpc>
-              <a:spcBef>
-                <a:spcPct val="0"/>
-              </a:spcBef>
-              <a:buNone/>
-              <a:defRPr sz="3600" kern="1200" cap="all" baseline="0">
-                <a:solidFill>
-                  <a:schemeClr val="tx1"/>
-                </a:solidFill>
-                <a:effectLst/>
-                <a:latin typeface="+mj-lt"/>
-                <a:ea typeface="+mj-ea"/>
-                <a:cs typeface="+mj-cs"/>
-              </a:defRPr>
-            </a:lvl1pPr>
-          </a:lstStyle>
-          <a:p>
-            <a:pPr algn="l"/>
-            <a:r>
-              <a:rPr lang="en-US" sz="2400" dirty="0"/>
-              <a:t>Live board</a:t>
-            </a:r>
-            <a:endParaRPr lang="en-US" dirty="0"/>
-          </a:p>
-        </p:txBody>
-      </p:sp>
-      <p:sp>
-        <p:nvSpPr>
-          <p:cNvPr id="5" name="Title 1">
-            <a:extLst>
-              <a:ext uri="{FF2B5EF4-FFF2-40B4-BE49-F238E27FC236}">
-                <a16:creationId xmlns:a16="http://schemas.microsoft.com/office/drawing/2014/main" id="{768D9167-94B0-72D2-0B4E-2D71D6BEB421}"/>
-              </a:ext>
-            </a:extLst>
-          </p:cNvPr>
-          <p:cNvSpPr txBox="1">
-            <a:spLocks/>
-          </p:cNvSpPr>
-          <p:nvPr/>
-        </p:nvSpPr>
-        <p:spPr>
-          <a:xfrm>
-            <a:off x="7491985" y="1543681"/>
-            <a:ext cx="3514344" cy="1596177"/>
-          </a:xfrm>
-          <a:prstGeom prst="rect">
-            <a:avLst/>
-          </a:prstGeom>
-        </p:spPr>
-        <p:txBody>
-          <a:bodyPr vert="horz" lIns="91440" tIns="45720" rIns="91440" bIns="45720" rtlCol="0" anchor="ctr">
-            <a:normAutofit/>
-          </a:bodyPr>
-          <a:lstStyle>
-            <a:lvl1pPr algn="ctr" defTabSz="914400" rtl="0" eaLnBrk="1" latinLnBrk="0" hangingPunct="1">
-              <a:lnSpc>
-                <a:spcPct val="90000"/>
-              </a:lnSpc>
-              <a:spcBef>
-                <a:spcPct val="0"/>
-              </a:spcBef>
-              <a:buNone/>
-              <a:defRPr sz="3600" kern="1200" cap="all" baseline="0">
-                <a:solidFill>
-                  <a:schemeClr val="tx1"/>
-                </a:solidFill>
-                <a:effectLst/>
-                <a:latin typeface="+mj-lt"/>
-                <a:ea typeface="+mj-ea"/>
-                <a:cs typeface="+mj-cs"/>
-              </a:defRPr>
-            </a:lvl1pPr>
-          </a:lstStyle>
-          <a:p>
-            <a:pPr algn="l"/>
-            <a:r>
-              <a:rPr lang="en-US" sz="2400" dirty="0"/>
-              <a:t>Demo board</a:t>
-            </a:r>
-            <a:endParaRPr lang="en-US" dirty="0"/>
-          </a:p>
-        </p:txBody>
-      </p:sp>
-      <p:pic>
-        <p:nvPicPr>
-          <p:cNvPr id="6" name="Picture 5" descr="A circuit board with wires&#10;&#10;Description automatically generated">
-            <a:extLst>
-              <a:ext uri="{FF2B5EF4-FFF2-40B4-BE49-F238E27FC236}">
-                <a16:creationId xmlns:a16="http://schemas.microsoft.com/office/drawing/2014/main" id="{D218D7C3-28AA-3CB4-6C52-5D3BC9DE6287}"/>
-              </a:ext>
-            </a:extLst>
-          </p:cNvPr>
-          <p:cNvPicPr>
-            <a:picLocks noChangeAspect="1"/>
-          </p:cNvPicPr>
-          <p:nvPr/>
-        </p:nvPicPr>
-        <p:blipFill rotWithShape="1">
-          <a:blip r:embed="rId3">
-            <a:extLst>
-              <a:ext uri="{28A0092B-C50C-407E-A947-70E740481C1C}">
-                <a14:useLocalDpi xmlns:a14="http://schemas.microsoft.com/office/drawing/2010/main" val="0"/>
-              </a:ext>
-            </a:extLst>
-          </a:blip>
-          <a:srcRect b="6732"/>
-          <a:stretch/>
-        </p:blipFill>
-        <p:spPr>
-          <a:xfrm>
-            <a:off x="5978784" y="2511045"/>
-            <a:ext cx="6213216" cy="4346956"/>
-          </a:xfrm>
-          <a:prstGeom prst="rect">
-            <a:avLst/>
-          </a:prstGeom>
-        </p:spPr>
-      </p:pic>
     </p:spTree>
     <p:extLst>
       <p:ext uri="{BB962C8B-B14F-4D97-AF65-F5344CB8AC3E}">
-        <p14:creationId xmlns:p14="http://schemas.microsoft.com/office/powerpoint/2010/main" val="3890808902"/>
+        <p14:creationId xmlns:p14="http://schemas.microsoft.com/office/powerpoint/2010/main" val="2644443191"/>
       </p:ext>
     </p:extLst>
   </p:cSld>
